--- a/Presentations/DEXA 2015 Presentation.pptx
+++ b/Presentations/DEXA 2015 Presentation.pptx
@@ -5,10 +5,10 @@
     <p:sldMasterId id="2147494087" r:id="rId4"/>
   </p:sldMasterIdLst>
   <p:notesMasterIdLst>
-    <p:notesMasterId r:id="rId25"/>
+    <p:notesMasterId r:id="rId31"/>
   </p:notesMasterIdLst>
   <p:handoutMasterIdLst>
-    <p:handoutMasterId r:id="rId26"/>
+    <p:handoutMasterId r:id="rId32"/>
   </p:handoutMasterIdLst>
   <p:sldIdLst>
     <p:sldId id="256" r:id="rId5"/>
@@ -22,15 +22,21 @@
     <p:sldId id="267" r:id="rId13"/>
     <p:sldId id="285" r:id="rId14"/>
     <p:sldId id="286" r:id="rId15"/>
-    <p:sldId id="269" r:id="rId16"/>
+    <p:sldId id="287" r:id="rId16"/>
     <p:sldId id="271" r:id="rId17"/>
-    <p:sldId id="276" r:id="rId18"/>
-    <p:sldId id="275" r:id="rId19"/>
-    <p:sldId id="274" r:id="rId20"/>
-    <p:sldId id="279" r:id="rId21"/>
-    <p:sldId id="280" r:id="rId22"/>
-    <p:sldId id="278" r:id="rId23"/>
-    <p:sldId id="264" r:id="rId24"/>
+    <p:sldId id="288" r:id="rId18"/>
+    <p:sldId id="289" r:id="rId19"/>
+    <p:sldId id="276" r:id="rId20"/>
+    <p:sldId id="290" r:id="rId21"/>
+    <p:sldId id="275" r:id="rId22"/>
+    <p:sldId id="291" r:id="rId23"/>
+    <p:sldId id="292" r:id="rId24"/>
+    <p:sldId id="274" r:id="rId25"/>
+    <p:sldId id="293" r:id="rId26"/>
+    <p:sldId id="279" r:id="rId27"/>
+    <p:sldId id="280" r:id="rId28"/>
+    <p:sldId id="278" r:id="rId29"/>
+    <p:sldId id="264" r:id="rId30"/>
   </p:sldIdLst>
   <p:sldSz cx="9144000" cy="6858000" type="screen4x3"/>
   <p:notesSz cx="6858000" cy="9144000"/>
@@ -214,7 +220,7 @@
           <a:p>
             <a:fld id="{652FA383-9D4B-AD42-9BF3-88FCA749BE0E}" type="datetimeFigureOut">
               <a:rPr lang="en-US" smtClean="0"/>
-              <a:t>8/19/2015</a:t>
+              <a:t>8/20/2015</a:t>
             </a:fld>
             <a:endParaRPr lang="pt-BR"/>
           </a:p>
@@ -379,7 +385,7 @@
           <a:p>
             <a:fld id="{C888862E-4053-6841-80C1-EE02861216A5}" type="datetimeFigureOut">
               <a:rPr lang="en-US" smtClean="0"/>
-              <a:t>8/19/2015</a:t>
+              <a:t>8/20/2015</a:t>
             </a:fld>
             <a:endParaRPr lang="pt-BR"/>
           </a:p>
@@ -739,6 +745,190 @@
 </p:notes>
 </file>
 
+<file path=ppt/notesSlides/notesSlide10.xml><?xml version="1.0" encoding="utf-8"?>
+<p:notes xmlns:a="http://schemas.openxmlformats.org/drawingml/2006/main" xmlns:r="http://schemas.openxmlformats.org/officeDocument/2006/relationships" xmlns:p="http://schemas.openxmlformats.org/presentationml/2006/main">
+  <p:cSld>
+    <p:spTree>
+      <p:nvGrpSpPr>
+        <p:cNvPr id="1" name=""/>
+        <p:cNvGrpSpPr/>
+        <p:nvPr/>
+      </p:nvGrpSpPr>
+      <p:grpSpPr>
+        <a:xfrm>
+          <a:off x="0" y="0"/>
+          <a:ext cx="0" cy="0"/>
+          <a:chOff x="0" y="0"/>
+          <a:chExt cx="0" cy="0"/>
+        </a:xfrm>
+      </p:grpSpPr>
+      <p:sp>
+        <p:nvSpPr>
+          <p:cNvPr id="2" name="Slide Image Placeholder 1"/>
+          <p:cNvSpPr>
+            <a:spLocks noGrp="1" noRot="1" noChangeAspect="1"/>
+          </p:cNvSpPr>
+          <p:nvPr>
+            <p:ph type="sldImg"/>
+          </p:nvPr>
+        </p:nvSpPr>
+        <p:spPr/>
+      </p:sp>
+      <p:sp>
+        <p:nvSpPr>
+          <p:cNvPr id="3" name="Notes Placeholder 2"/>
+          <p:cNvSpPr>
+            <a:spLocks noGrp="1"/>
+          </p:cNvSpPr>
+          <p:nvPr>
+            <p:ph type="body" idx="1"/>
+          </p:nvPr>
+        </p:nvSpPr>
+        <p:spPr/>
+        <p:txBody>
+          <a:bodyPr/>
+          <a:lstStyle/>
+          <a:p>
+            <a:r>
+              <a:rPr lang="en-US" noProof="0" dirty="0" smtClean="0"/>
+              <a:t>In the</a:t>
+            </a:r>
+            <a:r>
+              <a:rPr lang="en-US" baseline="0" noProof="0" dirty="0" smtClean="0"/>
+              <a:t> second figure, we combined the facet contribution with the facets SLA and Data integration description.</a:t>
+            </a:r>
+            <a:endParaRPr lang="en-US" noProof="0" dirty="0"/>
+          </a:p>
+        </p:txBody>
+      </p:sp>
+      <p:sp>
+        <p:nvSpPr>
+          <p:cNvPr id="4" name="Slide Number Placeholder 3"/>
+          <p:cNvSpPr>
+            <a:spLocks noGrp="1"/>
+          </p:cNvSpPr>
+          <p:nvPr>
+            <p:ph type="sldNum" sz="quarter" idx="10"/>
+          </p:nvPr>
+        </p:nvSpPr>
+        <p:spPr/>
+        <p:txBody>
+          <a:bodyPr/>
+          <a:lstStyle/>
+          <a:p>
+            <a:fld id="{E6F8DC79-C430-E548-A754-84842F9135C3}" type="slidenum">
+              <a:rPr lang="pt-BR" smtClean="0"/>
+              <a:t>16</a:t>
+            </a:fld>
+            <a:endParaRPr lang="pt-BR"/>
+          </a:p>
+        </p:txBody>
+      </p:sp>
+    </p:spTree>
+    <p:extLst>
+      <p:ext uri="{BB962C8B-B14F-4D97-AF65-F5344CB8AC3E}">
+        <p14:creationId xmlns:p14="http://schemas.microsoft.com/office/powerpoint/2010/main" val="1175537499"/>
+      </p:ext>
+    </p:extLst>
+  </p:cSld>
+  <p:clrMapOvr>
+    <a:masterClrMapping/>
+  </p:clrMapOvr>
+</p:notes>
+</file>
+
+<file path=ppt/notesSlides/notesSlide11.xml><?xml version="1.0" encoding="utf-8"?>
+<p:notes xmlns:a="http://schemas.openxmlformats.org/drawingml/2006/main" xmlns:r="http://schemas.openxmlformats.org/officeDocument/2006/relationships" xmlns:p="http://schemas.openxmlformats.org/presentationml/2006/main">
+  <p:cSld>
+    <p:spTree>
+      <p:nvGrpSpPr>
+        <p:cNvPr id="1" name=""/>
+        <p:cNvGrpSpPr/>
+        <p:nvPr/>
+      </p:nvGrpSpPr>
+      <p:grpSpPr>
+        <a:xfrm>
+          <a:off x="0" y="0"/>
+          <a:ext cx="0" cy="0"/>
+          <a:chOff x="0" y="0"/>
+          <a:chExt cx="0" cy="0"/>
+        </a:xfrm>
+      </p:grpSpPr>
+      <p:sp>
+        <p:nvSpPr>
+          <p:cNvPr id="2" name="Slide Image Placeholder 1"/>
+          <p:cNvSpPr>
+            <a:spLocks noGrp="1" noRot="1" noChangeAspect="1"/>
+          </p:cNvSpPr>
+          <p:nvPr>
+            <p:ph type="sldImg"/>
+          </p:nvPr>
+        </p:nvSpPr>
+        <p:spPr/>
+      </p:sp>
+      <p:sp>
+        <p:nvSpPr>
+          <p:cNvPr id="3" name="Notes Placeholder 2"/>
+          <p:cNvSpPr>
+            <a:spLocks noGrp="1"/>
+          </p:cNvSpPr>
+          <p:nvPr>
+            <p:ph type="body" idx="1"/>
+          </p:nvPr>
+        </p:nvSpPr>
+        <p:spPr/>
+        <p:txBody>
+          <a:bodyPr/>
+          <a:lstStyle/>
+          <a:p>
+            <a:r>
+              <a:rPr lang="en-US" noProof="0" dirty="0" smtClean="0"/>
+              <a:t>In the</a:t>
+            </a:r>
+            <a:r>
+              <a:rPr lang="en-US" baseline="0" noProof="0" dirty="0" smtClean="0"/>
+              <a:t> second figure, we combined the facet contribution with the facets SLA and Data integration description.</a:t>
+            </a:r>
+            <a:endParaRPr lang="en-US" noProof="0" dirty="0"/>
+          </a:p>
+        </p:txBody>
+      </p:sp>
+      <p:sp>
+        <p:nvSpPr>
+          <p:cNvPr id="4" name="Slide Number Placeholder 3"/>
+          <p:cNvSpPr>
+            <a:spLocks noGrp="1"/>
+          </p:cNvSpPr>
+          <p:nvPr>
+            <p:ph type="sldNum" sz="quarter" idx="10"/>
+          </p:nvPr>
+        </p:nvSpPr>
+        <p:spPr/>
+        <p:txBody>
+          <a:bodyPr/>
+          <a:lstStyle/>
+          <a:p>
+            <a:fld id="{E6F8DC79-C430-E548-A754-84842F9135C3}" type="slidenum">
+              <a:rPr lang="pt-BR" smtClean="0"/>
+              <a:t>17</a:t>
+            </a:fld>
+            <a:endParaRPr lang="pt-BR"/>
+          </a:p>
+        </p:txBody>
+      </p:sp>
+    </p:spTree>
+    <p:extLst>
+      <p:ext uri="{BB962C8B-B14F-4D97-AF65-F5344CB8AC3E}">
+        <p14:creationId xmlns:p14="http://schemas.microsoft.com/office/powerpoint/2010/main" val="1175537499"/>
+      </p:ext>
+    </p:extLst>
+  </p:cSld>
+  <p:clrMapOvr>
+    <a:masterClrMapping/>
+  </p:clrMapOvr>
+</p:notes>
+</file>
+
 <file path=ppt/notesSlides/notesSlide2.xml><?xml version="1.0" encoding="utf-8"?>
 <p:notes xmlns:a="http://schemas.openxmlformats.org/drawingml/2006/main" xmlns:r="http://schemas.openxmlformats.org/officeDocument/2006/relationships" xmlns:p="http://schemas.openxmlformats.org/presentationml/2006/main">
   <p:cSld>
@@ -1336,11 +1526,11 @@
           <a:p>
             <a:r>
               <a:rPr lang="en-US" noProof="0" dirty="0" smtClean="0"/>
-              <a:t>In the</a:t>
+              <a:t>Our results are in the form of bubble charts. And we combined the different facets</a:t>
             </a:r>
             <a:r>
               <a:rPr lang="en-US" baseline="0" noProof="0" dirty="0" smtClean="0"/>
-              <a:t> second figure, we combined the facet contribution with the facets SLA and Data integration description.</a:t>
+              <a:t> in order to answer our research questions. In this first figure you can see in a timeline the evolution of publications according to our three main facets: data quality, data integration description and data integration environment. Here you can see the emergency of data integration approaches in the cloud environment and only three approaches in the multi-cloud. We can also notice that between the integration strategies the most applied is schema integration. But we also need to revisit them to adapt to our hybrid context. And concerning data quality, privacy and security are the most popular measures proposed in the models, but you can also see that SLA has been widely used.</a:t>
             </a:r>
             <a:endParaRPr lang="en-US" noProof="0" dirty="0"/>
           </a:p>
@@ -1372,7 +1562,99 @@
     </p:spTree>
     <p:extLst>
       <p:ext uri="{BB962C8B-B14F-4D97-AF65-F5344CB8AC3E}">
-        <p14:creationId xmlns:p14="http://schemas.microsoft.com/office/powerpoint/2010/main" val="1175537499"/>
+        <p14:creationId xmlns:p14="http://schemas.microsoft.com/office/powerpoint/2010/main" val="3759479948"/>
+      </p:ext>
+    </p:extLst>
+  </p:cSld>
+  <p:clrMapOvr>
+    <a:masterClrMapping/>
+  </p:clrMapOvr>
+</p:notes>
+</file>
+
+<file path=ppt/notesSlides/notesSlide9.xml><?xml version="1.0" encoding="utf-8"?>
+<p:notes xmlns:a="http://schemas.openxmlformats.org/drawingml/2006/main" xmlns:r="http://schemas.openxmlformats.org/officeDocument/2006/relationships" xmlns:p="http://schemas.openxmlformats.org/presentationml/2006/main">
+  <p:cSld>
+    <p:spTree>
+      <p:nvGrpSpPr>
+        <p:cNvPr id="1" name=""/>
+        <p:cNvGrpSpPr/>
+        <p:nvPr/>
+      </p:nvGrpSpPr>
+      <p:grpSpPr>
+        <a:xfrm>
+          <a:off x="0" y="0"/>
+          <a:ext cx="0" cy="0"/>
+          <a:chOff x="0" y="0"/>
+          <a:chExt cx="0" cy="0"/>
+        </a:xfrm>
+      </p:grpSpPr>
+      <p:sp>
+        <p:nvSpPr>
+          <p:cNvPr id="2" name="Slide Image Placeholder 1"/>
+          <p:cNvSpPr>
+            <a:spLocks noGrp="1" noRot="1" noChangeAspect="1"/>
+          </p:cNvSpPr>
+          <p:nvPr>
+            <p:ph type="sldImg"/>
+          </p:nvPr>
+        </p:nvSpPr>
+        <p:spPr/>
+      </p:sp>
+      <p:sp>
+        <p:nvSpPr>
+          <p:cNvPr id="3" name="Notes Placeholder 2"/>
+          <p:cNvSpPr>
+            <a:spLocks noGrp="1"/>
+          </p:cNvSpPr>
+          <p:nvPr>
+            <p:ph type="body" idx="1"/>
+          </p:nvPr>
+        </p:nvSpPr>
+        <p:spPr/>
+        <p:txBody>
+          <a:bodyPr/>
+          <a:lstStyle/>
+          <a:p>
+            <a:r>
+              <a:rPr lang="en-US" noProof="0" dirty="0" smtClean="0"/>
+              <a:t>Our results are in the form of bubble charts. And we combined the different facets</a:t>
+            </a:r>
+            <a:r>
+              <a:rPr lang="en-US" baseline="0" noProof="0" dirty="0" smtClean="0"/>
+              <a:t> in order to answer our research questions. In this first figure you can see in a timeline the evolution of publications according to our three main facets: data quality, data integration description and data integration environment. Here you can see the emergency of data integration approaches in the cloud environment and only three approaches in the multi-cloud. We can also notice that between the integration strategies the most applied is schema integration. But we also need to revisit them to adapt to our hybrid context. And concerning data quality, privacy and security are the most popular measures proposed in the models, but you can also see that SLA has been widely used.</a:t>
+            </a:r>
+            <a:endParaRPr lang="en-US" noProof="0" dirty="0"/>
+          </a:p>
+        </p:txBody>
+      </p:sp>
+      <p:sp>
+        <p:nvSpPr>
+          <p:cNvPr id="4" name="Slide Number Placeholder 3"/>
+          <p:cNvSpPr>
+            <a:spLocks noGrp="1"/>
+          </p:cNvSpPr>
+          <p:nvPr>
+            <p:ph type="sldNum" sz="quarter" idx="10"/>
+          </p:nvPr>
+        </p:nvSpPr>
+        <p:spPr/>
+        <p:txBody>
+          <a:bodyPr/>
+          <a:lstStyle/>
+          <a:p>
+            <a:fld id="{E6F8DC79-C430-E548-A754-84842F9135C3}" type="slidenum">
+              <a:rPr lang="pt-BR" smtClean="0"/>
+              <a:t>15</a:t>
+            </a:fld>
+            <a:endParaRPr lang="pt-BR"/>
+          </a:p>
+        </p:txBody>
+      </p:sp>
+    </p:spTree>
+    <p:extLst>
+      <p:ext uri="{BB962C8B-B14F-4D97-AF65-F5344CB8AC3E}">
+        <p14:creationId xmlns:p14="http://schemas.microsoft.com/office/powerpoint/2010/main" val="3759479948"/>
       </p:ext>
     </p:extLst>
   </p:cSld>
@@ -1575,7 +1857,7 @@
             <a:fld id="{8ACDB3CC-F982-40F9-8DD6-BCC9AFBF44BD}" type="datetime1">
               <a:rPr lang="en-US" smtClean="0"/>
               <a:pPr/>
-              <a:t>8/19/2015</a:t>
+              <a:t>8/20/2015</a:t>
             </a:fld>
             <a:endParaRPr lang="en-US" dirty="0"/>
           </a:p>
@@ -1740,7 +2022,7 @@
           <a:p>
             <a:fld id="{68C2560D-EC28-3B41-86E8-18F1CE0113B4}" type="datetimeFigureOut">
               <a:rPr lang="en-US" smtClean="0"/>
-              <a:t>8/19/2015</a:t>
+              <a:t>8/20/2015</a:t>
             </a:fld>
             <a:endParaRPr lang="en-US"/>
           </a:p>
@@ -1915,7 +2197,7 @@
           <a:p>
             <a:fld id="{68C2560D-EC28-3B41-86E8-18F1CE0113B4}" type="datetimeFigureOut">
               <a:rPr lang="en-US" smtClean="0"/>
-              <a:t>8/19/2015</a:t>
+              <a:t>8/20/2015</a:t>
             </a:fld>
             <a:endParaRPr lang="en-US"/>
           </a:p>
@@ -2098,7 +2380,7 @@
           <a:p>
             <a:fld id="{68C2560D-EC28-3B41-86E8-18F1CE0113B4}" type="datetimeFigureOut">
               <a:rPr lang="en-US" smtClean="0"/>
-              <a:t>8/19/2015</a:t>
+              <a:t>8/20/2015</a:t>
             </a:fld>
             <a:endParaRPr lang="en-US"/>
           </a:p>
@@ -2361,7 +2643,7 @@
             <a:fld id="{4A9E7B99-7C3F-4BC3-B7B8-7E1F8C620B24}" type="datetime1">
               <a:rPr lang="en-US" smtClean="0"/>
               <a:pPr/>
-              <a:t>8/19/2015</a:t>
+              <a:t>8/20/2015</a:t>
             </a:fld>
             <a:endParaRPr lang="en-US"/>
           </a:p>
@@ -2709,7 +2991,7 @@
           <a:p>
             <a:fld id="{68C2560D-EC28-3B41-86E8-18F1CE0113B4}" type="datetimeFigureOut">
               <a:rPr lang="en-US" smtClean="0"/>
-              <a:t>8/19/2015</a:t>
+              <a:t>8/20/2015</a:t>
             </a:fld>
             <a:endParaRPr lang="en-US"/>
           </a:p>
@@ -3017,7 +3299,7 @@
           <a:p>
             <a:fld id="{68C2560D-EC28-3B41-86E8-18F1CE0113B4}" type="datetimeFigureOut">
               <a:rPr lang="en-US" smtClean="0"/>
-              <a:t>8/19/2015</a:t>
+              <a:t>8/20/2015</a:t>
             </a:fld>
             <a:endParaRPr lang="en-US"/>
           </a:p>
@@ -3244,7 +3526,7 @@
           <a:p>
             <a:fld id="{68C2560D-EC28-3B41-86E8-18F1CE0113B4}" type="datetimeFigureOut">
               <a:rPr lang="en-US" smtClean="0"/>
-              <a:t>8/19/2015</a:t>
+              <a:t>8/20/2015</a:t>
             </a:fld>
             <a:endParaRPr lang="en-US"/>
           </a:p>
@@ -3334,7 +3616,7 @@
           <a:p>
             <a:fld id="{68C2560D-EC28-3B41-86E8-18F1CE0113B4}" type="datetimeFigureOut">
               <a:rPr lang="en-US" smtClean="0"/>
-              <a:t>8/19/2015</a:t>
+              <a:t>8/20/2015</a:t>
             </a:fld>
             <a:endParaRPr lang="en-US"/>
           </a:p>
@@ -3622,7 +3904,7 @@
           <a:p>
             <a:fld id="{68C2560D-EC28-3B41-86E8-18F1CE0113B4}" type="datetimeFigureOut">
               <a:rPr lang="en-US" smtClean="0"/>
-              <a:t>8/19/2015</a:t>
+              <a:t>8/20/2015</a:t>
             </a:fld>
             <a:endParaRPr lang="en-US"/>
           </a:p>
@@ -3892,7 +4174,7 @@
           <a:p>
             <a:fld id="{68C2560D-EC28-3B41-86E8-18F1CE0113B4}" type="datetimeFigureOut">
               <a:rPr lang="en-US" smtClean="0"/>
-              <a:t>8/19/2015</a:t>
+              <a:t>8/20/2015</a:t>
             </a:fld>
             <a:endParaRPr lang="en-US"/>
           </a:p>
@@ -4102,7 +4384,7 @@
           <a:p>
             <a:fld id="{68C2560D-EC28-3B41-86E8-18F1CE0113B4}" type="datetimeFigureOut">
               <a:rPr lang="en-US" smtClean="0"/>
-              <a:t>8/19/2015</a:t>
+              <a:t>8/20/2015</a:t>
             </a:fld>
             <a:endParaRPr lang="en-US"/>
           </a:p>
@@ -7157,12 +7439,7 @@
             <p:ph type="title"/>
           </p:nvPr>
         </p:nvSpPr>
-        <p:spPr>
-          <a:xfrm>
-            <a:off x="457200" y="-351700"/>
-            <a:ext cx="8229600" cy="1600200"/>
-          </a:xfrm>
-        </p:spPr>
+        <p:spPr/>
         <p:txBody>
           <a:bodyPr>
             <a:normAutofit/>
@@ -7171,7 +7448,14 @@
           <a:p>
             <a:r>
               <a:rPr lang="en-US" sz="4800" dirty="0" smtClean="0"/>
-              <a:t>Defining classification facets</a:t>
+              <a:t>Approach</a:t>
+            </a:r>
+            <a:br>
+              <a:rPr lang="en-US" sz="4800" dirty="0" smtClean="0"/>
+            </a:br>
+            <a:r>
+              <a:rPr lang="en-US" sz="2800" dirty="0" smtClean="0"/>
+              <a:t>Producing the mapping </a:t>
             </a:r>
             <a:endParaRPr lang="en-US" sz="4800" dirty="0"/>
           </a:p>
@@ -7179,7 +7463,7 @@
       </p:sp>
       <p:sp>
         <p:nvSpPr>
-          <p:cNvPr id="3" name="Espace réservé du contenu 2"/>
+          <p:cNvPr id="3" name="Content Placeholder 2"/>
           <p:cNvSpPr>
             <a:spLocks noGrp="1"/>
           </p:cNvSpPr>
@@ -7189,100 +7473,47 @@
         </p:nvSpPr>
         <p:spPr/>
         <p:txBody>
-          <a:bodyPr/>
+          <a:bodyPr>
+            <a:normAutofit/>
+          </a:bodyPr>
           <a:lstStyle/>
           <a:p>
             <a:pPr algn="just"/>
+            <a:endParaRPr lang="en-US" dirty="0" smtClean="0">
+              <a:solidFill>
+                <a:srgbClr val="000000"/>
+              </a:solidFill>
+            </a:endParaRPr>
+          </a:p>
+          <a:p>
+            <a:pPr algn="just"/>
             <a:r>
               <a:rPr lang="en-US" dirty="0" smtClean="0">
                 <a:solidFill>
                   <a:schemeClr val="tx1"/>
                 </a:solidFill>
               </a:rPr>
-              <a:t>The titles and abstracts of the papers retrieved were analyzed using information retrieval techniques to identify frequent terms </a:t>
+              <a:t>We sorted the papers according to different classification schemes</a:t>
             </a:r>
           </a:p>
           <a:p>
             <a:pPr algn="just"/>
+            <a:endParaRPr lang="en-US" dirty="0" smtClean="0">
+              <a:solidFill>
+                <a:schemeClr val="tx1"/>
+              </a:solidFill>
+            </a:endParaRPr>
+          </a:p>
+          <a:p>
+            <a:pPr algn="just"/>
             <a:r>
               <a:rPr lang="en-US" dirty="0" smtClean="0">
                 <a:solidFill>
                   <a:schemeClr val="tx1"/>
                 </a:solidFill>
               </a:rPr>
-              <a:t>We used these terms for proposing a classification scheme consisting of three facets that group dimensions. They are:</a:t>
-            </a:r>
-          </a:p>
-          <a:p>
-            <a:pPr lvl="1" algn="just"/>
-            <a:r>
-              <a:rPr lang="en-US" dirty="0" smtClean="0">
-                <a:solidFill>
-                  <a:schemeClr val="tx1"/>
-                </a:solidFill>
-              </a:rPr>
-              <a:t>Data integration environment</a:t>
-            </a:r>
-          </a:p>
-          <a:p>
-            <a:pPr lvl="1" algn="just"/>
-            <a:r>
-              <a:rPr lang="en-US" dirty="0" smtClean="0">
-                <a:solidFill>
-                  <a:schemeClr val="tx1"/>
-                </a:solidFill>
-              </a:rPr>
-              <a:t>Data integration description</a:t>
-            </a:r>
-          </a:p>
-          <a:p>
-            <a:pPr lvl="1" algn="just"/>
-            <a:r>
-              <a:rPr lang="en-US" dirty="0" smtClean="0">
-                <a:solidFill>
-                  <a:schemeClr val="tx1"/>
-                </a:solidFill>
-              </a:rPr>
-              <a:t>Data quality</a:t>
-            </a:r>
-          </a:p>
-          <a:p>
-            <a:pPr algn="just"/>
-            <a:r>
-              <a:rPr lang="en-US" dirty="0">
-                <a:solidFill>
-                  <a:schemeClr val="tx1"/>
-                </a:solidFill>
-              </a:rPr>
-              <a:t>The original vision of our </a:t>
-            </a:r>
-            <a:r>
-              <a:rPr lang="en-US" dirty="0" smtClean="0">
-                <a:solidFill>
-                  <a:schemeClr val="tx1"/>
-                </a:solidFill>
-              </a:rPr>
-              <a:t>classification </a:t>
-            </a:r>
-            <a:r>
-              <a:rPr lang="en-US" dirty="0">
-                <a:solidFill>
-                  <a:schemeClr val="tx1"/>
-                </a:solidFill>
-              </a:rPr>
-              <a:t>scheme is that of adding the notion of quality to data integration represented by the facets data quality and </a:t>
-            </a:r>
-            <a:r>
-              <a:rPr lang="en-US" dirty="0" smtClean="0">
-                <a:solidFill>
-                  <a:schemeClr val="tx1"/>
-                </a:solidFill>
-              </a:rPr>
-              <a:t>SLA</a:t>
-            </a:r>
-          </a:p>
-          <a:p>
-            <a:pPr algn="just"/>
+              <a:t>The mapping results were expressed using bubble charts</a:t>
+            </a:r>
             <a:endParaRPr lang="en-US" dirty="0">
               <a:solidFill>
                 <a:schemeClr val="tx1"/>
@@ -7294,7 +7525,7 @@
     </p:spTree>
     <p:extLst>
       <p:ext uri="{BB962C8B-B14F-4D97-AF65-F5344CB8AC3E}">
-        <p14:creationId xmlns:p14="http://schemas.microsoft.com/office/powerpoint/2010/main" val="2305600626"/>
+        <p14:creationId xmlns:p14="http://schemas.microsoft.com/office/powerpoint/2010/main" val="3081549373"/>
       </p:ext>
     </p:extLst>
   </p:cSld>
@@ -7364,36 +7595,91 @@
           </a:p>
         </p:txBody>
       </p:sp>
-      <p:pic>
-        <p:nvPicPr>
-          <p:cNvPr id="7" name="Picture 6"/>
-          <p:cNvPicPr>
-            <a:picLocks noChangeAspect="1"/>
-          </p:cNvPicPr>
-          <p:nvPr/>
-        </p:nvPicPr>
-        <p:blipFill>
-          <a:blip r:embed="rId3">
-            <a:extLst>
-              <a:ext uri="{28A0092B-C50C-407E-A947-70E740481C1C}">
-                <a14:useLocalDpi xmlns:a14="http://schemas.microsoft.com/office/drawing/2010/main" val="0"/>
-              </a:ext>
-            </a:extLst>
-          </a:blip>
-          <a:stretch>
-            <a:fillRect/>
-          </a:stretch>
-        </p:blipFill>
+      <p:sp>
+        <p:nvSpPr>
+          <p:cNvPr id="5" name="Content Placeholder 2"/>
+          <p:cNvSpPr>
+            <a:spLocks noGrp="1"/>
+          </p:cNvSpPr>
+          <p:nvPr>
+            <p:ph idx="1"/>
+          </p:nvPr>
+        </p:nvSpPr>
         <p:spPr>
           <a:xfrm>
-            <a:off x="1380460" y="810062"/>
-            <a:ext cx="6383079" cy="5949942"/>
+            <a:off x="457200" y="1600200"/>
+            <a:ext cx="8229600" cy="4525963"/>
           </a:xfrm>
-          <a:prstGeom prst="rect">
-            <a:avLst/>
-          </a:prstGeom>
         </p:spPr>
-      </p:pic>
+        <p:txBody>
+          <a:bodyPr>
+            <a:normAutofit/>
+          </a:bodyPr>
+          <a:lstStyle/>
+          <a:p>
+            <a:pPr algn="just"/>
+            <a:r>
+              <a:rPr lang="en-US" dirty="0" smtClean="0">
+                <a:solidFill>
+                  <a:schemeClr val="tx1"/>
+                </a:solidFill>
+              </a:rPr>
+              <a:t>The purpose of the first chart is: </a:t>
+            </a:r>
+          </a:p>
+          <a:p>
+            <a:pPr algn="just"/>
+            <a:endParaRPr lang="en-US" dirty="0">
+              <a:solidFill>
+                <a:schemeClr val="tx1"/>
+              </a:solidFill>
+            </a:endParaRPr>
+          </a:p>
+          <a:p>
+            <a:pPr lvl="1" algn="just"/>
+            <a:r>
+              <a:rPr lang="en-US" dirty="0">
+                <a:solidFill>
+                  <a:schemeClr val="tx1"/>
+                </a:solidFill>
+              </a:rPr>
+              <a:t>T</a:t>
+            </a:r>
+            <a:r>
+              <a:rPr lang="en-US" dirty="0" smtClean="0">
+                <a:solidFill>
+                  <a:schemeClr val="tx1"/>
+                </a:solidFill>
+              </a:rPr>
+              <a:t>o observe the evolution of the publications trend </a:t>
+            </a:r>
+          </a:p>
+          <a:p>
+            <a:pPr algn="just"/>
+            <a:endParaRPr lang="en-US" dirty="0" smtClean="0">
+              <a:solidFill>
+                <a:schemeClr val="tx1"/>
+              </a:solidFill>
+            </a:endParaRPr>
+          </a:p>
+          <a:p>
+            <a:pPr lvl="1" algn="just"/>
+            <a:r>
+              <a:rPr lang="en-US" dirty="0" smtClean="0">
+                <a:solidFill>
+                  <a:schemeClr val="tx1"/>
+                </a:solidFill>
+              </a:rPr>
+              <a:t>To help us analyzing the second research question, answering when the publications started to include issues introduced by the cloud</a:t>
+            </a:r>
+            <a:endParaRPr lang="en-US" dirty="0">
+              <a:solidFill>
+                <a:schemeClr val="tx1"/>
+              </a:solidFill>
+            </a:endParaRPr>
+          </a:p>
+        </p:txBody>
+      </p:sp>
     </p:spTree>
     <p:extLst>
       <p:ext uri="{BB962C8B-B14F-4D97-AF65-F5344CB8AC3E}">
@@ -7460,9 +7746,10 @@
           <a:lstStyle/>
           <a:p>
             <a:r>
-              <a:rPr lang="en-US" sz="4400" dirty="0"/>
+              <a:rPr lang="en-US" sz="4400" dirty="0" smtClean="0"/>
               <a:t>Quantitative Analysis</a:t>
             </a:r>
+            <a:endParaRPr lang="en-US" sz="4400" dirty="0"/>
           </a:p>
         </p:txBody>
       </p:sp>
@@ -7488,18 +7775,141 @@
         </p:blipFill>
         <p:spPr>
           <a:xfrm>
-            <a:off x="324060" y="1090104"/>
-            <a:ext cx="8495879" cy="5389858"/>
+            <a:off x="1380460" y="810062"/>
+            <a:ext cx="6383079" cy="5949942"/>
           </a:xfrm>
           <a:prstGeom prst="rect">
             <a:avLst/>
           </a:prstGeom>
         </p:spPr>
       </p:pic>
+      <p:sp>
+        <p:nvSpPr>
+          <p:cNvPr id="3" name="ZoneTexte 2"/>
+          <p:cNvSpPr txBox="1"/>
+          <p:nvPr/>
+        </p:nvSpPr>
+        <p:spPr>
+          <a:xfrm>
+            <a:off x="337627" y="2630646"/>
+            <a:ext cx="8435323" cy="923330"/>
+          </a:xfrm>
+          <a:prstGeom prst="rect">
+            <a:avLst/>
+          </a:prstGeom>
+          <a:solidFill>
+            <a:schemeClr val="accent3">
+              <a:lumMod val="40000"/>
+              <a:lumOff val="60000"/>
+            </a:schemeClr>
+          </a:solidFill>
+          <a:ln>
+            <a:solidFill>
+              <a:schemeClr val="accent2">
+                <a:lumMod val="75000"/>
+              </a:schemeClr>
+            </a:solidFill>
+          </a:ln>
+        </p:spPr>
+        <p:txBody>
+          <a:bodyPr wrap="none" rtlCol="0">
+            <a:spAutoFit/>
+          </a:bodyPr>
+          <a:lstStyle/>
+          <a:p>
+            <a:endParaRPr lang="en-US" dirty="0" smtClean="0">
+              <a:latin typeface="+mj-lt"/>
+            </a:endParaRPr>
+          </a:p>
+          <a:p>
+            <a:r>
+              <a:rPr lang="en-US" dirty="0" smtClean="0">
+                <a:latin typeface="+mj-lt"/>
+              </a:rPr>
+              <a:t>SLA has emerged when cloud issues started to be addressed around 2009</a:t>
+            </a:r>
+          </a:p>
+          <a:p>
+            <a:endParaRPr lang="en-US" dirty="0">
+              <a:latin typeface="+mj-lt"/>
+            </a:endParaRPr>
+          </a:p>
+        </p:txBody>
+      </p:sp>
+      <p:sp>
+        <p:nvSpPr>
+          <p:cNvPr id="5" name="ZoneTexte 4"/>
+          <p:cNvSpPr txBox="1"/>
+          <p:nvPr/>
+        </p:nvSpPr>
+        <p:spPr>
+          <a:xfrm>
+            <a:off x="436102" y="3698880"/>
+            <a:ext cx="8186857" cy="1200329"/>
+          </a:xfrm>
+          <a:prstGeom prst="rect">
+            <a:avLst/>
+          </a:prstGeom>
+          <a:solidFill>
+            <a:schemeClr val="accent3">
+              <a:lumMod val="40000"/>
+              <a:lumOff val="60000"/>
+            </a:schemeClr>
+          </a:solidFill>
+          <a:ln>
+            <a:solidFill>
+              <a:schemeClr val="accent2">
+                <a:lumMod val="75000"/>
+              </a:schemeClr>
+            </a:solidFill>
+          </a:ln>
+        </p:spPr>
+        <p:txBody>
+          <a:bodyPr wrap="none" rtlCol="0">
+            <a:spAutoFit/>
+          </a:bodyPr>
+          <a:lstStyle/>
+          <a:p>
+            <a:pPr algn="ctr"/>
+            <a:endParaRPr lang="en-US" dirty="0" smtClean="0">
+              <a:latin typeface="+mj-lt"/>
+            </a:endParaRPr>
+          </a:p>
+          <a:p>
+            <a:pPr algn="ctr"/>
+            <a:r>
+              <a:rPr lang="en-US" dirty="0" smtClean="0">
+                <a:latin typeface="+mj-lt"/>
+              </a:rPr>
+              <a:t>The number of publications has increased as cloud infrastructures have </a:t>
+            </a:r>
+          </a:p>
+          <a:p>
+            <a:pPr algn="ctr"/>
+            <a:r>
+              <a:rPr lang="en-US" dirty="0">
+                <a:latin typeface="+mj-lt"/>
+              </a:rPr>
+              <a:t>b</a:t>
+            </a:r>
+            <a:r>
+              <a:rPr lang="en-US" dirty="0" smtClean="0">
+                <a:latin typeface="+mj-lt"/>
+              </a:rPr>
+              <a:t>ecome more popular and accessible </a:t>
+            </a:r>
+          </a:p>
+          <a:p>
+            <a:endParaRPr lang="en-US" dirty="0">
+              <a:latin typeface="+mj-lt"/>
+            </a:endParaRPr>
+          </a:p>
+        </p:txBody>
+      </p:sp>
     </p:spTree>
     <p:extLst>
       <p:ext uri="{BB962C8B-B14F-4D97-AF65-F5344CB8AC3E}">
-        <p14:creationId xmlns:p14="http://schemas.microsoft.com/office/powerpoint/2010/main" val="3344272149"/>
+        <p14:creationId xmlns:p14="http://schemas.microsoft.com/office/powerpoint/2010/main" val="69555297"/>
       </p:ext>
     </p:extLst>
   </p:cSld>
@@ -7517,9 +7927,142 @@
   <p:timing>
     <p:tnLst>
       <p:par>
-        <p:cTn id="1" dur="indefinite" restart="never" nodeType="tmRoot"/>
+        <p:cTn id="1" dur="indefinite" restart="never" nodeType="tmRoot">
+          <p:childTnLst>
+            <p:seq concurrent="1" nextAc="seek">
+              <p:cTn id="2" dur="indefinite" nodeType="mainSeq">
+                <p:childTnLst>
+                  <p:par>
+                    <p:cTn id="3" fill="hold">
+                      <p:stCondLst>
+                        <p:cond delay="indefinite"/>
+                      </p:stCondLst>
+                      <p:childTnLst>
+                        <p:par>
+                          <p:cTn id="4" fill="hold">
+                            <p:stCondLst>
+                              <p:cond delay="0"/>
+                            </p:stCondLst>
+                            <p:childTnLst>
+                              <p:par>
+                                <p:cTn id="5" presetID="10" presetClass="entr" presetSubtype="0" fill="hold" grpId="0" nodeType="clickEffect">
+                                  <p:stCondLst>
+                                    <p:cond delay="0"/>
+                                  </p:stCondLst>
+                                  <p:childTnLst>
+                                    <p:set>
+                                      <p:cBhvr>
+                                        <p:cTn id="6" dur="1" fill="hold">
+                                          <p:stCondLst>
+                                            <p:cond delay="0"/>
+                                          </p:stCondLst>
+                                        </p:cTn>
+                                        <p:tgtEl>
+                                          <p:spTgt spid="3"/>
+                                        </p:tgtEl>
+                                        <p:attrNameLst>
+                                          <p:attrName>style.visibility</p:attrName>
+                                        </p:attrNameLst>
+                                      </p:cBhvr>
+                                      <p:to>
+                                        <p:strVal val="visible"/>
+                                      </p:to>
+                                    </p:set>
+                                    <p:animEffect transition="in" filter="fade">
+                                      <p:cBhvr>
+                                        <p:cTn id="7" dur="500"/>
+                                        <p:tgtEl>
+                                          <p:spTgt spid="3"/>
+                                        </p:tgtEl>
+                                      </p:cBhvr>
+                                    </p:animEffect>
+                                  </p:childTnLst>
+                                </p:cTn>
+                              </p:par>
+                            </p:childTnLst>
+                          </p:cTn>
+                        </p:par>
+                      </p:childTnLst>
+                    </p:cTn>
+                  </p:par>
+                  <p:par>
+                    <p:cTn id="8" fill="hold">
+                      <p:stCondLst>
+                        <p:cond delay="indefinite"/>
+                      </p:stCondLst>
+                      <p:childTnLst>
+                        <p:par>
+                          <p:cTn id="9" fill="hold">
+                            <p:stCondLst>
+                              <p:cond delay="0"/>
+                            </p:stCondLst>
+                            <p:childTnLst>
+                              <p:par>
+                                <p:cTn id="10" presetID="10" presetClass="entr" presetSubtype="0" fill="hold" grpId="0" nodeType="clickEffect">
+                                  <p:stCondLst>
+                                    <p:cond delay="0"/>
+                                  </p:stCondLst>
+                                  <p:childTnLst>
+                                    <p:set>
+                                      <p:cBhvr>
+                                        <p:cTn id="11" dur="1" fill="hold">
+                                          <p:stCondLst>
+                                            <p:cond delay="0"/>
+                                          </p:stCondLst>
+                                        </p:cTn>
+                                        <p:tgtEl>
+                                          <p:spTgt spid="5"/>
+                                        </p:tgtEl>
+                                        <p:attrNameLst>
+                                          <p:attrName>style.visibility</p:attrName>
+                                        </p:attrNameLst>
+                                      </p:cBhvr>
+                                      <p:to>
+                                        <p:strVal val="visible"/>
+                                      </p:to>
+                                    </p:set>
+                                    <p:animEffect transition="in" filter="fade">
+                                      <p:cBhvr>
+                                        <p:cTn id="12" dur="500"/>
+                                        <p:tgtEl>
+                                          <p:spTgt spid="5"/>
+                                        </p:tgtEl>
+                                      </p:cBhvr>
+                                    </p:animEffect>
+                                  </p:childTnLst>
+                                </p:cTn>
+                              </p:par>
+                            </p:childTnLst>
+                          </p:cTn>
+                        </p:par>
+                      </p:childTnLst>
+                    </p:cTn>
+                  </p:par>
+                </p:childTnLst>
+              </p:cTn>
+              <p:prevCondLst>
+                <p:cond evt="onPrev" delay="0">
+                  <p:tgtEl>
+                    <p:sldTgt/>
+                  </p:tgtEl>
+                </p:cond>
+              </p:prevCondLst>
+              <p:nextCondLst>
+                <p:cond evt="onNext" delay="0">
+                  <p:tgtEl>
+                    <p:sldTgt/>
+                  </p:tgtEl>
+                </p:cond>
+              </p:nextCondLst>
+            </p:seq>
+          </p:childTnLst>
+        </p:cTn>
       </p:par>
     </p:tnLst>
+    <p:bldLst>
+      <p:bldP spid="3" grpId="0" animBg="1"/>
+      <p:bldP spid="5" grpId="0" animBg="1"/>
+    </p:bldLst>
   </p:timing>
 </p:sld>
 </file>
@@ -7562,9 +8105,10 @@
           <a:lstStyle/>
           <a:p>
             <a:r>
-              <a:rPr lang="en-US" sz="4400" dirty="0"/>
+              <a:rPr lang="en-US" sz="4400" dirty="0" smtClean="0"/>
               <a:t>Quantitative Analysis</a:t>
             </a:r>
+            <a:endParaRPr lang="en-US" sz="4400" dirty="0"/>
           </a:p>
         </p:txBody>
       </p:sp>
@@ -7577,7 +8121,7 @@
           <p:nvPr/>
         </p:nvPicPr>
         <p:blipFill>
-          <a:blip r:embed="rId2">
+          <a:blip r:embed="rId3">
             <a:extLst>
               <a:ext uri="{28A0092B-C50C-407E-A947-70E740481C1C}">
                 <a14:useLocalDpi xmlns:a14="http://schemas.microsoft.com/office/drawing/2010/main" val="0"/>
@@ -7590,18 +8134,90 @@
         </p:blipFill>
         <p:spPr>
           <a:xfrm>
-            <a:off x="130664" y="2079442"/>
-            <a:ext cx="8943283" cy="3593282"/>
+            <a:off x="1380460" y="810062"/>
+            <a:ext cx="6383079" cy="5949942"/>
           </a:xfrm>
           <a:prstGeom prst="rect">
             <a:avLst/>
           </a:prstGeom>
         </p:spPr>
       </p:pic>
+      <p:sp>
+        <p:nvSpPr>
+          <p:cNvPr id="6" name="ZoneTexte 5"/>
+          <p:cNvSpPr txBox="1"/>
+          <p:nvPr/>
+        </p:nvSpPr>
+        <p:spPr>
+          <a:xfrm>
+            <a:off x="209273" y="2360949"/>
+            <a:ext cx="8722260" cy="1200329"/>
+          </a:xfrm>
+          <a:prstGeom prst="rect">
+            <a:avLst/>
+          </a:prstGeom>
+          <a:solidFill>
+            <a:schemeClr val="accent3">
+              <a:lumMod val="40000"/>
+              <a:lumOff val="60000"/>
+            </a:schemeClr>
+          </a:solidFill>
+          <a:ln>
+            <a:solidFill>
+              <a:schemeClr val="accent2">
+                <a:lumMod val="75000"/>
+              </a:schemeClr>
+            </a:solidFill>
+          </a:ln>
+        </p:spPr>
+        <p:txBody>
+          <a:bodyPr wrap="none" rtlCol="0">
+            <a:spAutoFit/>
+          </a:bodyPr>
+          <a:lstStyle/>
+          <a:p>
+            <a:endParaRPr lang="en-US" dirty="0" smtClean="0">
+              <a:latin typeface="+mj-lt"/>
+            </a:endParaRPr>
+          </a:p>
+          <a:p>
+            <a:pPr algn="ctr"/>
+            <a:r>
+              <a:rPr lang="en-US" dirty="0" smtClean="0">
+                <a:latin typeface="+mj-lt"/>
+              </a:rPr>
+              <a:t>It seems that data integration is an  open issue when it is combined with SLA </a:t>
+            </a:r>
+          </a:p>
+          <a:p>
+            <a:pPr algn="ctr"/>
+            <a:r>
+              <a:rPr lang="fr-FR" dirty="0">
+                <a:latin typeface="+mj-lt"/>
+              </a:rPr>
+              <a:t>a</a:t>
+            </a:r>
+            <a:r>
+              <a:rPr lang="fr-FR" dirty="0" smtClean="0">
+                <a:latin typeface="+mj-lt"/>
+              </a:rPr>
+              <a:t>nd cloud trends</a:t>
+            </a:r>
+            <a:endParaRPr lang="en-US" dirty="0" smtClean="0">
+              <a:latin typeface="+mj-lt"/>
+            </a:endParaRPr>
+          </a:p>
+          <a:p>
+            <a:endParaRPr lang="en-US" dirty="0">
+              <a:latin typeface="+mj-lt"/>
+            </a:endParaRPr>
+          </a:p>
+        </p:txBody>
+      </p:sp>
     </p:spTree>
     <p:extLst>
       <p:ext uri="{BB962C8B-B14F-4D97-AF65-F5344CB8AC3E}">
-        <p14:creationId xmlns:p14="http://schemas.microsoft.com/office/powerpoint/2010/main" val="3768743385"/>
+        <p14:creationId xmlns:p14="http://schemas.microsoft.com/office/powerpoint/2010/main" val="3648658550"/>
       </p:ext>
     </p:extLst>
   </p:cSld>
@@ -7619,9 +8235,88 @@
   <p:timing>
     <p:tnLst>
       <p:par>
-        <p:cTn id="1" dur="indefinite" restart="never" nodeType="tmRoot"/>
+        <p:cTn id="1" dur="indefinite" restart="never" nodeType="tmRoot">
+          <p:childTnLst>
+            <p:seq concurrent="1" nextAc="seek">
+              <p:cTn id="2" dur="indefinite" nodeType="mainSeq">
+                <p:childTnLst>
+                  <p:par>
+                    <p:cTn id="3" fill="hold">
+                      <p:stCondLst>
+                        <p:cond delay="indefinite"/>
+                      </p:stCondLst>
+                      <p:childTnLst>
+                        <p:par>
+                          <p:cTn id="4" fill="hold">
+                            <p:stCondLst>
+                              <p:cond delay="0"/>
+                            </p:stCondLst>
+                            <p:childTnLst>
+                              <p:par>
+                                <p:cTn id="5" presetID="10" presetClass="entr" presetSubtype="0" fill="hold" grpId="0" nodeType="clickEffect">
+                                  <p:stCondLst>
+                                    <p:cond delay="0"/>
+                                  </p:stCondLst>
+                                  <p:childTnLst>
+                                    <p:set>
+                                      <p:cBhvr>
+                                        <p:cTn id="6" dur="1" fill="hold">
+                                          <p:stCondLst>
+                                            <p:cond delay="0"/>
+                                          </p:stCondLst>
+                                        </p:cTn>
+                                        <p:tgtEl>
+                                          <p:spTgt spid="6"/>
+                                        </p:tgtEl>
+                                        <p:attrNameLst>
+                                          <p:attrName>style.visibility</p:attrName>
+                                        </p:attrNameLst>
+                                      </p:cBhvr>
+                                      <p:to>
+                                        <p:strVal val="visible"/>
+                                      </p:to>
+                                    </p:set>
+                                    <p:animEffect transition="in" filter="fade">
+                                      <p:cBhvr>
+                                        <p:cTn id="7" dur="500"/>
+                                        <p:tgtEl>
+                                          <p:spTgt spid="6"/>
+                                        </p:tgtEl>
+                                      </p:cBhvr>
+                                    </p:animEffect>
+                                  </p:childTnLst>
+                                </p:cTn>
+                              </p:par>
+                            </p:childTnLst>
+                          </p:cTn>
+                        </p:par>
+                      </p:childTnLst>
+                    </p:cTn>
+                  </p:par>
+                </p:childTnLst>
+              </p:cTn>
+              <p:prevCondLst>
+                <p:cond evt="onPrev" delay="0">
+                  <p:tgtEl>
+                    <p:sldTgt/>
+                  </p:tgtEl>
+                </p:cond>
+              </p:prevCondLst>
+              <p:nextCondLst>
+                <p:cond evt="onNext" delay="0">
+                  <p:tgtEl>
+                    <p:sldTgt/>
+                  </p:tgtEl>
+                </p:cond>
+              </p:nextCondLst>
+            </p:seq>
+          </p:childTnLst>
+        </p:cTn>
       </p:par>
     </p:tnLst>
+    <p:bldLst>
+      <p:bldP spid="6" grpId="0" animBg="1"/>
+    </p:bldLst>
   </p:timing>
 </p:sld>
 </file>
@@ -7670,40 +8365,76 @@
           </a:p>
         </p:txBody>
       </p:sp>
-      <p:pic>
-        <p:nvPicPr>
-          <p:cNvPr id="7" name="Picture 6" descr="Data-Quality-DI.pdf"/>
-          <p:cNvPicPr>
-            <a:picLocks noChangeAspect="1"/>
-          </p:cNvPicPr>
-          <p:nvPr/>
-        </p:nvPicPr>
-        <p:blipFill>
-          <a:blip r:embed="rId2">
-            <a:extLst>
-              <a:ext uri="{28A0092B-C50C-407E-A947-70E740481C1C}">
-                <a14:useLocalDpi xmlns:a14="http://schemas.microsoft.com/office/drawing/2010/main" val="0"/>
-              </a:ext>
-            </a:extLst>
-          </a:blip>
-          <a:stretch>
-            <a:fillRect/>
-          </a:stretch>
-        </p:blipFill>
+      <p:sp>
+        <p:nvSpPr>
+          <p:cNvPr id="4" name="Content Placeholder 2"/>
+          <p:cNvSpPr>
+            <a:spLocks noGrp="1"/>
+          </p:cNvSpPr>
+          <p:nvPr>
+            <p:ph idx="1"/>
+          </p:nvPr>
+        </p:nvSpPr>
         <p:spPr>
           <a:xfrm>
-            <a:off x="0" y="890686"/>
-            <a:ext cx="9144000" cy="5949942"/>
+            <a:off x="457200" y="1600200"/>
+            <a:ext cx="8229600" cy="4525963"/>
           </a:xfrm>
-          <a:prstGeom prst="rect">
-            <a:avLst/>
-          </a:prstGeom>
         </p:spPr>
-      </p:pic>
+        <p:txBody>
+          <a:bodyPr>
+            <a:normAutofit/>
+          </a:bodyPr>
+          <a:lstStyle/>
+          <a:p>
+            <a:pPr algn="just"/>
+            <a:r>
+              <a:rPr lang="en-US" dirty="0" smtClean="0">
+                <a:solidFill>
+                  <a:schemeClr val="tx1"/>
+                </a:solidFill>
+              </a:rPr>
+              <a:t>The purpose of the second chart is: </a:t>
+            </a:r>
+          </a:p>
+          <a:p>
+            <a:pPr algn="just"/>
+            <a:endParaRPr lang="en-US" dirty="0">
+              <a:solidFill>
+                <a:schemeClr val="tx1"/>
+              </a:solidFill>
+            </a:endParaRPr>
+          </a:p>
+          <a:p>
+            <a:pPr lvl="1" algn="just"/>
+            <a:r>
+              <a:rPr lang="en-US" dirty="0">
+                <a:solidFill>
+                  <a:schemeClr val="tx1"/>
+                </a:solidFill>
+              </a:rPr>
+              <a:t>T</a:t>
+            </a:r>
+            <a:r>
+              <a:rPr lang="en-US" dirty="0" smtClean="0">
+                <a:solidFill>
+                  <a:schemeClr val="tx1"/>
+                </a:solidFill>
+              </a:rPr>
+              <a:t>o observe which SLA measures have been most applied to the cloud, answering our first research question</a:t>
+            </a:r>
+            <a:endParaRPr lang="en-US" dirty="0">
+              <a:solidFill>
+                <a:schemeClr val="tx1"/>
+              </a:solidFill>
+            </a:endParaRPr>
+          </a:p>
+        </p:txBody>
+      </p:sp>
     </p:spTree>
     <p:extLst>
       <p:ext uri="{BB962C8B-B14F-4D97-AF65-F5344CB8AC3E}">
-        <p14:creationId xmlns:p14="http://schemas.microsoft.com/office/powerpoint/2010/main" val="1001845006"/>
+        <p14:creationId xmlns:p14="http://schemas.microsoft.com/office/powerpoint/2010/main" val="3344272149"/>
       </p:ext>
     </p:extLst>
   </p:cSld>
@@ -7755,334 +8486,110 @@
             <p:ph type="title"/>
           </p:nvPr>
         </p:nvSpPr>
-        <p:spPr/>
-        <p:txBody>
-          <a:bodyPr>
-            <a:normAutofit/>
+        <p:spPr>
+          <a:xfrm>
+            <a:off x="457200" y="-430581"/>
+            <a:ext cx="8229600" cy="1143000"/>
+          </a:xfrm>
+        </p:spPr>
+        <p:txBody>
+          <a:bodyPr/>
+          <a:lstStyle/>
+          <a:p>
+            <a:r>
+              <a:rPr lang="en-US" sz="4400" dirty="0"/>
+              <a:t>Quantitative Analysis</a:t>
+            </a:r>
+          </a:p>
+        </p:txBody>
+      </p:sp>
+      <p:pic>
+        <p:nvPicPr>
+          <p:cNvPr id="7" name="Picture 6"/>
+          <p:cNvPicPr>
+            <a:picLocks noChangeAspect="1"/>
+          </p:cNvPicPr>
+          <p:nvPr/>
+        </p:nvPicPr>
+        <p:blipFill>
+          <a:blip r:embed="rId3">
+            <a:extLst>
+              <a:ext uri="{28A0092B-C50C-407E-A947-70E740481C1C}">
+                <a14:useLocalDpi xmlns:a14="http://schemas.microsoft.com/office/drawing/2010/main" val="0"/>
+              </a:ext>
+            </a:extLst>
+          </a:blip>
+          <a:stretch>
+            <a:fillRect/>
+          </a:stretch>
+        </p:blipFill>
+        <p:spPr>
+          <a:xfrm>
+            <a:off x="981006" y="817544"/>
+            <a:ext cx="7181988" cy="4556314"/>
+          </a:xfrm>
+          <a:prstGeom prst="rect">
+            <a:avLst/>
+          </a:prstGeom>
+        </p:spPr>
+      </p:pic>
+      <p:sp>
+        <p:nvSpPr>
+          <p:cNvPr id="4" name="ZoneTexte 3"/>
+          <p:cNvSpPr txBox="1"/>
+          <p:nvPr/>
+        </p:nvSpPr>
+        <p:spPr>
+          <a:xfrm>
+            <a:off x="354360" y="5540317"/>
+            <a:ext cx="8432116" cy="646331"/>
+          </a:xfrm>
+          <a:prstGeom prst="rect">
+            <a:avLst/>
+          </a:prstGeom>
+          <a:solidFill>
+            <a:schemeClr val="accent3">
+              <a:lumMod val="40000"/>
+              <a:lumOff val="60000"/>
+            </a:schemeClr>
+          </a:solidFill>
+          <a:ln>
+            <a:solidFill>
+              <a:schemeClr val="accent2">
+                <a:lumMod val="75000"/>
+              </a:schemeClr>
+            </a:solidFill>
+          </a:ln>
+        </p:spPr>
+        <p:txBody>
+          <a:bodyPr wrap="none" rtlCol="0">
+            <a:spAutoFit/>
           </a:bodyPr>
           <a:lstStyle/>
           <a:p>
-            <a:r>
-              <a:rPr lang="en-US" dirty="0" smtClean="0"/>
-              <a:t>Conclusion and final remarks</a:t>
-            </a:r>
-            <a:endParaRPr lang="en-US" dirty="0"/>
-          </a:p>
-        </p:txBody>
-      </p:sp>
-      <p:sp>
-        <p:nvSpPr>
-          <p:cNvPr id="3" name="Content Placeholder 2"/>
-          <p:cNvSpPr>
-            <a:spLocks noGrp="1"/>
-          </p:cNvSpPr>
-          <p:nvPr>
-            <p:ph idx="1"/>
-          </p:nvPr>
-        </p:nvSpPr>
-        <p:spPr/>
-        <p:txBody>
-          <a:bodyPr>
-            <a:normAutofit fontScale="92500" lnSpcReduction="20000"/>
-          </a:bodyPr>
-          <a:lstStyle/>
-          <a:p>
-            <a:pPr algn="just"/>
-            <a:endParaRPr lang="en-US" dirty="0" smtClean="0">
-              <a:solidFill>
-                <a:schemeClr val="tx1"/>
-              </a:solidFill>
-            </a:endParaRPr>
-          </a:p>
-          <a:p>
-            <a:pPr algn="just"/>
+            <a:pPr algn="ctr"/>
             <a:r>
               <a:rPr lang="en-US" dirty="0" smtClean="0">
-                <a:solidFill>
-                  <a:schemeClr val="tx1"/>
-                </a:solidFill>
-              </a:rPr>
-              <a:t>The </a:t>
-            </a:r>
-            <a:r>
-              <a:rPr lang="en-US" dirty="0">
-                <a:solidFill>
-                  <a:schemeClr val="tx1"/>
-                </a:solidFill>
-              </a:rPr>
-              <a:t>challenge of integrating data from distributed </a:t>
-            </a:r>
+                <a:latin typeface="+mj-lt"/>
+              </a:rPr>
+              <a:t>The results show that most contributions propose SLA models, and privacy </a:t>
+            </a:r>
+          </a:p>
+          <a:p>
+            <a:pPr algn="ctr"/>
             <a:r>
               <a:rPr lang="en-US" dirty="0" smtClean="0">
-                <a:solidFill>
-                  <a:schemeClr val="tx1"/>
-                </a:solidFill>
-              </a:rPr>
-              <a:t>data services </a:t>
-            </a:r>
-            <a:r>
-              <a:rPr lang="en-US" dirty="0">
-                <a:solidFill>
-                  <a:schemeClr val="tx1"/>
-                </a:solidFill>
-              </a:rPr>
-              <a:t>deployed on </a:t>
-            </a:r>
-            <a:r>
-              <a:rPr lang="en-US" dirty="0" smtClean="0">
-                <a:solidFill>
-                  <a:schemeClr val="tx1"/>
-                </a:solidFill>
-              </a:rPr>
-              <a:t>different </a:t>
-            </a:r>
-            <a:r>
-              <a:rPr lang="en-US" dirty="0">
-                <a:solidFill>
-                  <a:schemeClr val="tx1"/>
-                </a:solidFill>
-              </a:rPr>
-              <a:t>cloud providers guided by SLAs and user </a:t>
-            </a:r>
-            <a:r>
-              <a:rPr lang="en-US" dirty="0" smtClean="0">
-                <a:solidFill>
-                  <a:schemeClr val="tx1"/>
-                </a:solidFill>
-              </a:rPr>
-              <a:t>preferences </a:t>
-            </a:r>
-            <a:r>
-              <a:rPr lang="en-US" dirty="0">
-                <a:solidFill>
-                  <a:schemeClr val="tx1"/>
-                </a:solidFill>
-              </a:rPr>
-              <a:t>statement. </a:t>
-            </a:r>
-            <a:endParaRPr lang="en-US" dirty="0" smtClean="0">
-              <a:solidFill>
-                <a:schemeClr val="tx1"/>
-              </a:solidFill>
-            </a:endParaRPr>
-          </a:p>
-          <a:p>
-            <a:pPr algn="just"/>
-            <a:endParaRPr lang="en-US" dirty="0" smtClean="0">
-              <a:solidFill>
-                <a:schemeClr val="tx1"/>
-              </a:solidFill>
-            </a:endParaRPr>
-          </a:p>
-          <a:p>
-            <a:pPr algn="just"/>
-            <a:r>
-              <a:rPr lang="en-US" dirty="0" smtClean="0">
-                <a:solidFill>
-                  <a:schemeClr val="tx1"/>
-                </a:solidFill>
-              </a:rPr>
-              <a:t>The </a:t>
-            </a:r>
-            <a:r>
-              <a:rPr lang="en-US" dirty="0">
-                <a:solidFill>
-                  <a:schemeClr val="tx1"/>
-                </a:solidFill>
-              </a:rPr>
-              <a:t>problem statement was derived from a </a:t>
-            </a:r>
-            <a:r>
-              <a:rPr lang="en-US" dirty="0" smtClean="0">
-                <a:solidFill>
-                  <a:schemeClr val="tx1"/>
-                </a:solidFill>
-              </a:rPr>
-              <a:t>classification </a:t>
-            </a:r>
-            <a:r>
-              <a:rPr lang="en-US" dirty="0">
-                <a:solidFill>
-                  <a:schemeClr val="tx1"/>
-                </a:solidFill>
-              </a:rPr>
-              <a:t>scheme that </a:t>
-            </a:r>
-            <a:r>
-              <a:rPr lang="en-US" dirty="0" smtClean="0">
-                <a:solidFill>
-                  <a:schemeClr val="tx1"/>
-                </a:solidFill>
-              </a:rPr>
-              <a:t>resulted from </a:t>
-            </a:r>
-            <a:r>
-              <a:rPr lang="en-US" dirty="0">
-                <a:solidFill>
-                  <a:schemeClr val="tx1"/>
-                </a:solidFill>
-              </a:rPr>
-              <a:t>a study of existing publications </a:t>
-            </a:r>
-            <a:r>
-              <a:rPr lang="en-US" dirty="0" smtClean="0">
-                <a:solidFill>
-                  <a:schemeClr val="tx1"/>
-                </a:solidFill>
-              </a:rPr>
-              <a:t>identified </a:t>
-            </a:r>
-            <a:r>
-              <a:rPr lang="en-US" dirty="0">
-                <a:solidFill>
-                  <a:schemeClr val="tx1"/>
-                </a:solidFill>
-              </a:rPr>
-              <a:t>by applying the systematic </a:t>
-            </a:r>
-            <a:r>
-              <a:rPr lang="en-US" dirty="0" smtClean="0">
-                <a:solidFill>
-                  <a:schemeClr val="tx1"/>
-                </a:solidFill>
-              </a:rPr>
-              <a:t>mapping </a:t>
-            </a:r>
-            <a:r>
-              <a:rPr lang="en-US" dirty="0">
-                <a:solidFill>
-                  <a:schemeClr val="tx1"/>
-                </a:solidFill>
-              </a:rPr>
-              <a:t>method. </a:t>
-            </a:r>
-            <a:endParaRPr lang="en-US" dirty="0" smtClean="0">
-              <a:solidFill>
-                <a:schemeClr val="tx1"/>
-              </a:solidFill>
-            </a:endParaRPr>
-          </a:p>
-          <a:p>
-            <a:pPr algn="just"/>
-            <a:endParaRPr lang="en-US" dirty="0">
-              <a:solidFill>
-                <a:schemeClr val="tx1"/>
-              </a:solidFill>
-            </a:endParaRPr>
-          </a:p>
-          <a:p>
-            <a:pPr algn="just"/>
-            <a:r>
-              <a:rPr lang="en-US" dirty="0" smtClean="0">
-                <a:solidFill>
-                  <a:schemeClr val="tx1"/>
-                </a:solidFill>
-              </a:rPr>
-              <a:t>Our </a:t>
-            </a:r>
-            <a:r>
-              <a:rPr lang="en-US" dirty="0">
-                <a:solidFill>
-                  <a:schemeClr val="tx1"/>
-                </a:solidFill>
-              </a:rPr>
-              <a:t>contribution is the </a:t>
-            </a:r>
-            <a:r>
-              <a:rPr lang="en-US" dirty="0" smtClean="0">
-                <a:solidFill>
-                  <a:schemeClr val="tx1"/>
-                </a:solidFill>
-              </a:rPr>
-              <a:t>definition </a:t>
-            </a:r>
-            <a:r>
-              <a:rPr lang="en-US" dirty="0">
-                <a:solidFill>
-                  <a:schemeClr val="tx1"/>
-                </a:solidFill>
-              </a:rPr>
-              <a:t>of a </a:t>
-            </a:r>
-            <a:r>
-              <a:rPr lang="en-US" dirty="0" smtClean="0">
-                <a:solidFill>
-                  <a:schemeClr val="tx1"/>
-                </a:solidFill>
-              </a:rPr>
-              <a:t>classification </a:t>
-            </a:r>
-            <a:r>
-              <a:rPr lang="en-US" dirty="0">
-                <a:solidFill>
-                  <a:schemeClr val="tx1"/>
-                </a:solidFill>
-              </a:rPr>
-              <a:t>scheme </a:t>
-            </a:r>
-            <a:r>
-              <a:rPr lang="en-US" dirty="0" smtClean="0">
-                <a:solidFill>
-                  <a:schemeClr val="tx1"/>
-                </a:solidFill>
-              </a:rPr>
-              <a:t>that shows </a:t>
-            </a:r>
-            <a:r>
-              <a:rPr lang="en-US" dirty="0">
-                <a:solidFill>
-                  <a:schemeClr val="tx1"/>
-                </a:solidFill>
-              </a:rPr>
-              <a:t>the aspects that characterize a modern vision of data integration done </a:t>
-            </a:r>
-            <a:r>
-              <a:rPr lang="en-US" dirty="0" smtClean="0">
-                <a:solidFill>
-                  <a:schemeClr val="tx1"/>
-                </a:solidFill>
-              </a:rPr>
-              <a:t>in </a:t>
-            </a:r>
-            <a:r>
-              <a:rPr lang="en-US" dirty="0">
-                <a:solidFill>
-                  <a:schemeClr val="tx1"/>
-                </a:solidFill>
-              </a:rPr>
-              <a:t>multi-cloud environments and that can be enhanced by including SLAs in </a:t>
-            </a:r>
-            <a:r>
-              <a:rPr lang="en-US" dirty="0" smtClean="0">
-                <a:solidFill>
-                  <a:schemeClr val="tx1"/>
-                </a:solidFill>
-              </a:rPr>
-              <a:t>its process</a:t>
-            </a:r>
-            <a:r>
-              <a:rPr lang="en-US" dirty="0">
-                <a:solidFill>
-                  <a:schemeClr val="tx1"/>
-                </a:solidFill>
-              </a:rPr>
-              <a:t>.</a:t>
-            </a:r>
-          </a:p>
-          <a:p>
-            <a:pPr algn="just"/>
-            <a:endParaRPr lang="en-US" dirty="0">
-              <a:solidFill>
-                <a:schemeClr val="tx1"/>
-              </a:solidFill>
-            </a:endParaRPr>
+                <a:latin typeface="+mj-lt"/>
+              </a:rPr>
+              <a:t>and security are the most popular SLA measures considered in SLAs</a:t>
+            </a:r>
           </a:p>
         </p:txBody>
       </p:sp>
     </p:spTree>
     <p:extLst>
       <p:ext uri="{BB962C8B-B14F-4D97-AF65-F5344CB8AC3E}">
-        <p14:creationId xmlns:p14="http://schemas.microsoft.com/office/powerpoint/2010/main" val="1865980667"/>
+        <p14:creationId xmlns:p14="http://schemas.microsoft.com/office/powerpoint/2010/main" val="910942163"/>
       </p:ext>
     </p:extLst>
   </p:cSld>
@@ -8100,9 +8607,88 @@
   <p:timing>
     <p:tnLst>
       <p:par>
-        <p:cTn id="1" dur="indefinite" restart="never" nodeType="tmRoot"/>
+        <p:cTn id="1" dur="indefinite" restart="never" nodeType="tmRoot">
+          <p:childTnLst>
+            <p:seq concurrent="1" nextAc="seek">
+              <p:cTn id="2" dur="indefinite" nodeType="mainSeq">
+                <p:childTnLst>
+                  <p:par>
+                    <p:cTn id="3" fill="hold">
+                      <p:stCondLst>
+                        <p:cond delay="indefinite"/>
+                      </p:stCondLst>
+                      <p:childTnLst>
+                        <p:par>
+                          <p:cTn id="4" fill="hold">
+                            <p:stCondLst>
+                              <p:cond delay="0"/>
+                            </p:stCondLst>
+                            <p:childTnLst>
+                              <p:par>
+                                <p:cTn id="5" presetID="10" presetClass="entr" presetSubtype="0" fill="hold" grpId="0" nodeType="clickEffect">
+                                  <p:stCondLst>
+                                    <p:cond delay="0"/>
+                                  </p:stCondLst>
+                                  <p:childTnLst>
+                                    <p:set>
+                                      <p:cBhvr>
+                                        <p:cTn id="6" dur="1" fill="hold">
+                                          <p:stCondLst>
+                                            <p:cond delay="0"/>
+                                          </p:stCondLst>
+                                        </p:cTn>
+                                        <p:tgtEl>
+                                          <p:spTgt spid="4"/>
+                                        </p:tgtEl>
+                                        <p:attrNameLst>
+                                          <p:attrName>style.visibility</p:attrName>
+                                        </p:attrNameLst>
+                                      </p:cBhvr>
+                                      <p:to>
+                                        <p:strVal val="visible"/>
+                                      </p:to>
+                                    </p:set>
+                                    <p:animEffect transition="in" filter="fade">
+                                      <p:cBhvr>
+                                        <p:cTn id="7" dur="500"/>
+                                        <p:tgtEl>
+                                          <p:spTgt spid="4"/>
+                                        </p:tgtEl>
+                                      </p:cBhvr>
+                                    </p:animEffect>
+                                  </p:childTnLst>
+                                </p:cTn>
+                              </p:par>
+                            </p:childTnLst>
+                          </p:cTn>
+                        </p:par>
+                      </p:childTnLst>
+                    </p:cTn>
+                  </p:par>
+                </p:childTnLst>
+              </p:cTn>
+              <p:prevCondLst>
+                <p:cond evt="onPrev" delay="0">
+                  <p:tgtEl>
+                    <p:sldTgt/>
+                  </p:tgtEl>
+                </p:cond>
+              </p:prevCondLst>
+              <p:nextCondLst>
+                <p:cond evt="onNext" delay="0">
+                  <p:tgtEl>
+                    <p:sldTgt/>
+                  </p:tgtEl>
+                </p:cond>
+              </p:nextCondLst>
+            </p:seq>
+          </p:childTnLst>
+        </p:cTn>
       </p:par>
     </p:tnLst>
+    <p:bldLst>
+      <p:bldP spid="4" grpId="0" animBg="1"/>
+    </p:bldLst>
   </p:timing>
 </p:sld>
 </file>
@@ -8134,24 +8720,26 @@
             <p:ph type="title"/>
           </p:nvPr>
         </p:nvSpPr>
-        <p:spPr/>
-        <p:txBody>
-          <a:bodyPr>
-            <a:normAutofit/>
-          </a:bodyPr>
+        <p:spPr>
+          <a:xfrm>
+            <a:off x="457200" y="-430581"/>
+            <a:ext cx="8229600" cy="1143000"/>
+          </a:xfrm>
+        </p:spPr>
+        <p:txBody>
+          <a:bodyPr/>
           <a:lstStyle/>
           <a:p>
             <a:r>
-              <a:rPr lang="en-US" dirty="0" smtClean="0"/>
-              <a:t>Conclusion and final remarks</a:t>
-            </a:r>
-            <a:endParaRPr lang="en-US" dirty="0"/>
-          </a:p>
-        </p:txBody>
-      </p:sp>
-      <p:sp>
-        <p:nvSpPr>
-          <p:cNvPr id="3" name="Content Placeholder 2"/>
+              <a:rPr lang="en-US" sz="4400" dirty="0"/>
+              <a:t>Quantitative Analysis</a:t>
+            </a:r>
+          </a:p>
+        </p:txBody>
+      </p:sp>
+      <p:sp>
+        <p:nvSpPr>
+          <p:cNvPr id="5" name="Content Placeholder 2"/>
           <p:cNvSpPr>
             <a:spLocks noGrp="1"/>
           </p:cNvSpPr>
@@ -8159,7 +8747,12 @@
             <p:ph idx="1"/>
           </p:nvPr>
         </p:nvSpPr>
-        <p:spPr/>
+        <p:spPr>
+          <a:xfrm>
+            <a:off x="457200" y="1600200"/>
+            <a:ext cx="8229600" cy="4525963"/>
+          </a:xfrm>
+        </p:spPr>
         <p:txBody>
           <a:bodyPr>
             <a:normAutofit/>
@@ -8167,75 +8760,14 @@
           <a:lstStyle/>
           <a:p>
             <a:pPr algn="just"/>
-            <a:endParaRPr lang="en-US" dirty="0" smtClean="0">
-              <a:solidFill>
-                <a:schemeClr val="tx1"/>
-              </a:solidFill>
-            </a:endParaRPr>
-          </a:p>
-          <a:p>
-            <a:pPr algn="just"/>
-            <a:r>
-              <a:rPr lang="en-US" dirty="0">
-                <a:solidFill>
-                  <a:schemeClr val="tx1"/>
-                </a:solidFill>
-              </a:rPr>
-              <a:t>W</a:t>
-            </a:r>
             <a:r>
               <a:rPr lang="en-US" dirty="0" smtClean="0">
                 <a:solidFill>
                   <a:schemeClr val="tx1"/>
                 </a:solidFill>
               </a:rPr>
-              <a:t>e identified </a:t>
-            </a:r>
-            <a:r>
-              <a:rPr lang="en-US" dirty="0">
-                <a:solidFill>
-                  <a:schemeClr val="tx1"/>
-                </a:solidFill>
-              </a:rPr>
-              <a:t>trends and </a:t>
-            </a:r>
-            <a:r>
-              <a:rPr lang="en-US" dirty="0" smtClean="0">
-                <a:solidFill>
-                  <a:schemeClr val="tx1"/>
-                </a:solidFill>
-              </a:rPr>
-              <a:t>open issues </a:t>
-            </a:r>
-            <a:r>
-              <a:rPr lang="en-US" dirty="0">
-                <a:solidFill>
-                  <a:schemeClr val="tx1"/>
-                </a:solidFill>
-              </a:rPr>
-              <a:t>in our research topic and proposed the general lines of an original </a:t>
-            </a:r>
-            <a:r>
-              <a:rPr lang="en-US" dirty="0" smtClean="0">
-                <a:solidFill>
-                  <a:schemeClr val="tx1"/>
-                </a:solidFill>
-              </a:rPr>
-              <a:t>data integration </a:t>
-            </a:r>
-            <a:r>
-              <a:rPr lang="en-US" dirty="0">
-                <a:solidFill>
-                  <a:schemeClr val="tx1"/>
-                </a:solidFill>
-              </a:rPr>
-              <a:t>solution. </a:t>
-            </a:r>
-            <a:endParaRPr lang="en-US" dirty="0" smtClean="0">
-              <a:solidFill>
-                <a:schemeClr val="tx1"/>
-              </a:solidFill>
-            </a:endParaRPr>
+              <a:t>The purpose of the third chart is: </a:t>
+            </a:r>
           </a:p>
           <a:p>
             <a:pPr algn="just"/>
@@ -8246,78 +8778,35 @@
             </a:endParaRPr>
           </a:p>
           <a:p>
-            <a:pPr algn="just"/>
+            <a:pPr lvl="1" algn="just"/>
+            <a:r>
+              <a:rPr lang="en-US" dirty="0">
+                <a:solidFill>
+                  <a:schemeClr val="tx1"/>
+                </a:solidFill>
+              </a:rPr>
+              <a:t>T</a:t>
+            </a:r>
             <a:r>
               <a:rPr lang="en-US" dirty="0" smtClean="0">
                 <a:solidFill>
                   <a:schemeClr val="tx1"/>
                 </a:solidFill>
               </a:rPr>
-              <a:t>We </a:t>
-            </a:r>
-            <a:r>
-              <a:rPr lang="en-US" dirty="0">
-                <a:solidFill>
-                  <a:schemeClr val="tx1"/>
-                </a:solidFill>
-              </a:rPr>
-              <a:t>are also developing the strategies to better </a:t>
-            </a:r>
-            <a:r>
-              <a:rPr lang="en-US" dirty="0" smtClean="0">
-                <a:solidFill>
-                  <a:schemeClr val="tx1"/>
-                </a:solidFill>
-              </a:rPr>
-              <a:t>define </a:t>
-            </a:r>
-            <a:r>
-              <a:rPr lang="en-US" dirty="0">
-                <a:solidFill>
-                  <a:schemeClr val="tx1"/>
-                </a:solidFill>
-              </a:rPr>
-              <a:t>a </a:t>
-            </a:r>
-            <a:r>
-              <a:rPr lang="en-US" dirty="0" smtClean="0">
-                <a:solidFill>
-                  <a:schemeClr val="tx1"/>
-                </a:solidFill>
-              </a:rPr>
-              <a:t>SLA extension </a:t>
-            </a:r>
-            <a:r>
-              <a:rPr lang="en-US" dirty="0">
-                <a:solidFill>
-                  <a:schemeClr val="tx1"/>
-                </a:solidFill>
-              </a:rPr>
-              <a:t>and data consumers preferences description for guiding data </a:t>
-            </a:r>
-            <a:r>
-              <a:rPr lang="en-US" dirty="0" smtClean="0">
-                <a:solidFill>
-                  <a:schemeClr val="tx1"/>
-                </a:solidFill>
-              </a:rPr>
-              <a:t>integration </a:t>
-            </a:r>
-            <a:r>
-              <a:rPr lang="en-US" dirty="0">
-                <a:solidFill>
-                  <a:schemeClr val="tx1"/>
-                </a:solidFill>
-              </a:rPr>
-              <a:t>in multi-cloud environments.</a:t>
-            </a:r>
+              <a:t>o complement the first one, observing  the evolution of publications on data integration towards the cloud, answering our second research question</a:t>
+            </a:r>
+            <a:endParaRPr lang="en-US" dirty="0">
+              <a:solidFill>
+                <a:schemeClr val="tx1"/>
+              </a:solidFill>
+            </a:endParaRPr>
           </a:p>
         </p:txBody>
       </p:sp>
     </p:spTree>
     <p:extLst>
       <p:ext uri="{BB962C8B-B14F-4D97-AF65-F5344CB8AC3E}">
-        <p14:creationId xmlns:p14="http://schemas.microsoft.com/office/powerpoint/2010/main" val="1663560043"/>
+        <p14:creationId xmlns:p14="http://schemas.microsoft.com/office/powerpoint/2010/main" val="3768743385"/>
       </p:ext>
     </p:extLst>
   </p:cSld>
@@ -8369,631 +8858,154 @@
             <p:ph type="title"/>
           </p:nvPr>
         </p:nvSpPr>
-        <p:spPr/>
-        <p:txBody>
-          <a:bodyPr>
-            <a:normAutofit/>
+        <p:spPr>
+          <a:xfrm>
+            <a:off x="457200" y="-430581"/>
+            <a:ext cx="8229600" cy="1143000"/>
+          </a:xfrm>
+        </p:spPr>
+        <p:txBody>
+          <a:bodyPr/>
+          <a:lstStyle/>
+          <a:p>
+            <a:r>
+              <a:rPr lang="en-US" sz="4400" dirty="0"/>
+              <a:t>Quantitative Analysis</a:t>
+            </a:r>
+          </a:p>
+        </p:txBody>
+      </p:sp>
+      <p:pic>
+        <p:nvPicPr>
+          <p:cNvPr id="7" name="Picture 6"/>
+          <p:cNvPicPr>
+            <a:picLocks noChangeAspect="1"/>
+          </p:cNvPicPr>
+          <p:nvPr/>
+        </p:nvPicPr>
+        <p:blipFill>
+          <a:blip r:embed="rId2">
+            <a:extLst>
+              <a:ext uri="{28A0092B-C50C-407E-A947-70E740481C1C}">
+                <a14:useLocalDpi xmlns:a14="http://schemas.microsoft.com/office/drawing/2010/main" val="0"/>
+              </a:ext>
+            </a:extLst>
+          </a:blip>
+          <a:stretch>
+            <a:fillRect/>
+          </a:stretch>
+        </p:blipFill>
+        <p:spPr>
+          <a:xfrm>
+            <a:off x="130664" y="1305702"/>
+            <a:ext cx="8943283" cy="3593282"/>
+          </a:xfrm>
+          <a:prstGeom prst="rect">
+            <a:avLst/>
+          </a:prstGeom>
+        </p:spPr>
+      </p:pic>
+      <p:sp>
+        <p:nvSpPr>
+          <p:cNvPr id="4" name="ZoneTexte 3"/>
+          <p:cNvSpPr txBox="1"/>
+          <p:nvPr/>
+        </p:nvSpPr>
+        <p:spPr>
+          <a:xfrm>
+            <a:off x="382429" y="4963529"/>
+            <a:ext cx="8376011" cy="369332"/>
+          </a:xfrm>
+          <a:prstGeom prst="rect">
+            <a:avLst/>
+          </a:prstGeom>
+          <a:solidFill>
+            <a:schemeClr val="accent3">
+              <a:lumMod val="40000"/>
+              <a:lumOff val="60000"/>
+            </a:schemeClr>
+          </a:solidFill>
+          <a:ln>
+            <a:solidFill>
+              <a:schemeClr val="accent2">
+                <a:lumMod val="75000"/>
+              </a:schemeClr>
+            </a:solidFill>
+          </a:ln>
+        </p:spPr>
+        <p:txBody>
+          <a:bodyPr wrap="none" rtlCol="0">
+            <a:spAutoFit/>
           </a:bodyPr>
           <a:lstStyle/>
           <a:p>
-            <a:r>
-              <a:rPr lang="en-US" dirty="0" smtClean="0"/>
-              <a:t>References</a:t>
-            </a:r>
-            <a:endParaRPr lang="en-US" dirty="0"/>
-          </a:p>
-        </p:txBody>
-      </p:sp>
-      <p:sp>
-        <p:nvSpPr>
-          <p:cNvPr id="3" name="Content Placeholder 2"/>
-          <p:cNvSpPr>
-            <a:spLocks noGrp="1"/>
-          </p:cNvSpPr>
-          <p:nvPr>
-            <p:ph idx="1"/>
-          </p:nvPr>
+            <a:pPr algn="ctr"/>
+            <a:r>
+              <a:rPr lang="en-US" dirty="0" smtClean="0">
+                <a:latin typeface="+mj-lt"/>
+              </a:rPr>
+              <a:t>The most popular deployment environment of recent papers is the cloud </a:t>
+            </a:r>
+          </a:p>
+        </p:txBody>
+      </p:sp>
+      <p:sp>
+        <p:nvSpPr>
+          <p:cNvPr id="5" name="ZoneTexte 4"/>
+          <p:cNvSpPr txBox="1"/>
+          <p:nvPr/>
         </p:nvSpPr>
         <p:spPr>
           <a:xfrm>
-            <a:off x="457200" y="1769016"/>
-            <a:ext cx="8229600" cy="4525963"/>
+            <a:off x="773631" y="5481697"/>
+            <a:ext cx="7588936" cy="646331"/>
           </a:xfrm>
+          <a:prstGeom prst="rect">
+            <a:avLst/>
+          </a:prstGeom>
+          <a:solidFill>
+            <a:schemeClr val="accent3">
+              <a:lumMod val="40000"/>
+              <a:lumOff val="60000"/>
+            </a:schemeClr>
+          </a:solidFill>
+          <a:ln>
+            <a:solidFill>
+              <a:schemeClr val="accent2">
+                <a:lumMod val="75000"/>
+              </a:schemeClr>
+            </a:solidFill>
+          </a:ln>
         </p:spPr>
         <p:txBody>
-          <a:bodyPr>
-            <a:normAutofit fontScale="62500" lnSpcReduction="20000"/>
+          <a:bodyPr wrap="none" rtlCol="0">
+            <a:spAutoFit/>
           </a:bodyPr>
           <a:lstStyle/>
           <a:p>
-            <a:pPr marL="457200" indent="-457200" algn="just">
-              <a:buFont typeface="+mj-lt"/>
-              <a:buAutoNum type="arabicPeriod"/>
-            </a:pPr>
+            <a:pPr algn="ctr"/>
             <a:r>
               <a:rPr lang="en-US" dirty="0" smtClean="0">
-                <a:solidFill>
-                  <a:schemeClr val="tx1"/>
-                </a:solidFill>
-              </a:rPr>
-              <a:t>Mohamad </a:t>
-            </a:r>
-            <a:r>
-              <a:rPr lang="en-US" dirty="0" err="1">
-                <a:solidFill>
-                  <a:schemeClr val="tx1"/>
-                </a:solidFill>
-              </a:rPr>
-              <a:t>Hamze</a:t>
-            </a:r>
-            <a:r>
-              <a:rPr lang="en-US" dirty="0">
-                <a:solidFill>
-                  <a:schemeClr val="tx1"/>
-                </a:solidFill>
-              </a:rPr>
-              <a:t>, Nader </a:t>
-            </a:r>
-            <a:r>
-              <a:rPr lang="en-US" dirty="0" err="1">
-                <a:solidFill>
-                  <a:schemeClr val="tx1"/>
-                </a:solidFill>
-              </a:rPr>
-              <a:t>Mbarek</a:t>
-            </a:r>
-            <a:r>
-              <a:rPr lang="en-US" dirty="0">
-                <a:solidFill>
-                  <a:schemeClr val="tx1"/>
-                </a:solidFill>
-              </a:rPr>
-              <a:t>, and Olivier </a:t>
-            </a:r>
-            <a:r>
-              <a:rPr lang="en-US" dirty="0" err="1">
-                <a:solidFill>
-                  <a:schemeClr val="tx1"/>
-                </a:solidFill>
-              </a:rPr>
-              <a:t>Togni</a:t>
-            </a:r>
-            <a:r>
-              <a:rPr lang="en-US" dirty="0">
-                <a:solidFill>
-                  <a:schemeClr val="tx1"/>
-                </a:solidFill>
-              </a:rPr>
-              <a:t>. Self-establishing a </a:t>
-            </a:r>
+                <a:latin typeface="+mj-lt"/>
+              </a:rPr>
+              <a:t>The proposals are delivered as models and tools for facilitating the</a:t>
+            </a:r>
+          </a:p>
+          <a:p>
+            <a:pPr algn="ctr"/>
             <a:r>
               <a:rPr lang="en-US" dirty="0" smtClean="0">
-                <a:solidFill>
-                  <a:schemeClr val="tx1"/>
-                </a:solidFill>
-              </a:rPr>
-              <a:t>Service Level </a:t>
-            </a:r>
-            <a:r>
-              <a:rPr lang="en-US" dirty="0">
-                <a:solidFill>
-                  <a:schemeClr val="tx1"/>
-                </a:solidFill>
-              </a:rPr>
-              <a:t>Agreement within autonomic cloud networking environment. In 2014 </a:t>
-            </a:r>
-            <a:r>
-              <a:rPr lang="en-US" dirty="0" smtClean="0">
-                <a:solidFill>
-                  <a:schemeClr val="tx1"/>
-                </a:solidFill>
-              </a:rPr>
-              <a:t>IEEE Network </a:t>
-            </a:r>
-            <a:r>
-              <a:rPr lang="en-US" dirty="0">
-                <a:solidFill>
-                  <a:schemeClr val="tx1"/>
-                </a:solidFill>
-              </a:rPr>
-              <a:t>Operations and Management Symposium (NOMS), pages </a:t>
-            </a:r>
-            <a:r>
-              <a:rPr lang="en-US" dirty="0" smtClean="0">
-                <a:solidFill>
-                  <a:schemeClr val="tx1"/>
-                </a:solidFill>
-              </a:rPr>
-              <a:t>1-4</a:t>
-            </a:r>
-            <a:r>
-              <a:rPr lang="en-US" dirty="0">
-                <a:solidFill>
-                  <a:schemeClr val="tx1"/>
-                </a:solidFill>
-              </a:rPr>
-              <a:t>. IEEE, </a:t>
-            </a:r>
-            <a:r>
-              <a:rPr lang="en-US" dirty="0" smtClean="0">
-                <a:solidFill>
-                  <a:schemeClr val="tx1"/>
-                </a:solidFill>
-              </a:rPr>
-              <a:t>May 2014.</a:t>
-            </a:r>
-          </a:p>
-          <a:p>
-            <a:pPr marL="457200" indent="-457200" algn="just">
-              <a:buFont typeface="+mj-lt"/>
-              <a:buAutoNum type="arabicPeriod"/>
-            </a:pPr>
-            <a:endParaRPr lang="en-US" dirty="0">
-              <a:solidFill>
-                <a:schemeClr val="tx1"/>
-              </a:solidFill>
-            </a:endParaRPr>
-          </a:p>
-          <a:p>
-            <a:pPr marL="457200" indent="-457200" algn="just">
-              <a:buFont typeface="+mj-lt"/>
-              <a:buAutoNum type="arabicPeriod"/>
-            </a:pPr>
-            <a:r>
-              <a:rPr lang="pt-BR" dirty="0" smtClean="0">
-                <a:solidFill>
-                  <a:schemeClr val="tx1"/>
-                </a:solidFill>
-              </a:rPr>
-              <a:t>Carlos </a:t>
-            </a:r>
-            <a:r>
-              <a:rPr lang="pt-BR" dirty="0">
-                <a:solidFill>
-                  <a:schemeClr val="tx1"/>
-                </a:solidFill>
-              </a:rPr>
-              <a:t>Pedrinaci, Jorge Cardoso, and Torsten Leidig. Linked USDL: A </a:t>
-            </a:r>
-            <a:r>
-              <a:rPr lang="pt-BR" dirty="0" smtClean="0">
-                <a:solidFill>
-                  <a:schemeClr val="tx1"/>
-                </a:solidFill>
-              </a:rPr>
-              <a:t>vocabulary </a:t>
-            </a:r>
-            <a:r>
-              <a:rPr lang="en-US" dirty="0" smtClean="0">
-                <a:solidFill>
-                  <a:schemeClr val="tx1"/>
-                </a:solidFill>
-              </a:rPr>
-              <a:t>for </a:t>
-            </a:r>
-            <a:r>
-              <a:rPr lang="en-US" dirty="0">
-                <a:solidFill>
-                  <a:schemeClr val="tx1"/>
-                </a:solidFill>
-              </a:rPr>
-              <a:t>web-scale service trading. In The Semantic Web: Trends and Challenges - </a:t>
-            </a:r>
-            <a:r>
-              <a:rPr lang="en-US" dirty="0" smtClean="0">
-                <a:solidFill>
-                  <a:schemeClr val="tx1"/>
-                </a:solidFill>
-              </a:rPr>
-              <a:t>11</a:t>
-            </a:r>
-            <a:r>
-              <a:rPr lang="en-US" baseline="30000" dirty="0" smtClean="0">
-                <a:solidFill>
-                  <a:schemeClr val="tx1"/>
-                </a:solidFill>
-              </a:rPr>
-              <a:t>th</a:t>
-            </a:r>
-            <a:r>
-              <a:rPr lang="en-US" dirty="0" smtClean="0">
-                <a:solidFill>
-                  <a:schemeClr val="tx1"/>
-                </a:solidFill>
-              </a:rPr>
-              <a:t> International </a:t>
-            </a:r>
-            <a:r>
-              <a:rPr lang="en-US" dirty="0">
-                <a:solidFill>
-                  <a:schemeClr val="tx1"/>
-                </a:solidFill>
-              </a:rPr>
-              <a:t>Conference, ESWC 2014, </a:t>
-            </a:r>
-            <a:r>
-              <a:rPr lang="en-US" dirty="0" err="1">
-                <a:solidFill>
-                  <a:schemeClr val="tx1"/>
-                </a:solidFill>
-              </a:rPr>
-              <a:t>Anissaras</a:t>
-            </a:r>
-            <a:r>
-              <a:rPr lang="en-US" dirty="0">
-                <a:solidFill>
-                  <a:schemeClr val="tx1"/>
-                </a:solidFill>
-              </a:rPr>
-              <a:t>, Crete, Greece, May 25-29, </a:t>
-            </a:r>
-            <a:r>
-              <a:rPr lang="en-US" dirty="0" smtClean="0">
-                <a:solidFill>
-                  <a:schemeClr val="tx1"/>
-                </a:solidFill>
-              </a:rPr>
-              <a:t>2014. Proceedings</a:t>
-            </a:r>
-            <a:r>
-              <a:rPr lang="en-US" dirty="0">
-                <a:solidFill>
-                  <a:schemeClr val="tx1"/>
-                </a:solidFill>
-              </a:rPr>
-              <a:t>, pages 68{82, 2014</a:t>
-            </a:r>
-            <a:r>
-              <a:rPr lang="en-US" dirty="0" smtClean="0">
-                <a:solidFill>
-                  <a:schemeClr val="tx1"/>
-                </a:solidFill>
-              </a:rPr>
-              <a:t>.</a:t>
-            </a:r>
-          </a:p>
-          <a:p>
-            <a:pPr marL="457200" indent="-457200" algn="just">
-              <a:buFont typeface="+mj-lt"/>
-              <a:buAutoNum type="arabicPeriod"/>
-            </a:pPr>
-            <a:endParaRPr lang="en-US" dirty="0">
-              <a:solidFill>
-                <a:schemeClr val="tx1"/>
-              </a:solidFill>
-            </a:endParaRPr>
-          </a:p>
-          <a:p>
-            <a:pPr marL="457200" indent="-457200" algn="just">
-              <a:buFont typeface="+mj-lt"/>
-              <a:buAutoNum type="arabicPeriod"/>
-            </a:pPr>
-            <a:r>
-              <a:rPr lang="en-US" dirty="0" smtClean="0">
-                <a:solidFill>
-                  <a:schemeClr val="tx1"/>
-                </a:solidFill>
-              </a:rPr>
-              <a:t>Kai </a:t>
-            </a:r>
-            <a:r>
-              <a:rPr lang="en-US" dirty="0">
-                <a:solidFill>
-                  <a:schemeClr val="tx1"/>
-                </a:solidFill>
-              </a:rPr>
-              <a:t>Petersen, Robert </a:t>
-            </a:r>
-            <a:r>
-              <a:rPr lang="en-US" dirty="0" err="1">
-                <a:solidFill>
-                  <a:schemeClr val="tx1"/>
-                </a:solidFill>
-              </a:rPr>
-              <a:t>Feldt</a:t>
-            </a:r>
-            <a:r>
-              <a:rPr lang="en-US" dirty="0">
-                <a:solidFill>
-                  <a:schemeClr val="tx1"/>
-                </a:solidFill>
-              </a:rPr>
-              <a:t>, </a:t>
-            </a:r>
-            <a:r>
-              <a:rPr lang="en-US" dirty="0" err="1">
-                <a:solidFill>
-                  <a:schemeClr val="tx1"/>
-                </a:solidFill>
-              </a:rPr>
-              <a:t>Shahid</a:t>
-            </a:r>
-            <a:r>
-              <a:rPr lang="en-US" dirty="0">
-                <a:solidFill>
-                  <a:schemeClr val="tx1"/>
-                </a:solidFill>
-              </a:rPr>
-              <a:t> </a:t>
-            </a:r>
-            <a:r>
-              <a:rPr lang="en-US" dirty="0" err="1">
-                <a:solidFill>
-                  <a:schemeClr val="tx1"/>
-                </a:solidFill>
-              </a:rPr>
-              <a:t>Mujtaba</a:t>
-            </a:r>
-            <a:r>
-              <a:rPr lang="en-US" dirty="0">
-                <a:solidFill>
-                  <a:schemeClr val="tx1"/>
-                </a:solidFill>
-              </a:rPr>
-              <a:t>, and Michael </a:t>
-            </a:r>
-            <a:r>
-              <a:rPr lang="en-US" dirty="0" err="1">
-                <a:solidFill>
-                  <a:schemeClr val="tx1"/>
-                </a:solidFill>
-              </a:rPr>
-              <a:t>Mattsson</a:t>
-            </a:r>
-            <a:r>
-              <a:rPr lang="en-US" dirty="0">
-                <a:solidFill>
-                  <a:schemeClr val="tx1"/>
-                </a:solidFill>
-              </a:rPr>
-              <a:t>. </a:t>
-            </a:r>
-            <a:r>
-              <a:rPr lang="en-US" dirty="0" smtClean="0">
-                <a:solidFill>
-                  <a:schemeClr val="tx1"/>
-                </a:solidFill>
-              </a:rPr>
-              <a:t>Systematic mapping </a:t>
-            </a:r>
-            <a:r>
-              <a:rPr lang="en-US" dirty="0">
-                <a:solidFill>
-                  <a:schemeClr val="tx1"/>
-                </a:solidFill>
-              </a:rPr>
-              <a:t>studies in software engineering. In Proceedings of the 12th </a:t>
-            </a:r>
-            <a:r>
-              <a:rPr lang="en-US" dirty="0" smtClean="0">
-                <a:solidFill>
-                  <a:schemeClr val="tx1"/>
-                </a:solidFill>
-              </a:rPr>
-              <a:t>International Conference </a:t>
-            </a:r>
-            <a:r>
-              <a:rPr lang="en-US" dirty="0">
-                <a:solidFill>
-                  <a:schemeClr val="tx1"/>
-                </a:solidFill>
-              </a:rPr>
-              <a:t>on Evaluation and Assessment in Software Engineering, EASE'08, </a:t>
-            </a:r>
-            <a:r>
-              <a:rPr lang="en-US" dirty="0" smtClean="0">
-                <a:solidFill>
-                  <a:schemeClr val="tx1"/>
-                </a:solidFill>
-              </a:rPr>
-              <a:t>pages 68-77, </a:t>
-            </a:r>
-            <a:r>
-              <a:rPr lang="en-US" dirty="0">
-                <a:solidFill>
-                  <a:schemeClr val="tx1"/>
-                </a:solidFill>
-              </a:rPr>
-              <a:t>Swinton, UK, UK, 2008. British Computer Society</a:t>
-            </a:r>
-            <a:r>
-              <a:rPr lang="en-US" dirty="0" smtClean="0">
-                <a:solidFill>
-                  <a:schemeClr val="tx1"/>
-                </a:solidFill>
-              </a:rPr>
-              <a:t>.</a:t>
-            </a:r>
-          </a:p>
-          <a:p>
-            <a:pPr marL="457200" indent="-457200" algn="just">
-              <a:buFont typeface="+mj-lt"/>
-              <a:buAutoNum type="arabicPeriod"/>
-            </a:pPr>
-            <a:endParaRPr lang="en-US" dirty="0">
-              <a:solidFill>
-                <a:schemeClr val="tx1"/>
-              </a:solidFill>
-            </a:endParaRPr>
-          </a:p>
-          <a:p>
-            <a:pPr marL="457200" indent="-457200" algn="just">
-              <a:buFont typeface="+mj-lt"/>
-              <a:buAutoNum type="arabicPeriod"/>
-            </a:pPr>
-            <a:r>
-              <a:rPr lang="en-US" dirty="0" err="1" smtClean="0">
-                <a:solidFill>
-                  <a:schemeClr val="tx1"/>
-                </a:solidFill>
-              </a:rPr>
-              <a:t>Pramod</a:t>
-            </a:r>
-            <a:r>
-              <a:rPr lang="en-US" dirty="0" smtClean="0">
-                <a:solidFill>
-                  <a:schemeClr val="tx1"/>
-                </a:solidFill>
-              </a:rPr>
-              <a:t> </a:t>
-            </a:r>
-            <a:r>
-              <a:rPr lang="en-US" dirty="0">
-                <a:solidFill>
-                  <a:schemeClr val="tx1"/>
-                </a:solidFill>
-              </a:rPr>
-              <a:t>J </a:t>
-            </a:r>
-            <a:r>
-              <a:rPr lang="en-US" dirty="0" err="1">
-                <a:solidFill>
-                  <a:schemeClr val="tx1"/>
-                </a:solidFill>
-              </a:rPr>
-              <a:t>Sadalage</a:t>
-            </a:r>
-            <a:r>
-              <a:rPr lang="en-US" dirty="0">
-                <a:solidFill>
-                  <a:schemeClr val="tx1"/>
-                </a:solidFill>
-              </a:rPr>
-              <a:t> and Martin Fowler. NoSQL distilled: a brief guide to the </a:t>
-            </a:r>
-            <a:r>
-              <a:rPr lang="en-US" dirty="0" smtClean="0">
-                <a:solidFill>
-                  <a:schemeClr val="tx1"/>
-                </a:solidFill>
-              </a:rPr>
-              <a:t>emerging </a:t>
-            </a:r>
-            <a:r>
-              <a:rPr lang="en-US" dirty="0">
-                <a:solidFill>
-                  <a:schemeClr val="tx1"/>
-                </a:solidFill>
-              </a:rPr>
-              <a:t>world of polyglot persistence. Pearson Education, 2012</a:t>
-            </a:r>
-            <a:r>
-              <a:rPr lang="en-US" dirty="0" smtClean="0">
-                <a:solidFill>
-                  <a:schemeClr val="tx1"/>
-                </a:solidFill>
-              </a:rPr>
-              <a:t>.</a:t>
-            </a:r>
-          </a:p>
-          <a:p>
-            <a:pPr marL="457200" indent="-457200" algn="just">
-              <a:buFont typeface="+mj-lt"/>
-              <a:buAutoNum type="arabicPeriod"/>
-            </a:pPr>
-            <a:endParaRPr lang="en-US" dirty="0">
-              <a:solidFill>
-                <a:schemeClr val="tx1"/>
-              </a:solidFill>
-            </a:endParaRPr>
-          </a:p>
-          <a:p>
-            <a:pPr marL="457200" indent="-457200" algn="just">
-              <a:buFont typeface="+mj-lt"/>
-              <a:buAutoNum type="arabicPeriod"/>
-            </a:pPr>
-            <a:r>
-              <a:rPr lang="en-US" dirty="0" smtClean="0">
-                <a:solidFill>
-                  <a:schemeClr val="tx1"/>
-                </a:solidFill>
-              </a:rPr>
-              <a:t>Stephen </a:t>
-            </a:r>
-            <a:r>
-              <a:rPr lang="en-US" dirty="0">
-                <a:solidFill>
-                  <a:schemeClr val="tx1"/>
-                </a:solidFill>
-              </a:rPr>
-              <a:t>S. </a:t>
-            </a:r>
-            <a:r>
-              <a:rPr lang="en-US" dirty="0" err="1">
-                <a:solidFill>
-                  <a:schemeClr val="tx1"/>
-                </a:solidFill>
-              </a:rPr>
-              <a:t>Yau</a:t>
-            </a:r>
-            <a:r>
-              <a:rPr lang="en-US" dirty="0">
-                <a:solidFill>
-                  <a:schemeClr val="tx1"/>
-                </a:solidFill>
-              </a:rPr>
-              <a:t> and Yin </a:t>
-            </a:r>
-            <a:r>
-              <a:rPr lang="en-US" dirty="0" err="1">
-                <a:solidFill>
-                  <a:schemeClr val="tx1"/>
-                </a:solidFill>
-              </a:rPr>
-              <a:t>Yin</a:t>
-            </a:r>
-            <a:r>
-              <a:rPr lang="en-US" dirty="0">
-                <a:solidFill>
-                  <a:schemeClr val="tx1"/>
-                </a:solidFill>
-              </a:rPr>
-              <a:t>. A privacy preserving repository for data </a:t>
-            </a:r>
-            <a:r>
-              <a:rPr lang="en-US" dirty="0" smtClean="0">
-                <a:solidFill>
-                  <a:schemeClr val="tx1"/>
-                </a:solidFill>
-              </a:rPr>
-              <a:t>integration across </a:t>
-            </a:r>
-            <a:r>
-              <a:rPr lang="en-US" dirty="0">
-                <a:solidFill>
-                  <a:schemeClr val="tx1"/>
-                </a:solidFill>
-              </a:rPr>
-              <a:t>data sharing services. IEEE T. Services Computing, </a:t>
-            </a:r>
-            <a:r>
-              <a:rPr lang="en-US" dirty="0" smtClean="0">
-                <a:solidFill>
-                  <a:schemeClr val="tx1"/>
-                </a:solidFill>
-              </a:rPr>
-              <a:t>1(3):130-140</a:t>
-            </a:r>
-            <a:r>
-              <a:rPr lang="en-US" dirty="0">
-                <a:solidFill>
-                  <a:schemeClr val="tx1"/>
-                </a:solidFill>
-              </a:rPr>
-              <a:t>, 2008.</a:t>
-            </a:r>
-            <a:endParaRPr lang="en-US" dirty="0" smtClean="0">
-              <a:solidFill>
-                <a:schemeClr val="tx1"/>
-              </a:solidFill>
-            </a:endParaRPr>
+                <a:latin typeface="+mj-lt"/>
+              </a:rPr>
+              <a:t>data integration</a:t>
+            </a:r>
           </a:p>
         </p:txBody>
       </p:sp>
     </p:spTree>
     <p:extLst>
       <p:ext uri="{BB962C8B-B14F-4D97-AF65-F5344CB8AC3E}">
-        <p14:creationId xmlns:p14="http://schemas.microsoft.com/office/powerpoint/2010/main" val="387860288"/>
+        <p14:creationId xmlns:p14="http://schemas.microsoft.com/office/powerpoint/2010/main" val="307992017"/>
       </p:ext>
     </p:extLst>
   </p:cSld>
@@ -9011,9 +9023,142 @@
   <p:timing>
     <p:tnLst>
       <p:par>
-        <p:cTn id="1" dur="indefinite" restart="never" nodeType="tmRoot"/>
+        <p:cTn id="1" dur="indefinite" restart="never" nodeType="tmRoot">
+          <p:childTnLst>
+            <p:seq concurrent="1" nextAc="seek">
+              <p:cTn id="2" dur="indefinite" nodeType="mainSeq">
+                <p:childTnLst>
+                  <p:par>
+                    <p:cTn id="3" fill="hold">
+                      <p:stCondLst>
+                        <p:cond delay="indefinite"/>
+                      </p:stCondLst>
+                      <p:childTnLst>
+                        <p:par>
+                          <p:cTn id="4" fill="hold">
+                            <p:stCondLst>
+                              <p:cond delay="0"/>
+                            </p:stCondLst>
+                            <p:childTnLst>
+                              <p:par>
+                                <p:cTn id="5" presetID="10" presetClass="entr" presetSubtype="0" fill="hold" grpId="0" nodeType="clickEffect">
+                                  <p:stCondLst>
+                                    <p:cond delay="0"/>
+                                  </p:stCondLst>
+                                  <p:childTnLst>
+                                    <p:set>
+                                      <p:cBhvr>
+                                        <p:cTn id="6" dur="1" fill="hold">
+                                          <p:stCondLst>
+                                            <p:cond delay="0"/>
+                                          </p:stCondLst>
+                                        </p:cTn>
+                                        <p:tgtEl>
+                                          <p:spTgt spid="4"/>
+                                        </p:tgtEl>
+                                        <p:attrNameLst>
+                                          <p:attrName>style.visibility</p:attrName>
+                                        </p:attrNameLst>
+                                      </p:cBhvr>
+                                      <p:to>
+                                        <p:strVal val="visible"/>
+                                      </p:to>
+                                    </p:set>
+                                    <p:animEffect transition="in" filter="fade">
+                                      <p:cBhvr>
+                                        <p:cTn id="7" dur="500"/>
+                                        <p:tgtEl>
+                                          <p:spTgt spid="4"/>
+                                        </p:tgtEl>
+                                      </p:cBhvr>
+                                    </p:animEffect>
+                                  </p:childTnLst>
+                                </p:cTn>
+                              </p:par>
+                            </p:childTnLst>
+                          </p:cTn>
+                        </p:par>
+                      </p:childTnLst>
+                    </p:cTn>
+                  </p:par>
+                  <p:par>
+                    <p:cTn id="8" fill="hold">
+                      <p:stCondLst>
+                        <p:cond delay="indefinite"/>
+                      </p:stCondLst>
+                      <p:childTnLst>
+                        <p:par>
+                          <p:cTn id="9" fill="hold">
+                            <p:stCondLst>
+                              <p:cond delay="0"/>
+                            </p:stCondLst>
+                            <p:childTnLst>
+                              <p:par>
+                                <p:cTn id="10" presetID="10" presetClass="entr" presetSubtype="0" fill="hold" grpId="0" nodeType="clickEffect">
+                                  <p:stCondLst>
+                                    <p:cond delay="0"/>
+                                  </p:stCondLst>
+                                  <p:childTnLst>
+                                    <p:set>
+                                      <p:cBhvr>
+                                        <p:cTn id="11" dur="1" fill="hold">
+                                          <p:stCondLst>
+                                            <p:cond delay="0"/>
+                                          </p:stCondLst>
+                                        </p:cTn>
+                                        <p:tgtEl>
+                                          <p:spTgt spid="5"/>
+                                        </p:tgtEl>
+                                        <p:attrNameLst>
+                                          <p:attrName>style.visibility</p:attrName>
+                                        </p:attrNameLst>
+                                      </p:cBhvr>
+                                      <p:to>
+                                        <p:strVal val="visible"/>
+                                      </p:to>
+                                    </p:set>
+                                    <p:animEffect transition="in" filter="fade">
+                                      <p:cBhvr>
+                                        <p:cTn id="12" dur="500"/>
+                                        <p:tgtEl>
+                                          <p:spTgt spid="5"/>
+                                        </p:tgtEl>
+                                      </p:cBhvr>
+                                    </p:animEffect>
+                                  </p:childTnLst>
+                                </p:cTn>
+                              </p:par>
+                            </p:childTnLst>
+                          </p:cTn>
+                        </p:par>
+                      </p:childTnLst>
+                    </p:cTn>
+                  </p:par>
+                </p:childTnLst>
+              </p:cTn>
+              <p:prevCondLst>
+                <p:cond evt="onPrev" delay="0">
+                  <p:tgtEl>
+                    <p:sldTgt/>
+                  </p:tgtEl>
+                </p:cond>
+              </p:prevCondLst>
+              <p:nextCondLst>
+                <p:cond evt="onNext" delay="0">
+                  <p:tgtEl>
+                    <p:sldTgt/>
+                  </p:tgtEl>
+                </p:cond>
+              </p:nextCondLst>
+            </p:seq>
+          </p:childTnLst>
+        </p:cTn>
       </p:par>
     </p:tnLst>
+    <p:bldLst>
+      <p:bldP spid="4" grpId="0" animBg="1"/>
+      <p:bldP spid="5" grpId="0" animBg="1"/>
+    </p:bldLst>
   </p:timing>
 </p:sld>
 </file>
@@ -9233,7 +9378,1928 @@
         </p:nvSpPr>
         <p:spPr>
           <a:xfrm>
-            <a:off x="457200" y="3697830"/>
+            <a:off x="457200" y="-430581"/>
+            <a:ext cx="8229600" cy="1143000"/>
+          </a:xfrm>
+        </p:spPr>
+        <p:txBody>
+          <a:bodyPr/>
+          <a:lstStyle/>
+          <a:p>
+            <a:r>
+              <a:rPr lang="en-US" sz="4400" dirty="0"/>
+              <a:t>Quantitative Analysis</a:t>
+            </a:r>
+          </a:p>
+        </p:txBody>
+      </p:sp>
+      <p:pic>
+        <p:nvPicPr>
+          <p:cNvPr id="7" name="Picture 6"/>
+          <p:cNvPicPr>
+            <a:picLocks noChangeAspect="1"/>
+          </p:cNvPicPr>
+          <p:nvPr/>
+        </p:nvPicPr>
+        <p:blipFill>
+          <a:blip r:embed="rId2">
+            <a:extLst>
+              <a:ext uri="{28A0092B-C50C-407E-A947-70E740481C1C}">
+                <a14:useLocalDpi xmlns:a14="http://schemas.microsoft.com/office/drawing/2010/main" val="0"/>
+              </a:ext>
+            </a:extLst>
+          </a:blip>
+          <a:stretch>
+            <a:fillRect/>
+          </a:stretch>
+        </p:blipFill>
+        <p:spPr>
+          <a:xfrm>
+            <a:off x="130664" y="1305702"/>
+            <a:ext cx="8943283" cy="3593282"/>
+          </a:xfrm>
+          <a:prstGeom prst="rect">
+            <a:avLst/>
+          </a:prstGeom>
+        </p:spPr>
+      </p:pic>
+      <p:sp>
+        <p:nvSpPr>
+          <p:cNvPr id="4" name="ZoneTexte 3"/>
+          <p:cNvSpPr txBox="1"/>
+          <p:nvPr/>
+        </p:nvSpPr>
+        <p:spPr>
+          <a:xfrm>
+            <a:off x="419303" y="5160481"/>
+            <a:ext cx="8302273" cy="646331"/>
+          </a:xfrm>
+          <a:prstGeom prst="rect">
+            <a:avLst/>
+          </a:prstGeom>
+          <a:solidFill>
+            <a:schemeClr val="accent3">
+              <a:lumMod val="40000"/>
+              <a:lumOff val="60000"/>
+            </a:schemeClr>
+          </a:solidFill>
+          <a:ln>
+            <a:solidFill>
+              <a:schemeClr val="accent2">
+                <a:lumMod val="75000"/>
+              </a:schemeClr>
+            </a:solidFill>
+          </a:ln>
+        </p:spPr>
+        <p:txBody>
+          <a:bodyPr wrap="none" rtlCol="0">
+            <a:spAutoFit/>
+          </a:bodyPr>
+          <a:lstStyle/>
+          <a:p>
+            <a:pPr algn="ctr"/>
+            <a:r>
+              <a:rPr lang="en-US" dirty="0" smtClean="0">
+                <a:latin typeface="+mj-lt"/>
+              </a:rPr>
+              <a:t>Given the importance and crucial need of data integration most papers</a:t>
+            </a:r>
+          </a:p>
+          <a:p>
+            <a:pPr algn="ctr"/>
+            <a:r>
+              <a:rPr lang="en-US" dirty="0">
+                <a:latin typeface="+mj-lt"/>
+              </a:rPr>
+              <a:t>p</a:t>
+            </a:r>
+            <a:r>
+              <a:rPr lang="en-US" dirty="0" smtClean="0">
+                <a:latin typeface="+mj-lt"/>
+              </a:rPr>
+              <a:t>resent concrete solutions as methods, algorithms and systems </a:t>
+            </a:r>
+          </a:p>
+        </p:txBody>
+      </p:sp>
+    </p:spTree>
+    <p:extLst>
+      <p:ext uri="{BB962C8B-B14F-4D97-AF65-F5344CB8AC3E}">
+        <p14:creationId xmlns:p14="http://schemas.microsoft.com/office/powerpoint/2010/main" val="1176693366"/>
+      </p:ext>
+    </p:extLst>
+  </p:cSld>
+  <p:clrMapOvr>
+    <a:masterClrMapping/>
+  </p:clrMapOvr>
+  <mc:AlternateContent xmlns:mc="http://schemas.openxmlformats.org/markup-compatibility/2006" xmlns:p14="http://schemas.microsoft.com/office/powerpoint/2010/main">
+    <mc:Choice Requires="p14">
+      <p:transition spd="slow" p14:dur="2000"/>
+    </mc:Choice>
+    <mc:Fallback xmlns="">
+      <p:transition xmlns:p14="http://schemas.microsoft.com/office/powerpoint/2010/main" spd="slow"/>
+    </mc:Fallback>
+  </mc:AlternateContent>
+  <p:timing>
+    <p:tnLst>
+      <p:par>
+        <p:cTn id="1" dur="indefinite" restart="never" nodeType="tmRoot">
+          <p:childTnLst>
+            <p:seq concurrent="1" nextAc="seek">
+              <p:cTn id="2" dur="indefinite" nodeType="mainSeq">
+                <p:childTnLst>
+                  <p:par>
+                    <p:cTn id="3" fill="hold">
+                      <p:stCondLst>
+                        <p:cond delay="indefinite"/>
+                      </p:stCondLst>
+                      <p:childTnLst>
+                        <p:par>
+                          <p:cTn id="4" fill="hold">
+                            <p:stCondLst>
+                              <p:cond delay="0"/>
+                            </p:stCondLst>
+                            <p:childTnLst>
+                              <p:par>
+                                <p:cTn id="5" presetID="10" presetClass="entr" presetSubtype="0" fill="hold" grpId="0" nodeType="clickEffect">
+                                  <p:stCondLst>
+                                    <p:cond delay="0"/>
+                                  </p:stCondLst>
+                                  <p:childTnLst>
+                                    <p:set>
+                                      <p:cBhvr>
+                                        <p:cTn id="6" dur="1" fill="hold">
+                                          <p:stCondLst>
+                                            <p:cond delay="0"/>
+                                          </p:stCondLst>
+                                        </p:cTn>
+                                        <p:tgtEl>
+                                          <p:spTgt spid="4"/>
+                                        </p:tgtEl>
+                                        <p:attrNameLst>
+                                          <p:attrName>style.visibility</p:attrName>
+                                        </p:attrNameLst>
+                                      </p:cBhvr>
+                                      <p:to>
+                                        <p:strVal val="visible"/>
+                                      </p:to>
+                                    </p:set>
+                                    <p:animEffect transition="in" filter="fade">
+                                      <p:cBhvr>
+                                        <p:cTn id="7" dur="500"/>
+                                        <p:tgtEl>
+                                          <p:spTgt spid="4"/>
+                                        </p:tgtEl>
+                                      </p:cBhvr>
+                                    </p:animEffect>
+                                  </p:childTnLst>
+                                </p:cTn>
+                              </p:par>
+                            </p:childTnLst>
+                          </p:cTn>
+                        </p:par>
+                      </p:childTnLst>
+                    </p:cTn>
+                  </p:par>
+                </p:childTnLst>
+              </p:cTn>
+              <p:prevCondLst>
+                <p:cond evt="onPrev" delay="0">
+                  <p:tgtEl>
+                    <p:sldTgt/>
+                  </p:tgtEl>
+                </p:cond>
+              </p:prevCondLst>
+              <p:nextCondLst>
+                <p:cond evt="onNext" delay="0">
+                  <p:tgtEl>
+                    <p:sldTgt/>
+                  </p:tgtEl>
+                </p:cond>
+              </p:nextCondLst>
+            </p:seq>
+          </p:childTnLst>
+        </p:cTn>
+      </p:par>
+    </p:tnLst>
+    <p:bldLst>
+      <p:bldP spid="4" grpId="0" animBg="1"/>
+    </p:bldLst>
+  </p:timing>
+</p:sld>
+</file>
+
+<file path=ppt/slides/slide21.xml><?xml version="1.0" encoding="utf-8"?>
+<p:sld xmlns:a="http://schemas.openxmlformats.org/drawingml/2006/main" xmlns:r="http://schemas.openxmlformats.org/officeDocument/2006/relationships" xmlns:p="http://schemas.openxmlformats.org/presentationml/2006/main">
+  <p:cSld>
+    <p:spTree>
+      <p:nvGrpSpPr>
+        <p:cNvPr id="1" name=""/>
+        <p:cNvGrpSpPr/>
+        <p:nvPr/>
+      </p:nvGrpSpPr>
+      <p:grpSpPr>
+        <a:xfrm>
+          <a:off x="0" y="0"/>
+          <a:ext cx="0" cy="0"/>
+          <a:chOff x="0" y="0"/>
+          <a:chExt cx="0" cy="0"/>
+        </a:xfrm>
+      </p:grpSpPr>
+      <p:sp>
+        <p:nvSpPr>
+          <p:cNvPr id="2" name="Title 1"/>
+          <p:cNvSpPr>
+            <a:spLocks noGrp="1"/>
+          </p:cNvSpPr>
+          <p:nvPr>
+            <p:ph type="title"/>
+          </p:nvPr>
+        </p:nvSpPr>
+        <p:spPr>
+          <a:xfrm>
+            <a:off x="457200" y="-430581"/>
+            <a:ext cx="8229600" cy="1143000"/>
+          </a:xfrm>
+        </p:spPr>
+        <p:txBody>
+          <a:bodyPr/>
+          <a:lstStyle/>
+          <a:p>
+            <a:r>
+              <a:rPr lang="en-US" sz="4400" dirty="0"/>
+              <a:t>Quantitative Analysis</a:t>
+            </a:r>
+          </a:p>
+        </p:txBody>
+      </p:sp>
+      <p:sp>
+        <p:nvSpPr>
+          <p:cNvPr id="4" name="Content Placeholder 2"/>
+          <p:cNvSpPr>
+            <a:spLocks noGrp="1"/>
+          </p:cNvSpPr>
+          <p:nvPr>
+            <p:ph idx="1"/>
+          </p:nvPr>
+        </p:nvSpPr>
+        <p:spPr>
+          <a:xfrm>
+            <a:off x="457200" y="1600200"/>
+            <a:ext cx="8229600" cy="4525963"/>
+          </a:xfrm>
+        </p:spPr>
+        <p:txBody>
+          <a:bodyPr>
+            <a:normAutofit/>
+          </a:bodyPr>
+          <a:lstStyle/>
+          <a:p>
+            <a:pPr algn="just"/>
+            <a:r>
+              <a:rPr lang="en-US" dirty="0" smtClean="0">
+                <a:solidFill>
+                  <a:schemeClr val="tx1"/>
+                </a:solidFill>
+              </a:rPr>
+              <a:t>The purpose of the fourth and last chart is: </a:t>
+            </a:r>
+          </a:p>
+          <a:p>
+            <a:pPr algn="just"/>
+            <a:endParaRPr lang="en-US" dirty="0">
+              <a:solidFill>
+                <a:schemeClr val="tx1"/>
+              </a:solidFill>
+            </a:endParaRPr>
+          </a:p>
+          <a:p>
+            <a:pPr lvl="1" algn="just"/>
+            <a:r>
+              <a:rPr lang="en-US" dirty="0">
+                <a:solidFill>
+                  <a:schemeClr val="tx1"/>
+                </a:solidFill>
+              </a:rPr>
+              <a:t>T</a:t>
+            </a:r>
+            <a:r>
+              <a:rPr lang="en-US" dirty="0" smtClean="0">
+                <a:solidFill>
+                  <a:schemeClr val="tx1"/>
+                </a:solidFill>
+              </a:rPr>
+              <a:t>o observe which QoS measures have been used for evaluating data integration</a:t>
+            </a:r>
+          </a:p>
+          <a:p>
+            <a:pPr lvl="1" algn="just"/>
+            <a:endParaRPr lang="en-US" dirty="0" smtClean="0">
+              <a:solidFill>
+                <a:schemeClr val="tx1"/>
+              </a:solidFill>
+            </a:endParaRPr>
+          </a:p>
+          <a:p>
+            <a:pPr lvl="1" algn="just"/>
+            <a:r>
+              <a:rPr lang="en-US" dirty="0" smtClean="0">
+                <a:solidFill>
+                  <a:schemeClr val="tx1"/>
+                </a:solidFill>
+              </a:rPr>
+              <a:t>To determine the conditions in which specific measures are particularly used</a:t>
+            </a:r>
+            <a:endParaRPr lang="en-US" dirty="0">
+              <a:solidFill>
+                <a:schemeClr val="tx1"/>
+              </a:solidFill>
+            </a:endParaRPr>
+          </a:p>
+        </p:txBody>
+      </p:sp>
+    </p:spTree>
+    <p:extLst>
+      <p:ext uri="{BB962C8B-B14F-4D97-AF65-F5344CB8AC3E}">
+        <p14:creationId xmlns:p14="http://schemas.microsoft.com/office/powerpoint/2010/main" val="1001845006"/>
+      </p:ext>
+    </p:extLst>
+  </p:cSld>
+  <p:clrMapOvr>
+    <a:masterClrMapping/>
+  </p:clrMapOvr>
+  <mc:AlternateContent xmlns:mc="http://schemas.openxmlformats.org/markup-compatibility/2006" xmlns:p14="http://schemas.microsoft.com/office/powerpoint/2010/main">
+    <mc:Choice Requires="p14">
+      <p:transition spd="slow" p14:dur="2000"/>
+    </mc:Choice>
+    <mc:Fallback xmlns="">
+      <p:transition xmlns:p14="http://schemas.microsoft.com/office/powerpoint/2010/main" spd="slow"/>
+    </mc:Fallback>
+  </mc:AlternateContent>
+  <p:timing>
+    <p:tnLst>
+      <p:par>
+        <p:cTn id="1" dur="indefinite" restart="never" nodeType="tmRoot"/>
+      </p:par>
+    </p:tnLst>
+  </p:timing>
+</p:sld>
+</file>
+
+<file path=ppt/slides/slide22.xml><?xml version="1.0" encoding="utf-8"?>
+<p:sld xmlns:a="http://schemas.openxmlformats.org/drawingml/2006/main" xmlns:r="http://schemas.openxmlformats.org/officeDocument/2006/relationships" xmlns:p="http://schemas.openxmlformats.org/presentationml/2006/main">
+  <p:cSld>
+    <p:spTree>
+      <p:nvGrpSpPr>
+        <p:cNvPr id="1" name=""/>
+        <p:cNvGrpSpPr/>
+        <p:nvPr/>
+      </p:nvGrpSpPr>
+      <p:grpSpPr>
+        <a:xfrm>
+          <a:off x="0" y="0"/>
+          <a:ext cx="0" cy="0"/>
+          <a:chOff x="0" y="0"/>
+          <a:chExt cx="0" cy="0"/>
+        </a:xfrm>
+      </p:grpSpPr>
+      <p:sp>
+        <p:nvSpPr>
+          <p:cNvPr id="2" name="Title 1"/>
+          <p:cNvSpPr>
+            <a:spLocks noGrp="1"/>
+          </p:cNvSpPr>
+          <p:nvPr>
+            <p:ph type="title"/>
+          </p:nvPr>
+        </p:nvSpPr>
+        <p:spPr>
+          <a:xfrm>
+            <a:off x="457200" y="-430581"/>
+            <a:ext cx="8229600" cy="1143000"/>
+          </a:xfrm>
+        </p:spPr>
+        <p:txBody>
+          <a:bodyPr/>
+          <a:lstStyle/>
+          <a:p>
+            <a:r>
+              <a:rPr lang="en-US" sz="4400" dirty="0"/>
+              <a:t>Quantitative Analysis</a:t>
+            </a:r>
+          </a:p>
+        </p:txBody>
+      </p:sp>
+      <p:pic>
+        <p:nvPicPr>
+          <p:cNvPr id="7" name="Picture 6" descr="Data-Quality-DI.pdf"/>
+          <p:cNvPicPr>
+            <a:picLocks noChangeAspect="1"/>
+          </p:cNvPicPr>
+          <p:nvPr/>
+        </p:nvPicPr>
+        <p:blipFill>
+          <a:blip r:embed="rId2">
+            <a:extLst>
+              <a:ext uri="{28A0092B-C50C-407E-A947-70E740481C1C}">
+                <a14:useLocalDpi xmlns:a14="http://schemas.microsoft.com/office/drawing/2010/main" val="0"/>
+              </a:ext>
+            </a:extLst>
+          </a:blip>
+          <a:stretch>
+            <a:fillRect/>
+          </a:stretch>
+        </p:blipFill>
+        <p:spPr>
+          <a:xfrm>
+            <a:off x="641791" y="703371"/>
+            <a:ext cx="7860418" cy="5114724"/>
+          </a:xfrm>
+          <a:prstGeom prst="rect">
+            <a:avLst/>
+          </a:prstGeom>
+        </p:spPr>
+      </p:pic>
+      <p:sp>
+        <p:nvSpPr>
+          <p:cNvPr id="4" name="ZoneTexte 3"/>
+          <p:cNvSpPr txBox="1"/>
+          <p:nvPr/>
+        </p:nvSpPr>
+        <p:spPr>
+          <a:xfrm>
+            <a:off x="121953" y="5892017"/>
+            <a:ext cx="8896986" cy="646331"/>
+          </a:xfrm>
+          <a:prstGeom prst="rect">
+            <a:avLst/>
+          </a:prstGeom>
+          <a:solidFill>
+            <a:schemeClr val="accent3">
+              <a:lumMod val="40000"/>
+              <a:lumOff val="60000"/>
+            </a:schemeClr>
+          </a:solidFill>
+          <a:ln>
+            <a:solidFill>
+              <a:schemeClr val="accent2">
+                <a:lumMod val="75000"/>
+              </a:schemeClr>
+            </a:solidFill>
+          </a:ln>
+        </p:spPr>
+        <p:txBody>
+          <a:bodyPr wrap="none" rtlCol="0">
+            <a:spAutoFit/>
+          </a:bodyPr>
+          <a:lstStyle/>
+          <a:p>
+            <a:pPr algn="ctr"/>
+            <a:r>
+              <a:rPr lang="en-US" dirty="0" smtClean="0">
+                <a:latin typeface="+mj-lt"/>
+              </a:rPr>
+              <a:t>Data integration and QoS measures are associated within environments like</a:t>
+            </a:r>
+          </a:p>
+          <a:p>
+            <a:pPr algn="ctr"/>
+            <a:r>
+              <a:rPr lang="en-US" dirty="0" smtClean="0">
+                <a:latin typeface="+mj-lt"/>
+              </a:rPr>
+              <a:t>cloud and multi-cloud, but yet there is a lack of works concerning this</a:t>
+            </a:r>
+          </a:p>
+        </p:txBody>
+      </p:sp>
+    </p:spTree>
+    <p:extLst>
+      <p:ext uri="{BB962C8B-B14F-4D97-AF65-F5344CB8AC3E}">
+        <p14:creationId xmlns:p14="http://schemas.microsoft.com/office/powerpoint/2010/main" val="1850242317"/>
+      </p:ext>
+    </p:extLst>
+  </p:cSld>
+  <p:clrMapOvr>
+    <a:masterClrMapping/>
+  </p:clrMapOvr>
+  <mc:AlternateContent xmlns:mc="http://schemas.openxmlformats.org/markup-compatibility/2006" xmlns:p14="http://schemas.microsoft.com/office/powerpoint/2010/main">
+    <mc:Choice Requires="p14">
+      <p:transition spd="slow" p14:dur="2000"/>
+    </mc:Choice>
+    <mc:Fallback xmlns="">
+      <p:transition xmlns:p14="http://schemas.microsoft.com/office/powerpoint/2010/main" spd="slow"/>
+    </mc:Fallback>
+  </mc:AlternateContent>
+  <p:timing>
+    <p:tnLst>
+      <p:par>
+        <p:cTn id="1" dur="indefinite" restart="never" nodeType="tmRoot">
+          <p:childTnLst>
+            <p:seq concurrent="1" nextAc="seek">
+              <p:cTn id="2" dur="indefinite" nodeType="mainSeq">
+                <p:childTnLst>
+                  <p:par>
+                    <p:cTn id="3" fill="hold">
+                      <p:stCondLst>
+                        <p:cond delay="indefinite"/>
+                      </p:stCondLst>
+                      <p:childTnLst>
+                        <p:par>
+                          <p:cTn id="4" fill="hold">
+                            <p:stCondLst>
+                              <p:cond delay="0"/>
+                            </p:stCondLst>
+                            <p:childTnLst>
+                              <p:par>
+                                <p:cTn id="5" presetID="10" presetClass="entr" presetSubtype="0" fill="hold" grpId="0" nodeType="clickEffect">
+                                  <p:stCondLst>
+                                    <p:cond delay="0"/>
+                                  </p:stCondLst>
+                                  <p:childTnLst>
+                                    <p:set>
+                                      <p:cBhvr>
+                                        <p:cTn id="6" dur="1" fill="hold">
+                                          <p:stCondLst>
+                                            <p:cond delay="0"/>
+                                          </p:stCondLst>
+                                        </p:cTn>
+                                        <p:tgtEl>
+                                          <p:spTgt spid="4"/>
+                                        </p:tgtEl>
+                                        <p:attrNameLst>
+                                          <p:attrName>style.visibility</p:attrName>
+                                        </p:attrNameLst>
+                                      </p:cBhvr>
+                                      <p:to>
+                                        <p:strVal val="visible"/>
+                                      </p:to>
+                                    </p:set>
+                                    <p:animEffect transition="in" filter="fade">
+                                      <p:cBhvr>
+                                        <p:cTn id="7" dur="500"/>
+                                        <p:tgtEl>
+                                          <p:spTgt spid="4"/>
+                                        </p:tgtEl>
+                                      </p:cBhvr>
+                                    </p:animEffect>
+                                  </p:childTnLst>
+                                </p:cTn>
+                              </p:par>
+                            </p:childTnLst>
+                          </p:cTn>
+                        </p:par>
+                      </p:childTnLst>
+                    </p:cTn>
+                  </p:par>
+                </p:childTnLst>
+              </p:cTn>
+              <p:prevCondLst>
+                <p:cond evt="onPrev" delay="0">
+                  <p:tgtEl>
+                    <p:sldTgt/>
+                  </p:tgtEl>
+                </p:cond>
+              </p:prevCondLst>
+              <p:nextCondLst>
+                <p:cond evt="onNext" delay="0">
+                  <p:tgtEl>
+                    <p:sldTgt/>
+                  </p:tgtEl>
+                </p:cond>
+              </p:nextCondLst>
+            </p:seq>
+          </p:childTnLst>
+        </p:cTn>
+      </p:par>
+    </p:tnLst>
+    <p:bldLst>
+      <p:bldP spid="4" grpId="0" animBg="1"/>
+    </p:bldLst>
+  </p:timing>
+</p:sld>
+</file>
+
+<file path=ppt/slides/slide23.xml><?xml version="1.0" encoding="utf-8"?>
+<p:sld xmlns:a="http://schemas.openxmlformats.org/drawingml/2006/main" xmlns:r="http://schemas.openxmlformats.org/officeDocument/2006/relationships" xmlns:p="http://schemas.openxmlformats.org/presentationml/2006/main">
+  <p:cSld>
+    <p:spTree>
+      <p:nvGrpSpPr>
+        <p:cNvPr id="1" name=""/>
+        <p:cNvGrpSpPr/>
+        <p:nvPr/>
+      </p:nvGrpSpPr>
+      <p:grpSpPr>
+        <a:xfrm>
+          <a:off x="0" y="0"/>
+          <a:ext cx="0" cy="0"/>
+          <a:chOff x="0" y="0"/>
+          <a:chExt cx="0" cy="0"/>
+        </a:xfrm>
+      </p:grpSpPr>
+      <p:sp>
+        <p:nvSpPr>
+          <p:cNvPr id="2" name="Title 1"/>
+          <p:cNvSpPr>
+            <a:spLocks noGrp="1"/>
+          </p:cNvSpPr>
+          <p:nvPr>
+            <p:ph type="title"/>
+          </p:nvPr>
+        </p:nvSpPr>
+        <p:spPr/>
+        <p:txBody>
+          <a:bodyPr>
+            <a:normAutofit/>
+          </a:bodyPr>
+          <a:lstStyle/>
+          <a:p>
+            <a:r>
+              <a:rPr lang="en-US" dirty="0" smtClean="0"/>
+              <a:t>Conclusion and final remarks</a:t>
+            </a:r>
+            <a:endParaRPr lang="en-US" dirty="0"/>
+          </a:p>
+        </p:txBody>
+      </p:sp>
+      <p:sp>
+        <p:nvSpPr>
+          <p:cNvPr id="3" name="Content Placeholder 2"/>
+          <p:cNvSpPr>
+            <a:spLocks noGrp="1"/>
+          </p:cNvSpPr>
+          <p:nvPr>
+            <p:ph idx="1"/>
+          </p:nvPr>
+        </p:nvSpPr>
+        <p:spPr/>
+        <p:txBody>
+          <a:bodyPr>
+            <a:normAutofit fontScale="92500" lnSpcReduction="20000"/>
+          </a:bodyPr>
+          <a:lstStyle/>
+          <a:p>
+            <a:pPr algn="just"/>
+            <a:endParaRPr lang="en-US" dirty="0" smtClean="0">
+              <a:solidFill>
+                <a:schemeClr val="tx1"/>
+              </a:solidFill>
+            </a:endParaRPr>
+          </a:p>
+          <a:p>
+            <a:pPr algn="just"/>
+            <a:r>
+              <a:rPr lang="en-US" dirty="0" smtClean="0">
+                <a:solidFill>
+                  <a:schemeClr val="tx1"/>
+                </a:solidFill>
+              </a:rPr>
+              <a:t>The </a:t>
+            </a:r>
+            <a:r>
+              <a:rPr lang="en-US" dirty="0">
+                <a:solidFill>
+                  <a:schemeClr val="tx1"/>
+                </a:solidFill>
+              </a:rPr>
+              <a:t>challenge of integrating data from distributed </a:t>
+            </a:r>
+            <a:r>
+              <a:rPr lang="en-US" dirty="0" smtClean="0">
+                <a:solidFill>
+                  <a:schemeClr val="tx1"/>
+                </a:solidFill>
+              </a:rPr>
+              <a:t>data services </a:t>
+            </a:r>
+            <a:r>
+              <a:rPr lang="en-US" dirty="0">
+                <a:solidFill>
+                  <a:schemeClr val="tx1"/>
+                </a:solidFill>
+              </a:rPr>
+              <a:t>deployed on </a:t>
+            </a:r>
+            <a:r>
+              <a:rPr lang="en-US" dirty="0" smtClean="0">
+                <a:solidFill>
+                  <a:schemeClr val="tx1"/>
+                </a:solidFill>
+              </a:rPr>
+              <a:t>different </a:t>
+            </a:r>
+            <a:r>
+              <a:rPr lang="en-US" dirty="0">
+                <a:solidFill>
+                  <a:schemeClr val="tx1"/>
+                </a:solidFill>
+              </a:rPr>
+              <a:t>cloud providers guided by SLAs and user </a:t>
+            </a:r>
+            <a:r>
+              <a:rPr lang="en-US" dirty="0" smtClean="0">
+                <a:solidFill>
+                  <a:schemeClr val="tx1"/>
+                </a:solidFill>
+              </a:rPr>
+              <a:t>preferences </a:t>
+            </a:r>
+            <a:r>
+              <a:rPr lang="en-US" dirty="0">
+                <a:solidFill>
+                  <a:schemeClr val="tx1"/>
+                </a:solidFill>
+              </a:rPr>
+              <a:t>statement. </a:t>
+            </a:r>
+            <a:endParaRPr lang="en-US" dirty="0" smtClean="0">
+              <a:solidFill>
+                <a:schemeClr val="tx1"/>
+              </a:solidFill>
+            </a:endParaRPr>
+          </a:p>
+          <a:p>
+            <a:pPr algn="just"/>
+            <a:endParaRPr lang="en-US" dirty="0" smtClean="0">
+              <a:solidFill>
+                <a:schemeClr val="tx1"/>
+              </a:solidFill>
+            </a:endParaRPr>
+          </a:p>
+          <a:p>
+            <a:pPr algn="just"/>
+            <a:r>
+              <a:rPr lang="en-US" dirty="0" smtClean="0">
+                <a:solidFill>
+                  <a:schemeClr val="tx1"/>
+                </a:solidFill>
+              </a:rPr>
+              <a:t>The </a:t>
+            </a:r>
+            <a:r>
+              <a:rPr lang="en-US" dirty="0">
+                <a:solidFill>
+                  <a:schemeClr val="tx1"/>
+                </a:solidFill>
+              </a:rPr>
+              <a:t>problem statement was derived from a </a:t>
+            </a:r>
+            <a:r>
+              <a:rPr lang="en-US" dirty="0" smtClean="0">
+                <a:solidFill>
+                  <a:schemeClr val="tx1"/>
+                </a:solidFill>
+              </a:rPr>
+              <a:t>classification </a:t>
+            </a:r>
+            <a:r>
+              <a:rPr lang="en-US" dirty="0">
+                <a:solidFill>
+                  <a:schemeClr val="tx1"/>
+                </a:solidFill>
+              </a:rPr>
+              <a:t>scheme that </a:t>
+            </a:r>
+            <a:r>
+              <a:rPr lang="en-US" dirty="0" smtClean="0">
+                <a:solidFill>
+                  <a:schemeClr val="tx1"/>
+                </a:solidFill>
+              </a:rPr>
+              <a:t>resulted from </a:t>
+            </a:r>
+            <a:r>
+              <a:rPr lang="en-US" dirty="0">
+                <a:solidFill>
+                  <a:schemeClr val="tx1"/>
+                </a:solidFill>
+              </a:rPr>
+              <a:t>a study of existing publications </a:t>
+            </a:r>
+            <a:r>
+              <a:rPr lang="en-US" dirty="0" smtClean="0">
+                <a:solidFill>
+                  <a:schemeClr val="tx1"/>
+                </a:solidFill>
+              </a:rPr>
+              <a:t>identified </a:t>
+            </a:r>
+            <a:r>
+              <a:rPr lang="en-US" dirty="0">
+                <a:solidFill>
+                  <a:schemeClr val="tx1"/>
+                </a:solidFill>
+              </a:rPr>
+              <a:t>by applying the systematic </a:t>
+            </a:r>
+            <a:r>
+              <a:rPr lang="en-US" dirty="0" smtClean="0">
+                <a:solidFill>
+                  <a:schemeClr val="tx1"/>
+                </a:solidFill>
+              </a:rPr>
+              <a:t>mapping </a:t>
+            </a:r>
+            <a:r>
+              <a:rPr lang="en-US" dirty="0">
+                <a:solidFill>
+                  <a:schemeClr val="tx1"/>
+                </a:solidFill>
+              </a:rPr>
+              <a:t>method. </a:t>
+            </a:r>
+            <a:endParaRPr lang="en-US" dirty="0" smtClean="0">
+              <a:solidFill>
+                <a:schemeClr val="tx1"/>
+              </a:solidFill>
+            </a:endParaRPr>
+          </a:p>
+          <a:p>
+            <a:pPr algn="just"/>
+            <a:endParaRPr lang="en-US" dirty="0">
+              <a:solidFill>
+                <a:schemeClr val="tx1"/>
+              </a:solidFill>
+            </a:endParaRPr>
+          </a:p>
+          <a:p>
+            <a:pPr algn="just"/>
+            <a:r>
+              <a:rPr lang="en-US" dirty="0" smtClean="0">
+                <a:solidFill>
+                  <a:schemeClr val="tx1"/>
+                </a:solidFill>
+              </a:rPr>
+              <a:t>Our </a:t>
+            </a:r>
+            <a:r>
+              <a:rPr lang="en-US" dirty="0">
+                <a:solidFill>
+                  <a:schemeClr val="tx1"/>
+                </a:solidFill>
+              </a:rPr>
+              <a:t>contribution is the </a:t>
+            </a:r>
+            <a:r>
+              <a:rPr lang="en-US" dirty="0" smtClean="0">
+                <a:solidFill>
+                  <a:schemeClr val="tx1"/>
+                </a:solidFill>
+              </a:rPr>
+              <a:t>definition </a:t>
+            </a:r>
+            <a:r>
+              <a:rPr lang="en-US" dirty="0">
+                <a:solidFill>
+                  <a:schemeClr val="tx1"/>
+                </a:solidFill>
+              </a:rPr>
+              <a:t>of a </a:t>
+            </a:r>
+            <a:r>
+              <a:rPr lang="en-US" dirty="0" smtClean="0">
+                <a:solidFill>
+                  <a:schemeClr val="tx1"/>
+                </a:solidFill>
+              </a:rPr>
+              <a:t>classification </a:t>
+            </a:r>
+            <a:r>
+              <a:rPr lang="en-US" dirty="0">
+                <a:solidFill>
+                  <a:schemeClr val="tx1"/>
+                </a:solidFill>
+              </a:rPr>
+              <a:t>scheme </a:t>
+            </a:r>
+            <a:r>
+              <a:rPr lang="en-US" dirty="0" smtClean="0">
+                <a:solidFill>
+                  <a:schemeClr val="tx1"/>
+                </a:solidFill>
+              </a:rPr>
+              <a:t>that shows </a:t>
+            </a:r>
+            <a:r>
+              <a:rPr lang="en-US" dirty="0">
+                <a:solidFill>
+                  <a:schemeClr val="tx1"/>
+                </a:solidFill>
+              </a:rPr>
+              <a:t>the aspects that characterize a modern vision of data integration done </a:t>
+            </a:r>
+            <a:r>
+              <a:rPr lang="en-US" dirty="0" smtClean="0">
+                <a:solidFill>
+                  <a:schemeClr val="tx1"/>
+                </a:solidFill>
+              </a:rPr>
+              <a:t>in </a:t>
+            </a:r>
+            <a:r>
+              <a:rPr lang="en-US" dirty="0">
+                <a:solidFill>
+                  <a:schemeClr val="tx1"/>
+                </a:solidFill>
+              </a:rPr>
+              <a:t>multi-cloud environments and that can be enhanced by including SLAs in </a:t>
+            </a:r>
+            <a:r>
+              <a:rPr lang="en-US" dirty="0" smtClean="0">
+                <a:solidFill>
+                  <a:schemeClr val="tx1"/>
+                </a:solidFill>
+              </a:rPr>
+              <a:t>its process</a:t>
+            </a:r>
+            <a:r>
+              <a:rPr lang="en-US" dirty="0">
+                <a:solidFill>
+                  <a:schemeClr val="tx1"/>
+                </a:solidFill>
+              </a:rPr>
+              <a:t>.</a:t>
+            </a:r>
+          </a:p>
+          <a:p>
+            <a:pPr algn="just"/>
+            <a:endParaRPr lang="en-US" dirty="0">
+              <a:solidFill>
+                <a:schemeClr val="tx1"/>
+              </a:solidFill>
+            </a:endParaRPr>
+          </a:p>
+        </p:txBody>
+      </p:sp>
+    </p:spTree>
+    <p:extLst>
+      <p:ext uri="{BB962C8B-B14F-4D97-AF65-F5344CB8AC3E}">
+        <p14:creationId xmlns:p14="http://schemas.microsoft.com/office/powerpoint/2010/main" val="1865980667"/>
+      </p:ext>
+    </p:extLst>
+  </p:cSld>
+  <p:clrMapOvr>
+    <a:masterClrMapping/>
+  </p:clrMapOvr>
+  <mc:AlternateContent xmlns:mc="http://schemas.openxmlformats.org/markup-compatibility/2006" xmlns:p14="http://schemas.microsoft.com/office/powerpoint/2010/main">
+    <mc:Choice Requires="p14">
+      <p:transition spd="slow" p14:dur="2000"/>
+    </mc:Choice>
+    <mc:Fallback xmlns="">
+      <p:transition xmlns:p14="http://schemas.microsoft.com/office/powerpoint/2010/main" spd="slow"/>
+    </mc:Fallback>
+  </mc:AlternateContent>
+  <p:timing>
+    <p:tnLst>
+      <p:par>
+        <p:cTn id="1" dur="indefinite" restart="never" nodeType="tmRoot"/>
+      </p:par>
+    </p:tnLst>
+  </p:timing>
+</p:sld>
+</file>
+
+<file path=ppt/slides/slide24.xml><?xml version="1.0" encoding="utf-8"?>
+<p:sld xmlns:a="http://schemas.openxmlformats.org/drawingml/2006/main" xmlns:r="http://schemas.openxmlformats.org/officeDocument/2006/relationships" xmlns:p="http://schemas.openxmlformats.org/presentationml/2006/main">
+  <p:cSld>
+    <p:spTree>
+      <p:nvGrpSpPr>
+        <p:cNvPr id="1" name=""/>
+        <p:cNvGrpSpPr/>
+        <p:nvPr/>
+      </p:nvGrpSpPr>
+      <p:grpSpPr>
+        <a:xfrm>
+          <a:off x="0" y="0"/>
+          <a:ext cx="0" cy="0"/>
+          <a:chOff x="0" y="0"/>
+          <a:chExt cx="0" cy="0"/>
+        </a:xfrm>
+      </p:grpSpPr>
+      <p:sp>
+        <p:nvSpPr>
+          <p:cNvPr id="2" name="Title 1"/>
+          <p:cNvSpPr>
+            <a:spLocks noGrp="1"/>
+          </p:cNvSpPr>
+          <p:nvPr>
+            <p:ph type="title"/>
+          </p:nvPr>
+        </p:nvSpPr>
+        <p:spPr/>
+        <p:txBody>
+          <a:bodyPr>
+            <a:normAutofit/>
+          </a:bodyPr>
+          <a:lstStyle/>
+          <a:p>
+            <a:r>
+              <a:rPr lang="en-US" dirty="0" smtClean="0"/>
+              <a:t>Conclusion and final remarks</a:t>
+            </a:r>
+            <a:endParaRPr lang="en-US" dirty="0"/>
+          </a:p>
+        </p:txBody>
+      </p:sp>
+      <p:sp>
+        <p:nvSpPr>
+          <p:cNvPr id="3" name="Content Placeholder 2"/>
+          <p:cNvSpPr>
+            <a:spLocks noGrp="1"/>
+          </p:cNvSpPr>
+          <p:nvPr>
+            <p:ph idx="1"/>
+          </p:nvPr>
+        </p:nvSpPr>
+        <p:spPr/>
+        <p:txBody>
+          <a:bodyPr>
+            <a:normAutofit/>
+          </a:bodyPr>
+          <a:lstStyle/>
+          <a:p>
+            <a:pPr algn="just"/>
+            <a:endParaRPr lang="en-US" dirty="0" smtClean="0">
+              <a:solidFill>
+                <a:schemeClr val="tx1"/>
+              </a:solidFill>
+            </a:endParaRPr>
+          </a:p>
+          <a:p>
+            <a:pPr algn="just"/>
+            <a:r>
+              <a:rPr lang="en-US" dirty="0">
+                <a:solidFill>
+                  <a:schemeClr val="tx1"/>
+                </a:solidFill>
+              </a:rPr>
+              <a:t>W</a:t>
+            </a:r>
+            <a:r>
+              <a:rPr lang="en-US" dirty="0" smtClean="0">
+                <a:solidFill>
+                  <a:schemeClr val="tx1"/>
+                </a:solidFill>
+              </a:rPr>
+              <a:t>e identified </a:t>
+            </a:r>
+            <a:r>
+              <a:rPr lang="en-US" dirty="0">
+                <a:solidFill>
+                  <a:schemeClr val="tx1"/>
+                </a:solidFill>
+              </a:rPr>
+              <a:t>trends and </a:t>
+            </a:r>
+            <a:r>
+              <a:rPr lang="en-US" dirty="0" smtClean="0">
+                <a:solidFill>
+                  <a:schemeClr val="tx1"/>
+                </a:solidFill>
+              </a:rPr>
+              <a:t>open issues </a:t>
+            </a:r>
+            <a:r>
+              <a:rPr lang="en-US" dirty="0">
+                <a:solidFill>
+                  <a:schemeClr val="tx1"/>
+                </a:solidFill>
+              </a:rPr>
+              <a:t>in our research topic and proposed the general lines of an original </a:t>
+            </a:r>
+            <a:r>
+              <a:rPr lang="en-US" dirty="0" smtClean="0">
+                <a:solidFill>
+                  <a:schemeClr val="tx1"/>
+                </a:solidFill>
+              </a:rPr>
+              <a:t>data integration </a:t>
+            </a:r>
+            <a:r>
+              <a:rPr lang="en-US" dirty="0">
+                <a:solidFill>
+                  <a:schemeClr val="tx1"/>
+                </a:solidFill>
+              </a:rPr>
+              <a:t>solution. </a:t>
+            </a:r>
+            <a:endParaRPr lang="en-US" dirty="0" smtClean="0">
+              <a:solidFill>
+                <a:schemeClr val="tx1"/>
+              </a:solidFill>
+            </a:endParaRPr>
+          </a:p>
+          <a:p>
+            <a:pPr algn="just"/>
+            <a:endParaRPr lang="en-US" dirty="0">
+              <a:solidFill>
+                <a:schemeClr val="tx1"/>
+              </a:solidFill>
+            </a:endParaRPr>
+          </a:p>
+          <a:p>
+            <a:pPr algn="just"/>
+            <a:r>
+              <a:rPr lang="en-US" dirty="0" smtClean="0">
+                <a:solidFill>
+                  <a:schemeClr val="tx1"/>
+                </a:solidFill>
+              </a:rPr>
+              <a:t>We </a:t>
+            </a:r>
+            <a:r>
+              <a:rPr lang="en-US" dirty="0">
+                <a:solidFill>
+                  <a:schemeClr val="tx1"/>
+                </a:solidFill>
+              </a:rPr>
+              <a:t>are also developing the strategies to better </a:t>
+            </a:r>
+            <a:r>
+              <a:rPr lang="en-US" dirty="0" smtClean="0">
+                <a:solidFill>
+                  <a:schemeClr val="tx1"/>
+                </a:solidFill>
+              </a:rPr>
+              <a:t>define </a:t>
+            </a:r>
+            <a:r>
+              <a:rPr lang="en-US" dirty="0">
+                <a:solidFill>
+                  <a:schemeClr val="tx1"/>
+                </a:solidFill>
+              </a:rPr>
+              <a:t>a </a:t>
+            </a:r>
+            <a:r>
+              <a:rPr lang="en-US" dirty="0" smtClean="0">
+                <a:solidFill>
+                  <a:schemeClr val="tx1"/>
+                </a:solidFill>
+              </a:rPr>
+              <a:t>SLA extension </a:t>
+            </a:r>
+            <a:r>
+              <a:rPr lang="en-US" dirty="0">
+                <a:solidFill>
+                  <a:schemeClr val="tx1"/>
+                </a:solidFill>
+              </a:rPr>
+              <a:t>and data consumers preferences description for guiding data </a:t>
+            </a:r>
+            <a:r>
+              <a:rPr lang="en-US" dirty="0" smtClean="0">
+                <a:solidFill>
+                  <a:schemeClr val="tx1"/>
+                </a:solidFill>
+              </a:rPr>
+              <a:t>integration </a:t>
+            </a:r>
+            <a:r>
+              <a:rPr lang="en-US" dirty="0">
+                <a:solidFill>
+                  <a:schemeClr val="tx1"/>
+                </a:solidFill>
+              </a:rPr>
+              <a:t>in multi-cloud environments.</a:t>
+            </a:r>
+          </a:p>
+        </p:txBody>
+      </p:sp>
+    </p:spTree>
+    <p:extLst>
+      <p:ext uri="{BB962C8B-B14F-4D97-AF65-F5344CB8AC3E}">
+        <p14:creationId xmlns:p14="http://schemas.microsoft.com/office/powerpoint/2010/main" val="1663560043"/>
+      </p:ext>
+    </p:extLst>
+  </p:cSld>
+  <p:clrMapOvr>
+    <a:masterClrMapping/>
+  </p:clrMapOvr>
+  <mc:AlternateContent xmlns:mc="http://schemas.openxmlformats.org/markup-compatibility/2006" xmlns:p14="http://schemas.microsoft.com/office/powerpoint/2010/main">
+    <mc:Choice Requires="p14">
+      <p:transition spd="slow" p14:dur="2000"/>
+    </mc:Choice>
+    <mc:Fallback xmlns="">
+      <p:transition xmlns:p14="http://schemas.microsoft.com/office/powerpoint/2010/main" spd="slow"/>
+    </mc:Fallback>
+  </mc:AlternateContent>
+  <p:timing>
+    <p:tnLst>
+      <p:par>
+        <p:cTn id="1" dur="indefinite" restart="never" nodeType="tmRoot"/>
+      </p:par>
+    </p:tnLst>
+  </p:timing>
+</p:sld>
+</file>
+
+<file path=ppt/slides/slide25.xml><?xml version="1.0" encoding="utf-8"?>
+<p:sld xmlns:a="http://schemas.openxmlformats.org/drawingml/2006/main" xmlns:r="http://schemas.openxmlformats.org/officeDocument/2006/relationships" xmlns:p="http://schemas.openxmlformats.org/presentationml/2006/main">
+  <p:cSld>
+    <p:spTree>
+      <p:nvGrpSpPr>
+        <p:cNvPr id="1" name=""/>
+        <p:cNvGrpSpPr/>
+        <p:nvPr/>
+      </p:nvGrpSpPr>
+      <p:grpSpPr>
+        <a:xfrm>
+          <a:off x="0" y="0"/>
+          <a:ext cx="0" cy="0"/>
+          <a:chOff x="0" y="0"/>
+          <a:chExt cx="0" cy="0"/>
+        </a:xfrm>
+      </p:grpSpPr>
+      <p:sp>
+        <p:nvSpPr>
+          <p:cNvPr id="2" name="Title 1"/>
+          <p:cNvSpPr>
+            <a:spLocks noGrp="1"/>
+          </p:cNvSpPr>
+          <p:nvPr>
+            <p:ph type="title"/>
+          </p:nvPr>
+        </p:nvSpPr>
+        <p:spPr/>
+        <p:txBody>
+          <a:bodyPr>
+            <a:normAutofit/>
+          </a:bodyPr>
+          <a:lstStyle/>
+          <a:p>
+            <a:r>
+              <a:rPr lang="en-US" dirty="0" smtClean="0"/>
+              <a:t>References</a:t>
+            </a:r>
+            <a:endParaRPr lang="en-US" dirty="0"/>
+          </a:p>
+        </p:txBody>
+      </p:sp>
+      <p:sp>
+        <p:nvSpPr>
+          <p:cNvPr id="3" name="Content Placeholder 2"/>
+          <p:cNvSpPr>
+            <a:spLocks noGrp="1"/>
+          </p:cNvSpPr>
+          <p:nvPr>
+            <p:ph idx="1"/>
+          </p:nvPr>
+        </p:nvSpPr>
+        <p:spPr>
+          <a:xfrm>
+            <a:off x="457200" y="1769016"/>
+            <a:ext cx="8229600" cy="4525963"/>
+          </a:xfrm>
+        </p:spPr>
+        <p:txBody>
+          <a:bodyPr>
+            <a:normAutofit fontScale="62500" lnSpcReduction="20000"/>
+          </a:bodyPr>
+          <a:lstStyle/>
+          <a:p>
+            <a:pPr marL="457200" indent="-457200" algn="just">
+              <a:buFont typeface="+mj-lt"/>
+              <a:buAutoNum type="arabicPeriod"/>
+            </a:pPr>
+            <a:r>
+              <a:rPr lang="en-US" dirty="0" smtClean="0">
+                <a:solidFill>
+                  <a:schemeClr val="tx1"/>
+                </a:solidFill>
+              </a:rPr>
+              <a:t>Mohamad </a:t>
+            </a:r>
+            <a:r>
+              <a:rPr lang="en-US" dirty="0" err="1">
+                <a:solidFill>
+                  <a:schemeClr val="tx1"/>
+                </a:solidFill>
+              </a:rPr>
+              <a:t>Hamze</a:t>
+            </a:r>
+            <a:r>
+              <a:rPr lang="en-US" dirty="0">
+                <a:solidFill>
+                  <a:schemeClr val="tx1"/>
+                </a:solidFill>
+              </a:rPr>
+              <a:t>, Nader </a:t>
+            </a:r>
+            <a:r>
+              <a:rPr lang="en-US" dirty="0" err="1">
+                <a:solidFill>
+                  <a:schemeClr val="tx1"/>
+                </a:solidFill>
+              </a:rPr>
+              <a:t>Mbarek</a:t>
+            </a:r>
+            <a:r>
+              <a:rPr lang="en-US" dirty="0">
+                <a:solidFill>
+                  <a:schemeClr val="tx1"/>
+                </a:solidFill>
+              </a:rPr>
+              <a:t>, and Olivier </a:t>
+            </a:r>
+            <a:r>
+              <a:rPr lang="en-US" dirty="0" err="1">
+                <a:solidFill>
+                  <a:schemeClr val="tx1"/>
+                </a:solidFill>
+              </a:rPr>
+              <a:t>Togni</a:t>
+            </a:r>
+            <a:r>
+              <a:rPr lang="en-US" dirty="0">
+                <a:solidFill>
+                  <a:schemeClr val="tx1"/>
+                </a:solidFill>
+              </a:rPr>
+              <a:t>. Self-establishing a </a:t>
+            </a:r>
+            <a:r>
+              <a:rPr lang="en-US" dirty="0" smtClean="0">
+                <a:solidFill>
+                  <a:schemeClr val="tx1"/>
+                </a:solidFill>
+              </a:rPr>
+              <a:t>Service Level </a:t>
+            </a:r>
+            <a:r>
+              <a:rPr lang="en-US" dirty="0">
+                <a:solidFill>
+                  <a:schemeClr val="tx1"/>
+                </a:solidFill>
+              </a:rPr>
+              <a:t>Agreement within autonomic cloud networking environment. In 2014 </a:t>
+            </a:r>
+            <a:r>
+              <a:rPr lang="en-US" dirty="0" smtClean="0">
+                <a:solidFill>
+                  <a:schemeClr val="tx1"/>
+                </a:solidFill>
+              </a:rPr>
+              <a:t>IEEE Network </a:t>
+            </a:r>
+            <a:r>
+              <a:rPr lang="en-US" dirty="0">
+                <a:solidFill>
+                  <a:schemeClr val="tx1"/>
+                </a:solidFill>
+              </a:rPr>
+              <a:t>Operations and Management Symposium (NOMS), pages </a:t>
+            </a:r>
+            <a:r>
+              <a:rPr lang="en-US" dirty="0" smtClean="0">
+                <a:solidFill>
+                  <a:schemeClr val="tx1"/>
+                </a:solidFill>
+              </a:rPr>
+              <a:t>1-4</a:t>
+            </a:r>
+            <a:r>
+              <a:rPr lang="en-US" dirty="0">
+                <a:solidFill>
+                  <a:schemeClr val="tx1"/>
+                </a:solidFill>
+              </a:rPr>
+              <a:t>. IEEE, </a:t>
+            </a:r>
+            <a:r>
+              <a:rPr lang="en-US" dirty="0" smtClean="0">
+                <a:solidFill>
+                  <a:schemeClr val="tx1"/>
+                </a:solidFill>
+              </a:rPr>
+              <a:t>May 2014.</a:t>
+            </a:r>
+          </a:p>
+          <a:p>
+            <a:pPr marL="457200" indent="-457200" algn="just">
+              <a:buFont typeface="+mj-lt"/>
+              <a:buAutoNum type="arabicPeriod"/>
+            </a:pPr>
+            <a:endParaRPr lang="en-US" dirty="0">
+              <a:solidFill>
+                <a:schemeClr val="tx1"/>
+              </a:solidFill>
+            </a:endParaRPr>
+          </a:p>
+          <a:p>
+            <a:pPr marL="457200" indent="-457200" algn="just">
+              <a:buFont typeface="+mj-lt"/>
+              <a:buAutoNum type="arabicPeriod"/>
+            </a:pPr>
+            <a:r>
+              <a:rPr lang="pt-BR" dirty="0" smtClean="0">
+                <a:solidFill>
+                  <a:schemeClr val="tx1"/>
+                </a:solidFill>
+              </a:rPr>
+              <a:t>Carlos </a:t>
+            </a:r>
+            <a:r>
+              <a:rPr lang="pt-BR" dirty="0">
+                <a:solidFill>
+                  <a:schemeClr val="tx1"/>
+                </a:solidFill>
+              </a:rPr>
+              <a:t>Pedrinaci, Jorge Cardoso, and Torsten Leidig. Linked USDL: A </a:t>
+            </a:r>
+            <a:r>
+              <a:rPr lang="pt-BR" dirty="0" smtClean="0">
+                <a:solidFill>
+                  <a:schemeClr val="tx1"/>
+                </a:solidFill>
+              </a:rPr>
+              <a:t>vocabulary </a:t>
+            </a:r>
+            <a:r>
+              <a:rPr lang="en-US" dirty="0" smtClean="0">
+                <a:solidFill>
+                  <a:schemeClr val="tx1"/>
+                </a:solidFill>
+              </a:rPr>
+              <a:t>for </a:t>
+            </a:r>
+            <a:r>
+              <a:rPr lang="en-US" dirty="0">
+                <a:solidFill>
+                  <a:schemeClr val="tx1"/>
+                </a:solidFill>
+              </a:rPr>
+              <a:t>web-scale service trading. In The Semantic Web: Trends and Challenges - </a:t>
+            </a:r>
+            <a:r>
+              <a:rPr lang="en-US" dirty="0" smtClean="0">
+                <a:solidFill>
+                  <a:schemeClr val="tx1"/>
+                </a:solidFill>
+              </a:rPr>
+              <a:t>11</a:t>
+            </a:r>
+            <a:r>
+              <a:rPr lang="en-US" baseline="30000" dirty="0" smtClean="0">
+                <a:solidFill>
+                  <a:schemeClr val="tx1"/>
+                </a:solidFill>
+              </a:rPr>
+              <a:t>th</a:t>
+            </a:r>
+            <a:r>
+              <a:rPr lang="en-US" dirty="0" smtClean="0">
+                <a:solidFill>
+                  <a:schemeClr val="tx1"/>
+                </a:solidFill>
+              </a:rPr>
+              <a:t> International </a:t>
+            </a:r>
+            <a:r>
+              <a:rPr lang="en-US" dirty="0">
+                <a:solidFill>
+                  <a:schemeClr val="tx1"/>
+                </a:solidFill>
+              </a:rPr>
+              <a:t>Conference, ESWC 2014, </a:t>
+            </a:r>
+            <a:r>
+              <a:rPr lang="en-US" dirty="0" err="1">
+                <a:solidFill>
+                  <a:schemeClr val="tx1"/>
+                </a:solidFill>
+              </a:rPr>
+              <a:t>Anissaras</a:t>
+            </a:r>
+            <a:r>
+              <a:rPr lang="en-US" dirty="0">
+                <a:solidFill>
+                  <a:schemeClr val="tx1"/>
+                </a:solidFill>
+              </a:rPr>
+              <a:t>, Crete, Greece, May 25-29, </a:t>
+            </a:r>
+            <a:r>
+              <a:rPr lang="en-US" dirty="0" smtClean="0">
+                <a:solidFill>
+                  <a:schemeClr val="tx1"/>
+                </a:solidFill>
+              </a:rPr>
+              <a:t>2014. Proceedings</a:t>
+            </a:r>
+            <a:r>
+              <a:rPr lang="en-US" dirty="0">
+                <a:solidFill>
+                  <a:schemeClr val="tx1"/>
+                </a:solidFill>
+              </a:rPr>
+              <a:t>, pages 68{82, 2014</a:t>
+            </a:r>
+            <a:r>
+              <a:rPr lang="en-US" dirty="0" smtClean="0">
+                <a:solidFill>
+                  <a:schemeClr val="tx1"/>
+                </a:solidFill>
+              </a:rPr>
+              <a:t>.</a:t>
+            </a:r>
+          </a:p>
+          <a:p>
+            <a:pPr marL="457200" indent="-457200" algn="just">
+              <a:buFont typeface="+mj-lt"/>
+              <a:buAutoNum type="arabicPeriod"/>
+            </a:pPr>
+            <a:endParaRPr lang="en-US" dirty="0">
+              <a:solidFill>
+                <a:schemeClr val="tx1"/>
+              </a:solidFill>
+            </a:endParaRPr>
+          </a:p>
+          <a:p>
+            <a:pPr marL="457200" indent="-457200" algn="just">
+              <a:buFont typeface="+mj-lt"/>
+              <a:buAutoNum type="arabicPeriod"/>
+            </a:pPr>
+            <a:r>
+              <a:rPr lang="en-US" dirty="0" smtClean="0">
+                <a:solidFill>
+                  <a:schemeClr val="tx1"/>
+                </a:solidFill>
+              </a:rPr>
+              <a:t>Kai </a:t>
+            </a:r>
+            <a:r>
+              <a:rPr lang="en-US" dirty="0">
+                <a:solidFill>
+                  <a:schemeClr val="tx1"/>
+                </a:solidFill>
+              </a:rPr>
+              <a:t>Petersen, Robert </a:t>
+            </a:r>
+            <a:r>
+              <a:rPr lang="en-US" dirty="0" err="1">
+                <a:solidFill>
+                  <a:schemeClr val="tx1"/>
+                </a:solidFill>
+              </a:rPr>
+              <a:t>Feldt</a:t>
+            </a:r>
+            <a:r>
+              <a:rPr lang="en-US" dirty="0">
+                <a:solidFill>
+                  <a:schemeClr val="tx1"/>
+                </a:solidFill>
+              </a:rPr>
+              <a:t>, </a:t>
+            </a:r>
+            <a:r>
+              <a:rPr lang="en-US" dirty="0" err="1">
+                <a:solidFill>
+                  <a:schemeClr val="tx1"/>
+                </a:solidFill>
+              </a:rPr>
+              <a:t>Shahid</a:t>
+            </a:r>
+            <a:r>
+              <a:rPr lang="en-US" dirty="0">
+                <a:solidFill>
+                  <a:schemeClr val="tx1"/>
+                </a:solidFill>
+              </a:rPr>
+              <a:t> </a:t>
+            </a:r>
+            <a:r>
+              <a:rPr lang="en-US" dirty="0" err="1">
+                <a:solidFill>
+                  <a:schemeClr val="tx1"/>
+                </a:solidFill>
+              </a:rPr>
+              <a:t>Mujtaba</a:t>
+            </a:r>
+            <a:r>
+              <a:rPr lang="en-US" dirty="0">
+                <a:solidFill>
+                  <a:schemeClr val="tx1"/>
+                </a:solidFill>
+              </a:rPr>
+              <a:t>, and Michael </a:t>
+            </a:r>
+            <a:r>
+              <a:rPr lang="en-US" dirty="0" err="1">
+                <a:solidFill>
+                  <a:schemeClr val="tx1"/>
+                </a:solidFill>
+              </a:rPr>
+              <a:t>Mattsson</a:t>
+            </a:r>
+            <a:r>
+              <a:rPr lang="en-US" dirty="0">
+                <a:solidFill>
+                  <a:schemeClr val="tx1"/>
+                </a:solidFill>
+              </a:rPr>
+              <a:t>. </a:t>
+            </a:r>
+            <a:r>
+              <a:rPr lang="en-US" dirty="0" smtClean="0">
+                <a:solidFill>
+                  <a:schemeClr val="tx1"/>
+                </a:solidFill>
+              </a:rPr>
+              <a:t>Systematic mapping </a:t>
+            </a:r>
+            <a:r>
+              <a:rPr lang="en-US" dirty="0">
+                <a:solidFill>
+                  <a:schemeClr val="tx1"/>
+                </a:solidFill>
+              </a:rPr>
+              <a:t>studies in software engineering. In Proceedings of the 12th </a:t>
+            </a:r>
+            <a:r>
+              <a:rPr lang="en-US" dirty="0" smtClean="0">
+                <a:solidFill>
+                  <a:schemeClr val="tx1"/>
+                </a:solidFill>
+              </a:rPr>
+              <a:t>International Conference </a:t>
+            </a:r>
+            <a:r>
+              <a:rPr lang="en-US" dirty="0">
+                <a:solidFill>
+                  <a:schemeClr val="tx1"/>
+                </a:solidFill>
+              </a:rPr>
+              <a:t>on Evaluation and Assessment in Software Engineering, EASE'08, </a:t>
+            </a:r>
+            <a:r>
+              <a:rPr lang="en-US" dirty="0" smtClean="0">
+                <a:solidFill>
+                  <a:schemeClr val="tx1"/>
+                </a:solidFill>
+              </a:rPr>
+              <a:t>pages 68-77, </a:t>
+            </a:r>
+            <a:r>
+              <a:rPr lang="en-US" dirty="0">
+                <a:solidFill>
+                  <a:schemeClr val="tx1"/>
+                </a:solidFill>
+              </a:rPr>
+              <a:t>Swinton, UK, UK, 2008. British Computer Society</a:t>
+            </a:r>
+            <a:r>
+              <a:rPr lang="en-US" dirty="0" smtClean="0">
+                <a:solidFill>
+                  <a:schemeClr val="tx1"/>
+                </a:solidFill>
+              </a:rPr>
+              <a:t>.</a:t>
+            </a:r>
+          </a:p>
+          <a:p>
+            <a:pPr marL="457200" indent="-457200" algn="just">
+              <a:buFont typeface="+mj-lt"/>
+              <a:buAutoNum type="arabicPeriod"/>
+            </a:pPr>
+            <a:endParaRPr lang="en-US" dirty="0">
+              <a:solidFill>
+                <a:schemeClr val="tx1"/>
+              </a:solidFill>
+            </a:endParaRPr>
+          </a:p>
+          <a:p>
+            <a:pPr marL="457200" indent="-457200" algn="just">
+              <a:buFont typeface="+mj-lt"/>
+              <a:buAutoNum type="arabicPeriod"/>
+            </a:pPr>
+            <a:r>
+              <a:rPr lang="en-US" dirty="0" err="1" smtClean="0">
+                <a:solidFill>
+                  <a:schemeClr val="tx1"/>
+                </a:solidFill>
+              </a:rPr>
+              <a:t>Pramod</a:t>
+            </a:r>
+            <a:r>
+              <a:rPr lang="en-US" dirty="0" smtClean="0">
+                <a:solidFill>
+                  <a:schemeClr val="tx1"/>
+                </a:solidFill>
+              </a:rPr>
+              <a:t> </a:t>
+            </a:r>
+            <a:r>
+              <a:rPr lang="en-US" dirty="0">
+                <a:solidFill>
+                  <a:schemeClr val="tx1"/>
+                </a:solidFill>
+              </a:rPr>
+              <a:t>J </a:t>
+            </a:r>
+            <a:r>
+              <a:rPr lang="en-US" dirty="0" err="1">
+                <a:solidFill>
+                  <a:schemeClr val="tx1"/>
+                </a:solidFill>
+              </a:rPr>
+              <a:t>Sadalage</a:t>
+            </a:r>
+            <a:r>
+              <a:rPr lang="en-US" dirty="0">
+                <a:solidFill>
+                  <a:schemeClr val="tx1"/>
+                </a:solidFill>
+              </a:rPr>
+              <a:t> and Martin Fowler. NoSQL distilled: a brief guide to the </a:t>
+            </a:r>
+            <a:r>
+              <a:rPr lang="en-US" dirty="0" smtClean="0">
+                <a:solidFill>
+                  <a:schemeClr val="tx1"/>
+                </a:solidFill>
+              </a:rPr>
+              <a:t>emerging </a:t>
+            </a:r>
+            <a:r>
+              <a:rPr lang="en-US" dirty="0">
+                <a:solidFill>
+                  <a:schemeClr val="tx1"/>
+                </a:solidFill>
+              </a:rPr>
+              <a:t>world of polyglot persistence. Pearson Education, 2012</a:t>
+            </a:r>
+            <a:r>
+              <a:rPr lang="en-US" dirty="0" smtClean="0">
+                <a:solidFill>
+                  <a:schemeClr val="tx1"/>
+                </a:solidFill>
+              </a:rPr>
+              <a:t>.</a:t>
+            </a:r>
+          </a:p>
+          <a:p>
+            <a:pPr marL="457200" indent="-457200" algn="just">
+              <a:buFont typeface="+mj-lt"/>
+              <a:buAutoNum type="arabicPeriod"/>
+            </a:pPr>
+            <a:endParaRPr lang="en-US" dirty="0">
+              <a:solidFill>
+                <a:schemeClr val="tx1"/>
+              </a:solidFill>
+            </a:endParaRPr>
+          </a:p>
+          <a:p>
+            <a:pPr marL="457200" indent="-457200" algn="just">
+              <a:buFont typeface="+mj-lt"/>
+              <a:buAutoNum type="arabicPeriod"/>
+            </a:pPr>
+            <a:r>
+              <a:rPr lang="en-US" dirty="0" smtClean="0">
+                <a:solidFill>
+                  <a:schemeClr val="tx1"/>
+                </a:solidFill>
+              </a:rPr>
+              <a:t>Stephen </a:t>
+            </a:r>
+            <a:r>
+              <a:rPr lang="en-US" dirty="0">
+                <a:solidFill>
+                  <a:schemeClr val="tx1"/>
+                </a:solidFill>
+              </a:rPr>
+              <a:t>S. </a:t>
+            </a:r>
+            <a:r>
+              <a:rPr lang="en-US" dirty="0" err="1">
+                <a:solidFill>
+                  <a:schemeClr val="tx1"/>
+                </a:solidFill>
+              </a:rPr>
+              <a:t>Yau</a:t>
+            </a:r>
+            <a:r>
+              <a:rPr lang="en-US" dirty="0">
+                <a:solidFill>
+                  <a:schemeClr val="tx1"/>
+                </a:solidFill>
+              </a:rPr>
+              <a:t> and Yin </a:t>
+            </a:r>
+            <a:r>
+              <a:rPr lang="en-US" dirty="0" err="1">
+                <a:solidFill>
+                  <a:schemeClr val="tx1"/>
+                </a:solidFill>
+              </a:rPr>
+              <a:t>Yin</a:t>
+            </a:r>
+            <a:r>
+              <a:rPr lang="en-US" dirty="0">
+                <a:solidFill>
+                  <a:schemeClr val="tx1"/>
+                </a:solidFill>
+              </a:rPr>
+              <a:t>. A privacy preserving repository for data </a:t>
+            </a:r>
+            <a:r>
+              <a:rPr lang="en-US" dirty="0" smtClean="0">
+                <a:solidFill>
+                  <a:schemeClr val="tx1"/>
+                </a:solidFill>
+              </a:rPr>
+              <a:t>integration across </a:t>
+            </a:r>
+            <a:r>
+              <a:rPr lang="en-US" dirty="0">
+                <a:solidFill>
+                  <a:schemeClr val="tx1"/>
+                </a:solidFill>
+              </a:rPr>
+              <a:t>data sharing services. IEEE T. Services Computing, </a:t>
+            </a:r>
+            <a:r>
+              <a:rPr lang="en-US" dirty="0" smtClean="0">
+                <a:solidFill>
+                  <a:schemeClr val="tx1"/>
+                </a:solidFill>
+              </a:rPr>
+              <a:t>1(3):130-140</a:t>
+            </a:r>
+            <a:r>
+              <a:rPr lang="en-US" dirty="0">
+                <a:solidFill>
+                  <a:schemeClr val="tx1"/>
+                </a:solidFill>
+              </a:rPr>
+              <a:t>, 2008.</a:t>
+            </a:r>
+            <a:endParaRPr lang="en-US" dirty="0" smtClean="0">
+              <a:solidFill>
+                <a:schemeClr val="tx1"/>
+              </a:solidFill>
+            </a:endParaRPr>
+          </a:p>
+        </p:txBody>
+      </p:sp>
+    </p:spTree>
+    <p:extLst>
+      <p:ext uri="{BB962C8B-B14F-4D97-AF65-F5344CB8AC3E}">
+        <p14:creationId xmlns:p14="http://schemas.microsoft.com/office/powerpoint/2010/main" val="387860288"/>
+      </p:ext>
+    </p:extLst>
+  </p:cSld>
+  <p:clrMapOvr>
+    <a:masterClrMapping/>
+  </p:clrMapOvr>
+  <mc:AlternateContent xmlns:mc="http://schemas.openxmlformats.org/markup-compatibility/2006" xmlns:p14="http://schemas.microsoft.com/office/powerpoint/2010/main">
+    <mc:Choice Requires="p14">
+      <p:transition spd="slow" p14:dur="2000"/>
+    </mc:Choice>
+    <mc:Fallback xmlns="">
+      <p:transition xmlns:p14="http://schemas.microsoft.com/office/powerpoint/2010/main" spd="slow"/>
+    </mc:Fallback>
+  </mc:AlternateContent>
+  <p:timing>
+    <p:tnLst>
+      <p:par>
+        <p:cTn id="1" dur="indefinite" restart="never" nodeType="tmRoot"/>
+      </p:par>
+    </p:tnLst>
+  </p:timing>
+</p:sld>
+</file>
+
+<file path=ppt/slides/slide26.xml><?xml version="1.0" encoding="utf-8"?>
+<p:sld xmlns:a="http://schemas.openxmlformats.org/drawingml/2006/main" xmlns:r="http://schemas.openxmlformats.org/officeDocument/2006/relationships" xmlns:p="http://schemas.openxmlformats.org/presentationml/2006/main">
+  <p:cSld>
+    <p:spTree>
+      <p:nvGrpSpPr>
+        <p:cNvPr id="1" name=""/>
+        <p:cNvGrpSpPr/>
+        <p:nvPr/>
+      </p:nvGrpSpPr>
+      <p:grpSpPr>
+        <a:xfrm>
+          <a:off x="0" y="0"/>
+          <a:ext cx="0" cy="0"/>
+          <a:chOff x="0" y="0"/>
+          <a:chExt cx="0" cy="0"/>
+        </a:xfrm>
+      </p:grpSpPr>
+      <p:sp>
+        <p:nvSpPr>
+          <p:cNvPr id="2" name="Title 1"/>
+          <p:cNvSpPr>
+            <a:spLocks noGrp="1"/>
+          </p:cNvSpPr>
+          <p:nvPr>
+            <p:ph type="title"/>
+          </p:nvPr>
+        </p:nvSpPr>
+        <p:spPr>
+          <a:xfrm>
+            <a:off x="457200" y="3078838"/>
             <a:ext cx="8229600" cy="1143000"/>
           </a:xfrm>
         </p:spPr>
@@ -9245,7 +11311,7 @@
           <a:p>
             <a:r>
               <a:rPr lang="en-US" dirty="0" smtClean="0"/>
-              <a:t>Questions?</a:t>
+              <a:t/>
             </a:r>
             <a:br>
               <a:rPr lang="en-US" dirty="0" smtClean="0"/>
@@ -9264,9 +11330,366 @@
             <a:br>
               <a:rPr lang="en-US" dirty="0" smtClean="0"/>
             </a:br>
+            <a:endParaRPr lang="en-US" dirty="0"/>
+          </a:p>
+        </p:txBody>
+      </p:sp>
+      <p:sp>
+        <p:nvSpPr>
+          <p:cNvPr id="4" name="Subtitle 2"/>
+          <p:cNvSpPr txBox="1">
+            <a:spLocks/>
+          </p:cNvSpPr>
+          <p:nvPr/>
+        </p:nvSpPr>
+        <p:spPr>
+          <a:xfrm>
+            <a:off x="1371600" y="4826388"/>
+            <a:ext cx="6400800" cy="1219200"/>
+          </a:xfrm>
+          <a:prstGeom prst="rect">
+            <a:avLst/>
+          </a:prstGeom>
+        </p:spPr>
+        <p:txBody>
+          <a:bodyPr vert="horz" lIns="91440" tIns="45720" rIns="91440" bIns="45720" rtlCol="0">
+            <a:normAutofit fontScale="55000" lnSpcReduction="20000"/>
+          </a:bodyPr>
+          <a:lstStyle>
+            <a:lvl1pPr marL="342900" indent="-342900" algn="l" defTabSz="914400" rtl="0" eaLnBrk="1" latinLnBrk="0" hangingPunct="1">
+              <a:spcBef>
+                <a:spcPct val="20000"/>
+              </a:spcBef>
+              <a:buFont typeface="Arial" pitchFamily="34" charset="0"/>
+              <a:buChar char="•"/>
+              <a:defRPr sz="2400" kern="1200">
+                <a:solidFill>
+                  <a:schemeClr val="tx1">
+                    <a:lumMod val="50000"/>
+                    <a:lumOff val="50000"/>
+                  </a:schemeClr>
+                </a:solidFill>
+                <a:latin typeface="+mj-lt"/>
+                <a:ea typeface="+mn-ea"/>
+                <a:cs typeface="+mn-cs"/>
+              </a:defRPr>
+            </a:lvl1pPr>
+            <a:lvl2pPr marL="742950" indent="-285750" algn="l" defTabSz="914400" rtl="0" eaLnBrk="1" latinLnBrk="0" hangingPunct="1">
+              <a:spcBef>
+                <a:spcPct val="20000"/>
+              </a:spcBef>
+              <a:buFont typeface="Courier New" pitchFamily="49" charset="0"/>
+              <a:buChar char="o"/>
+              <a:defRPr sz="1600" kern="1200">
+                <a:solidFill>
+                  <a:schemeClr val="tx1">
+                    <a:lumMod val="50000"/>
+                    <a:lumOff val="50000"/>
+                  </a:schemeClr>
+                </a:solidFill>
+                <a:latin typeface="+mj-lt"/>
+                <a:ea typeface="+mn-ea"/>
+                <a:cs typeface="+mn-cs"/>
+              </a:defRPr>
+            </a:lvl2pPr>
+            <a:lvl3pPr marL="1143000" indent="-228600" algn="l" defTabSz="914400" rtl="0" eaLnBrk="1" latinLnBrk="0" hangingPunct="1">
+              <a:spcBef>
+                <a:spcPct val="20000"/>
+              </a:spcBef>
+              <a:buFont typeface="Arial" pitchFamily="34" charset="0"/>
+              <a:buChar char="•"/>
+              <a:defRPr sz="1600" kern="1200">
+                <a:solidFill>
+                  <a:schemeClr val="tx1">
+                    <a:lumMod val="50000"/>
+                    <a:lumOff val="50000"/>
+                  </a:schemeClr>
+                </a:solidFill>
+                <a:latin typeface="+mj-lt"/>
+                <a:ea typeface="+mn-ea"/>
+                <a:cs typeface="+mn-cs"/>
+              </a:defRPr>
+            </a:lvl3pPr>
+            <a:lvl4pPr marL="1600200" indent="-228600" algn="l" defTabSz="914400" rtl="0" eaLnBrk="1" latinLnBrk="0" hangingPunct="1">
+              <a:spcBef>
+                <a:spcPct val="20000"/>
+              </a:spcBef>
+              <a:buFont typeface="Courier New" pitchFamily="49" charset="0"/>
+              <a:buChar char="o"/>
+              <a:defRPr sz="1600" kern="1200">
+                <a:solidFill>
+                  <a:schemeClr val="tx1">
+                    <a:lumMod val="50000"/>
+                    <a:lumOff val="50000"/>
+                  </a:schemeClr>
+                </a:solidFill>
+                <a:latin typeface="+mj-lt"/>
+                <a:ea typeface="+mn-ea"/>
+                <a:cs typeface="+mn-cs"/>
+              </a:defRPr>
+            </a:lvl4pPr>
+            <a:lvl5pPr marL="2057400" indent="-228600" algn="l" defTabSz="914400" rtl="0" eaLnBrk="1" latinLnBrk="0" hangingPunct="1">
+              <a:spcBef>
+                <a:spcPct val="20000"/>
+              </a:spcBef>
+              <a:buFont typeface="Arial" pitchFamily="34" charset="0"/>
+              <a:buChar char="•"/>
+              <a:defRPr sz="1600" kern="1200">
+                <a:solidFill>
+                  <a:schemeClr val="tx1">
+                    <a:lumMod val="50000"/>
+                    <a:lumOff val="50000"/>
+                  </a:schemeClr>
+                </a:solidFill>
+                <a:latin typeface="+mj-lt"/>
+                <a:ea typeface="+mn-ea"/>
+                <a:cs typeface="+mn-cs"/>
+              </a:defRPr>
+            </a:lvl5pPr>
+            <a:lvl6pPr marL="2514600" indent="-228600" algn="l" defTabSz="914400" rtl="0" eaLnBrk="1" latinLnBrk="0" hangingPunct="1">
+              <a:spcBef>
+                <a:spcPct val="20000"/>
+              </a:spcBef>
+              <a:buFont typeface="Courier New" pitchFamily="49" charset="0"/>
+              <a:buChar char="o"/>
+              <a:defRPr sz="1600" kern="1200">
+                <a:solidFill>
+                  <a:schemeClr val="tx1">
+                    <a:lumMod val="50000"/>
+                    <a:lumOff val="50000"/>
+                  </a:schemeClr>
+                </a:solidFill>
+                <a:latin typeface="+mj-lt"/>
+                <a:ea typeface="+mn-ea"/>
+                <a:cs typeface="+mn-cs"/>
+              </a:defRPr>
+            </a:lvl6pPr>
+            <a:lvl7pPr marL="2971800" indent="-228600" algn="l" defTabSz="914400" rtl="0" eaLnBrk="1" latinLnBrk="0" hangingPunct="1">
+              <a:spcBef>
+                <a:spcPct val="20000"/>
+              </a:spcBef>
+              <a:buFont typeface="Arial" pitchFamily="34" charset="0"/>
+              <a:buChar char="•"/>
+              <a:defRPr sz="1600" kern="1200">
+                <a:solidFill>
+                  <a:schemeClr val="tx1">
+                    <a:lumMod val="50000"/>
+                    <a:lumOff val="50000"/>
+                  </a:schemeClr>
+                </a:solidFill>
+                <a:latin typeface="+mj-lt"/>
+                <a:ea typeface="+mn-ea"/>
+                <a:cs typeface="+mn-cs"/>
+              </a:defRPr>
+            </a:lvl7pPr>
+            <a:lvl8pPr marL="3429000" indent="-228600" algn="l" defTabSz="914400" rtl="0" eaLnBrk="1" latinLnBrk="0" hangingPunct="1">
+              <a:spcBef>
+                <a:spcPct val="20000"/>
+              </a:spcBef>
+              <a:buFont typeface="Courier New" pitchFamily="49" charset="0"/>
+              <a:buChar char="o"/>
+              <a:defRPr sz="1600" kern="1200">
+                <a:solidFill>
+                  <a:schemeClr val="tx1">
+                    <a:lumMod val="50000"/>
+                    <a:lumOff val="50000"/>
+                  </a:schemeClr>
+                </a:solidFill>
+                <a:latin typeface="+mj-lt"/>
+                <a:ea typeface="+mn-ea"/>
+                <a:cs typeface="+mn-cs"/>
+              </a:defRPr>
+            </a:lvl8pPr>
+            <a:lvl9pPr marL="3886200" indent="-228600" algn="l" defTabSz="914400" rtl="0" eaLnBrk="1" latinLnBrk="0" hangingPunct="1">
+              <a:spcBef>
+                <a:spcPct val="20000"/>
+              </a:spcBef>
+              <a:buFont typeface="Arial" pitchFamily="34" charset="0"/>
+              <a:buChar char="•"/>
+              <a:defRPr sz="1600" kern="1200">
+                <a:solidFill>
+                  <a:schemeClr val="tx1">
+                    <a:lumMod val="50000"/>
+                    <a:lumOff val="50000"/>
+                  </a:schemeClr>
+                </a:solidFill>
+                <a:latin typeface="+mj-lt"/>
+                <a:ea typeface="+mn-ea"/>
+                <a:cs typeface="+mn-cs"/>
+              </a:defRPr>
+            </a:lvl9pPr>
+          </a:lstStyle>
+          <a:p>
+            <a:pPr marL="0" indent="0">
+              <a:buNone/>
+            </a:pPr>
+            <a:r>
+              <a:rPr lang="en-US" dirty="0" smtClean="0">
+                <a:solidFill>
+                  <a:schemeClr val="tx1"/>
+                </a:solidFill>
+              </a:rPr>
+              <a:t>Daniel </a:t>
+            </a:r>
+            <a:r>
+              <a:rPr lang="en-US" dirty="0" err="1" smtClean="0">
+                <a:solidFill>
+                  <a:schemeClr val="tx1"/>
+                </a:solidFill>
+              </a:rPr>
+              <a:t>Aguiar</a:t>
+            </a:r>
+            <a:r>
+              <a:rPr lang="en-US" dirty="0" smtClean="0">
+                <a:solidFill>
+                  <a:schemeClr val="tx1"/>
+                </a:solidFill>
+              </a:rPr>
+              <a:t> da Silva </a:t>
+            </a:r>
+            <a:r>
+              <a:rPr lang="en-US" dirty="0" err="1" smtClean="0">
+                <a:solidFill>
+                  <a:schemeClr val="tx1"/>
+                </a:solidFill>
+              </a:rPr>
+              <a:t>Carvalho</a:t>
+            </a:r>
             <a:r>
               <a:rPr lang="en-US" dirty="0" smtClean="0"/>
-              <a:t>;-)</a:t>
+              <a:t>, Magellan, IAE, Univ. J. Moulin Lyon 3, France</a:t>
+            </a:r>
+          </a:p>
+          <a:p>
+            <a:pPr marL="0" indent="0">
+              <a:buNone/>
+            </a:pPr>
+            <a:r>
+              <a:rPr lang="en-US" dirty="0" err="1" smtClean="0">
+                <a:solidFill>
+                  <a:schemeClr val="tx1"/>
+                </a:solidFill>
+              </a:rPr>
+              <a:t>Placido</a:t>
+            </a:r>
+            <a:r>
+              <a:rPr lang="en-US" dirty="0" smtClean="0">
+                <a:solidFill>
+                  <a:schemeClr val="tx1"/>
+                </a:solidFill>
+              </a:rPr>
+              <a:t> Antonio de Souza </a:t>
+            </a:r>
+            <a:r>
+              <a:rPr lang="en-US" dirty="0" err="1" smtClean="0">
+                <a:solidFill>
+                  <a:schemeClr val="tx1"/>
+                </a:solidFill>
+              </a:rPr>
+              <a:t>Neto</a:t>
+            </a:r>
+            <a:r>
+              <a:rPr lang="en-US" dirty="0" smtClean="0"/>
+              <a:t>, DIATINF, IFRN, Brazil</a:t>
+            </a:r>
+            <a:endParaRPr lang="en-US" dirty="0" smtClean="0">
+              <a:solidFill>
+                <a:schemeClr val="tx1">
+                  <a:lumMod val="75000"/>
+                  <a:lumOff val="25000"/>
+                </a:schemeClr>
+              </a:solidFill>
+            </a:endParaRPr>
+          </a:p>
+          <a:p>
+            <a:pPr marL="0" indent="0">
+              <a:buNone/>
+            </a:pPr>
+            <a:r>
+              <a:rPr lang="en-US" dirty="0" err="1" smtClean="0">
+                <a:solidFill>
+                  <a:schemeClr val="tx1"/>
+                </a:solidFill>
+              </a:rPr>
+              <a:t>Chirine</a:t>
+            </a:r>
+            <a:r>
+              <a:rPr lang="en-US" dirty="0" smtClean="0">
+                <a:solidFill>
+                  <a:schemeClr val="tx1"/>
+                </a:solidFill>
+              </a:rPr>
+              <a:t> </a:t>
+            </a:r>
+            <a:r>
+              <a:rPr lang="en-US" dirty="0" err="1" smtClean="0">
+                <a:solidFill>
+                  <a:schemeClr val="tx1"/>
+                </a:solidFill>
+              </a:rPr>
+              <a:t>Ghedira-Guegan</a:t>
+            </a:r>
+            <a:r>
+              <a:rPr lang="en-US" dirty="0" smtClean="0">
+                <a:solidFill>
+                  <a:schemeClr val="tx1"/>
+                </a:solidFill>
+              </a:rPr>
+              <a:t>, </a:t>
+            </a:r>
+            <a:r>
+              <a:rPr lang="en-US" dirty="0" smtClean="0"/>
+              <a:t>Magellan, IAE, Univ. J. Moulin Lyon 3, France</a:t>
+            </a:r>
+          </a:p>
+          <a:p>
+            <a:pPr marL="0" indent="0">
+              <a:buNone/>
+            </a:pPr>
+            <a:r>
+              <a:rPr lang="en-US" dirty="0" smtClean="0">
+                <a:solidFill>
+                  <a:schemeClr val="tx1"/>
+                </a:solidFill>
+              </a:rPr>
+              <a:t>Nadia </a:t>
+            </a:r>
+            <a:r>
+              <a:rPr lang="en-US" dirty="0" err="1" smtClean="0">
+                <a:solidFill>
+                  <a:schemeClr val="tx1"/>
+                </a:solidFill>
+              </a:rPr>
+              <a:t>Benani</a:t>
+            </a:r>
+            <a:r>
+              <a:rPr lang="en-US" dirty="0" smtClean="0"/>
+              <a:t>, LIRIS-CNRS, INSA-Lyon, Univ. Lyon, France</a:t>
+            </a:r>
+          </a:p>
+          <a:p>
+            <a:pPr marL="0" indent="0">
+              <a:buNone/>
+            </a:pPr>
+            <a:r>
+              <a:rPr lang="en-US" dirty="0" err="1" smtClean="0">
+                <a:solidFill>
+                  <a:schemeClr val="tx1"/>
+                </a:solidFill>
+              </a:rPr>
+              <a:t>Genoveva</a:t>
+            </a:r>
+            <a:r>
+              <a:rPr lang="en-US" dirty="0" smtClean="0">
+                <a:solidFill>
+                  <a:schemeClr val="tx1"/>
+                </a:solidFill>
+              </a:rPr>
+              <a:t> Vargas-Solar</a:t>
+            </a:r>
+            <a:r>
+              <a:rPr lang="en-US" dirty="0" smtClean="0"/>
+              <a:t>, CRNS, LIG-LAFMIA, France</a:t>
             </a:r>
             <a:endParaRPr lang="en-US" dirty="0"/>
           </a:p>
@@ -10391,15 +12814,7 @@
                   <a:schemeClr val="tx1"/>
                 </a:solidFill>
               </a:rPr>
-              <a:t>To </a:t>
-            </a:r>
-            <a:r>
-              <a:rPr lang="en-US" dirty="0" smtClean="0">
-                <a:solidFill>
-                  <a:schemeClr val="tx1"/>
-                </a:solidFill>
-              </a:rPr>
-              <a:t>reach our objective we applied the Systematic Mapping methodology</a:t>
+              <a:t>To reach our objective we applied the Systematic Mapping methodology</a:t>
             </a:r>
             <a:endParaRPr lang="en-US" dirty="0">
               <a:solidFill>
@@ -11378,23 +13793,7 @@
                   <a:srgbClr val="000000"/>
                 </a:solidFill>
               </a:rPr>
-              <a:t>In which way and in which context data integration have been used to Quality of Service (</a:t>
-            </a:r>
-            <a:r>
-              <a:rPr lang="en-US" dirty="0" err="1" smtClean="0">
-                <a:solidFill>
-                  <a:srgbClr val="000000"/>
-                </a:solidFill>
-              </a:rPr>
-              <a:t>QoS</a:t>
-            </a:r>
-            <a:r>
-              <a:rPr lang="en-US" dirty="0" smtClean="0">
-                <a:solidFill>
-                  <a:srgbClr val="000000"/>
-                </a:solidFill>
-              </a:rPr>
-              <a:t>) measures in the literature? </a:t>
+              <a:t>In which way and in which context data integration have been used to Quality of Service (QoS) measures in the literature? </a:t>
             </a:r>
           </a:p>
           <a:p>
@@ -12895,6 +15294,24 @@
 </file>
 
 <file path=customXml/item1.xml><?xml version="1.0" encoding="utf-8"?>
+<p:properties xmlns:p="http://schemas.microsoft.com/office/2006/metadata/properties" xmlns:xsi="http://www.w3.org/2001/XMLSchema-instance" xmlns:pc="http://schemas.microsoft.com/office/infopath/2007/PartnerControls">
+  <documentManagement>
+    <_Version xmlns="http://schemas.microsoft.com/sharepoint/v3/fields" xsi:nil="true"/>
+    <_Status xmlns="http://schemas.microsoft.com/sharepoint/v3/fields">Not Started</_Status>
+  </documentManagement>
+</p:properties>
+</file>
+
+<file path=customXml/item2.xml><?xml version="1.0" encoding="utf-8"?>
+<?mso-contentType ?>
+<FormTemplates xmlns="http://schemas.microsoft.com/sharepoint/v3/contenttype/forms">
+  <Display>DocumentLibraryForm</Display>
+  <Edit>DocumentLibraryForm</Edit>
+  <New>DocumentLibraryForm</New>
+</FormTemplates>
+</file>
+
+<file path=customXml/item3.xml><?xml version="1.0" encoding="utf-8"?>
 <ct:contentTypeSchema xmlns:ct="http://schemas.microsoft.com/office/2006/metadata/contentType" xmlns:ma="http://schemas.microsoft.com/office/2006/metadata/properties/metaAttributes" ct:_="" ma:_="" ma:contentTypeName="Document" ma:contentTypeID="0x0101000DE64AEEDD9B7A4D93545ACBE97D4615" ma:contentTypeVersion="2" ma:contentTypeDescription="Create a new document." ma:contentTypeScope="" ma:versionID="f49002b78e3a4a71b814eef46a983816">
   <xsd:schema xmlns:xsd="http://www.w3.org/2001/XMLSchema" xmlns:xs="http://www.w3.org/2001/XMLSchema" xmlns:p="http://schemas.microsoft.com/office/2006/metadata/properties" xmlns:ns2="http://schemas.microsoft.com/sharepoint/v3/fields" targetNamespace="http://schemas.microsoft.com/office/2006/metadata/properties" ma:root="true" ma:fieldsID="38f6db2dd0d9a0cf6a8dc37be32b365b" ns2:_="">
     <xsd:import namespace="http://schemas.microsoft.com/sharepoint/v3/fields"/>
@@ -13038,25 +15455,25 @@
 </ct:contentTypeSchema>
 </file>
 
-<file path=customXml/item2.xml><?xml version="1.0" encoding="utf-8"?>
-<?mso-contentType ?>
-<FormTemplates xmlns="http://schemas.microsoft.com/sharepoint/v3/contenttype/forms">
-  <Display>DocumentLibraryForm</Display>
-  <Edit>DocumentLibraryForm</Edit>
-  <New>DocumentLibraryForm</New>
-</FormTemplates>
+<file path=customXml/itemProps1.xml><?xml version="1.0" encoding="utf-8"?>
+<ds:datastoreItem xmlns:ds="http://schemas.openxmlformats.org/officeDocument/2006/customXml" ds:itemID="{7B6F2769-7194-4217-93D3-3AF3A4742282}">
+  <ds:schemaRefs>
+    <ds:schemaRef ds:uri="http://schemas.microsoft.com/office/2006/metadata/properties"/>
+    <ds:schemaRef ds:uri="http://schemas.microsoft.com/office/infopath/2007/PartnerControls"/>
+    <ds:schemaRef ds:uri="http://schemas.microsoft.com/sharepoint/v3/fields"/>
+  </ds:schemaRefs>
+</ds:datastoreItem>
 </file>
 
-<file path=customXml/item3.xml><?xml version="1.0" encoding="utf-8"?>
-<p:properties xmlns:p="http://schemas.microsoft.com/office/2006/metadata/properties" xmlns:xsi="http://www.w3.org/2001/XMLSchema-instance" xmlns:pc="http://schemas.microsoft.com/office/infopath/2007/PartnerControls">
-  <documentManagement>
-    <_Version xmlns="http://schemas.microsoft.com/sharepoint/v3/fields" xsi:nil="true"/>
-    <_Status xmlns="http://schemas.microsoft.com/sharepoint/v3/fields">Not Started</_Status>
-  </documentManagement>
-</p:properties>
+<file path=customXml/itemProps2.xml><?xml version="1.0" encoding="utf-8"?>
+<ds:datastoreItem xmlns:ds="http://schemas.openxmlformats.org/officeDocument/2006/customXml" ds:itemID="{87D2A1B0-FF3E-4009-940D-AED0EB70AA20}">
+  <ds:schemaRefs>
+    <ds:schemaRef ds:uri="http://schemas.microsoft.com/sharepoint/v3/contenttype/forms"/>
+  </ds:schemaRefs>
+</ds:datastoreItem>
 </file>
 
-<file path=customXml/itemProps1.xml><?xml version="1.0" encoding="utf-8"?>
+<file path=customXml/itemProps3.xml><?xml version="1.0" encoding="utf-8"?>
 <ds:datastoreItem xmlns:ds="http://schemas.openxmlformats.org/officeDocument/2006/customXml" ds:itemID="{E4214858-785C-42F7-BE66-6D0E79395FC8}">
   <ds:schemaRefs>
     <ds:schemaRef ds:uri="http://schemas.microsoft.com/office/2006/metadata/contentType"/>
@@ -13072,22 +15489,4 @@
     <ds:schemaRef ds:uri="http://schemas.microsoft.com/internal/obd"/>
   </ds:schemaRefs>
 </ds:datastoreItem>
-</file>
-
-<file path=customXml/itemProps2.xml><?xml version="1.0" encoding="utf-8"?>
-<ds:datastoreItem xmlns:ds="http://schemas.openxmlformats.org/officeDocument/2006/customXml" ds:itemID="{87D2A1B0-FF3E-4009-940D-AED0EB70AA20}">
-  <ds:schemaRefs>
-    <ds:schemaRef ds:uri="http://schemas.microsoft.com/sharepoint/v3/contenttype/forms"/>
-  </ds:schemaRefs>
-</ds:datastoreItem>
-</file>
-
-<file path=customXml/itemProps3.xml><?xml version="1.0" encoding="utf-8"?>
-<ds:datastoreItem xmlns:ds="http://schemas.openxmlformats.org/officeDocument/2006/customXml" ds:itemID="{7B6F2769-7194-4217-93D3-3AF3A4742282}">
-  <ds:schemaRefs>
-    <ds:schemaRef ds:uri="http://schemas.microsoft.com/office/2006/metadata/properties"/>
-    <ds:schemaRef ds:uri="http://schemas.microsoft.com/office/infopath/2007/PartnerControls"/>
-    <ds:schemaRef ds:uri="http://schemas.microsoft.com/sharepoint/v3/fields"/>
-  </ds:schemaRefs>
-</ds:datastoreItem>
 </file>
--- a/Presentations/DEXA 2015 Presentation.pptx
+++ b/Presentations/DEXA 2015 Presentation.pptx
@@ -14,8 +14,8 @@
     <p:sldId id="256" r:id="rId5"/>
     <p:sldId id="257" r:id="rId6"/>
     <p:sldId id="258" r:id="rId7"/>
-    <p:sldId id="259" r:id="rId8"/>
-    <p:sldId id="262" r:id="rId9"/>
+    <p:sldId id="295" r:id="rId8"/>
+    <p:sldId id="294" r:id="rId9"/>
     <p:sldId id="281" r:id="rId10"/>
     <p:sldId id="283" r:id="rId11"/>
     <p:sldId id="284" r:id="rId12"/>
@@ -220,7 +220,7 @@
           <a:p>
             <a:fld id="{652FA383-9D4B-AD42-9BF3-88FCA749BE0E}" type="datetimeFigureOut">
               <a:rPr lang="en-US" smtClean="0"/>
-              <a:t>8/20/2015</a:t>
+              <a:t>8/24/2015</a:t>
             </a:fld>
             <a:endParaRPr lang="pt-BR"/>
           </a:p>
@@ -385,7 +385,7 @@
           <a:p>
             <a:fld id="{C888862E-4053-6841-80C1-EE02861216A5}" type="datetimeFigureOut">
               <a:rPr lang="en-US" smtClean="0"/>
-              <a:t>8/20/2015</a:t>
+              <a:t>8/24/2015</a:t>
             </a:fld>
             <a:endParaRPr lang="pt-BR"/>
           </a:p>
@@ -791,6 +791,98 @@
           <a:p>
             <a:r>
               <a:rPr lang="en-US" noProof="0" dirty="0" smtClean="0"/>
+              <a:t>Our results are in the form of bubble charts. And we combined the different facets</a:t>
+            </a:r>
+            <a:r>
+              <a:rPr lang="en-US" baseline="0" noProof="0" dirty="0" smtClean="0"/>
+              <a:t> in order to answer our research questions. In this first figure you can see in a timeline the evolution of publications according to our three main facets: data quality, data integration description and data integration environment. Here you can see the emergency of data integration approaches in the cloud environment and only three approaches in the multi-cloud. We can also notice that between the integration strategies the most applied is schema integration. But we also need to revisit them to adapt to our hybrid context. And concerning data quality, privacy and security are the most popular measures proposed in the models, but you can also see that SLA has been widely used.</a:t>
+            </a:r>
+            <a:endParaRPr lang="en-US" noProof="0" dirty="0"/>
+          </a:p>
+        </p:txBody>
+      </p:sp>
+      <p:sp>
+        <p:nvSpPr>
+          <p:cNvPr id="4" name="Slide Number Placeholder 3"/>
+          <p:cNvSpPr>
+            <a:spLocks noGrp="1"/>
+          </p:cNvSpPr>
+          <p:nvPr>
+            <p:ph type="sldNum" sz="quarter" idx="10"/>
+          </p:nvPr>
+        </p:nvSpPr>
+        <p:spPr/>
+        <p:txBody>
+          <a:bodyPr/>
+          <a:lstStyle/>
+          <a:p>
+            <a:fld id="{E6F8DC79-C430-E548-A754-84842F9135C3}" type="slidenum">
+              <a:rPr lang="pt-BR" smtClean="0"/>
+              <a:t>15</a:t>
+            </a:fld>
+            <a:endParaRPr lang="pt-BR"/>
+          </a:p>
+        </p:txBody>
+      </p:sp>
+    </p:spTree>
+    <p:extLst>
+      <p:ext uri="{BB962C8B-B14F-4D97-AF65-F5344CB8AC3E}">
+        <p14:creationId xmlns:p14="http://schemas.microsoft.com/office/powerpoint/2010/main" val="3759479948"/>
+      </p:ext>
+    </p:extLst>
+  </p:cSld>
+  <p:clrMapOvr>
+    <a:masterClrMapping/>
+  </p:clrMapOvr>
+</p:notes>
+</file>
+
+<file path=ppt/notesSlides/notesSlide11.xml><?xml version="1.0" encoding="utf-8"?>
+<p:notes xmlns:a="http://schemas.openxmlformats.org/drawingml/2006/main" xmlns:r="http://schemas.openxmlformats.org/officeDocument/2006/relationships" xmlns:p="http://schemas.openxmlformats.org/presentationml/2006/main">
+  <p:cSld>
+    <p:spTree>
+      <p:nvGrpSpPr>
+        <p:cNvPr id="1" name=""/>
+        <p:cNvGrpSpPr/>
+        <p:nvPr/>
+      </p:nvGrpSpPr>
+      <p:grpSpPr>
+        <a:xfrm>
+          <a:off x="0" y="0"/>
+          <a:ext cx="0" cy="0"/>
+          <a:chOff x="0" y="0"/>
+          <a:chExt cx="0" cy="0"/>
+        </a:xfrm>
+      </p:grpSpPr>
+      <p:sp>
+        <p:nvSpPr>
+          <p:cNvPr id="2" name="Slide Image Placeholder 1"/>
+          <p:cNvSpPr>
+            <a:spLocks noGrp="1" noRot="1" noChangeAspect="1"/>
+          </p:cNvSpPr>
+          <p:nvPr>
+            <p:ph type="sldImg"/>
+          </p:nvPr>
+        </p:nvSpPr>
+        <p:spPr/>
+      </p:sp>
+      <p:sp>
+        <p:nvSpPr>
+          <p:cNvPr id="3" name="Notes Placeholder 2"/>
+          <p:cNvSpPr>
+            <a:spLocks noGrp="1"/>
+          </p:cNvSpPr>
+          <p:nvPr>
+            <p:ph type="body" idx="1"/>
+          </p:nvPr>
+        </p:nvSpPr>
+        <p:spPr/>
+        <p:txBody>
+          <a:bodyPr/>
+          <a:lstStyle/>
+          <a:p>
+            <a:r>
+              <a:rPr lang="en-US" noProof="0" dirty="0" smtClean="0"/>
               <a:t>In the</a:t>
             </a:r>
             <a:r>
@@ -837,7 +929,7 @@
 </p:notes>
 </file>
 
-<file path=ppt/notesSlides/notesSlide11.xml><?xml version="1.0" encoding="utf-8"?>
+<file path=ppt/notesSlides/notesSlide12.xml><?xml version="1.0" encoding="utf-8"?>
 <p:notes xmlns:a="http://schemas.openxmlformats.org/drawingml/2006/main" xmlns:r="http://schemas.openxmlformats.org/officeDocument/2006/relationships" xmlns:p="http://schemas.openxmlformats.org/presentationml/2006/main">
   <p:cSld>
     <p:spTree>
@@ -1180,7 +1272,42 @@
           <a:bodyPr/>
           <a:lstStyle/>
           <a:p>
-            <a:endParaRPr lang="pt-BR"/>
+            <a:r>
+              <a:rPr lang="en-US" noProof="0" dirty="0" smtClean="0"/>
+              <a:t>Let’s begin by the context of our research. We are interested in the data integration</a:t>
+            </a:r>
+            <a:r>
+              <a:rPr lang="en-US" baseline="0" noProof="0" dirty="0" smtClean="0"/>
+              <a:t> problem. This problem deals with combining the data from different data sources (with different schemas and structures) show to the user the integrated result of these data.</a:t>
+            </a:r>
+          </a:p>
+          <a:p>
+            <a:endParaRPr lang="en-US" baseline="0" noProof="0" dirty="0" smtClean="0"/>
+          </a:p>
+          <a:p>
+            <a:r>
+              <a:rPr lang="en-US" baseline="0" noProof="0" dirty="0" smtClean="0"/>
+              <a:t>And the cloud computing architecture opens new challenges and opportunities to data processing. This, naturally, happens because of the unlimited access to resources provided by the cloud and the “pay as u go” model. Inside this model, the user requirements should be specified and agreed between the parts and, for this, we use contracts.</a:t>
+            </a:r>
+          </a:p>
+          <a:p>
+            <a:endParaRPr lang="en-US" baseline="0" noProof="0" dirty="0" smtClean="0"/>
+          </a:p>
+          <a:p>
+            <a:r>
+              <a:rPr lang="en-US" baseline="0" noProof="0" dirty="0" smtClean="0"/>
+              <a:t>An SLA is an example of this contract. It contains the conditions under which the service will be delivered and also the penalties for violating any clause.</a:t>
+            </a:r>
+          </a:p>
+          <a:p>
+            <a:endParaRPr lang="en-US" baseline="0" noProof="0" dirty="0" smtClean="0"/>
+          </a:p>
+          <a:p>
+            <a:r>
+              <a:rPr lang="en-US" baseline="0" noProof="0" dirty="0" smtClean="0"/>
+              <a:t>And naturally it is too difficult for one single cloud to attend all user requirements, sometimes it can be out of resources for that. So …  </a:t>
+            </a:r>
+            <a:endParaRPr lang="en-US" noProof="0" dirty="0"/>
           </a:p>
         </p:txBody>
       </p:sp>
@@ -1201,7 +1328,7 @@
           <a:p>
             <a:fld id="{E6F8DC79-C430-E548-A754-84842F9135C3}" type="slidenum">
               <a:rPr lang="pt-BR" smtClean="0"/>
-              <a:t>5</a:t>
+              <a:t>4</a:t>
             </a:fld>
             <a:endParaRPr lang="pt-BR"/>
           </a:p>
@@ -1210,7 +1337,7 @@
     </p:spTree>
     <p:extLst>
       <p:ext uri="{BB962C8B-B14F-4D97-AF65-F5344CB8AC3E}">
-        <p14:creationId xmlns:p14="http://schemas.microsoft.com/office/powerpoint/2010/main" val="55940373"/>
+        <p14:creationId xmlns:p14="http://schemas.microsoft.com/office/powerpoint/2010/main" val="3557230738"/>
       </p:ext>
     </p:extLst>
   </p:cSld>
@@ -1264,7 +1391,7 @@
           <a:bodyPr/>
           <a:lstStyle/>
           <a:p>
-            <a:endParaRPr lang="pt-BR"/>
+            <a:endParaRPr lang="en-US" noProof="0" dirty="0"/>
           </a:p>
         </p:txBody>
       </p:sp>
@@ -1285,7 +1412,7 @@
           <a:p>
             <a:fld id="{E6F8DC79-C430-E548-A754-84842F9135C3}" type="slidenum">
               <a:rPr lang="pt-BR" smtClean="0"/>
-              <a:t>6</a:t>
+              <a:t>5</a:t>
             </a:fld>
             <a:endParaRPr lang="pt-BR"/>
           </a:p>
@@ -1294,7 +1421,7 @@
     </p:spTree>
     <p:extLst>
       <p:ext uri="{BB962C8B-B14F-4D97-AF65-F5344CB8AC3E}">
-        <p14:creationId xmlns:p14="http://schemas.microsoft.com/office/powerpoint/2010/main" val="55940373"/>
+        <p14:creationId xmlns:p14="http://schemas.microsoft.com/office/powerpoint/2010/main" val="3557230738"/>
       </p:ext>
     </p:extLst>
   </p:cSld>
@@ -1369,7 +1496,7 @@
           <a:p>
             <a:fld id="{E6F8DC79-C430-E548-A754-84842F9135C3}" type="slidenum">
               <a:rPr lang="pt-BR" smtClean="0"/>
-              <a:t>7</a:t>
+              <a:t>6</a:t>
             </a:fld>
             <a:endParaRPr lang="pt-BR"/>
           </a:p>
@@ -1432,15 +1559,7 @@
           <a:bodyPr/>
           <a:lstStyle/>
           <a:p>
-            <a:r>
-              <a:rPr lang="en-US" noProof="0" dirty="0" smtClean="0"/>
-              <a:t>Our results are in the form of bubble charts. And we combined the different facets</a:t>
-            </a:r>
-            <a:r>
-              <a:rPr lang="en-US" baseline="0" noProof="0" dirty="0" smtClean="0"/>
-              <a:t> in order to answer our research questions. In this first figure you can see in a timeline the evolution of publications according to our three main facets: data quality, data integration description and data integration environment. Here you can see the emergency of data integration approaches in the cloud environment and only three approaches in the multi-cloud. We can also notice that between the integration strategies the most applied is schema integration. But we also need to revisit them to adapt to our hybrid context. And concerning data quality, privacy and security are the most popular measures proposed in the models, but you can also see that SLA has been widely used.</a:t>
-            </a:r>
-            <a:endParaRPr lang="en-US" noProof="0" dirty="0"/>
+            <a:endParaRPr lang="pt-BR"/>
           </a:p>
         </p:txBody>
       </p:sp>
@@ -1461,7 +1580,7 @@
           <a:p>
             <a:fld id="{E6F8DC79-C430-E548-A754-84842F9135C3}" type="slidenum">
               <a:rPr lang="pt-BR" smtClean="0"/>
-              <a:t>13</a:t>
+              <a:t>7</a:t>
             </a:fld>
             <a:endParaRPr lang="pt-BR"/>
           </a:p>
@@ -1470,7 +1589,7 @@
     </p:spTree>
     <p:extLst>
       <p:ext uri="{BB962C8B-B14F-4D97-AF65-F5344CB8AC3E}">
-        <p14:creationId xmlns:p14="http://schemas.microsoft.com/office/powerpoint/2010/main" val="3759479948"/>
+        <p14:creationId xmlns:p14="http://schemas.microsoft.com/office/powerpoint/2010/main" val="55940373"/>
       </p:ext>
     </p:extLst>
   </p:cSld>
@@ -1553,7 +1672,7 @@
           <a:p>
             <a:fld id="{E6F8DC79-C430-E548-A754-84842F9135C3}" type="slidenum">
               <a:rPr lang="pt-BR" smtClean="0"/>
-              <a:t>14</a:t>
+              <a:t>13</a:t>
             </a:fld>
             <a:endParaRPr lang="pt-BR"/>
           </a:p>
@@ -1645,7 +1764,7 @@
           <a:p>
             <a:fld id="{E6F8DC79-C430-E548-A754-84842F9135C3}" type="slidenum">
               <a:rPr lang="pt-BR" smtClean="0"/>
-              <a:t>15</a:t>
+              <a:t>14</a:t>
             </a:fld>
             <a:endParaRPr lang="pt-BR"/>
           </a:p>
@@ -1857,7 +1976,7 @@
             <a:fld id="{8ACDB3CC-F982-40F9-8DD6-BCC9AFBF44BD}" type="datetime1">
               <a:rPr lang="en-US" smtClean="0"/>
               <a:pPr/>
-              <a:t>8/20/2015</a:t>
+              <a:t>8/24/2015</a:t>
             </a:fld>
             <a:endParaRPr lang="en-US" dirty="0"/>
           </a:p>
@@ -2022,7 +2141,7 @@
           <a:p>
             <a:fld id="{68C2560D-EC28-3B41-86E8-18F1CE0113B4}" type="datetimeFigureOut">
               <a:rPr lang="en-US" smtClean="0"/>
-              <a:t>8/20/2015</a:t>
+              <a:t>8/24/2015</a:t>
             </a:fld>
             <a:endParaRPr lang="en-US"/>
           </a:p>
@@ -2197,7 +2316,7 @@
           <a:p>
             <a:fld id="{68C2560D-EC28-3B41-86E8-18F1CE0113B4}" type="datetimeFigureOut">
               <a:rPr lang="en-US" smtClean="0"/>
-              <a:t>8/20/2015</a:t>
+              <a:t>8/24/2015</a:t>
             </a:fld>
             <a:endParaRPr lang="en-US"/>
           </a:p>
@@ -2380,7 +2499,7 @@
           <a:p>
             <a:fld id="{68C2560D-EC28-3B41-86E8-18F1CE0113B4}" type="datetimeFigureOut">
               <a:rPr lang="en-US" smtClean="0"/>
-              <a:t>8/20/2015</a:t>
+              <a:t>8/24/2015</a:t>
             </a:fld>
             <a:endParaRPr lang="en-US"/>
           </a:p>
@@ -2643,7 +2762,7 @@
             <a:fld id="{4A9E7B99-7C3F-4BC3-B7B8-7E1F8C620B24}" type="datetime1">
               <a:rPr lang="en-US" smtClean="0"/>
               <a:pPr/>
-              <a:t>8/20/2015</a:t>
+              <a:t>8/24/2015</a:t>
             </a:fld>
             <a:endParaRPr lang="en-US"/>
           </a:p>
@@ -2991,7 +3110,7 @@
           <a:p>
             <a:fld id="{68C2560D-EC28-3B41-86E8-18F1CE0113B4}" type="datetimeFigureOut">
               <a:rPr lang="en-US" smtClean="0"/>
-              <a:t>8/20/2015</a:t>
+              <a:t>8/24/2015</a:t>
             </a:fld>
             <a:endParaRPr lang="en-US"/>
           </a:p>
@@ -3299,7 +3418,7 @@
           <a:p>
             <a:fld id="{68C2560D-EC28-3B41-86E8-18F1CE0113B4}" type="datetimeFigureOut">
               <a:rPr lang="en-US" smtClean="0"/>
-              <a:t>8/20/2015</a:t>
+              <a:t>8/24/2015</a:t>
             </a:fld>
             <a:endParaRPr lang="en-US"/>
           </a:p>
@@ -3526,7 +3645,7 @@
           <a:p>
             <a:fld id="{68C2560D-EC28-3B41-86E8-18F1CE0113B4}" type="datetimeFigureOut">
               <a:rPr lang="en-US" smtClean="0"/>
-              <a:t>8/20/2015</a:t>
+              <a:t>8/24/2015</a:t>
             </a:fld>
             <a:endParaRPr lang="en-US"/>
           </a:p>
@@ -3616,7 +3735,7 @@
           <a:p>
             <a:fld id="{68C2560D-EC28-3B41-86E8-18F1CE0113B4}" type="datetimeFigureOut">
               <a:rPr lang="en-US" smtClean="0"/>
-              <a:t>8/20/2015</a:t>
+              <a:t>8/24/2015</a:t>
             </a:fld>
             <a:endParaRPr lang="en-US"/>
           </a:p>
@@ -3904,7 +4023,7 @@
           <a:p>
             <a:fld id="{68C2560D-EC28-3B41-86E8-18F1CE0113B4}" type="datetimeFigureOut">
               <a:rPr lang="en-US" smtClean="0"/>
-              <a:t>8/20/2015</a:t>
+              <a:t>8/24/2015</a:t>
             </a:fld>
             <a:endParaRPr lang="en-US"/>
           </a:p>
@@ -4174,7 +4293,7 @@
           <a:p>
             <a:fld id="{68C2560D-EC28-3B41-86E8-18F1CE0113B4}" type="datetimeFigureOut">
               <a:rPr lang="en-US" smtClean="0"/>
-              <a:t>8/20/2015</a:t>
+              <a:t>8/24/2015</a:t>
             </a:fld>
             <a:endParaRPr lang="en-US"/>
           </a:p>
@@ -4384,7 +4503,7 @@
           <a:p>
             <a:fld id="{68C2560D-EC28-3B41-86E8-18F1CE0113B4}" type="datetimeFigureOut">
               <a:rPr lang="en-US" smtClean="0"/>
-              <a:t>8/20/2015</a:t>
+              <a:t>8/24/2015</a:t>
             </a:fld>
             <a:endParaRPr lang="en-US"/>
           </a:p>
@@ -9220,7 +9339,7 @@
           </a:bodyPr>
           <a:lstStyle/>
           <a:p>
-            <a:endParaRPr lang="en-US" dirty="0" smtClean="0">
+            <a:endParaRPr lang="en-US" sz="2300" dirty="0" smtClean="0">
               <a:solidFill>
                 <a:schemeClr val="tx1"/>
               </a:solidFill>
@@ -9228,33 +9347,37 @@
           </a:p>
           <a:p>
             <a:r>
-              <a:rPr lang="en-US" dirty="0" smtClean="0">
-                <a:solidFill>
-                  <a:schemeClr val="tx1"/>
-                </a:solidFill>
-              </a:rPr>
-              <a:t>Introduction</a:t>
-            </a:r>
-          </a:p>
-          <a:p>
-            <a:endParaRPr lang="en-US" dirty="0" smtClean="0">
+              <a:rPr lang="en-US" sz="2300" dirty="0" smtClean="0">
+                <a:solidFill>
+                  <a:schemeClr val="tx1"/>
+                </a:solidFill>
+              </a:rPr>
+              <a:t>Data </a:t>
+            </a:r>
+            <a:r>
+              <a:rPr lang="en-US" sz="2300" dirty="0">
+                <a:solidFill>
+                  <a:schemeClr val="tx1"/>
+                </a:solidFill>
+              </a:rPr>
+              <a:t>integration </a:t>
+            </a:r>
+            <a:r>
+              <a:rPr lang="en-US" sz="2300" dirty="0" smtClean="0">
+                <a:solidFill>
+                  <a:schemeClr val="tx1"/>
+                </a:solidFill>
+              </a:rPr>
+              <a:t>quality on multi-cloud environments</a:t>
+            </a:r>
+            <a:endParaRPr lang="en-US" sz="2300" dirty="0" smtClean="0">
               <a:solidFill>
                 <a:schemeClr val="tx1"/>
               </a:solidFill>
             </a:endParaRPr>
           </a:p>
           <a:p>
-            <a:r>
-              <a:rPr lang="en-US" dirty="0" smtClean="0">
-                <a:solidFill>
-                  <a:schemeClr val="tx1"/>
-                </a:solidFill>
-              </a:rPr>
-              <a:t>Data integration challenges: classification scheme</a:t>
-            </a:r>
-          </a:p>
-          <a:p>
-            <a:endParaRPr lang="en-US" dirty="0" smtClean="0">
+            <a:endParaRPr lang="en-US" sz="2300" dirty="0" smtClean="0">
               <a:solidFill>
                 <a:schemeClr val="tx1"/>
               </a:solidFill>
@@ -9262,16 +9385,16 @@
           </a:p>
           <a:p>
             <a:r>
-              <a:rPr lang="en-US" dirty="0" smtClean="0">
-                <a:solidFill>
-                  <a:schemeClr val="tx1"/>
-                </a:solidFill>
-              </a:rPr>
-              <a:t>Quantitative analysis</a:t>
-            </a:r>
-          </a:p>
-          <a:p>
-            <a:endParaRPr lang="en-US" dirty="0" smtClean="0">
+              <a:rPr lang="en-US" sz="2300" dirty="0" smtClean="0">
+                <a:solidFill>
+                  <a:schemeClr val="tx1"/>
+                </a:solidFill>
+              </a:rPr>
+              <a:t>Data integration challenges: classification scheme</a:t>
+            </a:r>
+          </a:p>
+          <a:p>
+            <a:endParaRPr lang="en-US" sz="2300" dirty="0" smtClean="0">
               <a:solidFill>
                 <a:schemeClr val="tx1"/>
               </a:solidFill>
@@ -9279,16 +9402,16 @@
           </a:p>
           <a:p>
             <a:r>
-              <a:rPr lang="en-US" dirty="0" smtClean="0">
-                <a:solidFill>
-                  <a:schemeClr val="tx1"/>
-                </a:solidFill>
-              </a:rPr>
-              <a:t>Conclusion and final remarks</a:t>
-            </a:r>
-          </a:p>
-          <a:p>
-            <a:endParaRPr lang="en-US" dirty="0" smtClean="0">
+              <a:rPr lang="en-US" sz="2300" dirty="0" smtClean="0">
+                <a:solidFill>
+                  <a:schemeClr val="tx1"/>
+                </a:solidFill>
+              </a:rPr>
+              <a:t>Quantitative analysis</a:t>
+            </a:r>
+          </a:p>
+          <a:p>
+            <a:endParaRPr lang="en-US" sz="2300" dirty="0" smtClean="0">
               <a:solidFill>
                 <a:schemeClr val="tx1"/>
               </a:solidFill>
@@ -9296,24 +9419,34 @@
           </a:p>
           <a:p>
             <a:r>
-              <a:rPr lang="en-US" dirty="0" smtClean="0">
-                <a:solidFill>
-                  <a:schemeClr val="tx1"/>
-                </a:solidFill>
-              </a:rPr>
-              <a:t>References</a:t>
-            </a:r>
-          </a:p>
-          <a:p>
-            <a:pPr algn="r"/>
-            <a:endParaRPr lang="en-US" dirty="0" smtClean="0">
+              <a:rPr lang="en-US" sz="2300" dirty="0" smtClean="0">
+                <a:solidFill>
+                  <a:schemeClr val="tx1"/>
+                </a:solidFill>
+              </a:rPr>
+              <a:t>Conclusion and final remarks</a:t>
+            </a:r>
+          </a:p>
+          <a:p>
+            <a:pPr marL="0" indent="0">
+              <a:buNone/>
+            </a:pPr>
+            <a:endParaRPr lang="en-US" sz="2300" dirty="0" smtClean="0">
               <a:solidFill>
                 <a:schemeClr val="tx1"/>
               </a:solidFill>
             </a:endParaRPr>
           </a:p>
           <a:p>
-            <a:endParaRPr lang="pt-BR" dirty="0">
+            <a:pPr algn="r"/>
+            <a:endParaRPr lang="en-US" sz="2300" dirty="0" smtClean="0">
+              <a:solidFill>
+                <a:schemeClr val="tx1"/>
+              </a:solidFill>
+            </a:endParaRPr>
+          </a:p>
+          <a:p>
+            <a:endParaRPr lang="pt-BR" sz="2300" dirty="0">
               <a:solidFill>
                 <a:schemeClr val="tx1"/>
               </a:solidFill>
@@ -11984,10 +12117,10 @@
           <a:lstStyle/>
           <a:p>
             <a:r>
-              <a:rPr lang="en-GB" sz="4800" noProof="1" smtClean="0"/>
+              <a:rPr lang="en-US" dirty="0" smtClean="0"/>
               <a:t>Introduction</a:t>
             </a:r>
-            <a:endParaRPr lang="en-GB" noProof="1"/>
+            <a:endParaRPr lang="en-US" dirty="0"/>
           </a:p>
         </p:txBody>
       </p:sp>
@@ -12009,7 +12142,7 @@
           <a:lstStyle/>
           <a:p>
             <a:pPr algn="just"/>
-            <a:endParaRPr lang="en-GB" noProof="1" smtClean="0">
+            <a:endParaRPr lang="en-US" b="1" dirty="0" smtClean="0">
               <a:solidFill>
                 <a:schemeClr val="tx1"/>
               </a:solidFill>
@@ -12023,15 +12156,7 @@
                   <a:schemeClr val="tx1"/>
                 </a:solidFill>
               </a:rPr>
-              <a:t>Existing </a:t>
-            </a:r>
-            <a:r>
-              <a:rPr lang="en-US" dirty="0">
-                <a:solidFill>
-                  <a:schemeClr val="tx1"/>
-                </a:solidFill>
-              </a:rPr>
-              <a:t>data integration techniques must be revisited considering weakly </a:t>
+              <a:t>In cloud scenario, quality aspects defined and agreed between service providers and service customers through cont</a:t>
             </a:r>
             <a:r>
               <a:rPr lang="en-US" dirty="0" smtClean="0">
@@ -12039,45 +12164,11 @@
                   <a:schemeClr val="tx1"/>
                 </a:solidFill>
               </a:rPr>
-              <a:t>curated </a:t>
-            </a:r>
-            <a:r>
-              <a:rPr lang="en-US" dirty="0">
-                <a:solidFill>
-                  <a:schemeClr val="tx1"/>
-                </a:solidFill>
-              </a:rPr>
-              <a:t>and modeled data sets provided by </a:t>
-            </a:r>
-            <a:r>
-              <a:rPr lang="en-US" dirty="0" smtClean="0">
-                <a:solidFill>
-                  <a:schemeClr val="tx1"/>
-                </a:solidFill>
-              </a:rPr>
-              <a:t>different </a:t>
-            </a:r>
-            <a:r>
-              <a:rPr lang="en-US" dirty="0">
-                <a:solidFill>
-                  <a:schemeClr val="tx1"/>
-                </a:solidFill>
-              </a:rPr>
-              <a:t>services under </a:t>
-            </a:r>
-            <a:r>
-              <a:rPr lang="en-US" dirty="0" smtClean="0">
-                <a:solidFill>
-                  <a:schemeClr val="tx1"/>
-                </a:solidFill>
-              </a:rPr>
-              <a:t>different quality conditions</a:t>
-            </a:r>
-          </a:p>
-          <a:p>
-            <a:pPr marL="0" indent="0" algn="just">
-              <a:buNone/>
-            </a:pPr>
+              <a:t>racts</a:t>
+            </a:r>
+          </a:p>
+          <a:p>
+            <a:pPr lvl="1" algn="just"/>
             <a:endParaRPr lang="en-US" dirty="0" smtClean="0">
               <a:solidFill>
                 <a:schemeClr val="tx1"/>
@@ -12085,134 +12176,19 @@
             </a:endParaRPr>
           </a:p>
           <a:p>
-            <a:pPr algn="just"/>
+            <a:pPr lvl="1" algn="just"/>
             <a:r>
               <a:rPr lang="en-US" dirty="0" smtClean="0">
                 <a:solidFill>
                   <a:schemeClr val="tx1"/>
                 </a:solidFill>
               </a:rPr>
-              <a:t>We believe that data </a:t>
-            </a:r>
-            <a:r>
-              <a:rPr lang="en-US" dirty="0">
-                <a:solidFill>
-                  <a:schemeClr val="tx1"/>
-                </a:solidFill>
-              </a:rPr>
-              <a:t>integration can be done according </a:t>
-            </a:r>
-            <a:r>
-              <a:rPr lang="en-US" dirty="0" smtClean="0">
-                <a:solidFill>
-                  <a:schemeClr val="tx1"/>
-                </a:solidFill>
-              </a:rPr>
-              <a:t>to:</a:t>
+              <a:t>i.e.: Service Level Agreements (SLA)</a:t>
             </a:r>
           </a:p>
           <a:p>
             <a:pPr lvl="1" algn="just"/>
-            <a:r>
-              <a:rPr lang="en-US" dirty="0" smtClean="0">
-                <a:solidFill>
-                  <a:schemeClr val="tx1"/>
-                </a:solidFill>
-              </a:rPr>
-              <a:t>Quality </a:t>
-            </a:r>
-            <a:r>
-              <a:rPr lang="en-US" dirty="0">
-                <a:solidFill>
-                  <a:schemeClr val="tx1"/>
-                </a:solidFill>
-              </a:rPr>
-              <a:t>of </a:t>
-            </a:r>
-            <a:r>
-              <a:rPr lang="en-US" dirty="0" smtClean="0">
-                <a:solidFill>
-                  <a:schemeClr val="tx1"/>
-                </a:solidFill>
-              </a:rPr>
-              <a:t>service(</a:t>
-            </a:r>
-            <a:r>
-              <a:rPr lang="en-US" dirty="0" err="1" smtClean="0">
-                <a:solidFill>
-                  <a:schemeClr val="tx1"/>
-                </a:solidFill>
-              </a:rPr>
-              <a:t>QoS</a:t>
-            </a:r>
-            <a:r>
-              <a:rPr lang="en-US" dirty="0">
-                <a:solidFill>
-                  <a:schemeClr val="tx1"/>
-                </a:solidFill>
-              </a:rPr>
-              <a:t>) requirements expressed by their </a:t>
-            </a:r>
-            <a:r>
-              <a:rPr lang="en-US" dirty="0" smtClean="0">
-                <a:solidFill>
-                  <a:schemeClr val="tx1"/>
-                </a:solidFill>
-              </a:rPr>
-              <a:t>consumers; and</a:t>
-            </a:r>
-          </a:p>
-          <a:p>
-            <a:pPr lvl="1" algn="just"/>
-            <a:r>
-              <a:rPr lang="en-US" dirty="0" smtClean="0">
-                <a:solidFill>
-                  <a:schemeClr val="tx1"/>
-                </a:solidFill>
-              </a:rPr>
-              <a:t>Service </a:t>
-            </a:r>
-            <a:r>
-              <a:rPr lang="en-US" dirty="0">
-                <a:solidFill>
-                  <a:schemeClr val="tx1"/>
-                </a:solidFill>
-              </a:rPr>
-              <a:t>Level </a:t>
-            </a:r>
-            <a:r>
-              <a:rPr lang="en-US" dirty="0" smtClean="0">
-                <a:solidFill>
-                  <a:schemeClr val="tx1"/>
-                </a:solidFill>
-              </a:rPr>
-              <a:t>Agreements </a:t>
-            </a:r>
-            <a:r>
-              <a:rPr lang="en-US" dirty="0">
-                <a:solidFill>
-                  <a:schemeClr val="tx1"/>
-                </a:solidFill>
-              </a:rPr>
-              <a:t>(SLA) exported by the cloud providers that host huge data </a:t>
-            </a:r>
-            <a:r>
-              <a:rPr lang="en-US" dirty="0" smtClean="0">
-                <a:solidFill>
-                  <a:schemeClr val="tx1"/>
-                </a:solidFill>
-              </a:rPr>
-              <a:t>collections and </a:t>
-            </a:r>
-            <a:r>
-              <a:rPr lang="en-US" dirty="0">
-                <a:solidFill>
-                  <a:schemeClr val="tx1"/>
-                </a:solidFill>
-              </a:rPr>
-              <a:t>deliver resources for executing the associated management processes.</a:t>
-            </a:r>
-            <a:endParaRPr lang="en-GB" noProof="1">
+            <a:endParaRPr lang="en-US" dirty="0">
               <a:solidFill>
                 <a:schemeClr val="tx1"/>
               </a:solidFill>
@@ -12223,7 +12199,7 @@
     </p:spTree>
     <p:extLst>
       <p:ext uri="{BB962C8B-B14F-4D97-AF65-F5344CB8AC3E}">
-        <p14:creationId xmlns:p14="http://schemas.microsoft.com/office/powerpoint/2010/main" val="3492234922"/>
+        <p14:creationId xmlns:p14="http://schemas.microsoft.com/office/powerpoint/2010/main" val="583425750"/>
       </p:ext>
     </p:extLst>
   </p:cSld>
@@ -12281,266 +12257,1783 @@
           <a:lstStyle/>
           <a:p>
             <a:r>
-              <a:rPr lang="en-US" sz="4800" dirty="0" smtClean="0"/>
+              <a:rPr lang="en-US" dirty="0" smtClean="0"/>
               <a:t>Introduction</a:t>
             </a:r>
-            <a:endParaRPr lang="en-US" sz="4800" dirty="0"/>
+            <a:endParaRPr lang="en-US" dirty="0"/>
           </a:p>
         </p:txBody>
       </p:sp>
-      <p:sp>
-        <p:nvSpPr>
-          <p:cNvPr id="3" name="Content Placeholder 2"/>
-          <p:cNvSpPr>
-            <a:spLocks noGrp="1"/>
-          </p:cNvSpPr>
-          <p:nvPr>
-            <p:ph idx="1"/>
-          </p:nvPr>
-        </p:nvSpPr>
-        <p:spPr/>
+      <p:grpSp>
+        <p:nvGrpSpPr>
+          <p:cNvPr id="23" name="Groupe 22"/>
+          <p:cNvGrpSpPr/>
+          <p:nvPr/>
+        </p:nvGrpSpPr>
+        <p:grpSpPr>
+          <a:xfrm>
+            <a:off x="4475029" y="1793648"/>
+            <a:ext cx="3515429" cy="2651738"/>
+            <a:chOff x="4475029" y="1793648"/>
+            <a:chExt cx="3515429" cy="2651738"/>
+          </a:xfrm>
+        </p:grpSpPr>
+        <p:sp>
+          <p:nvSpPr>
+            <p:cNvPr id="20" name="Nuage 19"/>
+            <p:cNvSpPr/>
+            <p:nvPr/>
+          </p:nvSpPr>
+          <p:spPr>
+            <a:xfrm>
+              <a:off x="4475029" y="1793648"/>
+              <a:ext cx="3515429" cy="2651738"/>
+            </a:xfrm>
+            <a:prstGeom prst="cloud">
+              <a:avLst/>
+            </a:prstGeom>
+            <a:solidFill>
+              <a:schemeClr val="bg1"/>
+            </a:solidFill>
+          </p:spPr>
+          <p:style>
+            <a:lnRef idx="2">
+              <a:schemeClr val="accent1">
+                <a:shade val="50000"/>
+              </a:schemeClr>
+            </a:lnRef>
+            <a:fillRef idx="1">
+              <a:schemeClr val="accent1"/>
+            </a:fillRef>
+            <a:effectRef idx="0">
+              <a:schemeClr val="accent1"/>
+            </a:effectRef>
+            <a:fontRef idx="minor">
+              <a:schemeClr val="lt1"/>
+            </a:fontRef>
+          </p:style>
+          <p:txBody>
+            <a:bodyPr rtlCol="0" anchor="ctr"/>
+            <a:lstStyle/>
+            <a:p>
+              <a:pPr algn="ctr"/>
+              <a:endParaRPr lang="en-US"/>
+            </a:p>
+          </p:txBody>
+        </p:sp>
+        <p:grpSp>
+          <p:nvGrpSpPr>
+            <p:cNvPr id="17" name="Groupe 16"/>
+            <p:cNvGrpSpPr/>
+            <p:nvPr/>
+          </p:nvGrpSpPr>
+          <p:grpSpPr>
+            <a:xfrm>
+              <a:off x="4778085" y="2325857"/>
+              <a:ext cx="1382110" cy="792820"/>
+              <a:chOff x="4778085" y="2325857"/>
+              <a:chExt cx="1382110" cy="792820"/>
+            </a:xfrm>
+          </p:grpSpPr>
+          <p:sp>
+            <p:nvSpPr>
+              <p:cNvPr id="6" name="Cylindre 5"/>
+              <p:cNvSpPr/>
+              <p:nvPr/>
+            </p:nvSpPr>
+            <p:spPr>
+              <a:xfrm>
+                <a:off x="5139396" y="2325858"/>
+                <a:ext cx="295422" cy="407963"/>
+              </a:xfrm>
+              <a:prstGeom prst="can">
+                <a:avLst/>
+              </a:prstGeom>
+              <a:solidFill>
+                <a:schemeClr val="bg1">
+                  <a:lumMod val="85000"/>
+                </a:schemeClr>
+              </a:solidFill>
+              <a:ln>
+                <a:solidFill>
+                  <a:schemeClr val="bg1">
+                    <a:lumMod val="75000"/>
+                  </a:schemeClr>
+                </a:solidFill>
+              </a:ln>
+            </p:spPr>
+            <p:style>
+              <a:lnRef idx="2">
+                <a:schemeClr val="accent1">
+                  <a:shade val="50000"/>
+                </a:schemeClr>
+              </a:lnRef>
+              <a:fillRef idx="1">
+                <a:schemeClr val="accent1"/>
+              </a:fillRef>
+              <a:effectRef idx="0">
+                <a:schemeClr val="accent1"/>
+              </a:effectRef>
+              <a:fontRef idx="minor">
+                <a:schemeClr val="lt1"/>
+              </a:fontRef>
+            </p:style>
+            <p:txBody>
+              <a:bodyPr rtlCol="0" anchor="ctr"/>
+              <a:lstStyle/>
+              <a:p>
+                <a:pPr algn="ctr"/>
+                <a:endParaRPr lang="en-US" b="1"/>
+              </a:p>
+            </p:txBody>
+          </p:sp>
+          <p:sp>
+            <p:nvSpPr>
+              <p:cNvPr id="7" name="Cylindre 6"/>
+              <p:cNvSpPr/>
+              <p:nvPr/>
+            </p:nvSpPr>
+            <p:spPr>
+              <a:xfrm>
+                <a:off x="5484059" y="2325857"/>
+                <a:ext cx="295422" cy="407963"/>
+              </a:xfrm>
+              <a:prstGeom prst="can">
+                <a:avLst/>
+              </a:prstGeom>
+              <a:solidFill>
+                <a:schemeClr val="bg1">
+                  <a:lumMod val="85000"/>
+                </a:schemeClr>
+              </a:solidFill>
+              <a:ln>
+                <a:solidFill>
+                  <a:schemeClr val="bg1">
+                    <a:lumMod val="75000"/>
+                  </a:schemeClr>
+                </a:solidFill>
+              </a:ln>
+            </p:spPr>
+            <p:style>
+              <a:lnRef idx="2">
+                <a:schemeClr val="accent1">
+                  <a:shade val="50000"/>
+                </a:schemeClr>
+              </a:lnRef>
+              <a:fillRef idx="1">
+                <a:schemeClr val="accent1"/>
+              </a:fillRef>
+              <a:effectRef idx="0">
+                <a:schemeClr val="accent1"/>
+              </a:effectRef>
+              <a:fontRef idx="minor">
+                <a:schemeClr val="lt1"/>
+              </a:fontRef>
+            </p:style>
+            <p:txBody>
+              <a:bodyPr rtlCol="0" anchor="ctr"/>
+              <a:lstStyle/>
+              <a:p>
+                <a:pPr algn="ctr"/>
+                <a:endParaRPr lang="en-US" b="1"/>
+              </a:p>
+            </p:txBody>
+          </p:sp>
+          <p:sp>
+            <p:nvSpPr>
+              <p:cNvPr id="5" name="Cylindre 4"/>
+              <p:cNvSpPr/>
+              <p:nvPr/>
+            </p:nvSpPr>
+            <p:spPr>
+              <a:xfrm>
+                <a:off x="5317590" y="2405579"/>
+                <a:ext cx="295422" cy="407963"/>
+              </a:xfrm>
+              <a:prstGeom prst="can">
+                <a:avLst/>
+              </a:prstGeom>
+              <a:solidFill>
+                <a:schemeClr val="bg1">
+                  <a:lumMod val="85000"/>
+                </a:schemeClr>
+              </a:solidFill>
+              <a:ln>
+                <a:solidFill>
+                  <a:schemeClr val="bg1">
+                    <a:lumMod val="75000"/>
+                  </a:schemeClr>
+                </a:solidFill>
+              </a:ln>
+            </p:spPr>
+            <p:style>
+              <a:lnRef idx="2">
+                <a:schemeClr val="accent1">
+                  <a:shade val="50000"/>
+                </a:schemeClr>
+              </a:lnRef>
+              <a:fillRef idx="1">
+                <a:schemeClr val="accent1"/>
+              </a:fillRef>
+              <a:effectRef idx="0">
+                <a:schemeClr val="accent1"/>
+              </a:effectRef>
+              <a:fontRef idx="minor">
+                <a:schemeClr val="lt1"/>
+              </a:fontRef>
+            </p:style>
+            <p:txBody>
+              <a:bodyPr rtlCol="0" anchor="ctr"/>
+              <a:lstStyle/>
+              <a:p>
+                <a:pPr algn="ctr"/>
+                <a:endParaRPr lang="en-US" b="1"/>
+              </a:p>
+            </p:txBody>
+          </p:sp>
+          <p:sp>
+            <p:nvSpPr>
+              <p:cNvPr id="14" name="ZoneTexte 13"/>
+              <p:cNvSpPr txBox="1"/>
+              <p:nvPr/>
+            </p:nvSpPr>
+            <p:spPr>
+              <a:xfrm>
+                <a:off x="4778085" y="2841678"/>
+                <a:ext cx="1382110" cy="276999"/>
+              </a:xfrm>
+              <a:prstGeom prst="rect">
+                <a:avLst/>
+              </a:prstGeom>
+              <a:noFill/>
+            </p:spPr>
+            <p:txBody>
+              <a:bodyPr wrap="none" rtlCol="0">
+                <a:spAutoFit/>
+              </a:bodyPr>
+              <a:lstStyle/>
+              <a:p>
+                <a:r>
+                  <a:rPr lang="fr-FR" sz="1200" dirty="0" smtClean="0">
+                    <a:latin typeface="+mj-lt"/>
+                  </a:rPr>
+                  <a:t>Data provider A</a:t>
+                </a:r>
+                <a:endParaRPr lang="en-US" sz="1200" dirty="0">
+                  <a:latin typeface="+mj-lt"/>
+                </a:endParaRPr>
+              </a:p>
+            </p:txBody>
+          </p:sp>
+        </p:grpSp>
+        <p:grpSp>
+          <p:nvGrpSpPr>
+            <p:cNvPr id="18" name="Groupe 17"/>
+            <p:cNvGrpSpPr/>
+            <p:nvPr/>
+          </p:nvGrpSpPr>
+          <p:grpSpPr>
+            <a:xfrm>
+              <a:off x="6084061" y="3139453"/>
+              <a:ext cx="1356462" cy="750616"/>
+              <a:chOff x="4817941" y="3463017"/>
+              <a:chExt cx="1356462" cy="750616"/>
+            </a:xfrm>
+          </p:grpSpPr>
+          <p:sp>
+            <p:nvSpPr>
+              <p:cNvPr id="8" name="Cylindre 7"/>
+              <p:cNvSpPr/>
+              <p:nvPr/>
+            </p:nvSpPr>
+            <p:spPr>
+              <a:xfrm>
+                <a:off x="5165184" y="3463018"/>
+                <a:ext cx="295422" cy="407963"/>
+              </a:xfrm>
+              <a:prstGeom prst="can">
+                <a:avLst/>
+              </a:prstGeom>
+              <a:solidFill>
+                <a:schemeClr val="bg1">
+                  <a:lumMod val="85000"/>
+                </a:schemeClr>
+              </a:solidFill>
+              <a:ln>
+                <a:solidFill>
+                  <a:schemeClr val="bg1">
+                    <a:lumMod val="75000"/>
+                  </a:schemeClr>
+                </a:solidFill>
+              </a:ln>
+            </p:spPr>
+            <p:style>
+              <a:lnRef idx="2">
+                <a:schemeClr val="accent1">
+                  <a:shade val="50000"/>
+                </a:schemeClr>
+              </a:lnRef>
+              <a:fillRef idx="1">
+                <a:schemeClr val="accent1"/>
+              </a:fillRef>
+              <a:effectRef idx="0">
+                <a:schemeClr val="accent1"/>
+              </a:effectRef>
+              <a:fontRef idx="minor">
+                <a:schemeClr val="lt1"/>
+              </a:fontRef>
+            </p:style>
+            <p:txBody>
+              <a:bodyPr rtlCol="0" anchor="ctr"/>
+              <a:lstStyle/>
+              <a:p>
+                <a:pPr algn="ctr"/>
+                <a:endParaRPr lang="en-US"/>
+              </a:p>
+            </p:txBody>
+          </p:sp>
+          <p:sp>
+            <p:nvSpPr>
+              <p:cNvPr id="9" name="Cylindre 8"/>
+              <p:cNvSpPr/>
+              <p:nvPr/>
+            </p:nvSpPr>
+            <p:spPr>
+              <a:xfrm>
+                <a:off x="5509847" y="3463017"/>
+                <a:ext cx="295422" cy="407963"/>
+              </a:xfrm>
+              <a:prstGeom prst="can">
+                <a:avLst/>
+              </a:prstGeom>
+              <a:solidFill>
+                <a:schemeClr val="bg1">
+                  <a:lumMod val="85000"/>
+                </a:schemeClr>
+              </a:solidFill>
+              <a:ln>
+                <a:solidFill>
+                  <a:schemeClr val="bg1">
+                    <a:lumMod val="75000"/>
+                  </a:schemeClr>
+                </a:solidFill>
+              </a:ln>
+            </p:spPr>
+            <p:style>
+              <a:lnRef idx="2">
+                <a:schemeClr val="accent1">
+                  <a:shade val="50000"/>
+                </a:schemeClr>
+              </a:lnRef>
+              <a:fillRef idx="1">
+                <a:schemeClr val="accent1"/>
+              </a:fillRef>
+              <a:effectRef idx="0">
+                <a:schemeClr val="accent1"/>
+              </a:effectRef>
+              <a:fontRef idx="minor">
+                <a:schemeClr val="lt1"/>
+              </a:fontRef>
+            </p:style>
+            <p:txBody>
+              <a:bodyPr rtlCol="0" anchor="ctr"/>
+              <a:lstStyle/>
+              <a:p>
+                <a:pPr algn="ctr"/>
+                <a:endParaRPr lang="en-US"/>
+              </a:p>
+            </p:txBody>
+          </p:sp>
+          <p:sp>
+            <p:nvSpPr>
+              <p:cNvPr id="10" name="Cylindre 9"/>
+              <p:cNvSpPr/>
+              <p:nvPr/>
+            </p:nvSpPr>
+            <p:spPr>
+              <a:xfrm>
+                <a:off x="5343378" y="3542739"/>
+                <a:ext cx="295422" cy="407963"/>
+              </a:xfrm>
+              <a:prstGeom prst="can">
+                <a:avLst/>
+              </a:prstGeom>
+              <a:solidFill>
+                <a:schemeClr val="bg1">
+                  <a:lumMod val="85000"/>
+                </a:schemeClr>
+              </a:solidFill>
+              <a:ln>
+                <a:solidFill>
+                  <a:schemeClr val="bg1">
+                    <a:lumMod val="75000"/>
+                  </a:schemeClr>
+                </a:solidFill>
+              </a:ln>
+            </p:spPr>
+            <p:style>
+              <a:lnRef idx="2">
+                <a:schemeClr val="accent1">
+                  <a:shade val="50000"/>
+                </a:schemeClr>
+              </a:lnRef>
+              <a:fillRef idx="1">
+                <a:schemeClr val="accent1"/>
+              </a:fillRef>
+              <a:effectRef idx="0">
+                <a:schemeClr val="accent1"/>
+              </a:effectRef>
+              <a:fontRef idx="minor">
+                <a:schemeClr val="lt1"/>
+              </a:fontRef>
+            </p:style>
+            <p:txBody>
+              <a:bodyPr rtlCol="0" anchor="ctr"/>
+              <a:lstStyle/>
+              <a:p>
+                <a:pPr algn="ctr"/>
+                <a:endParaRPr lang="en-US"/>
+              </a:p>
+            </p:txBody>
+          </p:sp>
+          <p:sp>
+            <p:nvSpPr>
+              <p:cNvPr id="15" name="ZoneTexte 14"/>
+              <p:cNvSpPr txBox="1"/>
+              <p:nvPr/>
+            </p:nvSpPr>
+            <p:spPr>
+              <a:xfrm>
+                <a:off x="4817941" y="3936634"/>
+                <a:ext cx="1356462" cy="276999"/>
+              </a:xfrm>
+              <a:prstGeom prst="rect">
+                <a:avLst/>
+              </a:prstGeom>
+              <a:noFill/>
+            </p:spPr>
+            <p:txBody>
+              <a:bodyPr wrap="none" rtlCol="0">
+                <a:spAutoFit/>
+              </a:bodyPr>
+              <a:lstStyle/>
+              <a:p>
+                <a:r>
+                  <a:rPr lang="fr-FR" sz="1200" dirty="0" smtClean="0">
+                    <a:latin typeface="+mj-lt"/>
+                  </a:rPr>
+                  <a:t>Data provider B</a:t>
+                </a:r>
+                <a:endParaRPr lang="en-US" sz="1200" dirty="0">
+                  <a:latin typeface="+mj-lt"/>
+                </a:endParaRPr>
+              </a:p>
+            </p:txBody>
+          </p:sp>
+        </p:grpSp>
+      </p:grpSp>
+      <p:grpSp>
+        <p:nvGrpSpPr>
+          <p:cNvPr id="22" name="Groupe 21"/>
+          <p:cNvGrpSpPr/>
+          <p:nvPr/>
+        </p:nvGrpSpPr>
+        <p:grpSpPr>
+          <a:xfrm>
+            <a:off x="4823642" y="4628314"/>
+            <a:ext cx="2754201" cy="1733832"/>
+            <a:chOff x="4823642" y="4628314"/>
+            <a:chExt cx="2754201" cy="1733832"/>
+          </a:xfrm>
+        </p:grpSpPr>
+        <p:sp>
+          <p:nvSpPr>
+            <p:cNvPr id="21" name="Nuage 20"/>
+            <p:cNvSpPr/>
+            <p:nvPr/>
+          </p:nvSpPr>
+          <p:spPr>
+            <a:xfrm>
+              <a:off x="4823642" y="4628314"/>
+              <a:ext cx="2754201" cy="1733832"/>
+            </a:xfrm>
+            <a:prstGeom prst="cloud">
+              <a:avLst/>
+            </a:prstGeom>
+            <a:solidFill>
+              <a:schemeClr val="bg1"/>
+            </a:solidFill>
+          </p:spPr>
+          <p:style>
+            <a:lnRef idx="2">
+              <a:schemeClr val="accent1">
+                <a:shade val="50000"/>
+              </a:schemeClr>
+            </a:lnRef>
+            <a:fillRef idx="1">
+              <a:schemeClr val="accent1"/>
+            </a:fillRef>
+            <a:effectRef idx="0">
+              <a:schemeClr val="accent1"/>
+            </a:effectRef>
+            <a:fontRef idx="minor">
+              <a:schemeClr val="lt1"/>
+            </a:fontRef>
+          </p:style>
+          <p:txBody>
+            <a:bodyPr rtlCol="0" anchor="ctr"/>
+            <a:lstStyle/>
+            <a:p>
+              <a:pPr algn="ctr"/>
+              <a:endParaRPr lang="en-US"/>
+            </a:p>
+          </p:txBody>
+        </p:sp>
+        <p:grpSp>
+          <p:nvGrpSpPr>
+            <p:cNvPr id="19" name="Groupe 18"/>
+            <p:cNvGrpSpPr/>
+            <p:nvPr/>
+          </p:nvGrpSpPr>
+          <p:grpSpPr>
+            <a:xfrm>
+              <a:off x="5507273" y="5120693"/>
+              <a:ext cx="1393330" cy="767032"/>
+              <a:chOff x="4789805" y="4656449"/>
+              <a:chExt cx="1393330" cy="767032"/>
+            </a:xfrm>
+          </p:grpSpPr>
+          <p:sp>
+            <p:nvSpPr>
+              <p:cNvPr id="11" name="Cylindre 10"/>
+              <p:cNvSpPr/>
+              <p:nvPr/>
+            </p:nvSpPr>
+            <p:spPr>
+              <a:xfrm>
+                <a:off x="5162836" y="4656450"/>
+                <a:ext cx="295422" cy="407963"/>
+              </a:xfrm>
+              <a:prstGeom prst="can">
+                <a:avLst/>
+              </a:prstGeom>
+              <a:solidFill>
+                <a:schemeClr val="bg1">
+                  <a:lumMod val="85000"/>
+                </a:schemeClr>
+              </a:solidFill>
+              <a:ln>
+                <a:solidFill>
+                  <a:schemeClr val="bg1">
+                    <a:lumMod val="75000"/>
+                  </a:schemeClr>
+                </a:solidFill>
+              </a:ln>
+            </p:spPr>
+            <p:style>
+              <a:lnRef idx="2">
+                <a:schemeClr val="accent1">
+                  <a:shade val="50000"/>
+                </a:schemeClr>
+              </a:lnRef>
+              <a:fillRef idx="1">
+                <a:schemeClr val="accent1"/>
+              </a:fillRef>
+              <a:effectRef idx="0">
+                <a:schemeClr val="accent1"/>
+              </a:effectRef>
+              <a:fontRef idx="minor">
+                <a:schemeClr val="lt1"/>
+              </a:fontRef>
+            </p:style>
+            <p:txBody>
+              <a:bodyPr rtlCol="0" anchor="ctr"/>
+              <a:lstStyle/>
+              <a:p>
+                <a:pPr algn="ctr"/>
+                <a:endParaRPr lang="en-US"/>
+              </a:p>
+            </p:txBody>
+          </p:sp>
+          <p:sp>
+            <p:nvSpPr>
+              <p:cNvPr id="12" name="Cylindre 11"/>
+              <p:cNvSpPr/>
+              <p:nvPr/>
+            </p:nvSpPr>
+            <p:spPr>
+              <a:xfrm>
+                <a:off x="5507499" y="4656449"/>
+                <a:ext cx="295422" cy="407963"/>
+              </a:xfrm>
+              <a:prstGeom prst="can">
+                <a:avLst/>
+              </a:prstGeom>
+              <a:solidFill>
+                <a:schemeClr val="bg1">
+                  <a:lumMod val="85000"/>
+                </a:schemeClr>
+              </a:solidFill>
+              <a:ln>
+                <a:solidFill>
+                  <a:schemeClr val="bg1">
+                    <a:lumMod val="75000"/>
+                  </a:schemeClr>
+                </a:solidFill>
+              </a:ln>
+            </p:spPr>
+            <p:style>
+              <a:lnRef idx="2">
+                <a:schemeClr val="accent1">
+                  <a:shade val="50000"/>
+                </a:schemeClr>
+              </a:lnRef>
+              <a:fillRef idx="1">
+                <a:schemeClr val="accent1"/>
+              </a:fillRef>
+              <a:effectRef idx="0">
+                <a:schemeClr val="accent1"/>
+              </a:effectRef>
+              <a:fontRef idx="minor">
+                <a:schemeClr val="lt1"/>
+              </a:fontRef>
+            </p:style>
+            <p:txBody>
+              <a:bodyPr rtlCol="0" anchor="ctr"/>
+              <a:lstStyle/>
+              <a:p>
+                <a:pPr algn="ctr"/>
+                <a:endParaRPr lang="en-US"/>
+              </a:p>
+            </p:txBody>
+          </p:sp>
+          <p:sp>
+            <p:nvSpPr>
+              <p:cNvPr id="13" name="Cylindre 12"/>
+              <p:cNvSpPr/>
+              <p:nvPr/>
+            </p:nvSpPr>
+            <p:spPr>
+              <a:xfrm>
+                <a:off x="5341030" y="4736171"/>
+                <a:ext cx="295422" cy="407963"/>
+              </a:xfrm>
+              <a:prstGeom prst="can">
+                <a:avLst/>
+              </a:prstGeom>
+              <a:solidFill>
+                <a:schemeClr val="bg1">
+                  <a:lumMod val="85000"/>
+                </a:schemeClr>
+              </a:solidFill>
+              <a:ln>
+                <a:solidFill>
+                  <a:schemeClr val="bg1">
+                    <a:lumMod val="75000"/>
+                  </a:schemeClr>
+                </a:solidFill>
+              </a:ln>
+            </p:spPr>
+            <p:style>
+              <a:lnRef idx="2">
+                <a:schemeClr val="accent1">
+                  <a:shade val="50000"/>
+                </a:schemeClr>
+              </a:lnRef>
+              <a:fillRef idx="1">
+                <a:schemeClr val="accent1"/>
+              </a:fillRef>
+              <a:effectRef idx="0">
+                <a:schemeClr val="accent1"/>
+              </a:effectRef>
+              <a:fontRef idx="minor">
+                <a:schemeClr val="lt1"/>
+              </a:fontRef>
+            </p:style>
+            <p:txBody>
+              <a:bodyPr rtlCol="0" anchor="ctr"/>
+              <a:lstStyle/>
+              <a:p>
+                <a:pPr algn="ctr"/>
+                <a:endParaRPr lang="en-US"/>
+              </a:p>
+            </p:txBody>
+          </p:sp>
+          <p:sp>
+            <p:nvSpPr>
+              <p:cNvPr id="16" name="ZoneTexte 15"/>
+              <p:cNvSpPr txBox="1"/>
+              <p:nvPr/>
+            </p:nvSpPr>
+            <p:spPr>
+              <a:xfrm>
+                <a:off x="4789805" y="5146482"/>
+                <a:ext cx="1393330" cy="276999"/>
+              </a:xfrm>
+              <a:prstGeom prst="rect">
+                <a:avLst/>
+              </a:prstGeom>
+              <a:noFill/>
+            </p:spPr>
+            <p:txBody>
+              <a:bodyPr wrap="none" rtlCol="0">
+                <a:spAutoFit/>
+              </a:bodyPr>
+              <a:lstStyle/>
+              <a:p>
+                <a:r>
+                  <a:rPr lang="fr-FR" sz="1200" dirty="0" smtClean="0">
+                    <a:latin typeface="+mj-lt"/>
+                  </a:rPr>
+                  <a:t>Data provider C</a:t>
+                </a:r>
+                <a:endParaRPr lang="en-US" sz="1200" dirty="0">
+                  <a:latin typeface="+mj-lt"/>
+                </a:endParaRPr>
+              </a:p>
+            </p:txBody>
+          </p:sp>
+        </p:grpSp>
+      </p:grpSp>
+      <p:sp>
+        <p:nvSpPr>
+          <p:cNvPr id="24" name="Parchemin vertical 23"/>
+          <p:cNvSpPr/>
+          <p:nvPr/>
+        </p:nvSpPr>
+        <p:spPr>
+          <a:xfrm>
+            <a:off x="4385690" y="2283653"/>
+            <a:ext cx="673670" cy="450161"/>
+          </a:xfrm>
+          <a:prstGeom prst="verticalScroll">
+            <a:avLst/>
+          </a:prstGeom>
+          <a:solidFill>
+            <a:schemeClr val="bg1"/>
+          </a:solidFill>
+          <a:ln>
+            <a:solidFill>
+              <a:schemeClr val="tx1"/>
+            </a:solidFill>
+          </a:ln>
+        </p:spPr>
+        <p:style>
+          <a:lnRef idx="2">
+            <a:schemeClr val="accent1">
+              <a:shade val="50000"/>
+            </a:schemeClr>
+          </a:lnRef>
+          <a:fillRef idx="1">
+            <a:schemeClr val="accent1"/>
+          </a:fillRef>
+          <a:effectRef idx="0">
+            <a:schemeClr val="accent1"/>
+          </a:effectRef>
+          <a:fontRef idx="minor">
+            <a:schemeClr val="lt1"/>
+          </a:fontRef>
+        </p:style>
         <p:txBody>
-          <a:bodyPr>
-            <a:normAutofit fontScale="85000" lnSpcReduction="20000"/>
-          </a:bodyPr>
+          <a:bodyPr rtlCol="0" anchor="ctr"/>
           <a:lstStyle/>
           <a:p>
-            <a:pPr algn="just"/>
-            <a:endParaRPr lang="en-US" dirty="0" smtClean="0">
+            <a:pPr algn="ctr"/>
+            <a:r>
+              <a:rPr lang="fr-FR" sz="1200" dirty="0" smtClean="0">
+                <a:solidFill>
+                  <a:schemeClr val="tx1"/>
+                </a:solidFill>
+                <a:latin typeface="+mj-lt"/>
+              </a:rPr>
+              <a:t>User SLA</a:t>
+            </a:r>
+            <a:endParaRPr lang="en-US" sz="7200" dirty="0">
               <a:solidFill>
-                <a:srgbClr val="000000"/>
+                <a:schemeClr val="tx1"/>
               </a:solidFill>
+              <a:latin typeface="+mj-lt"/>
             </a:endParaRPr>
           </a:p>
-          <a:p>
-            <a:pPr algn="just"/>
+        </p:txBody>
+      </p:sp>
+      <p:sp>
+        <p:nvSpPr>
+          <p:cNvPr id="25" name="Parchemin vertical 24"/>
+          <p:cNvSpPr/>
+          <p:nvPr/>
+        </p:nvSpPr>
+        <p:spPr>
+          <a:xfrm>
+            <a:off x="7103688" y="3097252"/>
+            <a:ext cx="673670" cy="450161"/>
+          </a:xfrm>
+          <a:prstGeom prst="verticalScroll">
+            <a:avLst/>
+          </a:prstGeom>
+          <a:solidFill>
+            <a:schemeClr val="bg1"/>
+          </a:solidFill>
+          <a:ln>
+            <a:solidFill>
+              <a:schemeClr val="tx1"/>
+            </a:solidFill>
+          </a:ln>
+        </p:spPr>
+        <p:style>
+          <a:lnRef idx="2">
+            <a:schemeClr val="accent1">
+              <a:shade val="50000"/>
+            </a:schemeClr>
+          </a:lnRef>
+          <a:fillRef idx="1">
+            <a:schemeClr val="accent1"/>
+          </a:fillRef>
+          <a:effectRef idx="0">
+            <a:schemeClr val="accent1"/>
+          </a:effectRef>
+          <a:fontRef idx="minor">
+            <a:schemeClr val="lt1"/>
+          </a:fontRef>
+        </p:style>
+        <p:txBody>
+          <a:bodyPr rtlCol="0" anchor="ctr"/>
+          <a:lstStyle/>
+          <a:p>
+            <a:pPr algn="ctr"/>
+            <a:r>
+              <a:rPr lang="fr-FR" sz="1000" dirty="0" smtClean="0">
+                <a:solidFill>
+                  <a:schemeClr val="tx1"/>
+                </a:solidFill>
+                <a:latin typeface="+mj-lt"/>
+              </a:rPr>
+              <a:t>Cloud  SLA</a:t>
+            </a:r>
+            <a:endParaRPr lang="en-US" sz="5400" dirty="0">
+              <a:solidFill>
+                <a:schemeClr val="tx1"/>
+              </a:solidFill>
+              <a:latin typeface="+mj-lt"/>
+            </a:endParaRPr>
+          </a:p>
+        </p:txBody>
+      </p:sp>
+      <p:sp>
+        <p:nvSpPr>
+          <p:cNvPr id="26" name="Parchemin vertical 25"/>
+          <p:cNvSpPr/>
+          <p:nvPr/>
+        </p:nvSpPr>
+        <p:spPr>
+          <a:xfrm>
+            <a:off x="5880304" y="2283659"/>
+            <a:ext cx="673670" cy="450161"/>
+          </a:xfrm>
+          <a:prstGeom prst="verticalScroll">
+            <a:avLst/>
+          </a:prstGeom>
+          <a:solidFill>
+            <a:schemeClr val="bg1"/>
+          </a:solidFill>
+          <a:ln>
+            <a:solidFill>
+              <a:schemeClr val="tx1"/>
+            </a:solidFill>
+          </a:ln>
+        </p:spPr>
+        <p:style>
+          <a:lnRef idx="2">
+            <a:schemeClr val="accent1">
+              <a:shade val="50000"/>
+            </a:schemeClr>
+          </a:lnRef>
+          <a:fillRef idx="1">
+            <a:schemeClr val="accent1"/>
+          </a:fillRef>
+          <a:effectRef idx="0">
+            <a:schemeClr val="accent1"/>
+          </a:effectRef>
+          <a:fontRef idx="minor">
+            <a:schemeClr val="lt1"/>
+          </a:fontRef>
+        </p:style>
+        <p:txBody>
+          <a:bodyPr rtlCol="0" anchor="ctr"/>
+          <a:lstStyle/>
+          <a:p>
+            <a:pPr algn="ctr"/>
+            <a:r>
+              <a:rPr lang="fr-FR" sz="1000" dirty="0" smtClean="0">
+                <a:solidFill>
+                  <a:schemeClr val="tx1"/>
+                </a:solidFill>
+                <a:latin typeface="+mj-lt"/>
+              </a:rPr>
+              <a:t>Cloud  SLA</a:t>
+            </a:r>
+            <a:endParaRPr lang="en-US" sz="5400" dirty="0">
+              <a:solidFill>
+                <a:schemeClr val="tx1"/>
+              </a:solidFill>
+              <a:latin typeface="+mj-lt"/>
+            </a:endParaRPr>
+          </a:p>
+        </p:txBody>
+      </p:sp>
+      <p:sp>
+        <p:nvSpPr>
+          <p:cNvPr id="27" name="Parchemin vertical 26"/>
+          <p:cNvSpPr/>
+          <p:nvPr/>
+        </p:nvSpPr>
+        <p:spPr>
+          <a:xfrm>
+            <a:off x="6609498" y="5099594"/>
+            <a:ext cx="673670" cy="450161"/>
+          </a:xfrm>
+          <a:prstGeom prst="verticalScroll">
+            <a:avLst/>
+          </a:prstGeom>
+          <a:solidFill>
+            <a:schemeClr val="bg1"/>
+          </a:solidFill>
+          <a:ln>
+            <a:solidFill>
+              <a:schemeClr val="tx1"/>
+            </a:solidFill>
+          </a:ln>
+        </p:spPr>
+        <p:style>
+          <a:lnRef idx="2">
+            <a:schemeClr val="accent1">
+              <a:shade val="50000"/>
+            </a:schemeClr>
+          </a:lnRef>
+          <a:fillRef idx="1">
+            <a:schemeClr val="accent1"/>
+          </a:fillRef>
+          <a:effectRef idx="0">
+            <a:schemeClr val="accent1"/>
+          </a:effectRef>
+          <a:fontRef idx="minor">
+            <a:schemeClr val="lt1"/>
+          </a:fontRef>
+        </p:style>
+        <p:txBody>
+          <a:bodyPr rtlCol="0" anchor="ctr"/>
+          <a:lstStyle/>
+          <a:p>
+            <a:pPr algn="ctr"/>
+            <a:r>
+              <a:rPr lang="fr-FR" sz="1000" dirty="0" smtClean="0">
+                <a:solidFill>
+                  <a:schemeClr val="tx1"/>
+                </a:solidFill>
+                <a:latin typeface="+mj-lt"/>
+              </a:rPr>
+              <a:t>Cloud  SLA</a:t>
+            </a:r>
+            <a:endParaRPr lang="en-US" sz="5400" dirty="0">
+              <a:solidFill>
+                <a:schemeClr val="tx1"/>
+              </a:solidFill>
+              <a:latin typeface="+mj-lt"/>
+            </a:endParaRPr>
+          </a:p>
+        </p:txBody>
+      </p:sp>
+      <p:sp>
+        <p:nvSpPr>
+          <p:cNvPr id="28" name="Parchemin vertical 27"/>
+          <p:cNvSpPr/>
+          <p:nvPr/>
+        </p:nvSpPr>
+        <p:spPr>
+          <a:xfrm>
+            <a:off x="5679930" y="3104285"/>
+            <a:ext cx="673670" cy="450161"/>
+          </a:xfrm>
+          <a:prstGeom prst="verticalScroll">
+            <a:avLst/>
+          </a:prstGeom>
+          <a:solidFill>
+            <a:schemeClr val="bg1"/>
+          </a:solidFill>
+          <a:ln>
+            <a:solidFill>
+              <a:schemeClr val="tx1"/>
+            </a:solidFill>
+          </a:ln>
+        </p:spPr>
+        <p:style>
+          <a:lnRef idx="2">
+            <a:schemeClr val="accent1">
+              <a:shade val="50000"/>
+            </a:schemeClr>
+          </a:lnRef>
+          <a:fillRef idx="1">
+            <a:schemeClr val="accent1"/>
+          </a:fillRef>
+          <a:effectRef idx="0">
+            <a:schemeClr val="accent1"/>
+          </a:effectRef>
+          <a:fontRef idx="minor">
+            <a:schemeClr val="lt1"/>
+          </a:fontRef>
+        </p:style>
+        <p:txBody>
+          <a:bodyPr rtlCol="0" anchor="ctr"/>
+          <a:lstStyle/>
+          <a:p>
+            <a:pPr algn="ctr"/>
+            <a:r>
+              <a:rPr lang="fr-FR" sz="1200" dirty="0" smtClean="0">
+                <a:solidFill>
+                  <a:schemeClr val="tx1"/>
+                </a:solidFill>
+                <a:latin typeface="+mj-lt"/>
+              </a:rPr>
+              <a:t>User SLA</a:t>
+            </a:r>
+            <a:endParaRPr lang="en-US" sz="7200" dirty="0">
+              <a:solidFill>
+                <a:schemeClr val="tx1"/>
+              </a:solidFill>
+              <a:latin typeface="+mj-lt"/>
+            </a:endParaRPr>
+          </a:p>
+        </p:txBody>
+      </p:sp>
+      <p:sp>
+        <p:nvSpPr>
+          <p:cNvPr id="29" name="Parchemin vertical 28"/>
+          <p:cNvSpPr/>
+          <p:nvPr/>
+        </p:nvSpPr>
+        <p:spPr>
+          <a:xfrm>
+            <a:off x="5129731" y="5120698"/>
+            <a:ext cx="673670" cy="450161"/>
+          </a:xfrm>
+          <a:prstGeom prst="verticalScroll">
+            <a:avLst/>
+          </a:prstGeom>
+          <a:solidFill>
+            <a:schemeClr val="bg1"/>
+          </a:solidFill>
+          <a:ln>
+            <a:solidFill>
+              <a:schemeClr val="tx1"/>
+            </a:solidFill>
+          </a:ln>
+        </p:spPr>
+        <p:style>
+          <a:lnRef idx="2">
+            <a:schemeClr val="accent1">
+              <a:shade val="50000"/>
+            </a:schemeClr>
+          </a:lnRef>
+          <a:fillRef idx="1">
+            <a:schemeClr val="accent1"/>
+          </a:fillRef>
+          <a:effectRef idx="0">
+            <a:schemeClr val="accent1"/>
+          </a:effectRef>
+          <a:fontRef idx="minor">
+            <a:schemeClr val="lt1"/>
+          </a:fontRef>
+        </p:style>
+        <p:txBody>
+          <a:bodyPr rtlCol="0" anchor="ctr"/>
+          <a:lstStyle/>
+          <a:p>
+            <a:pPr algn="ctr"/>
+            <a:r>
+              <a:rPr lang="fr-FR" sz="1200" dirty="0" smtClean="0">
+                <a:solidFill>
+                  <a:schemeClr val="tx1"/>
+                </a:solidFill>
+                <a:latin typeface="+mj-lt"/>
+              </a:rPr>
+              <a:t>User SLA</a:t>
+            </a:r>
+            <a:endParaRPr lang="en-US" sz="7200" dirty="0">
+              <a:solidFill>
+                <a:schemeClr val="tx1"/>
+              </a:solidFill>
+              <a:latin typeface="+mj-lt"/>
+            </a:endParaRPr>
+          </a:p>
+        </p:txBody>
+      </p:sp>
+      <p:pic>
+        <p:nvPicPr>
+          <p:cNvPr id="30" name="Image 29"/>
+          <p:cNvPicPr>
+            <a:picLocks noChangeAspect="1"/>
+          </p:cNvPicPr>
+          <p:nvPr/>
+        </p:nvPicPr>
+        <p:blipFill>
+          <a:blip r:embed="rId3">
+            <a:extLst>
+              <a:ext uri="{28A0092B-C50C-407E-A947-70E740481C1C}">
+                <a14:useLocalDpi xmlns:a14="http://schemas.microsoft.com/office/drawing/2010/main" val="0"/>
+              </a:ext>
+            </a:extLst>
+          </a:blip>
+          <a:stretch>
+            <a:fillRect/>
+          </a:stretch>
+        </p:blipFill>
+        <p:spPr>
+          <a:xfrm>
+            <a:off x="843458" y="2980177"/>
+            <a:ext cx="760826" cy="1220758"/>
+          </a:xfrm>
+          <a:prstGeom prst="rect">
+            <a:avLst/>
+          </a:prstGeom>
+        </p:spPr>
+      </p:pic>
+      <p:sp>
+        <p:nvSpPr>
+          <p:cNvPr id="31" name="Carré corné 30"/>
+          <p:cNvSpPr/>
+          <p:nvPr/>
+        </p:nvSpPr>
+        <p:spPr>
+          <a:xfrm>
+            <a:off x="210999" y="4256618"/>
+            <a:ext cx="1997610" cy="619122"/>
+          </a:xfrm>
+          <a:prstGeom prst="foldedCorner">
+            <a:avLst/>
+          </a:prstGeom>
+          <a:solidFill>
+            <a:schemeClr val="bg1"/>
+          </a:solidFill>
+        </p:spPr>
+        <p:style>
+          <a:lnRef idx="2">
+            <a:schemeClr val="accent1">
+              <a:shade val="50000"/>
+            </a:schemeClr>
+          </a:lnRef>
+          <a:fillRef idx="1">
+            <a:schemeClr val="accent1"/>
+          </a:fillRef>
+          <a:effectRef idx="0">
+            <a:schemeClr val="accent1"/>
+          </a:effectRef>
+          <a:fontRef idx="minor">
+            <a:schemeClr val="lt1"/>
+          </a:fontRef>
+        </p:style>
+        <p:txBody>
+          <a:bodyPr rtlCol="0" anchor="ctr"/>
+          <a:lstStyle/>
+          <a:p>
+            <a:pPr algn="ctr"/>
             <a:r>
               <a:rPr lang="en-US" dirty="0" smtClean="0">
                 <a:solidFill>
                   <a:schemeClr val="tx1"/>
                 </a:solidFill>
-              </a:rPr>
-              <a:t>The main </a:t>
-            </a:r>
-            <a:r>
-              <a:rPr lang="en-US" dirty="0">
-                <a:solidFill>
-                  <a:schemeClr val="tx1"/>
-                </a:solidFill>
-              </a:rPr>
-              <a:t>contribution of our work is a </a:t>
-            </a:r>
-            <a:r>
-              <a:rPr lang="en-US" dirty="0" smtClean="0">
-                <a:solidFill>
-                  <a:schemeClr val="tx1"/>
-                </a:solidFill>
-              </a:rPr>
-              <a:t>classification scheme of </a:t>
-            </a:r>
-            <a:r>
-              <a:rPr lang="en-US" dirty="0">
-                <a:solidFill>
-                  <a:schemeClr val="tx1"/>
-                </a:solidFill>
-              </a:rPr>
-              <a:t>existing works fully or partially addressing the problem of integrating data </a:t>
-            </a:r>
-            <a:r>
-              <a:rPr lang="en-US" dirty="0" smtClean="0">
-                <a:solidFill>
-                  <a:schemeClr val="tx1"/>
-                </a:solidFill>
-              </a:rPr>
-              <a:t>in multi-cloud </a:t>
-            </a:r>
-            <a:r>
-              <a:rPr lang="en-US" dirty="0">
-                <a:solidFill>
-                  <a:schemeClr val="tx1"/>
-                </a:solidFill>
-              </a:rPr>
-              <a:t>environments taking into consideration an extended form of SLA</a:t>
-            </a:r>
-            <a:r>
-              <a:rPr lang="en-US" dirty="0" smtClean="0">
-                <a:solidFill>
-                  <a:schemeClr val="tx1"/>
-                </a:solidFill>
-              </a:rPr>
-              <a:t>.</a:t>
-            </a:r>
-          </a:p>
-          <a:p>
-            <a:pPr algn="just"/>
+                <a:latin typeface="+mj-lt"/>
+              </a:rPr>
+              <a:t>Requirements and Query</a:t>
+            </a:r>
             <a:endParaRPr lang="en-US" dirty="0">
               <a:solidFill>
                 <a:schemeClr val="tx1"/>
               </a:solidFill>
+              <a:latin typeface="+mj-lt"/>
             </a:endParaRPr>
           </a:p>
-          <a:p>
-            <a:pPr algn="just"/>
-            <a:r>
-              <a:rPr lang="en-US" dirty="0">
-                <a:solidFill>
-                  <a:schemeClr val="tx1"/>
-                </a:solidFill>
-              </a:rPr>
-              <a:t>The </a:t>
-            </a:r>
+        </p:txBody>
+      </p:sp>
+      <p:cxnSp>
+        <p:nvCxnSpPr>
+          <p:cNvPr id="48" name="Connecteur droit avec flèche 47"/>
+          <p:cNvCxnSpPr/>
+          <p:nvPr/>
+        </p:nvCxnSpPr>
+        <p:spPr>
+          <a:xfrm flipH="1" flipV="1">
+            <a:off x="3348111" y="2325858"/>
+            <a:ext cx="1374414" cy="501753"/>
+          </a:xfrm>
+          <a:prstGeom prst="straightConnector1">
+            <a:avLst/>
+          </a:prstGeom>
+          <a:ln>
+            <a:prstDash val="dashDot"/>
+            <a:tailEnd type="arrow"/>
+          </a:ln>
+        </p:spPr>
+        <p:style>
+          <a:lnRef idx="1">
+            <a:schemeClr val="accent1"/>
+          </a:lnRef>
+          <a:fillRef idx="0">
+            <a:schemeClr val="accent1"/>
+          </a:fillRef>
+          <a:effectRef idx="0">
+            <a:schemeClr val="accent1"/>
+          </a:effectRef>
+          <a:fontRef idx="minor">
+            <a:schemeClr val="tx1"/>
+          </a:fontRef>
+        </p:style>
+      </p:cxnSp>
+      <p:cxnSp>
+        <p:nvCxnSpPr>
+          <p:cNvPr id="51" name="Connecteur droit avec flèche 50"/>
+          <p:cNvCxnSpPr/>
+          <p:nvPr/>
+        </p:nvCxnSpPr>
+        <p:spPr>
+          <a:xfrm flipH="1" flipV="1">
+            <a:off x="3249637" y="2405579"/>
+            <a:ext cx="2257636" cy="937856"/>
+          </a:xfrm>
+          <a:prstGeom prst="straightConnector1">
+            <a:avLst/>
+          </a:prstGeom>
+          <a:ln>
+            <a:prstDash val="dashDot"/>
+            <a:tailEnd type="arrow"/>
+          </a:ln>
+        </p:spPr>
+        <p:style>
+          <a:lnRef idx="1">
+            <a:schemeClr val="accent1"/>
+          </a:lnRef>
+          <a:fillRef idx="0">
+            <a:schemeClr val="accent1"/>
+          </a:fillRef>
+          <a:effectRef idx="0">
+            <a:schemeClr val="accent1"/>
+          </a:effectRef>
+          <a:fontRef idx="minor">
+            <a:schemeClr val="tx1"/>
+          </a:fontRef>
+        </p:style>
+      </p:cxnSp>
+      <p:cxnSp>
+        <p:nvCxnSpPr>
+          <p:cNvPr id="53" name="Connecteur droit avec flèche 52"/>
+          <p:cNvCxnSpPr/>
+          <p:nvPr/>
+        </p:nvCxnSpPr>
+        <p:spPr>
+          <a:xfrm flipH="1" flipV="1">
+            <a:off x="3249637" y="2529839"/>
+            <a:ext cx="2037470" cy="2345901"/>
+          </a:xfrm>
+          <a:prstGeom prst="straightConnector1">
+            <a:avLst/>
+          </a:prstGeom>
+          <a:ln>
+            <a:prstDash val="dashDot"/>
+            <a:tailEnd type="arrow"/>
+          </a:ln>
+        </p:spPr>
+        <p:style>
+          <a:lnRef idx="1">
+            <a:schemeClr val="accent1"/>
+          </a:lnRef>
+          <a:fillRef idx="0">
+            <a:schemeClr val="accent1"/>
+          </a:fillRef>
+          <a:effectRef idx="0">
+            <a:schemeClr val="accent1"/>
+          </a:effectRef>
+          <a:fontRef idx="minor">
+            <a:schemeClr val="tx1"/>
+          </a:fontRef>
+        </p:style>
+      </p:cxnSp>
+      <p:sp>
+        <p:nvSpPr>
+          <p:cNvPr id="54" name="Rectangle à coins arrondis 53"/>
+          <p:cNvSpPr/>
+          <p:nvPr/>
+        </p:nvSpPr>
+        <p:spPr>
+          <a:xfrm>
+            <a:off x="2110732" y="2082020"/>
+            <a:ext cx="1082637" cy="482985"/>
+          </a:xfrm>
+          <a:prstGeom prst="roundRect">
+            <a:avLst/>
+          </a:prstGeom>
+          <a:solidFill>
+            <a:schemeClr val="bg1"/>
+          </a:solidFill>
+        </p:spPr>
+        <p:style>
+          <a:lnRef idx="2">
+            <a:schemeClr val="accent1">
+              <a:shade val="50000"/>
+            </a:schemeClr>
+          </a:lnRef>
+          <a:fillRef idx="1">
+            <a:schemeClr val="accent1"/>
+          </a:fillRef>
+          <a:effectRef idx="0">
+            <a:schemeClr val="accent1"/>
+          </a:effectRef>
+          <a:fontRef idx="minor">
+            <a:schemeClr val="lt1"/>
+          </a:fontRef>
+        </p:style>
+        <p:txBody>
+          <a:bodyPr rtlCol="0" anchor="ctr"/>
+          <a:lstStyle/>
+          <a:p>
+            <a:pPr algn="ctr"/>
             <a:r>
               <a:rPr lang="en-US" dirty="0" smtClean="0">
                 <a:solidFill>
                   <a:schemeClr val="tx1"/>
                 </a:solidFill>
-              </a:rPr>
-              <a:t>classification </a:t>
-            </a:r>
-            <a:r>
-              <a:rPr lang="en-US" dirty="0">
-                <a:solidFill>
-                  <a:schemeClr val="tx1"/>
-                </a:solidFill>
-              </a:rPr>
-              <a:t>scheme results from applying the methodology </a:t>
-            </a:r>
-            <a:r>
-              <a:rPr lang="en-US" dirty="0" smtClean="0">
-                <a:solidFill>
-                  <a:schemeClr val="tx1"/>
-                </a:solidFill>
-              </a:rPr>
-              <a:t>defined </a:t>
-            </a:r>
-            <a:r>
-              <a:rPr lang="en-US" dirty="0">
-                <a:solidFill>
-                  <a:schemeClr val="tx1"/>
-                </a:solidFill>
-              </a:rPr>
-              <a:t>in [3</a:t>
-            </a:r>
-            <a:r>
-              <a:rPr lang="en-US" dirty="0" smtClean="0">
-                <a:solidFill>
-                  <a:schemeClr val="tx1"/>
-                </a:solidFill>
-              </a:rPr>
-              <a:t>]:</a:t>
-            </a:r>
-          </a:p>
-          <a:p>
-            <a:pPr marL="457200" lvl="1" indent="0" algn="just">
-              <a:buNone/>
-            </a:pPr>
-            <a:endParaRPr lang="en-US" dirty="0" smtClean="0">
-              <a:solidFill>
-                <a:srgbClr val="000000"/>
-              </a:solidFill>
-            </a:endParaRPr>
-          </a:p>
-          <a:p>
-            <a:pPr lvl="1" algn="just"/>
-            <a:r>
-              <a:rPr lang="en-US" dirty="0" smtClean="0">
-                <a:solidFill>
-                  <a:srgbClr val="000000"/>
-                </a:solidFill>
-              </a:rPr>
-              <a:t>Definition of the research questions (Scope)</a:t>
-            </a:r>
-          </a:p>
-          <a:p>
-            <a:pPr lvl="1" algn="just"/>
-            <a:endParaRPr lang="en-US" dirty="0" smtClean="0">
-              <a:solidFill>
-                <a:srgbClr val="000000"/>
-              </a:solidFill>
-            </a:endParaRPr>
-          </a:p>
-          <a:p>
-            <a:pPr lvl="1" algn="just"/>
-            <a:r>
-              <a:rPr lang="en-US" dirty="0" smtClean="0">
-                <a:solidFill>
-                  <a:srgbClr val="000000"/>
-                </a:solidFill>
-              </a:rPr>
-              <a:t>Retrieving candidate papers</a:t>
-            </a:r>
-          </a:p>
-          <a:p>
-            <a:pPr lvl="1" algn="just"/>
-            <a:endParaRPr lang="en-US" dirty="0" smtClean="0">
-              <a:solidFill>
-                <a:srgbClr val="000000"/>
-              </a:solidFill>
-            </a:endParaRPr>
-          </a:p>
-          <a:p>
-            <a:pPr lvl="1" algn="just"/>
-            <a:r>
-              <a:rPr lang="en-US" dirty="0" smtClean="0">
-                <a:solidFill>
-                  <a:srgbClr val="000000"/>
-                </a:solidFill>
-              </a:rPr>
-              <a:t>Selecting relevant papers using an inclusion and exclusion criteria</a:t>
-            </a:r>
-          </a:p>
-          <a:p>
-            <a:pPr lvl="1" algn="just"/>
-            <a:endParaRPr lang="en-US" dirty="0" smtClean="0">
-              <a:solidFill>
-                <a:srgbClr val="000000"/>
-              </a:solidFill>
-            </a:endParaRPr>
-          </a:p>
-          <a:p>
-            <a:pPr lvl="1" algn="just"/>
-            <a:r>
-              <a:rPr lang="en-US" dirty="0" smtClean="0">
-                <a:solidFill>
-                  <a:srgbClr val="000000"/>
-                </a:solidFill>
-              </a:rPr>
-              <a:t>Defining the classification scheme</a:t>
-            </a:r>
-          </a:p>
-          <a:p>
-            <a:pPr lvl="1" algn="just"/>
-            <a:endParaRPr lang="en-US" dirty="0" smtClean="0">
-              <a:solidFill>
-                <a:srgbClr val="000000"/>
-              </a:solidFill>
-            </a:endParaRPr>
-          </a:p>
-          <a:p>
-            <a:pPr lvl="1" algn="just"/>
-            <a:r>
-              <a:rPr lang="en-US" dirty="0" smtClean="0">
-                <a:solidFill>
-                  <a:srgbClr val="000000"/>
-                </a:solidFill>
-              </a:rPr>
-              <a:t>Producing the mapping by sorting papers in the scheme</a:t>
-            </a:r>
-          </a:p>
-          <a:p>
-            <a:pPr lvl="1" algn="just"/>
+                <a:latin typeface="+mj-lt"/>
+              </a:rPr>
+              <a:t>Result</a:t>
+            </a:r>
             <a:endParaRPr lang="en-US" dirty="0">
               <a:solidFill>
-                <a:srgbClr val="000000"/>
+                <a:schemeClr val="tx1"/>
               </a:solidFill>
+              <a:latin typeface="+mj-lt"/>
             </a:endParaRPr>
           </a:p>
         </p:txBody>
       </p:sp>
+      <p:sp>
+        <p:nvSpPr>
+          <p:cNvPr id="59" name="Rectangle 58"/>
+          <p:cNvSpPr/>
+          <p:nvPr/>
+        </p:nvSpPr>
+        <p:spPr>
+          <a:xfrm>
+            <a:off x="6635291" y="1931968"/>
+            <a:ext cx="2325829" cy="1048209"/>
+          </a:xfrm>
+          <a:prstGeom prst="rect">
+            <a:avLst/>
+          </a:prstGeom>
+          <a:solidFill>
+            <a:srgbClr val="FFFF00"/>
+          </a:solidFill>
+          <a:ln>
+            <a:solidFill>
+              <a:schemeClr val="tx1"/>
+            </a:solidFill>
+          </a:ln>
+        </p:spPr>
+        <p:style>
+          <a:lnRef idx="2">
+            <a:schemeClr val="accent1">
+              <a:shade val="50000"/>
+            </a:schemeClr>
+          </a:lnRef>
+          <a:fillRef idx="1">
+            <a:schemeClr val="accent1"/>
+          </a:fillRef>
+          <a:effectRef idx="0">
+            <a:schemeClr val="accent1"/>
+          </a:effectRef>
+          <a:fontRef idx="minor">
+            <a:schemeClr val="lt1"/>
+          </a:fontRef>
+        </p:style>
+        <p:txBody>
+          <a:bodyPr rtlCol="0" anchor="ctr"/>
+          <a:lstStyle/>
+          <a:p>
+            <a:pPr algn="just"/>
+            <a:r>
+              <a:rPr lang="en-US" dirty="0" smtClean="0">
+                <a:solidFill>
+                  <a:schemeClr val="tx1"/>
+                </a:solidFill>
+                <a:latin typeface="+mj-lt"/>
+              </a:rPr>
+              <a:t>Different levels of SLAs involved with different structures </a:t>
+            </a:r>
+            <a:endParaRPr lang="en-US" dirty="0">
+              <a:solidFill>
+                <a:schemeClr val="tx1"/>
+              </a:solidFill>
+              <a:latin typeface="+mj-lt"/>
+            </a:endParaRPr>
+          </a:p>
+        </p:txBody>
+      </p:sp>
+      <p:sp>
+        <p:nvSpPr>
+          <p:cNvPr id="60" name="Rectangle 59"/>
+          <p:cNvSpPr/>
+          <p:nvPr/>
+        </p:nvSpPr>
+        <p:spPr>
+          <a:xfrm>
+            <a:off x="5287107" y="4027736"/>
+            <a:ext cx="3402008" cy="779028"/>
+          </a:xfrm>
+          <a:prstGeom prst="rect">
+            <a:avLst/>
+          </a:prstGeom>
+          <a:solidFill>
+            <a:srgbClr val="FFFF00"/>
+          </a:solidFill>
+          <a:ln>
+            <a:solidFill>
+              <a:schemeClr val="tx1"/>
+            </a:solidFill>
+          </a:ln>
+        </p:spPr>
+        <p:style>
+          <a:lnRef idx="2">
+            <a:schemeClr val="accent1">
+              <a:shade val="50000"/>
+            </a:schemeClr>
+          </a:lnRef>
+          <a:fillRef idx="1">
+            <a:schemeClr val="accent1"/>
+          </a:fillRef>
+          <a:effectRef idx="0">
+            <a:schemeClr val="accent1"/>
+          </a:effectRef>
+          <a:fontRef idx="minor">
+            <a:schemeClr val="lt1"/>
+          </a:fontRef>
+        </p:style>
+        <p:txBody>
+          <a:bodyPr rtlCol="0" anchor="ctr"/>
+          <a:lstStyle/>
+          <a:p>
+            <a:pPr algn="just"/>
+            <a:r>
+              <a:rPr lang="en-US" dirty="0" smtClean="0">
+                <a:solidFill>
+                  <a:schemeClr val="tx1"/>
+                </a:solidFill>
+                <a:latin typeface="+mj-lt"/>
+              </a:rPr>
+              <a:t>Different database schemas and models</a:t>
+            </a:r>
+            <a:endParaRPr lang="en-US" dirty="0">
+              <a:solidFill>
+                <a:schemeClr val="tx1"/>
+              </a:solidFill>
+              <a:latin typeface="+mj-lt"/>
+            </a:endParaRPr>
+          </a:p>
+        </p:txBody>
+      </p:sp>
+      <p:sp>
+        <p:nvSpPr>
+          <p:cNvPr id="61" name="Rectangle 60"/>
+          <p:cNvSpPr/>
+          <p:nvPr/>
+        </p:nvSpPr>
+        <p:spPr>
+          <a:xfrm>
+            <a:off x="590835" y="5134767"/>
+            <a:ext cx="3884194" cy="872137"/>
+          </a:xfrm>
+          <a:prstGeom prst="rect">
+            <a:avLst/>
+          </a:prstGeom>
+          <a:solidFill>
+            <a:srgbClr val="FFFF00"/>
+          </a:solidFill>
+          <a:ln>
+            <a:solidFill>
+              <a:schemeClr val="tx1"/>
+            </a:solidFill>
+          </a:ln>
+        </p:spPr>
+        <p:style>
+          <a:lnRef idx="2">
+            <a:schemeClr val="accent1">
+              <a:shade val="50000"/>
+            </a:schemeClr>
+          </a:lnRef>
+          <a:fillRef idx="1">
+            <a:schemeClr val="accent1"/>
+          </a:fillRef>
+          <a:effectRef idx="0">
+            <a:schemeClr val="accent1"/>
+          </a:effectRef>
+          <a:fontRef idx="minor">
+            <a:schemeClr val="lt1"/>
+          </a:fontRef>
+        </p:style>
+        <p:txBody>
+          <a:bodyPr rtlCol="0" anchor="ctr"/>
+          <a:lstStyle/>
+          <a:p>
+            <a:pPr algn="just"/>
+            <a:r>
+              <a:rPr lang="en-US" dirty="0" smtClean="0">
+                <a:solidFill>
+                  <a:schemeClr val="tx1"/>
+                </a:solidFill>
+                <a:latin typeface="+mj-lt"/>
+              </a:rPr>
+              <a:t>The user preferences must be guaranteed in the integration process</a:t>
+            </a:r>
+            <a:endParaRPr lang="en-US" dirty="0">
+              <a:solidFill>
+                <a:schemeClr val="tx1"/>
+              </a:solidFill>
+              <a:latin typeface="+mj-lt"/>
+            </a:endParaRPr>
+          </a:p>
+        </p:txBody>
+      </p:sp>
+      <p:sp>
+        <p:nvSpPr>
+          <p:cNvPr id="62" name="Rectangle à coins arrondis 61"/>
+          <p:cNvSpPr/>
+          <p:nvPr/>
+        </p:nvSpPr>
+        <p:spPr>
+          <a:xfrm>
+            <a:off x="2167000" y="3423156"/>
+            <a:ext cx="1279585" cy="482985"/>
+          </a:xfrm>
+          <a:prstGeom prst="roundRect">
+            <a:avLst/>
+          </a:prstGeom>
+          <a:solidFill>
+            <a:schemeClr val="bg1"/>
+          </a:solidFill>
+        </p:spPr>
+        <p:style>
+          <a:lnRef idx="2">
+            <a:schemeClr val="accent1">
+              <a:shade val="50000"/>
+            </a:schemeClr>
+          </a:lnRef>
+          <a:fillRef idx="1">
+            <a:schemeClr val="accent1"/>
+          </a:fillRef>
+          <a:effectRef idx="0">
+            <a:schemeClr val="accent1"/>
+          </a:effectRef>
+          <a:fontRef idx="minor">
+            <a:schemeClr val="lt1"/>
+          </a:fontRef>
+        </p:style>
+        <p:txBody>
+          <a:bodyPr rtlCol="0" anchor="ctr"/>
+          <a:lstStyle/>
+          <a:p>
+            <a:pPr algn="ctr"/>
+            <a:r>
+              <a:rPr lang="en-US" dirty="0" smtClean="0">
+                <a:solidFill>
+                  <a:schemeClr val="tx1"/>
+                </a:solidFill>
+                <a:latin typeface="+mj-lt"/>
+              </a:rPr>
+              <a:t>Query rewriting</a:t>
+            </a:r>
+            <a:endParaRPr lang="en-US" dirty="0">
+              <a:solidFill>
+                <a:schemeClr val="tx1"/>
+              </a:solidFill>
+              <a:latin typeface="+mj-lt"/>
+            </a:endParaRPr>
+          </a:p>
+        </p:txBody>
+      </p:sp>
+      <p:cxnSp>
+        <p:nvCxnSpPr>
+          <p:cNvPr id="64" name="Connecteur droit avec flèche 63"/>
+          <p:cNvCxnSpPr>
+            <a:endCxn id="62" idx="1"/>
+          </p:cNvCxnSpPr>
+          <p:nvPr/>
+        </p:nvCxnSpPr>
+        <p:spPr>
+          <a:xfrm>
+            <a:off x="1793914" y="3664648"/>
+            <a:ext cx="373086" cy="1"/>
+          </a:xfrm>
+          <a:prstGeom prst="straightConnector1">
+            <a:avLst/>
+          </a:prstGeom>
+          <a:ln>
+            <a:tailEnd type="arrow"/>
+          </a:ln>
+        </p:spPr>
+        <p:style>
+          <a:lnRef idx="1">
+            <a:schemeClr val="accent1"/>
+          </a:lnRef>
+          <a:fillRef idx="0">
+            <a:schemeClr val="accent1"/>
+          </a:fillRef>
+          <a:effectRef idx="0">
+            <a:schemeClr val="accent1"/>
+          </a:effectRef>
+          <a:fontRef idx="minor">
+            <a:schemeClr val="tx1"/>
+          </a:fontRef>
+        </p:style>
+      </p:cxnSp>
+      <p:cxnSp>
+        <p:nvCxnSpPr>
+          <p:cNvPr id="66" name="Connecteur droit avec flèche 65"/>
+          <p:cNvCxnSpPr/>
+          <p:nvPr/>
+        </p:nvCxnSpPr>
+        <p:spPr>
+          <a:xfrm flipV="1">
+            <a:off x="3446585" y="2827611"/>
+            <a:ext cx="1331500" cy="822970"/>
+          </a:xfrm>
+          <a:prstGeom prst="straightConnector1">
+            <a:avLst/>
+          </a:prstGeom>
+          <a:ln>
+            <a:tailEnd type="arrow"/>
+          </a:ln>
+        </p:spPr>
+        <p:style>
+          <a:lnRef idx="1">
+            <a:schemeClr val="accent1"/>
+          </a:lnRef>
+          <a:fillRef idx="0">
+            <a:schemeClr val="accent1"/>
+          </a:fillRef>
+          <a:effectRef idx="0">
+            <a:schemeClr val="accent1"/>
+          </a:effectRef>
+          <a:fontRef idx="minor">
+            <a:schemeClr val="tx1"/>
+          </a:fontRef>
+        </p:style>
+      </p:cxnSp>
+      <p:cxnSp>
+        <p:nvCxnSpPr>
+          <p:cNvPr id="68" name="Connecteur droit avec flèche 67"/>
+          <p:cNvCxnSpPr>
+            <a:stCxn id="62" idx="3"/>
+          </p:cNvCxnSpPr>
+          <p:nvPr/>
+        </p:nvCxnSpPr>
+        <p:spPr>
+          <a:xfrm flipV="1">
+            <a:off x="3446585" y="3423156"/>
+            <a:ext cx="2166427" cy="241493"/>
+          </a:xfrm>
+          <a:prstGeom prst="straightConnector1">
+            <a:avLst/>
+          </a:prstGeom>
+          <a:ln>
+            <a:tailEnd type="arrow"/>
+          </a:ln>
+        </p:spPr>
+        <p:style>
+          <a:lnRef idx="1">
+            <a:schemeClr val="accent1"/>
+          </a:lnRef>
+          <a:fillRef idx="0">
+            <a:schemeClr val="accent1"/>
+          </a:fillRef>
+          <a:effectRef idx="0">
+            <a:schemeClr val="accent1"/>
+          </a:effectRef>
+          <a:fontRef idx="minor">
+            <a:schemeClr val="tx1"/>
+          </a:fontRef>
+        </p:style>
+      </p:cxnSp>
+      <p:cxnSp>
+        <p:nvCxnSpPr>
+          <p:cNvPr id="71" name="Connecteur droit avec flèche 70"/>
+          <p:cNvCxnSpPr>
+            <a:stCxn id="62" idx="3"/>
+          </p:cNvCxnSpPr>
+          <p:nvPr/>
+        </p:nvCxnSpPr>
+        <p:spPr>
+          <a:xfrm>
+            <a:off x="3446585" y="3664649"/>
+            <a:ext cx="1871005" cy="1315314"/>
+          </a:xfrm>
+          <a:prstGeom prst="straightConnector1">
+            <a:avLst/>
+          </a:prstGeom>
+          <a:ln>
+            <a:tailEnd type="arrow"/>
+          </a:ln>
+        </p:spPr>
+        <p:style>
+          <a:lnRef idx="1">
+            <a:schemeClr val="accent1"/>
+          </a:lnRef>
+          <a:fillRef idx="0">
+            <a:schemeClr val="accent1"/>
+          </a:fillRef>
+          <a:effectRef idx="0">
+            <a:schemeClr val="accent1"/>
+          </a:effectRef>
+          <a:fontRef idx="minor">
+            <a:schemeClr val="tx1"/>
+          </a:fontRef>
+        </p:style>
+      </p:cxnSp>
+      <p:cxnSp>
+        <p:nvCxnSpPr>
+          <p:cNvPr id="78" name="Connecteur en angle 77"/>
+          <p:cNvCxnSpPr>
+            <a:stCxn id="54" idx="1"/>
+            <a:endCxn id="30" idx="0"/>
+          </p:cNvCxnSpPr>
+          <p:nvPr/>
+        </p:nvCxnSpPr>
+        <p:spPr>
+          <a:xfrm rot="10800000" flipV="1">
+            <a:off x="1223872" y="2323513"/>
+            <a:ext cx="886861" cy="656664"/>
+          </a:xfrm>
+          <a:prstGeom prst="bentConnector2">
+            <a:avLst/>
+          </a:prstGeom>
+          <a:ln>
+            <a:tailEnd type="arrow"/>
+          </a:ln>
+        </p:spPr>
+        <p:style>
+          <a:lnRef idx="1">
+            <a:schemeClr val="accent1"/>
+          </a:lnRef>
+          <a:fillRef idx="0">
+            <a:schemeClr val="accent1"/>
+          </a:fillRef>
+          <a:effectRef idx="0">
+            <a:schemeClr val="accent1"/>
+          </a:effectRef>
+          <a:fontRef idx="minor">
+            <a:schemeClr val="tx1"/>
+          </a:fontRef>
+        </p:style>
+      </p:cxnSp>
     </p:spTree>
     <p:extLst>
       <p:ext uri="{BB962C8B-B14F-4D97-AF65-F5344CB8AC3E}">
-        <p14:creationId xmlns:p14="http://schemas.microsoft.com/office/powerpoint/2010/main" val="2945733221"/>
+        <p14:creationId xmlns:p14="http://schemas.microsoft.com/office/powerpoint/2010/main" val="202747500"/>
       </p:ext>
     </p:extLst>
   </p:cSld>
@@ -12558,9 +14051,1031 @@
   <p:timing>
     <p:tnLst>
       <p:par>
-        <p:cTn id="1" dur="indefinite" restart="never" nodeType="tmRoot"/>
+        <p:cTn id="1" dur="indefinite" restart="never" nodeType="tmRoot">
+          <p:childTnLst>
+            <p:seq concurrent="1" nextAc="seek">
+              <p:cTn id="2" dur="indefinite" nodeType="mainSeq">
+                <p:childTnLst>
+                  <p:par>
+                    <p:cTn id="3" fill="hold">
+                      <p:stCondLst>
+                        <p:cond delay="indefinite"/>
+                      </p:stCondLst>
+                      <p:childTnLst>
+                        <p:par>
+                          <p:cTn id="4" fill="hold">
+                            <p:stCondLst>
+                              <p:cond delay="0"/>
+                            </p:stCondLst>
+                            <p:childTnLst>
+                              <p:par>
+                                <p:cTn id="5" presetID="10" presetClass="entr" presetSubtype="0" fill="hold" nodeType="clickEffect">
+                                  <p:stCondLst>
+                                    <p:cond delay="0"/>
+                                  </p:stCondLst>
+                                  <p:childTnLst>
+                                    <p:set>
+                                      <p:cBhvr>
+                                        <p:cTn id="6" dur="1" fill="hold">
+                                          <p:stCondLst>
+                                            <p:cond delay="0"/>
+                                          </p:stCondLst>
+                                        </p:cTn>
+                                        <p:tgtEl>
+                                          <p:spTgt spid="23"/>
+                                        </p:tgtEl>
+                                        <p:attrNameLst>
+                                          <p:attrName>style.visibility</p:attrName>
+                                        </p:attrNameLst>
+                                      </p:cBhvr>
+                                      <p:to>
+                                        <p:strVal val="visible"/>
+                                      </p:to>
+                                    </p:set>
+                                    <p:animEffect transition="in" filter="fade">
+                                      <p:cBhvr>
+                                        <p:cTn id="7" dur="500"/>
+                                        <p:tgtEl>
+                                          <p:spTgt spid="23"/>
+                                        </p:tgtEl>
+                                      </p:cBhvr>
+                                    </p:animEffect>
+                                  </p:childTnLst>
+                                </p:cTn>
+                              </p:par>
+                              <p:par>
+                                <p:cTn id="8" presetID="10" presetClass="entr" presetSubtype="0" fill="hold" nodeType="withEffect">
+                                  <p:stCondLst>
+                                    <p:cond delay="0"/>
+                                  </p:stCondLst>
+                                  <p:childTnLst>
+                                    <p:set>
+                                      <p:cBhvr>
+                                        <p:cTn id="9" dur="1" fill="hold">
+                                          <p:stCondLst>
+                                            <p:cond delay="0"/>
+                                          </p:stCondLst>
+                                        </p:cTn>
+                                        <p:tgtEl>
+                                          <p:spTgt spid="22"/>
+                                        </p:tgtEl>
+                                        <p:attrNameLst>
+                                          <p:attrName>style.visibility</p:attrName>
+                                        </p:attrNameLst>
+                                      </p:cBhvr>
+                                      <p:to>
+                                        <p:strVal val="visible"/>
+                                      </p:to>
+                                    </p:set>
+                                    <p:animEffect transition="in" filter="fade">
+                                      <p:cBhvr>
+                                        <p:cTn id="10" dur="500"/>
+                                        <p:tgtEl>
+                                          <p:spTgt spid="22"/>
+                                        </p:tgtEl>
+                                      </p:cBhvr>
+                                    </p:animEffect>
+                                  </p:childTnLst>
+                                </p:cTn>
+                              </p:par>
+                            </p:childTnLst>
+                          </p:cTn>
+                        </p:par>
+                      </p:childTnLst>
+                    </p:cTn>
+                  </p:par>
+                  <p:par>
+                    <p:cTn id="11" fill="hold">
+                      <p:stCondLst>
+                        <p:cond delay="indefinite"/>
+                      </p:stCondLst>
+                      <p:childTnLst>
+                        <p:par>
+                          <p:cTn id="12" fill="hold">
+                            <p:stCondLst>
+                              <p:cond delay="0"/>
+                            </p:stCondLst>
+                            <p:childTnLst>
+                              <p:par>
+                                <p:cTn id="13" presetID="10" presetClass="entr" presetSubtype="0" fill="hold" grpId="0" nodeType="clickEffect">
+                                  <p:stCondLst>
+                                    <p:cond delay="0"/>
+                                  </p:stCondLst>
+                                  <p:childTnLst>
+                                    <p:set>
+                                      <p:cBhvr>
+                                        <p:cTn id="14" dur="1" fill="hold">
+                                          <p:stCondLst>
+                                            <p:cond delay="0"/>
+                                          </p:stCondLst>
+                                        </p:cTn>
+                                        <p:tgtEl>
+                                          <p:spTgt spid="25"/>
+                                        </p:tgtEl>
+                                        <p:attrNameLst>
+                                          <p:attrName>style.visibility</p:attrName>
+                                        </p:attrNameLst>
+                                      </p:cBhvr>
+                                      <p:to>
+                                        <p:strVal val="visible"/>
+                                      </p:to>
+                                    </p:set>
+                                    <p:animEffect transition="in" filter="fade">
+                                      <p:cBhvr>
+                                        <p:cTn id="15" dur="500"/>
+                                        <p:tgtEl>
+                                          <p:spTgt spid="25"/>
+                                        </p:tgtEl>
+                                      </p:cBhvr>
+                                    </p:animEffect>
+                                  </p:childTnLst>
+                                </p:cTn>
+                              </p:par>
+                              <p:par>
+                                <p:cTn id="16" presetID="10" presetClass="entr" presetSubtype="0" fill="hold" grpId="0" nodeType="withEffect">
+                                  <p:stCondLst>
+                                    <p:cond delay="0"/>
+                                  </p:stCondLst>
+                                  <p:childTnLst>
+                                    <p:set>
+                                      <p:cBhvr>
+                                        <p:cTn id="17" dur="1" fill="hold">
+                                          <p:stCondLst>
+                                            <p:cond delay="0"/>
+                                          </p:stCondLst>
+                                        </p:cTn>
+                                        <p:tgtEl>
+                                          <p:spTgt spid="26"/>
+                                        </p:tgtEl>
+                                        <p:attrNameLst>
+                                          <p:attrName>style.visibility</p:attrName>
+                                        </p:attrNameLst>
+                                      </p:cBhvr>
+                                      <p:to>
+                                        <p:strVal val="visible"/>
+                                      </p:to>
+                                    </p:set>
+                                    <p:animEffect transition="in" filter="fade">
+                                      <p:cBhvr>
+                                        <p:cTn id="18" dur="500"/>
+                                        <p:tgtEl>
+                                          <p:spTgt spid="26"/>
+                                        </p:tgtEl>
+                                      </p:cBhvr>
+                                    </p:animEffect>
+                                  </p:childTnLst>
+                                </p:cTn>
+                              </p:par>
+                              <p:par>
+                                <p:cTn id="19" presetID="10" presetClass="entr" presetSubtype="0" fill="hold" grpId="0" nodeType="withEffect">
+                                  <p:stCondLst>
+                                    <p:cond delay="0"/>
+                                  </p:stCondLst>
+                                  <p:childTnLst>
+                                    <p:set>
+                                      <p:cBhvr>
+                                        <p:cTn id="20" dur="1" fill="hold">
+                                          <p:stCondLst>
+                                            <p:cond delay="0"/>
+                                          </p:stCondLst>
+                                        </p:cTn>
+                                        <p:tgtEl>
+                                          <p:spTgt spid="27"/>
+                                        </p:tgtEl>
+                                        <p:attrNameLst>
+                                          <p:attrName>style.visibility</p:attrName>
+                                        </p:attrNameLst>
+                                      </p:cBhvr>
+                                      <p:to>
+                                        <p:strVal val="visible"/>
+                                      </p:to>
+                                    </p:set>
+                                    <p:animEffect transition="in" filter="fade">
+                                      <p:cBhvr>
+                                        <p:cTn id="21" dur="500"/>
+                                        <p:tgtEl>
+                                          <p:spTgt spid="27"/>
+                                        </p:tgtEl>
+                                      </p:cBhvr>
+                                    </p:animEffect>
+                                  </p:childTnLst>
+                                </p:cTn>
+                              </p:par>
+                            </p:childTnLst>
+                          </p:cTn>
+                        </p:par>
+                      </p:childTnLst>
+                    </p:cTn>
+                  </p:par>
+                  <p:par>
+                    <p:cTn id="22" fill="hold">
+                      <p:stCondLst>
+                        <p:cond delay="indefinite"/>
+                      </p:stCondLst>
+                      <p:childTnLst>
+                        <p:par>
+                          <p:cTn id="23" fill="hold">
+                            <p:stCondLst>
+                              <p:cond delay="0"/>
+                            </p:stCondLst>
+                            <p:childTnLst>
+                              <p:par>
+                                <p:cTn id="24" presetID="10" presetClass="entr" presetSubtype="0" fill="hold" grpId="0" nodeType="clickEffect">
+                                  <p:stCondLst>
+                                    <p:cond delay="0"/>
+                                  </p:stCondLst>
+                                  <p:childTnLst>
+                                    <p:set>
+                                      <p:cBhvr>
+                                        <p:cTn id="25" dur="1" fill="hold">
+                                          <p:stCondLst>
+                                            <p:cond delay="0"/>
+                                          </p:stCondLst>
+                                        </p:cTn>
+                                        <p:tgtEl>
+                                          <p:spTgt spid="24"/>
+                                        </p:tgtEl>
+                                        <p:attrNameLst>
+                                          <p:attrName>style.visibility</p:attrName>
+                                        </p:attrNameLst>
+                                      </p:cBhvr>
+                                      <p:to>
+                                        <p:strVal val="visible"/>
+                                      </p:to>
+                                    </p:set>
+                                    <p:animEffect transition="in" filter="fade">
+                                      <p:cBhvr>
+                                        <p:cTn id="26" dur="500"/>
+                                        <p:tgtEl>
+                                          <p:spTgt spid="24"/>
+                                        </p:tgtEl>
+                                      </p:cBhvr>
+                                    </p:animEffect>
+                                  </p:childTnLst>
+                                </p:cTn>
+                              </p:par>
+                              <p:par>
+                                <p:cTn id="27" presetID="10" presetClass="entr" presetSubtype="0" fill="hold" grpId="0" nodeType="withEffect">
+                                  <p:stCondLst>
+                                    <p:cond delay="0"/>
+                                  </p:stCondLst>
+                                  <p:childTnLst>
+                                    <p:set>
+                                      <p:cBhvr>
+                                        <p:cTn id="28" dur="1" fill="hold">
+                                          <p:stCondLst>
+                                            <p:cond delay="0"/>
+                                          </p:stCondLst>
+                                        </p:cTn>
+                                        <p:tgtEl>
+                                          <p:spTgt spid="28"/>
+                                        </p:tgtEl>
+                                        <p:attrNameLst>
+                                          <p:attrName>style.visibility</p:attrName>
+                                        </p:attrNameLst>
+                                      </p:cBhvr>
+                                      <p:to>
+                                        <p:strVal val="visible"/>
+                                      </p:to>
+                                    </p:set>
+                                    <p:animEffect transition="in" filter="fade">
+                                      <p:cBhvr>
+                                        <p:cTn id="29" dur="500"/>
+                                        <p:tgtEl>
+                                          <p:spTgt spid="28"/>
+                                        </p:tgtEl>
+                                      </p:cBhvr>
+                                    </p:animEffect>
+                                  </p:childTnLst>
+                                </p:cTn>
+                              </p:par>
+                              <p:par>
+                                <p:cTn id="30" presetID="10" presetClass="entr" presetSubtype="0" fill="hold" grpId="0" nodeType="withEffect">
+                                  <p:stCondLst>
+                                    <p:cond delay="0"/>
+                                  </p:stCondLst>
+                                  <p:childTnLst>
+                                    <p:set>
+                                      <p:cBhvr>
+                                        <p:cTn id="31" dur="1" fill="hold">
+                                          <p:stCondLst>
+                                            <p:cond delay="0"/>
+                                          </p:stCondLst>
+                                        </p:cTn>
+                                        <p:tgtEl>
+                                          <p:spTgt spid="29"/>
+                                        </p:tgtEl>
+                                        <p:attrNameLst>
+                                          <p:attrName>style.visibility</p:attrName>
+                                        </p:attrNameLst>
+                                      </p:cBhvr>
+                                      <p:to>
+                                        <p:strVal val="visible"/>
+                                      </p:to>
+                                    </p:set>
+                                    <p:animEffect transition="in" filter="fade">
+                                      <p:cBhvr>
+                                        <p:cTn id="32" dur="500"/>
+                                        <p:tgtEl>
+                                          <p:spTgt spid="29"/>
+                                        </p:tgtEl>
+                                      </p:cBhvr>
+                                    </p:animEffect>
+                                  </p:childTnLst>
+                                </p:cTn>
+                              </p:par>
+                            </p:childTnLst>
+                          </p:cTn>
+                        </p:par>
+                      </p:childTnLst>
+                    </p:cTn>
+                  </p:par>
+                  <p:par>
+                    <p:cTn id="33" fill="hold">
+                      <p:stCondLst>
+                        <p:cond delay="indefinite"/>
+                      </p:stCondLst>
+                      <p:childTnLst>
+                        <p:par>
+                          <p:cTn id="34" fill="hold">
+                            <p:stCondLst>
+                              <p:cond delay="0"/>
+                            </p:stCondLst>
+                            <p:childTnLst>
+                              <p:par>
+                                <p:cTn id="35" presetID="10" presetClass="entr" presetSubtype="0" fill="hold" nodeType="clickEffect">
+                                  <p:stCondLst>
+                                    <p:cond delay="0"/>
+                                  </p:stCondLst>
+                                  <p:childTnLst>
+                                    <p:set>
+                                      <p:cBhvr>
+                                        <p:cTn id="36" dur="1" fill="hold">
+                                          <p:stCondLst>
+                                            <p:cond delay="0"/>
+                                          </p:stCondLst>
+                                        </p:cTn>
+                                        <p:tgtEl>
+                                          <p:spTgt spid="30"/>
+                                        </p:tgtEl>
+                                        <p:attrNameLst>
+                                          <p:attrName>style.visibility</p:attrName>
+                                        </p:attrNameLst>
+                                      </p:cBhvr>
+                                      <p:to>
+                                        <p:strVal val="visible"/>
+                                      </p:to>
+                                    </p:set>
+                                    <p:animEffect transition="in" filter="fade">
+                                      <p:cBhvr>
+                                        <p:cTn id="37" dur="500"/>
+                                        <p:tgtEl>
+                                          <p:spTgt spid="30"/>
+                                        </p:tgtEl>
+                                      </p:cBhvr>
+                                    </p:animEffect>
+                                  </p:childTnLst>
+                                </p:cTn>
+                              </p:par>
+                              <p:par>
+                                <p:cTn id="38" presetID="10" presetClass="entr" presetSubtype="0" fill="hold" grpId="0" nodeType="withEffect">
+                                  <p:stCondLst>
+                                    <p:cond delay="0"/>
+                                  </p:stCondLst>
+                                  <p:childTnLst>
+                                    <p:set>
+                                      <p:cBhvr>
+                                        <p:cTn id="39" dur="1" fill="hold">
+                                          <p:stCondLst>
+                                            <p:cond delay="0"/>
+                                          </p:stCondLst>
+                                        </p:cTn>
+                                        <p:tgtEl>
+                                          <p:spTgt spid="31"/>
+                                        </p:tgtEl>
+                                        <p:attrNameLst>
+                                          <p:attrName>style.visibility</p:attrName>
+                                        </p:attrNameLst>
+                                      </p:cBhvr>
+                                      <p:to>
+                                        <p:strVal val="visible"/>
+                                      </p:to>
+                                    </p:set>
+                                    <p:animEffect transition="in" filter="fade">
+                                      <p:cBhvr>
+                                        <p:cTn id="40" dur="500"/>
+                                        <p:tgtEl>
+                                          <p:spTgt spid="31"/>
+                                        </p:tgtEl>
+                                      </p:cBhvr>
+                                    </p:animEffect>
+                                  </p:childTnLst>
+                                </p:cTn>
+                              </p:par>
+                            </p:childTnLst>
+                          </p:cTn>
+                        </p:par>
+                      </p:childTnLst>
+                    </p:cTn>
+                  </p:par>
+                  <p:par>
+                    <p:cTn id="41" fill="hold">
+                      <p:stCondLst>
+                        <p:cond delay="indefinite"/>
+                      </p:stCondLst>
+                      <p:childTnLst>
+                        <p:par>
+                          <p:cTn id="42" fill="hold">
+                            <p:stCondLst>
+                              <p:cond delay="0"/>
+                            </p:stCondLst>
+                            <p:childTnLst>
+                              <p:par>
+                                <p:cTn id="43" presetID="10" presetClass="entr" presetSubtype="0" fill="hold" nodeType="clickEffect">
+                                  <p:stCondLst>
+                                    <p:cond delay="0"/>
+                                  </p:stCondLst>
+                                  <p:childTnLst>
+                                    <p:set>
+                                      <p:cBhvr>
+                                        <p:cTn id="44" dur="1" fill="hold">
+                                          <p:stCondLst>
+                                            <p:cond delay="0"/>
+                                          </p:stCondLst>
+                                        </p:cTn>
+                                        <p:tgtEl>
+                                          <p:spTgt spid="64"/>
+                                        </p:tgtEl>
+                                        <p:attrNameLst>
+                                          <p:attrName>style.visibility</p:attrName>
+                                        </p:attrNameLst>
+                                      </p:cBhvr>
+                                      <p:to>
+                                        <p:strVal val="visible"/>
+                                      </p:to>
+                                    </p:set>
+                                    <p:animEffect transition="in" filter="fade">
+                                      <p:cBhvr>
+                                        <p:cTn id="45" dur="500"/>
+                                        <p:tgtEl>
+                                          <p:spTgt spid="64"/>
+                                        </p:tgtEl>
+                                      </p:cBhvr>
+                                    </p:animEffect>
+                                  </p:childTnLst>
+                                </p:cTn>
+                              </p:par>
+                              <p:par>
+                                <p:cTn id="46" presetID="10" presetClass="entr" presetSubtype="0" fill="hold" grpId="0" nodeType="withEffect">
+                                  <p:stCondLst>
+                                    <p:cond delay="0"/>
+                                  </p:stCondLst>
+                                  <p:childTnLst>
+                                    <p:set>
+                                      <p:cBhvr>
+                                        <p:cTn id="47" dur="1" fill="hold">
+                                          <p:stCondLst>
+                                            <p:cond delay="0"/>
+                                          </p:stCondLst>
+                                        </p:cTn>
+                                        <p:tgtEl>
+                                          <p:spTgt spid="62"/>
+                                        </p:tgtEl>
+                                        <p:attrNameLst>
+                                          <p:attrName>style.visibility</p:attrName>
+                                        </p:attrNameLst>
+                                      </p:cBhvr>
+                                      <p:to>
+                                        <p:strVal val="visible"/>
+                                      </p:to>
+                                    </p:set>
+                                    <p:animEffect transition="in" filter="fade">
+                                      <p:cBhvr>
+                                        <p:cTn id="48" dur="500"/>
+                                        <p:tgtEl>
+                                          <p:spTgt spid="62"/>
+                                        </p:tgtEl>
+                                      </p:cBhvr>
+                                    </p:animEffect>
+                                  </p:childTnLst>
+                                </p:cTn>
+                              </p:par>
+                            </p:childTnLst>
+                          </p:cTn>
+                        </p:par>
+                      </p:childTnLst>
+                    </p:cTn>
+                  </p:par>
+                  <p:par>
+                    <p:cTn id="49" fill="hold">
+                      <p:stCondLst>
+                        <p:cond delay="indefinite"/>
+                      </p:stCondLst>
+                      <p:childTnLst>
+                        <p:par>
+                          <p:cTn id="50" fill="hold">
+                            <p:stCondLst>
+                              <p:cond delay="0"/>
+                            </p:stCondLst>
+                            <p:childTnLst>
+                              <p:par>
+                                <p:cTn id="51" presetID="10" presetClass="entr" presetSubtype="0" fill="hold" nodeType="clickEffect">
+                                  <p:stCondLst>
+                                    <p:cond delay="0"/>
+                                  </p:stCondLst>
+                                  <p:childTnLst>
+                                    <p:set>
+                                      <p:cBhvr>
+                                        <p:cTn id="52" dur="1" fill="hold">
+                                          <p:stCondLst>
+                                            <p:cond delay="0"/>
+                                          </p:stCondLst>
+                                        </p:cTn>
+                                        <p:tgtEl>
+                                          <p:spTgt spid="66"/>
+                                        </p:tgtEl>
+                                        <p:attrNameLst>
+                                          <p:attrName>style.visibility</p:attrName>
+                                        </p:attrNameLst>
+                                      </p:cBhvr>
+                                      <p:to>
+                                        <p:strVal val="visible"/>
+                                      </p:to>
+                                    </p:set>
+                                    <p:animEffect transition="in" filter="fade">
+                                      <p:cBhvr>
+                                        <p:cTn id="53" dur="500"/>
+                                        <p:tgtEl>
+                                          <p:spTgt spid="66"/>
+                                        </p:tgtEl>
+                                      </p:cBhvr>
+                                    </p:animEffect>
+                                  </p:childTnLst>
+                                </p:cTn>
+                              </p:par>
+                              <p:par>
+                                <p:cTn id="54" presetID="10" presetClass="entr" presetSubtype="0" fill="hold" nodeType="withEffect">
+                                  <p:stCondLst>
+                                    <p:cond delay="0"/>
+                                  </p:stCondLst>
+                                  <p:childTnLst>
+                                    <p:set>
+                                      <p:cBhvr>
+                                        <p:cTn id="55" dur="1" fill="hold">
+                                          <p:stCondLst>
+                                            <p:cond delay="0"/>
+                                          </p:stCondLst>
+                                        </p:cTn>
+                                        <p:tgtEl>
+                                          <p:spTgt spid="68"/>
+                                        </p:tgtEl>
+                                        <p:attrNameLst>
+                                          <p:attrName>style.visibility</p:attrName>
+                                        </p:attrNameLst>
+                                      </p:cBhvr>
+                                      <p:to>
+                                        <p:strVal val="visible"/>
+                                      </p:to>
+                                    </p:set>
+                                    <p:animEffect transition="in" filter="fade">
+                                      <p:cBhvr>
+                                        <p:cTn id="56" dur="500"/>
+                                        <p:tgtEl>
+                                          <p:spTgt spid="68"/>
+                                        </p:tgtEl>
+                                      </p:cBhvr>
+                                    </p:animEffect>
+                                  </p:childTnLst>
+                                </p:cTn>
+                              </p:par>
+                              <p:par>
+                                <p:cTn id="57" presetID="10" presetClass="entr" presetSubtype="0" fill="hold" nodeType="withEffect">
+                                  <p:stCondLst>
+                                    <p:cond delay="0"/>
+                                  </p:stCondLst>
+                                  <p:childTnLst>
+                                    <p:set>
+                                      <p:cBhvr>
+                                        <p:cTn id="58" dur="1" fill="hold">
+                                          <p:stCondLst>
+                                            <p:cond delay="0"/>
+                                          </p:stCondLst>
+                                        </p:cTn>
+                                        <p:tgtEl>
+                                          <p:spTgt spid="71"/>
+                                        </p:tgtEl>
+                                        <p:attrNameLst>
+                                          <p:attrName>style.visibility</p:attrName>
+                                        </p:attrNameLst>
+                                      </p:cBhvr>
+                                      <p:to>
+                                        <p:strVal val="visible"/>
+                                      </p:to>
+                                    </p:set>
+                                    <p:animEffect transition="in" filter="fade">
+                                      <p:cBhvr>
+                                        <p:cTn id="59" dur="500"/>
+                                        <p:tgtEl>
+                                          <p:spTgt spid="71"/>
+                                        </p:tgtEl>
+                                      </p:cBhvr>
+                                    </p:animEffect>
+                                  </p:childTnLst>
+                                </p:cTn>
+                              </p:par>
+                            </p:childTnLst>
+                          </p:cTn>
+                        </p:par>
+                      </p:childTnLst>
+                    </p:cTn>
+                  </p:par>
+                  <p:par>
+                    <p:cTn id="60" fill="hold">
+                      <p:stCondLst>
+                        <p:cond delay="indefinite"/>
+                      </p:stCondLst>
+                      <p:childTnLst>
+                        <p:par>
+                          <p:cTn id="61" fill="hold">
+                            <p:stCondLst>
+                              <p:cond delay="0"/>
+                            </p:stCondLst>
+                            <p:childTnLst>
+                              <p:par>
+                                <p:cTn id="62" presetID="10" presetClass="entr" presetSubtype="0" fill="hold" nodeType="clickEffect">
+                                  <p:stCondLst>
+                                    <p:cond delay="0"/>
+                                  </p:stCondLst>
+                                  <p:childTnLst>
+                                    <p:set>
+                                      <p:cBhvr>
+                                        <p:cTn id="63" dur="1" fill="hold">
+                                          <p:stCondLst>
+                                            <p:cond delay="0"/>
+                                          </p:stCondLst>
+                                        </p:cTn>
+                                        <p:tgtEl>
+                                          <p:spTgt spid="53"/>
+                                        </p:tgtEl>
+                                        <p:attrNameLst>
+                                          <p:attrName>style.visibility</p:attrName>
+                                        </p:attrNameLst>
+                                      </p:cBhvr>
+                                      <p:to>
+                                        <p:strVal val="visible"/>
+                                      </p:to>
+                                    </p:set>
+                                    <p:animEffect transition="in" filter="fade">
+                                      <p:cBhvr>
+                                        <p:cTn id="64" dur="500"/>
+                                        <p:tgtEl>
+                                          <p:spTgt spid="53"/>
+                                        </p:tgtEl>
+                                      </p:cBhvr>
+                                    </p:animEffect>
+                                  </p:childTnLst>
+                                </p:cTn>
+                              </p:par>
+                              <p:par>
+                                <p:cTn id="65" presetID="10" presetClass="entr" presetSubtype="0" fill="hold" nodeType="withEffect">
+                                  <p:stCondLst>
+                                    <p:cond delay="0"/>
+                                  </p:stCondLst>
+                                  <p:childTnLst>
+                                    <p:set>
+                                      <p:cBhvr>
+                                        <p:cTn id="66" dur="1" fill="hold">
+                                          <p:stCondLst>
+                                            <p:cond delay="0"/>
+                                          </p:stCondLst>
+                                        </p:cTn>
+                                        <p:tgtEl>
+                                          <p:spTgt spid="51"/>
+                                        </p:tgtEl>
+                                        <p:attrNameLst>
+                                          <p:attrName>style.visibility</p:attrName>
+                                        </p:attrNameLst>
+                                      </p:cBhvr>
+                                      <p:to>
+                                        <p:strVal val="visible"/>
+                                      </p:to>
+                                    </p:set>
+                                    <p:animEffect transition="in" filter="fade">
+                                      <p:cBhvr>
+                                        <p:cTn id="67" dur="500"/>
+                                        <p:tgtEl>
+                                          <p:spTgt spid="51"/>
+                                        </p:tgtEl>
+                                      </p:cBhvr>
+                                    </p:animEffect>
+                                  </p:childTnLst>
+                                </p:cTn>
+                              </p:par>
+                              <p:par>
+                                <p:cTn id="68" presetID="10" presetClass="entr" presetSubtype="0" fill="hold" nodeType="withEffect">
+                                  <p:stCondLst>
+                                    <p:cond delay="0"/>
+                                  </p:stCondLst>
+                                  <p:childTnLst>
+                                    <p:set>
+                                      <p:cBhvr>
+                                        <p:cTn id="69" dur="1" fill="hold">
+                                          <p:stCondLst>
+                                            <p:cond delay="0"/>
+                                          </p:stCondLst>
+                                        </p:cTn>
+                                        <p:tgtEl>
+                                          <p:spTgt spid="48"/>
+                                        </p:tgtEl>
+                                        <p:attrNameLst>
+                                          <p:attrName>style.visibility</p:attrName>
+                                        </p:attrNameLst>
+                                      </p:cBhvr>
+                                      <p:to>
+                                        <p:strVal val="visible"/>
+                                      </p:to>
+                                    </p:set>
+                                    <p:animEffect transition="in" filter="fade">
+                                      <p:cBhvr>
+                                        <p:cTn id="70" dur="500"/>
+                                        <p:tgtEl>
+                                          <p:spTgt spid="48"/>
+                                        </p:tgtEl>
+                                      </p:cBhvr>
+                                    </p:animEffect>
+                                  </p:childTnLst>
+                                </p:cTn>
+                              </p:par>
+                              <p:par>
+                                <p:cTn id="71" presetID="10" presetClass="entr" presetSubtype="0" fill="hold" grpId="0" nodeType="withEffect">
+                                  <p:stCondLst>
+                                    <p:cond delay="0"/>
+                                  </p:stCondLst>
+                                  <p:childTnLst>
+                                    <p:set>
+                                      <p:cBhvr>
+                                        <p:cTn id="72" dur="1" fill="hold">
+                                          <p:stCondLst>
+                                            <p:cond delay="0"/>
+                                          </p:stCondLst>
+                                        </p:cTn>
+                                        <p:tgtEl>
+                                          <p:spTgt spid="54"/>
+                                        </p:tgtEl>
+                                        <p:attrNameLst>
+                                          <p:attrName>style.visibility</p:attrName>
+                                        </p:attrNameLst>
+                                      </p:cBhvr>
+                                      <p:to>
+                                        <p:strVal val="visible"/>
+                                      </p:to>
+                                    </p:set>
+                                    <p:animEffect transition="in" filter="fade">
+                                      <p:cBhvr>
+                                        <p:cTn id="73" dur="500"/>
+                                        <p:tgtEl>
+                                          <p:spTgt spid="54"/>
+                                        </p:tgtEl>
+                                      </p:cBhvr>
+                                    </p:animEffect>
+                                  </p:childTnLst>
+                                </p:cTn>
+                              </p:par>
+                              <p:par>
+                                <p:cTn id="74" presetID="10" presetClass="entr" presetSubtype="0" fill="hold" nodeType="withEffect">
+                                  <p:stCondLst>
+                                    <p:cond delay="0"/>
+                                  </p:stCondLst>
+                                  <p:childTnLst>
+                                    <p:set>
+                                      <p:cBhvr>
+                                        <p:cTn id="75" dur="1" fill="hold">
+                                          <p:stCondLst>
+                                            <p:cond delay="0"/>
+                                          </p:stCondLst>
+                                        </p:cTn>
+                                        <p:tgtEl>
+                                          <p:spTgt spid="78"/>
+                                        </p:tgtEl>
+                                        <p:attrNameLst>
+                                          <p:attrName>style.visibility</p:attrName>
+                                        </p:attrNameLst>
+                                      </p:cBhvr>
+                                      <p:to>
+                                        <p:strVal val="visible"/>
+                                      </p:to>
+                                    </p:set>
+                                    <p:animEffect transition="in" filter="fade">
+                                      <p:cBhvr>
+                                        <p:cTn id="76" dur="500"/>
+                                        <p:tgtEl>
+                                          <p:spTgt spid="78"/>
+                                        </p:tgtEl>
+                                      </p:cBhvr>
+                                    </p:animEffect>
+                                  </p:childTnLst>
+                                </p:cTn>
+                              </p:par>
+                            </p:childTnLst>
+                          </p:cTn>
+                        </p:par>
+                      </p:childTnLst>
+                    </p:cTn>
+                  </p:par>
+                  <p:par>
+                    <p:cTn id="77" fill="hold">
+                      <p:stCondLst>
+                        <p:cond delay="indefinite"/>
+                      </p:stCondLst>
+                      <p:childTnLst>
+                        <p:par>
+                          <p:cTn id="78" fill="hold">
+                            <p:stCondLst>
+                              <p:cond delay="0"/>
+                            </p:stCondLst>
+                            <p:childTnLst>
+                              <p:par>
+                                <p:cTn id="79" presetID="10" presetClass="entr" presetSubtype="0" fill="hold" grpId="0" nodeType="clickEffect">
+                                  <p:stCondLst>
+                                    <p:cond delay="0"/>
+                                  </p:stCondLst>
+                                  <p:childTnLst>
+                                    <p:set>
+                                      <p:cBhvr>
+                                        <p:cTn id="80" dur="1" fill="hold">
+                                          <p:stCondLst>
+                                            <p:cond delay="0"/>
+                                          </p:stCondLst>
+                                        </p:cTn>
+                                        <p:tgtEl>
+                                          <p:spTgt spid="60"/>
+                                        </p:tgtEl>
+                                        <p:attrNameLst>
+                                          <p:attrName>style.visibility</p:attrName>
+                                        </p:attrNameLst>
+                                      </p:cBhvr>
+                                      <p:to>
+                                        <p:strVal val="visible"/>
+                                      </p:to>
+                                    </p:set>
+                                    <p:animEffect transition="in" filter="fade">
+                                      <p:cBhvr>
+                                        <p:cTn id="81" dur="500"/>
+                                        <p:tgtEl>
+                                          <p:spTgt spid="60"/>
+                                        </p:tgtEl>
+                                      </p:cBhvr>
+                                    </p:animEffect>
+                                  </p:childTnLst>
+                                </p:cTn>
+                              </p:par>
+                            </p:childTnLst>
+                          </p:cTn>
+                        </p:par>
+                      </p:childTnLst>
+                    </p:cTn>
+                  </p:par>
+                  <p:par>
+                    <p:cTn id="82" fill="hold">
+                      <p:stCondLst>
+                        <p:cond delay="indefinite"/>
+                      </p:stCondLst>
+                      <p:childTnLst>
+                        <p:par>
+                          <p:cTn id="83" fill="hold">
+                            <p:stCondLst>
+                              <p:cond delay="0"/>
+                            </p:stCondLst>
+                            <p:childTnLst>
+                              <p:par>
+                                <p:cTn id="84" presetID="10" presetClass="entr" presetSubtype="0" fill="hold" grpId="0" nodeType="clickEffect">
+                                  <p:stCondLst>
+                                    <p:cond delay="0"/>
+                                  </p:stCondLst>
+                                  <p:childTnLst>
+                                    <p:set>
+                                      <p:cBhvr>
+                                        <p:cTn id="85" dur="1" fill="hold">
+                                          <p:stCondLst>
+                                            <p:cond delay="0"/>
+                                          </p:stCondLst>
+                                        </p:cTn>
+                                        <p:tgtEl>
+                                          <p:spTgt spid="59"/>
+                                        </p:tgtEl>
+                                        <p:attrNameLst>
+                                          <p:attrName>style.visibility</p:attrName>
+                                        </p:attrNameLst>
+                                      </p:cBhvr>
+                                      <p:to>
+                                        <p:strVal val="visible"/>
+                                      </p:to>
+                                    </p:set>
+                                    <p:animEffect transition="in" filter="fade">
+                                      <p:cBhvr>
+                                        <p:cTn id="86" dur="500"/>
+                                        <p:tgtEl>
+                                          <p:spTgt spid="59"/>
+                                        </p:tgtEl>
+                                      </p:cBhvr>
+                                    </p:animEffect>
+                                  </p:childTnLst>
+                                </p:cTn>
+                              </p:par>
+                            </p:childTnLst>
+                          </p:cTn>
+                        </p:par>
+                      </p:childTnLst>
+                    </p:cTn>
+                  </p:par>
+                  <p:par>
+                    <p:cTn id="87" fill="hold">
+                      <p:stCondLst>
+                        <p:cond delay="indefinite"/>
+                      </p:stCondLst>
+                      <p:childTnLst>
+                        <p:par>
+                          <p:cTn id="88" fill="hold">
+                            <p:stCondLst>
+                              <p:cond delay="0"/>
+                            </p:stCondLst>
+                            <p:childTnLst>
+                              <p:par>
+                                <p:cTn id="89" presetID="10" presetClass="entr" presetSubtype="0" fill="hold" grpId="0" nodeType="clickEffect">
+                                  <p:stCondLst>
+                                    <p:cond delay="0"/>
+                                  </p:stCondLst>
+                                  <p:childTnLst>
+                                    <p:set>
+                                      <p:cBhvr>
+                                        <p:cTn id="90" dur="1" fill="hold">
+                                          <p:stCondLst>
+                                            <p:cond delay="0"/>
+                                          </p:stCondLst>
+                                        </p:cTn>
+                                        <p:tgtEl>
+                                          <p:spTgt spid="61"/>
+                                        </p:tgtEl>
+                                        <p:attrNameLst>
+                                          <p:attrName>style.visibility</p:attrName>
+                                        </p:attrNameLst>
+                                      </p:cBhvr>
+                                      <p:to>
+                                        <p:strVal val="visible"/>
+                                      </p:to>
+                                    </p:set>
+                                    <p:animEffect transition="in" filter="fade">
+                                      <p:cBhvr>
+                                        <p:cTn id="91" dur="500"/>
+                                        <p:tgtEl>
+                                          <p:spTgt spid="61"/>
+                                        </p:tgtEl>
+                                      </p:cBhvr>
+                                    </p:animEffect>
+                                  </p:childTnLst>
+                                </p:cTn>
+                              </p:par>
+                            </p:childTnLst>
+                          </p:cTn>
+                        </p:par>
+                      </p:childTnLst>
+                    </p:cTn>
+                  </p:par>
+                </p:childTnLst>
+              </p:cTn>
+              <p:prevCondLst>
+                <p:cond evt="onPrev" delay="0">
+                  <p:tgtEl>
+                    <p:sldTgt/>
+                  </p:tgtEl>
+                </p:cond>
+              </p:prevCondLst>
+              <p:nextCondLst>
+                <p:cond evt="onNext" delay="0">
+                  <p:tgtEl>
+                    <p:sldTgt/>
+                  </p:tgtEl>
+                </p:cond>
+              </p:nextCondLst>
+            </p:seq>
+          </p:childTnLst>
+        </p:cTn>
       </p:par>
     </p:tnLst>
+    <p:bldLst>
+      <p:bldP spid="24" grpId="0" animBg="1"/>
+      <p:bldP spid="25" grpId="0" animBg="1"/>
+      <p:bldP spid="26" grpId="0" animBg="1"/>
+      <p:bldP spid="27" grpId="0" animBg="1"/>
+      <p:bldP spid="28" grpId="0" animBg="1"/>
+      <p:bldP spid="29" grpId="0" animBg="1"/>
+      <p:bldP spid="31" grpId="0" animBg="1"/>
+      <p:bldP spid="54" grpId="0" animBg="1"/>
+      <p:bldP spid="59" grpId="0" animBg="1"/>
+      <p:bldP spid="60" grpId="0" animBg="1"/>
+      <p:bldP spid="61" grpId="0" animBg="1"/>
+      <p:bldP spid="62" grpId="0" animBg="1"/>
+    </p:bldLst>
   </p:timing>
 </p:sld>
 </file>
@@ -15294,24 +17809,6 @@
 </file>
 
 <file path=customXml/item1.xml><?xml version="1.0" encoding="utf-8"?>
-<p:properties xmlns:p="http://schemas.microsoft.com/office/2006/metadata/properties" xmlns:xsi="http://www.w3.org/2001/XMLSchema-instance" xmlns:pc="http://schemas.microsoft.com/office/infopath/2007/PartnerControls">
-  <documentManagement>
-    <_Version xmlns="http://schemas.microsoft.com/sharepoint/v3/fields" xsi:nil="true"/>
-    <_Status xmlns="http://schemas.microsoft.com/sharepoint/v3/fields">Not Started</_Status>
-  </documentManagement>
-</p:properties>
-</file>
-
-<file path=customXml/item2.xml><?xml version="1.0" encoding="utf-8"?>
-<?mso-contentType ?>
-<FormTemplates xmlns="http://schemas.microsoft.com/sharepoint/v3/contenttype/forms">
-  <Display>DocumentLibraryForm</Display>
-  <Edit>DocumentLibraryForm</Edit>
-  <New>DocumentLibraryForm</New>
-</FormTemplates>
-</file>
-
-<file path=customXml/item3.xml><?xml version="1.0" encoding="utf-8"?>
 <ct:contentTypeSchema xmlns:ct="http://schemas.microsoft.com/office/2006/metadata/contentType" xmlns:ma="http://schemas.microsoft.com/office/2006/metadata/properties/metaAttributes" ct:_="" ma:_="" ma:contentTypeName="Document" ma:contentTypeID="0x0101000DE64AEEDD9B7A4D93545ACBE97D4615" ma:contentTypeVersion="2" ma:contentTypeDescription="Create a new document." ma:contentTypeScope="" ma:versionID="f49002b78e3a4a71b814eef46a983816">
   <xsd:schema xmlns:xsd="http://www.w3.org/2001/XMLSchema" xmlns:xs="http://www.w3.org/2001/XMLSchema" xmlns:p="http://schemas.microsoft.com/office/2006/metadata/properties" xmlns:ns2="http://schemas.microsoft.com/sharepoint/v3/fields" targetNamespace="http://schemas.microsoft.com/office/2006/metadata/properties" ma:root="true" ma:fieldsID="38f6db2dd0d9a0cf6a8dc37be32b365b" ns2:_="">
     <xsd:import namespace="http://schemas.microsoft.com/sharepoint/v3/fields"/>
@@ -15455,25 +17952,25 @@
 </ct:contentTypeSchema>
 </file>
 
-<file path=customXml/itemProps1.xml><?xml version="1.0" encoding="utf-8"?>
-<ds:datastoreItem xmlns:ds="http://schemas.openxmlformats.org/officeDocument/2006/customXml" ds:itemID="{7B6F2769-7194-4217-93D3-3AF3A4742282}">
-  <ds:schemaRefs>
-    <ds:schemaRef ds:uri="http://schemas.microsoft.com/office/2006/metadata/properties"/>
-    <ds:schemaRef ds:uri="http://schemas.microsoft.com/office/infopath/2007/PartnerControls"/>
-    <ds:schemaRef ds:uri="http://schemas.microsoft.com/sharepoint/v3/fields"/>
-  </ds:schemaRefs>
-</ds:datastoreItem>
+<file path=customXml/item2.xml><?xml version="1.0" encoding="utf-8"?>
+<?mso-contentType ?>
+<FormTemplates xmlns="http://schemas.microsoft.com/sharepoint/v3/contenttype/forms">
+  <Display>DocumentLibraryForm</Display>
+  <Edit>DocumentLibraryForm</Edit>
+  <New>DocumentLibraryForm</New>
+</FormTemplates>
 </file>
 
-<file path=customXml/itemProps2.xml><?xml version="1.0" encoding="utf-8"?>
-<ds:datastoreItem xmlns:ds="http://schemas.openxmlformats.org/officeDocument/2006/customXml" ds:itemID="{87D2A1B0-FF3E-4009-940D-AED0EB70AA20}">
-  <ds:schemaRefs>
-    <ds:schemaRef ds:uri="http://schemas.microsoft.com/sharepoint/v3/contenttype/forms"/>
-  </ds:schemaRefs>
-</ds:datastoreItem>
+<file path=customXml/item3.xml><?xml version="1.0" encoding="utf-8"?>
+<p:properties xmlns:p="http://schemas.microsoft.com/office/2006/metadata/properties" xmlns:xsi="http://www.w3.org/2001/XMLSchema-instance" xmlns:pc="http://schemas.microsoft.com/office/infopath/2007/PartnerControls">
+  <documentManagement>
+    <_Version xmlns="http://schemas.microsoft.com/sharepoint/v3/fields" xsi:nil="true"/>
+    <_Status xmlns="http://schemas.microsoft.com/sharepoint/v3/fields">Not Started</_Status>
+  </documentManagement>
+</p:properties>
 </file>
 
-<file path=customXml/itemProps3.xml><?xml version="1.0" encoding="utf-8"?>
+<file path=customXml/itemProps1.xml><?xml version="1.0" encoding="utf-8"?>
 <ds:datastoreItem xmlns:ds="http://schemas.openxmlformats.org/officeDocument/2006/customXml" ds:itemID="{E4214858-785C-42F7-BE66-6D0E79395FC8}">
   <ds:schemaRefs>
     <ds:schemaRef ds:uri="http://schemas.microsoft.com/office/2006/metadata/contentType"/>
@@ -15489,4 +17986,22 @@
     <ds:schemaRef ds:uri="http://schemas.microsoft.com/internal/obd"/>
   </ds:schemaRefs>
 </ds:datastoreItem>
+</file>
+
+<file path=customXml/itemProps2.xml><?xml version="1.0" encoding="utf-8"?>
+<ds:datastoreItem xmlns:ds="http://schemas.openxmlformats.org/officeDocument/2006/customXml" ds:itemID="{87D2A1B0-FF3E-4009-940D-AED0EB70AA20}">
+  <ds:schemaRefs>
+    <ds:schemaRef ds:uri="http://schemas.microsoft.com/sharepoint/v3/contenttype/forms"/>
+  </ds:schemaRefs>
+</ds:datastoreItem>
+</file>
+
+<file path=customXml/itemProps3.xml><?xml version="1.0" encoding="utf-8"?>
+<ds:datastoreItem xmlns:ds="http://schemas.openxmlformats.org/officeDocument/2006/customXml" ds:itemID="{7B6F2769-7194-4217-93D3-3AF3A4742282}">
+  <ds:schemaRefs>
+    <ds:schemaRef ds:uri="http://schemas.microsoft.com/office/2006/metadata/properties"/>
+    <ds:schemaRef ds:uri="http://schemas.microsoft.com/office/infopath/2007/PartnerControls"/>
+    <ds:schemaRef ds:uri="http://schemas.microsoft.com/sharepoint/v3/fields"/>
+  </ds:schemaRefs>
+</ds:datastoreItem>
 </file>
--- a/Presentations/DEXA 2015 Presentation.pptx
+++ b/Presentations/DEXA 2015 Presentation.pptx
@@ -5,10 +5,10 @@
     <p:sldMasterId id="2147494087" r:id="rId4"/>
   </p:sldMasterIdLst>
   <p:notesMasterIdLst>
-    <p:notesMasterId r:id="rId31"/>
+    <p:notesMasterId r:id="rId30"/>
   </p:notesMasterIdLst>
   <p:handoutMasterIdLst>
-    <p:handoutMasterId r:id="rId32"/>
+    <p:handoutMasterId r:id="rId31"/>
   </p:handoutMasterIdLst>
   <p:sldIdLst>
     <p:sldId id="256" r:id="rId5"/>
@@ -33,10 +33,9 @@
     <p:sldId id="292" r:id="rId24"/>
     <p:sldId id="274" r:id="rId25"/>
     <p:sldId id="293" r:id="rId26"/>
-    <p:sldId id="279" r:id="rId27"/>
-    <p:sldId id="280" r:id="rId28"/>
-    <p:sldId id="278" r:id="rId29"/>
-    <p:sldId id="264" r:id="rId30"/>
+    <p:sldId id="280" r:id="rId27"/>
+    <p:sldId id="296" r:id="rId28"/>
+    <p:sldId id="264" r:id="rId29"/>
   </p:sldIdLst>
   <p:sldSz cx="9144000" cy="6858000" type="screen4x3"/>
   <p:notesSz cx="6858000" cy="9144000"/>
@@ -220,7 +219,7 @@
           <a:p>
             <a:fld id="{652FA383-9D4B-AD42-9BF3-88FCA749BE0E}" type="datetimeFigureOut">
               <a:rPr lang="en-US" smtClean="0"/>
-              <a:t>8/24/2015</a:t>
+              <a:t>8/25/2015</a:t>
             </a:fld>
             <a:endParaRPr lang="pt-BR"/>
           </a:p>
@@ -385,7 +384,7 @@
           <a:p>
             <a:fld id="{C888862E-4053-6841-80C1-EE02861216A5}" type="datetimeFigureOut">
               <a:rPr lang="en-US" smtClean="0"/>
-              <a:t>8/24/2015</a:t>
+              <a:t>8/25/2015</a:t>
             </a:fld>
             <a:endParaRPr lang="pt-BR"/>
           </a:p>
@@ -1976,7 +1975,7 @@
             <a:fld id="{8ACDB3CC-F982-40F9-8DD6-BCC9AFBF44BD}" type="datetime1">
               <a:rPr lang="en-US" smtClean="0"/>
               <a:pPr/>
-              <a:t>8/24/2015</a:t>
+              <a:t>8/25/2015</a:t>
             </a:fld>
             <a:endParaRPr lang="en-US" dirty="0"/>
           </a:p>
@@ -2141,7 +2140,7 @@
           <a:p>
             <a:fld id="{68C2560D-EC28-3B41-86E8-18F1CE0113B4}" type="datetimeFigureOut">
               <a:rPr lang="en-US" smtClean="0"/>
-              <a:t>8/24/2015</a:t>
+              <a:t>8/25/2015</a:t>
             </a:fld>
             <a:endParaRPr lang="en-US"/>
           </a:p>
@@ -2316,7 +2315,7 @@
           <a:p>
             <a:fld id="{68C2560D-EC28-3B41-86E8-18F1CE0113B4}" type="datetimeFigureOut">
               <a:rPr lang="en-US" smtClean="0"/>
-              <a:t>8/24/2015</a:t>
+              <a:t>8/25/2015</a:t>
             </a:fld>
             <a:endParaRPr lang="en-US"/>
           </a:p>
@@ -2499,7 +2498,7 @@
           <a:p>
             <a:fld id="{68C2560D-EC28-3B41-86E8-18F1CE0113B4}" type="datetimeFigureOut">
               <a:rPr lang="en-US" smtClean="0"/>
-              <a:t>8/24/2015</a:t>
+              <a:t>8/25/2015</a:t>
             </a:fld>
             <a:endParaRPr lang="en-US"/>
           </a:p>
@@ -2762,7 +2761,7 @@
             <a:fld id="{4A9E7B99-7C3F-4BC3-B7B8-7E1F8C620B24}" type="datetime1">
               <a:rPr lang="en-US" smtClean="0"/>
               <a:pPr/>
-              <a:t>8/24/2015</a:t>
+              <a:t>8/25/2015</a:t>
             </a:fld>
             <a:endParaRPr lang="en-US"/>
           </a:p>
@@ -3110,7 +3109,7 @@
           <a:p>
             <a:fld id="{68C2560D-EC28-3B41-86E8-18F1CE0113B4}" type="datetimeFigureOut">
               <a:rPr lang="en-US" smtClean="0"/>
-              <a:t>8/24/2015</a:t>
+              <a:t>8/25/2015</a:t>
             </a:fld>
             <a:endParaRPr lang="en-US"/>
           </a:p>
@@ -3418,7 +3417,7 @@
           <a:p>
             <a:fld id="{68C2560D-EC28-3B41-86E8-18F1CE0113B4}" type="datetimeFigureOut">
               <a:rPr lang="en-US" smtClean="0"/>
-              <a:t>8/24/2015</a:t>
+              <a:t>8/25/2015</a:t>
             </a:fld>
             <a:endParaRPr lang="en-US"/>
           </a:p>
@@ -3645,7 +3644,7 @@
           <a:p>
             <a:fld id="{68C2560D-EC28-3B41-86E8-18F1CE0113B4}" type="datetimeFigureOut">
               <a:rPr lang="en-US" smtClean="0"/>
-              <a:t>8/24/2015</a:t>
+              <a:t>8/25/2015</a:t>
             </a:fld>
             <a:endParaRPr lang="en-US"/>
           </a:p>
@@ -3735,7 +3734,7 @@
           <a:p>
             <a:fld id="{68C2560D-EC28-3B41-86E8-18F1CE0113B4}" type="datetimeFigureOut">
               <a:rPr lang="en-US" smtClean="0"/>
-              <a:t>8/24/2015</a:t>
+              <a:t>8/25/2015</a:t>
             </a:fld>
             <a:endParaRPr lang="en-US"/>
           </a:p>
@@ -4023,7 +4022,7 @@
           <a:p>
             <a:fld id="{68C2560D-EC28-3B41-86E8-18F1CE0113B4}" type="datetimeFigureOut">
               <a:rPr lang="en-US" smtClean="0"/>
-              <a:t>8/24/2015</a:t>
+              <a:t>8/25/2015</a:t>
             </a:fld>
             <a:endParaRPr lang="en-US"/>
           </a:p>
@@ -4293,7 +4292,7 @@
           <a:p>
             <a:fld id="{68C2560D-EC28-3B41-86E8-18F1CE0113B4}" type="datetimeFigureOut">
               <a:rPr lang="en-US" smtClean="0"/>
-              <a:t>8/24/2015</a:t>
+              <a:t>8/25/2015</a:t>
             </a:fld>
             <a:endParaRPr lang="en-US"/>
           </a:p>
@@ -4503,7 +4502,7 @@
           <a:p>
             <a:fld id="{68C2560D-EC28-3B41-86E8-18F1CE0113B4}" type="datetimeFigureOut">
               <a:rPr lang="en-US" smtClean="0"/>
-              <a:t>8/24/2015</a:t>
+              <a:t>8/25/2015</a:t>
             </a:fld>
             <a:endParaRPr lang="en-US"/>
           </a:p>
@@ -9370,11 +9369,6 @@
               </a:rPr>
               <a:t>quality on multi-cloud environments</a:t>
             </a:r>
-            <a:endParaRPr lang="en-US" sz="2300" dirty="0" smtClean="0">
-              <a:solidFill>
-                <a:schemeClr val="tx1"/>
-              </a:solidFill>
-            </a:endParaRPr>
           </a:p>
           <a:p>
             <a:endParaRPr lang="en-US" sz="2300" dirty="0" smtClean="0">
@@ -10168,11 +10162,22 @@
         <p:spPr/>
         <p:txBody>
           <a:bodyPr>
-            <a:normAutofit fontScale="92500" lnSpcReduction="20000"/>
+            <a:normAutofit fontScale="92500" lnSpcReduction="10000"/>
           </a:bodyPr>
           <a:lstStyle/>
           <a:p>
             <a:pPr algn="just"/>
+            <a:r>
+              <a:rPr lang="en-US" dirty="0" smtClean="0">
+                <a:solidFill>
+                  <a:schemeClr val="tx1"/>
+                </a:solidFill>
+              </a:rPr>
+              <a:t>We identified trends and open issues in our research topic </a:t>
+            </a:r>
+          </a:p>
+          <a:p>
+            <a:pPr lvl="1" algn="just"/>
             <a:endParaRPr lang="en-US" dirty="0" smtClean="0">
               <a:solidFill>
                 <a:schemeClr val="tx1"/>
@@ -10180,71 +10185,75 @@
             </a:endParaRPr>
           </a:p>
           <a:p>
-            <a:pPr algn="just"/>
+            <a:pPr lvl="1" algn="just"/>
             <a:r>
               <a:rPr lang="en-US" dirty="0" smtClean="0">
                 <a:solidFill>
                   <a:schemeClr val="tx1"/>
                 </a:solidFill>
               </a:rPr>
-              <a:t>The </a:t>
-            </a:r>
-            <a:r>
-              <a:rPr lang="en-US" dirty="0">
-                <a:solidFill>
-                  <a:schemeClr val="tx1"/>
-                </a:solidFill>
-              </a:rPr>
-              <a:t>challenge of integrating data from distributed </a:t>
-            </a:r>
+              <a:t>QoS has started to be considered for integration data</a:t>
+            </a:r>
+          </a:p>
+          <a:p>
+            <a:pPr lvl="1" algn="just"/>
+            <a:endParaRPr lang="en-US" dirty="0" smtClean="0">
+              <a:solidFill>
+                <a:schemeClr val="tx1"/>
+              </a:solidFill>
+            </a:endParaRPr>
+          </a:p>
+          <a:p>
+            <a:pPr lvl="1" algn="just"/>
             <a:r>
               <a:rPr lang="en-US" dirty="0" smtClean="0">
                 <a:solidFill>
                   <a:schemeClr val="tx1"/>
                 </a:solidFill>
               </a:rPr>
-              <a:t>data services </a:t>
-            </a:r>
-            <a:r>
-              <a:rPr lang="en-US" dirty="0">
-                <a:solidFill>
-                  <a:schemeClr val="tx1"/>
-                </a:solidFill>
-              </a:rPr>
-              <a:t>deployed on </a:t>
-            </a:r>
+              <a:t>The cloud is becoming a popular environment to perform data integration in which security issues are the most frequently addressed</a:t>
+            </a:r>
+          </a:p>
+          <a:p>
+            <a:pPr lvl="1" algn="just"/>
+            <a:endParaRPr lang="en-US" dirty="0" smtClean="0">
+              <a:solidFill>
+                <a:schemeClr val="tx1"/>
+              </a:solidFill>
+            </a:endParaRPr>
+          </a:p>
+          <a:p>
+            <a:pPr lvl="1" algn="just"/>
             <a:r>
               <a:rPr lang="en-US" dirty="0" smtClean="0">
                 <a:solidFill>
                   <a:schemeClr val="tx1"/>
                 </a:solidFill>
               </a:rPr>
-              <a:t>different </a:t>
-            </a:r>
-            <a:r>
-              <a:rPr lang="en-US" dirty="0">
-                <a:solidFill>
-                  <a:schemeClr val="tx1"/>
-                </a:solidFill>
-              </a:rPr>
-              <a:t>cloud providers guided by SLAs and user </a:t>
-            </a:r>
+              <a:t>We identified a promising research area concerning the need of studying SLA to be specialized for data integration</a:t>
+            </a:r>
+          </a:p>
+          <a:p>
+            <a:pPr lvl="1" algn="just"/>
+            <a:endParaRPr lang="en-US" dirty="0" smtClean="0">
+              <a:solidFill>
+                <a:schemeClr val="tx1"/>
+              </a:solidFill>
+            </a:endParaRPr>
+          </a:p>
+          <a:p>
+            <a:pPr lvl="1" algn="just"/>
             <a:r>
               <a:rPr lang="en-US" dirty="0" smtClean="0">
                 <a:solidFill>
                   <a:schemeClr val="tx1"/>
                 </a:solidFill>
               </a:rPr>
-              <a:t>preferences </a:t>
-            </a:r>
-            <a:r>
-              <a:rPr lang="en-US" dirty="0">
-                <a:solidFill>
-                  <a:schemeClr val="tx1"/>
-                </a:solidFill>
-              </a:rPr>
-              <a:t>statement. </a:t>
-            </a:r>
+              <a:t>It is important to identify that characterize the quality of data and measures associated to different phases of data integration (such as selecting data services, retrieving data, integrating, etc.)</a:t>
+            </a:r>
+          </a:p>
+          <a:p>
+            <a:pPr lvl="1" algn="just"/>
             <a:endParaRPr lang="en-US" dirty="0" smtClean="0">
               <a:solidFill>
                 <a:schemeClr val="tx1"/>
@@ -10252,30 +10261,14 @@
             </a:endParaRPr>
           </a:p>
           <a:p>
-            <a:pPr algn="just"/>
-            <a:endParaRPr lang="en-US" dirty="0" smtClean="0">
-              <a:solidFill>
-                <a:schemeClr val="tx1"/>
-              </a:solidFill>
-            </a:endParaRPr>
-          </a:p>
-          <a:p>
-            <a:pPr algn="just"/>
+            <a:pPr lvl="1" algn="just"/>
             <a:r>
               <a:rPr lang="en-US" dirty="0" smtClean="0">
                 <a:solidFill>
                   <a:schemeClr val="tx1"/>
                 </a:solidFill>
               </a:rPr>
-              <a:t>The </a:t>
-            </a:r>
-            <a:r>
-              <a:rPr lang="en-US" dirty="0">
-                <a:solidFill>
-                  <a:schemeClr val="tx1"/>
-                </a:solidFill>
-              </a:rPr>
-              <a:t>problem statement was derived from a </a:t>
+              <a:t>These phases consu</a:t>
             </a:r>
             <a:r>
               <a:rPr lang="en-US" dirty="0" smtClean="0">
@@ -10283,191 +10276,20 @@
                   <a:schemeClr val="tx1"/>
                 </a:solidFill>
               </a:rPr>
-              <a:t>classification </a:t>
-            </a:r>
-            <a:r>
-              <a:rPr lang="en-US" dirty="0">
-                <a:solidFill>
-                  <a:schemeClr val="tx1"/>
-                </a:solidFill>
-              </a:rPr>
-              <a:t>scheme that </a:t>
-            </a:r>
-            <a:r>
-              <a:rPr lang="en-US" dirty="0" smtClean="0">
-                <a:solidFill>
-                  <a:schemeClr val="tx1"/>
-                </a:solidFill>
-              </a:rPr>
-              <a:t>resulted from </a:t>
-            </a:r>
-            <a:r>
-              <a:rPr lang="en-US" dirty="0">
-                <a:solidFill>
-                  <a:schemeClr val="tx1"/>
-                </a:solidFill>
-              </a:rPr>
-              <a:t>a study of existing publications </a:t>
-            </a:r>
-            <a:r>
-              <a:rPr lang="en-US" dirty="0" smtClean="0">
-                <a:solidFill>
-                  <a:schemeClr val="tx1"/>
-                </a:solidFill>
-              </a:rPr>
-              <a:t>identified </a:t>
-            </a:r>
-            <a:r>
-              <a:rPr lang="en-US" dirty="0">
-                <a:solidFill>
-                  <a:schemeClr val="tx1"/>
-                </a:solidFill>
-              </a:rPr>
-              <a:t>by applying the systematic </a:t>
-            </a:r>
-            <a:r>
-              <a:rPr lang="en-US" dirty="0" smtClean="0">
-                <a:solidFill>
-                  <a:schemeClr val="tx1"/>
-                </a:solidFill>
-              </a:rPr>
-              <a:t>mapping </a:t>
-            </a:r>
-            <a:r>
-              <a:rPr lang="en-US" dirty="0">
-                <a:solidFill>
-                  <a:schemeClr val="tx1"/>
-                </a:solidFill>
-              </a:rPr>
-              <a:t>method. </a:t>
-            </a:r>
-            <a:endParaRPr lang="en-US" dirty="0" smtClean="0">
-              <a:solidFill>
-                <a:schemeClr val="tx1"/>
-              </a:solidFill>
-            </a:endParaRPr>
-          </a:p>
-          <a:p>
-            <a:pPr algn="just"/>
+              <a:t>me resources that must ensure some QoS guarantees to data consumers</a:t>
+            </a:r>
             <a:endParaRPr lang="en-US" dirty="0">
               <a:solidFill>
                 <a:schemeClr val="tx1"/>
               </a:solidFill>
             </a:endParaRPr>
           </a:p>
-          <a:p>
-            <a:pPr algn="just"/>
-            <a:r>
-              <a:rPr lang="en-US" dirty="0" smtClean="0">
-                <a:solidFill>
-                  <a:schemeClr val="tx1"/>
-                </a:solidFill>
-              </a:rPr>
-              <a:t>Our </a:t>
-            </a:r>
-            <a:r>
-              <a:rPr lang="en-US" dirty="0">
-                <a:solidFill>
-                  <a:schemeClr val="tx1"/>
-                </a:solidFill>
-              </a:rPr>
-              <a:t>contribution is the </a:t>
-            </a:r>
-            <a:r>
-              <a:rPr lang="en-US" dirty="0" smtClean="0">
-                <a:solidFill>
-                  <a:schemeClr val="tx1"/>
-                </a:solidFill>
-              </a:rPr>
-              <a:t>definition </a:t>
-            </a:r>
-            <a:r>
-              <a:rPr lang="en-US" dirty="0">
-                <a:solidFill>
-                  <a:schemeClr val="tx1"/>
-                </a:solidFill>
-              </a:rPr>
-              <a:t>of a </a:t>
-            </a:r>
-            <a:r>
-              <a:rPr lang="en-US" dirty="0" smtClean="0">
-                <a:solidFill>
-                  <a:schemeClr val="tx1"/>
-                </a:solidFill>
-              </a:rPr>
-              <a:t>classification </a:t>
-            </a:r>
-            <a:r>
-              <a:rPr lang="en-US" dirty="0">
-                <a:solidFill>
-                  <a:schemeClr val="tx1"/>
-                </a:solidFill>
-              </a:rPr>
-              <a:t>scheme </a:t>
-            </a:r>
-            <a:r>
-              <a:rPr lang="en-US" dirty="0" smtClean="0">
-                <a:solidFill>
-                  <a:schemeClr val="tx1"/>
-                </a:solidFill>
-              </a:rPr>
-              <a:t>that shows </a:t>
-            </a:r>
-            <a:r>
-              <a:rPr lang="en-US" dirty="0">
-                <a:solidFill>
-                  <a:schemeClr val="tx1"/>
-                </a:solidFill>
-              </a:rPr>
-              <a:t>the aspects that characterize a modern vision of data integration done </a:t>
-            </a:r>
-            <a:r>
-              <a:rPr lang="en-US" dirty="0" smtClean="0">
-                <a:solidFill>
-                  <a:schemeClr val="tx1"/>
-                </a:solidFill>
-              </a:rPr>
-              <a:t>in </a:t>
-            </a:r>
-            <a:r>
-              <a:rPr lang="en-US" dirty="0">
-                <a:solidFill>
-                  <a:schemeClr val="tx1"/>
-                </a:solidFill>
-              </a:rPr>
-              <a:t>multi-cloud environments and that can be enhanced by including SLAs in </a:t>
-            </a:r>
-            <a:r>
-              <a:rPr lang="en-US" dirty="0" smtClean="0">
-                <a:solidFill>
-                  <a:schemeClr val="tx1"/>
-                </a:solidFill>
-              </a:rPr>
-              <a:t>its process</a:t>
-            </a:r>
-            <a:r>
-              <a:rPr lang="en-US" dirty="0">
-                <a:solidFill>
-                  <a:schemeClr val="tx1"/>
-                </a:solidFill>
-              </a:rPr>
-              <a:t>.</a:t>
-            </a:r>
-          </a:p>
-          <a:p>
-            <a:pPr algn="just"/>
-            <a:endParaRPr lang="en-US" dirty="0">
-              <a:solidFill>
-                <a:schemeClr val="tx1"/>
-              </a:solidFill>
-            </a:endParaRPr>
-          </a:p>
         </p:txBody>
       </p:sp>
     </p:spTree>
     <p:extLst>
       <p:ext uri="{BB962C8B-B14F-4D97-AF65-F5344CB8AC3E}">
-        <p14:creationId xmlns:p14="http://schemas.microsoft.com/office/powerpoint/2010/main" val="1865980667"/>
+        <p14:creationId xmlns:p14="http://schemas.microsoft.com/office/powerpoint/2010/main" val="1663560043"/>
       </p:ext>
     </p:extLst>
   </p:cSld>
@@ -10485,7 +10307,335 @@
   <p:timing>
     <p:tnLst>
       <p:par>
-        <p:cTn id="1" dur="indefinite" restart="never" nodeType="tmRoot"/>
+        <p:cTn id="1" dur="indefinite" restart="never" nodeType="tmRoot">
+          <p:childTnLst>
+            <p:seq concurrent="1" nextAc="seek">
+              <p:cTn id="2" dur="indefinite" nodeType="mainSeq">
+                <p:childTnLst>
+                  <p:par>
+                    <p:cTn id="3" fill="hold">
+                      <p:stCondLst>
+                        <p:cond delay="indefinite"/>
+                      </p:stCondLst>
+                      <p:childTnLst>
+                        <p:par>
+                          <p:cTn id="4" fill="hold">
+                            <p:stCondLst>
+                              <p:cond delay="0"/>
+                            </p:stCondLst>
+                            <p:childTnLst>
+                              <p:par>
+                                <p:cTn id="5" presetID="10" presetClass="entr" presetSubtype="0" fill="hold" nodeType="clickEffect">
+                                  <p:stCondLst>
+                                    <p:cond delay="0"/>
+                                  </p:stCondLst>
+                                  <p:childTnLst>
+                                    <p:set>
+                                      <p:cBhvr>
+                                        <p:cTn id="6" dur="1" fill="hold">
+                                          <p:stCondLst>
+                                            <p:cond delay="0"/>
+                                          </p:stCondLst>
+                                        </p:cTn>
+                                        <p:tgtEl>
+                                          <p:spTgt spid="3">
+                                            <p:txEl>
+                                              <p:pRg st="2" end="2"/>
+                                            </p:txEl>
+                                          </p:spTgt>
+                                        </p:tgtEl>
+                                        <p:attrNameLst>
+                                          <p:attrName>style.visibility</p:attrName>
+                                        </p:attrNameLst>
+                                      </p:cBhvr>
+                                      <p:to>
+                                        <p:strVal val="visible"/>
+                                      </p:to>
+                                    </p:set>
+                                    <p:animEffect transition="in" filter="fade">
+                                      <p:cBhvr>
+                                        <p:cTn id="7" dur="500"/>
+                                        <p:tgtEl>
+                                          <p:spTgt spid="3">
+                                            <p:txEl>
+                                              <p:pRg st="2" end="2"/>
+                                            </p:txEl>
+                                          </p:spTgt>
+                                        </p:tgtEl>
+                                      </p:cBhvr>
+                                    </p:animEffect>
+                                  </p:childTnLst>
+                                </p:cTn>
+                              </p:par>
+                            </p:childTnLst>
+                          </p:cTn>
+                        </p:par>
+                      </p:childTnLst>
+                    </p:cTn>
+                  </p:par>
+                  <p:par>
+                    <p:cTn id="8" fill="hold">
+                      <p:stCondLst>
+                        <p:cond delay="indefinite"/>
+                      </p:stCondLst>
+                      <p:childTnLst>
+                        <p:par>
+                          <p:cTn id="9" fill="hold">
+                            <p:stCondLst>
+                              <p:cond delay="0"/>
+                            </p:stCondLst>
+                            <p:childTnLst>
+                              <p:par>
+                                <p:cTn id="10" presetID="10" presetClass="entr" presetSubtype="0" fill="hold" nodeType="clickEffect">
+                                  <p:stCondLst>
+                                    <p:cond delay="0"/>
+                                  </p:stCondLst>
+                                  <p:childTnLst>
+                                    <p:set>
+                                      <p:cBhvr>
+                                        <p:cTn id="11" dur="1" fill="hold">
+                                          <p:stCondLst>
+                                            <p:cond delay="0"/>
+                                          </p:stCondLst>
+                                        </p:cTn>
+                                        <p:tgtEl>
+                                          <p:spTgt spid="3">
+                                            <p:txEl>
+                                              <p:pRg st="4" end="4"/>
+                                            </p:txEl>
+                                          </p:spTgt>
+                                        </p:tgtEl>
+                                        <p:attrNameLst>
+                                          <p:attrName>style.visibility</p:attrName>
+                                        </p:attrNameLst>
+                                      </p:cBhvr>
+                                      <p:to>
+                                        <p:strVal val="visible"/>
+                                      </p:to>
+                                    </p:set>
+                                    <p:animEffect transition="in" filter="fade">
+                                      <p:cBhvr>
+                                        <p:cTn id="12" dur="500"/>
+                                        <p:tgtEl>
+                                          <p:spTgt spid="3">
+                                            <p:txEl>
+                                              <p:pRg st="4" end="4"/>
+                                            </p:txEl>
+                                          </p:spTgt>
+                                        </p:tgtEl>
+                                      </p:cBhvr>
+                                    </p:animEffect>
+                                  </p:childTnLst>
+                                </p:cTn>
+                              </p:par>
+                            </p:childTnLst>
+                          </p:cTn>
+                        </p:par>
+                      </p:childTnLst>
+                    </p:cTn>
+                  </p:par>
+                  <p:par>
+                    <p:cTn id="13" fill="hold">
+                      <p:stCondLst>
+                        <p:cond delay="indefinite"/>
+                      </p:stCondLst>
+                      <p:childTnLst>
+                        <p:par>
+                          <p:cTn id="14" fill="hold">
+                            <p:stCondLst>
+                              <p:cond delay="0"/>
+                            </p:stCondLst>
+                            <p:childTnLst>
+                              <p:par>
+                                <p:cTn id="15" presetID="10" presetClass="entr" presetSubtype="0" fill="hold" nodeType="clickEffect">
+                                  <p:stCondLst>
+                                    <p:cond delay="0"/>
+                                  </p:stCondLst>
+                                  <p:childTnLst>
+                                    <p:set>
+                                      <p:cBhvr>
+                                        <p:cTn id="16" dur="1" fill="hold">
+                                          <p:stCondLst>
+                                            <p:cond delay="0"/>
+                                          </p:stCondLst>
+                                        </p:cTn>
+                                        <p:tgtEl>
+                                          <p:spTgt spid="3">
+                                            <p:txEl>
+                                              <p:pRg st="6" end="6"/>
+                                            </p:txEl>
+                                          </p:spTgt>
+                                        </p:tgtEl>
+                                        <p:attrNameLst>
+                                          <p:attrName>style.visibility</p:attrName>
+                                        </p:attrNameLst>
+                                      </p:cBhvr>
+                                      <p:to>
+                                        <p:strVal val="visible"/>
+                                      </p:to>
+                                    </p:set>
+                                    <p:animEffect transition="in" filter="fade">
+                                      <p:cBhvr>
+                                        <p:cTn id="17" dur="500"/>
+                                        <p:tgtEl>
+                                          <p:spTgt spid="3">
+                                            <p:txEl>
+                                              <p:pRg st="6" end="6"/>
+                                            </p:txEl>
+                                          </p:spTgt>
+                                        </p:tgtEl>
+                                      </p:cBhvr>
+                                    </p:animEffect>
+                                  </p:childTnLst>
+                                </p:cTn>
+                              </p:par>
+                            </p:childTnLst>
+                          </p:cTn>
+                        </p:par>
+                      </p:childTnLst>
+                    </p:cTn>
+                  </p:par>
+                  <p:par>
+                    <p:cTn id="18" fill="hold">
+                      <p:stCondLst>
+                        <p:cond delay="indefinite"/>
+                      </p:stCondLst>
+                      <p:childTnLst>
+                        <p:par>
+                          <p:cTn id="19" fill="hold">
+                            <p:stCondLst>
+                              <p:cond delay="0"/>
+                            </p:stCondLst>
+                            <p:childTnLst>
+                              <p:par>
+                                <p:cTn id="20" presetID="10" presetClass="entr" presetSubtype="0" fill="hold" nodeType="clickEffect">
+                                  <p:stCondLst>
+                                    <p:cond delay="0"/>
+                                  </p:stCondLst>
+                                  <p:childTnLst>
+                                    <p:set>
+                                      <p:cBhvr>
+                                        <p:cTn id="21" dur="1" fill="hold">
+                                          <p:stCondLst>
+                                            <p:cond delay="0"/>
+                                          </p:stCondLst>
+                                        </p:cTn>
+                                        <p:tgtEl>
+                                          <p:spTgt spid="3">
+                                            <p:txEl>
+                                              <p:pRg st="8" end="8"/>
+                                            </p:txEl>
+                                          </p:spTgt>
+                                        </p:tgtEl>
+                                        <p:attrNameLst>
+                                          <p:attrName>style.visibility</p:attrName>
+                                        </p:attrNameLst>
+                                      </p:cBhvr>
+                                      <p:to>
+                                        <p:strVal val="visible"/>
+                                      </p:to>
+                                    </p:set>
+                                    <p:animEffect transition="in" filter="fade">
+                                      <p:cBhvr>
+                                        <p:cTn id="22" dur="500"/>
+                                        <p:tgtEl>
+                                          <p:spTgt spid="3">
+                                            <p:txEl>
+                                              <p:pRg st="8" end="8"/>
+                                            </p:txEl>
+                                          </p:spTgt>
+                                        </p:tgtEl>
+                                      </p:cBhvr>
+                                    </p:animEffect>
+                                  </p:childTnLst>
+                                </p:cTn>
+                              </p:par>
+                            </p:childTnLst>
+                          </p:cTn>
+                        </p:par>
+                      </p:childTnLst>
+                    </p:cTn>
+                  </p:par>
+                  <p:par>
+                    <p:cTn id="23" fill="hold">
+                      <p:stCondLst>
+                        <p:cond delay="indefinite"/>
+                      </p:stCondLst>
+                      <p:childTnLst>
+                        <p:par>
+                          <p:cTn id="24" fill="hold">
+                            <p:stCondLst>
+                              <p:cond delay="0"/>
+                            </p:stCondLst>
+                            <p:childTnLst>
+                              <p:par>
+                                <p:cTn id="25" presetID="10" presetClass="entr" presetSubtype="0" fill="hold" nodeType="clickEffect">
+                                  <p:stCondLst>
+                                    <p:cond delay="0"/>
+                                  </p:stCondLst>
+                                  <p:childTnLst>
+                                    <p:set>
+                                      <p:cBhvr>
+                                        <p:cTn id="26" dur="1" fill="hold">
+                                          <p:stCondLst>
+                                            <p:cond delay="0"/>
+                                          </p:stCondLst>
+                                        </p:cTn>
+                                        <p:tgtEl>
+                                          <p:spTgt spid="3">
+                                            <p:txEl>
+                                              <p:pRg st="10" end="10"/>
+                                            </p:txEl>
+                                          </p:spTgt>
+                                        </p:tgtEl>
+                                        <p:attrNameLst>
+                                          <p:attrName>style.visibility</p:attrName>
+                                        </p:attrNameLst>
+                                      </p:cBhvr>
+                                      <p:to>
+                                        <p:strVal val="visible"/>
+                                      </p:to>
+                                    </p:set>
+                                    <p:animEffect transition="in" filter="fade">
+                                      <p:cBhvr>
+                                        <p:cTn id="27" dur="500"/>
+                                        <p:tgtEl>
+                                          <p:spTgt spid="3">
+                                            <p:txEl>
+                                              <p:pRg st="10" end="10"/>
+                                            </p:txEl>
+                                          </p:spTgt>
+                                        </p:tgtEl>
+                                      </p:cBhvr>
+                                    </p:animEffect>
+                                  </p:childTnLst>
+                                </p:cTn>
+                              </p:par>
+                            </p:childTnLst>
+                          </p:cTn>
+                        </p:par>
+                      </p:childTnLst>
+                    </p:cTn>
+                  </p:par>
+                </p:childTnLst>
+              </p:cTn>
+              <p:prevCondLst>
+                <p:cond evt="onPrev" delay="0">
+                  <p:tgtEl>
+                    <p:sldTgt/>
+                  </p:tgtEl>
+                </p:cond>
+              </p:prevCondLst>
+              <p:nextCondLst>
+                <p:cond evt="onNext" delay="0">
+                  <p:tgtEl>
+                    <p:sldTgt/>
+                  </p:tgtEl>
+                </p:cond>
+              </p:nextCondLst>
+            </p:seq>
+          </p:childTnLst>
+        </p:cTn>
       </p:par>
     </p:tnLst>
   </p:timing>
@@ -10561,148 +10711,44 @@
           <a:p>
             <a:pPr algn="just"/>
             <a:r>
-              <a:rPr lang="en-US" dirty="0">
-                <a:solidFill>
-                  <a:schemeClr val="tx1"/>
-                </a:solidFill>
-              </a:rPr>
-              <a:t>W</a:t>
-            </a:r>
-            <a:r>
               <a:rPr lang="en-US" dirty="0" smtClean="0">
                 <a:solidFill>
                   <a:schemeClr val="tx1"/>
                 </a:solidFill>
               </a:rPr>
-              <a:t>e identified </a:t>
-            </a:r>
-            <a:r>
-              <a:rPr lang="en-US" dirty="0">
-                <a:solidFill>
-                  <a:schemeClr val="tx1"/>
-                </a:solidFill>
-              </a:rPr>
-              <a:t>trends and </a:t>
-            </a:r>
+              <a:t>We are currently developing the strategies to better define a SLA extension and data consumers preferences description for guiding data integration in multi-cloud environments</a:t>
+            </a:r>
+          </a:p>
+          <a:p>
+            <a:pPr algn="just"/>
+            <a:endParaRPr lang="en-US" dirty="0" smtClean="0">
+              <a:solidFill>
+                <a:schemeClr val="tx1"/>
+              </a:solidFill>
+            </a:endParaRPr>
+          </a:p>
+          <a:p>
+            <a:pPr algn="just"/>
             <a:r>
               <a:rPr lang="en-US" dirty="0" smtClean="0">
                 <a:solidFill>
                   <a:schemeClr val="tx1"/>
                 </a:solidFill>
               </a:rPr>
-              <a:t>open issues </a:t>
-            </a:r>
-            <a:r>
-              <a:rPr lang="en-US" dirty="0">
-                <a:solidFill>
-                  <a:schemeClr val="tx1"/>
-                </a:solidFill>
-              </a:rPr>
-              <a:t>in our research topic and proposed the general lines of an original </a:t>
-            </a:r>
-            <a:r>
-              <a:rPr lang="en-US" dirty="0" smtClean="0">
-                <a:solidFill>
-                  <a:schemeClr val="tx1"/>
-                </a:solidFill>
-              </a:rPr>
-              <a:t>data integration </a:t>
-            </a:r>
-            <a:r>
-              <a:rPr lang="en-US" dirty="0">
-                <a:solidFill>
-                  <a:schemeClr val="tx1"/>
-                </a:solidFill>
-              </a:rPr>
-              <a:t>solution. </a:t>
-            </a:r>
-            <a:endParaRPr lang="en-US" dirty="0" smtClean="0">
-              <a:solidFill>
-                <a:schemeClr val="tx1"/>
-              </a:solidFill>
-            </a:endParaRPr>
-          </a:p>
-          <a:p>
-            <a:pPr algn="just"/>
+              <a:t>We believe that it is possible to add and enhance the quality of data integration by including SLAs </a:t>
+            </a:r>
             <a:endParaRPr lang="en-US" dirty="0">
               <a:solidFill>
                 <a:schemeClr val="tx1"/>
               </a:solidFill>
             </a:endParaRPr>
           </a:p>
-          <a:p>
-            <a:pPr algn="just"/>
-            <a:r>
-              <a:rPr lang="en-US" dirty="0" smtClean="0">
-                <a:solidFill>
-                  <a:schemeClr val="tx1"/>
-                </a:solidFill>
-              </a:rPr>
-              <a:t>We </a:t>
-            </a:r>
-            <a:r>
-              <a:rPr lang="en-US" dirty="0">
-                <a:solidFill>
-                  <a:schemeClr val="tx1"/>
-                </a:solidFill>
-              </a:rPr>
-              <a:t>are also developing the strategies to better </a:t>
-            </a:r>
-            <a:r>
-              <a:rPr lang="en-US" dirty="0" smtClean="0">
-                <a:solidFill>
-                  <a:schemeClr val="tx1"/>
-                </a:solidFill>
-              </a:rPr>
-              <a:t>define </a:t>
-            </a:r>
-            <a:r>
-              <a:rPr lang="en-US" dirty="0">
-                <a:solidFill>
-                  <a:schemeClr val="tx1"/>
-                </a:solidFill>
-              </a:rPr>
-              <a:t>a </a:t>
-            </a:r>
-            <a:r>
-              <a:rPr lang="en-US" dirty="0" smtClean="0">
-                <a:solidFill>
-                  <a:schemeClr val="tx1"/>
-                </a:solidFill>
-              </a:rPr>
-              <a:t>SLA extension </a:t>
-            </a:r>
-            <a:r>
-              <a:rPr lang="en-US" dirty="0">
-                <a:solidFill>
-                  <a:schemeClr val="tx1"/>
-                </a:solidFill>
-              </a:rPr>
-              <a:t>and data consumers preferences description for guiding data </a:t>
-            </a:r>
-            <a:r>
-              <a:rPr lang="en-US" dirty="0" smtClean="0">
-                <a:solidFill>
-                  <a:schemeClr val="tx1"/>
-                </a:solidFill>
-              </a:rPr>
-              <a:t>integration </a:t>
-            </a:r>
-            <a:r>
-              <a:rPr lang="en-US" dirty="0">
-                <a:solidFill>
-                  <a:schemeClr val="tx1"/>
-                </a:solidFill>
-              </a:rPr>
-              <a:t>in multi-cloud environments.</a:t>
-            </a:r>
-          </a:p>
         </p:txBody>
       </p:sp>
     </p:spTree>
     <p:extLst>
       <p:ext uri="{BB962C8B-B14F-4D97-AF65-F5344CB8AC3E}">
-        <p14:creationId xmlns:p14="http://schemas.microsoft.com/office/powerpoint/2010/main" val="1663560043"/>
+        <p14:creationId xmlns:p14="http://schemas.microsoft.com/office/powerpoint/2010/main" val="4040582551"/>
       </p:ext>
     </p:extLst>
   </p:cSld>
@@ -10728,682 +10774,6 @@
 </file>
 
 <file path=ppt/slides/slide25.xml><?xml version="1.0" encoding="utf-8"?>
-<p:sld xmlns:a="http://schemas.openxmlformats.org/drawingml/2006/main" xmlns:r="http://schemas.openxmlformats.org/officeDocument/2006/relationships" xmlns:p="http://schemas.openxmlformats.org/presentationml/2006/main">
-  <p:cSld>
-    <p:spTree>
-      <p:nvGrpSpPr>
-        <p:cNvPr id="1" name=""/>
-        <p:cNvGrpSpPr/>
-        <p:nvPr/>
-      </p:nvGrpSpPr>
-      <p:grpSpPr>
-        <a:xfrm>
-          <a:off x="0" y="0"/>
-          <a:ext cx="0" cy="0"/>
-          <a:chOff x="0" y="0"/>
-          <a:chExt cx="0" cy="0"/>
-        </a:xfrm>
-      </p:grpSpPr>
-      <p:sp>
-        <p:nvSpPr>
-          <p:cNvPr id="2" name="Title 1"/>
-          <p:cNvSpPr>
-            <a:spLocks noGrp="1"/>
-          </p:cNvSpPr>
-          <p:nvPr>
-            <p:ph type="title"/>
-          </p:nvPr>
-        </p:nvSpPr>
-        <p:spPr/>
-        <p:txBody>
-          <a:bodyPr>
-            <a:normAutofit/>
-          </a:bodyPr>
-          <a:lstStyle/>
-          <a:p>
-            <a:r>
-              <a:rPr lang="en-US" dirty="0" smtClean="0"/>
-              <a:t>References</a:t>
-            </a:r>
-            <a:endParaRPr lang="en-US" dirty="0"/>
-          </a:p>
-        </p:txBody>
-      </p:sp>
-      <p:sp>
-        <p:nvSpPr>
-          <p:cNvPr id="3" name="Content Placeholder 2"/>
-          <p:cNvSpPr>
-            <a:spLocks noGrp="1"/>
-          </p:cNvSpPr>
-          <p:nvPr>
-            <p:ph idx="1"/>
-          </p:nvPr>
-        </p:nvSpPr>
-        <p:spPr>
-          <a:xfrm>
-            <a:off x="457200" y="1769016"/>
-            <a:ext cx="8229600" cy="4525963"/>
-          </a:xfrm>
-        </p:spPr>
-        <p:txBody>
-          <a:bodyPr>
-            <a:normAutofit fontScale="62500" lnSpcReduction="20000"/>
-          </a:bodyPr>
-          <a:lstStyle/>
-          <a:p>
-            <a:pPr marL="457200" indent="-457200" algn="just">
-              <a:buFont typeface="+mj-lt"/>
-              <a:buAutoNum type="arabicPeriod"/>
-            </a:pPr>
-            <a:r>
-              <a:rPr lang="en-US" dirty="0" smtClean="0">
-                <a:solidFill>
-                  <a:schemeClr val="tx1"/>
-                </a:solidFill>
-              </a:rPr>
-              <a:t>Mohamad </a:t>
-            </a:r>
-            <a:r>
-              <a:rPr lang="en-US" dirty="0" err="1">
-                <a:solidFill>
-                  <a:schemeClr val="tx1"/>
-                </a:solidFill>
-              </a:rPr>
-              <a:t>Hamze</a:t>
-            </a:r>
-            <a:r>
-              <a:rPr lang="en-US" dirty="0">
-                <a:solidFill>
-                  <a:schemeClr val="tx1"/>
-                </a:solidFill>
-              </a:rPr>
-              <a:t>, Nader </a:t>
-            </a:r>
-            <a:r>
-              <a:rPr lang="en-US" dirty="0" err="1">
-                <a:solidFill>
-                  <a:schemeClr val="tx1"/>
-                </a:solidFill>
-              </a:rPr>
-              <a:t>Mbarek</a:t>
-            </a:r>
-            <a:r>
-              <a:rPr lang="en-US" dirty="0">
-                <a:solidFill>
-                  <a:schemeClr val="tx1"/>
-                </a:solidFill>
-              </a:rPr>
-              <a:t>, and Olivier </a:t>
-            </a:r>
-            <a:r>
-              <a:rPr lang="en-US" dirty="0" err="1">
-                <a:solidFill>
-                  <a:schemeClr val="tx1"/>
-                </a:solidFill>
-              </a:rPr>
-              <a:t>Togni</a:t>
-            </a:r>
-            <a:r>
-              <a:rPr lang="en-US" dirty="0">
-                <a:solidFill>
-                  <a:schemeClr val="tx1"/>
-                </a:solidFill>
-              </a:rPr>
-              <a:t>. Self-establishing a </a:t>
-            </a:r>
-            <a:r>
-              <a:rPr lang="en-US" dirty="0" smtClean="0">
-                <a:solidFill>
-                  <a:schemeClr val="tx1"/>
-                </a:solidFill>
-              </a:rPr>
-              <a:t>Service Level </a:t>
-            </a:r>
-            <a:r>
-              <a:rPr lang="en-US" dirty="0">
-                <a:solidFill>
-                  <a:schemeClr val="tx1"/>
-                </a:solidFill>
-              </a:rPr>
-              <a:t>Agreement within autonomic cloud networking environment. In 2014 </a:t>
-            </a:r>
-            <a:r>
-              <a:rPr lang="en-US" dirty="0" smtClean="0">
-                <a:solidFill>
-                  <a:schemeClr val="tx1"/>
-                </a:solidFill>
-              </a:rPr>
-              <a:t>IEEE Network </a:t>
-            </a:r>
-            <a:r>
-              <a:rPr lang="en-US" dirty="0">
-                <a:solidFill>
-                  <a:schemeClr val="tx1"/>
-                </a:solidFill>
-              </a:rPr>
-              <a:t>Operations and Management Symposium (NOMS), pages </a:t>
-            </a:r>
-            <a:r>
-              <a:rPr lang="en-US" dirty="0" smtClean="0">
-                <a:solidFill>
-                  <a:schemeClr val="tx1"/>
-                </a:solidFill>
-              </a:rPr>
-              <a:t>1-4</a:t>
-            </a:r>
-            <a:r>
-              <a:rPr lang="en-US" dirty="0">
-                <a:solidFill>
-                  <a:schemeClr val="tx1"/>
-                </a:solidFill>
-              </a:rPr>
-              <a:t>. IEEE, </a:t>
-            </a:r>
-            <a:r>
-              <a:rPr lang="en-US" dirty="0" smtClean="0">
-                <a:solidFill>
-                  <a:schemeClr val="tx1"/>
-                </a:solidFill>
-              </a:rPr>
-              <a:t>May 2014.</a:t>
-            </a:r>
-          </a:p>
-          <a:p>
-            <a:pPr marL="457200" indent="-457200" algn="just">
-              <a:buFont typeface="+mj-lt"/>
-              <a:buAutoNum type="arabicPeriod"/>
-            </a:pPr>
-            <a:endParaRPr lang="en-US" dirty="0">
-              <a:solidFill>
-                <a:schemeClr val="tx1"/>
-              </a:solidFill>
-            </a:endParaRPr>
-          </a:p>
-          <a:p>
-            <a:pPr marL="457200" indent="-457200" algn="just">
-              <a:buFont typeface="+mj-lt"/>
-              <a:buAutoNum type="arabicPeriod"/>
-            </a:pPr>
-            <a:r>
-              <a:rPr lang="pt-BR" dirty="0" smtClean="0">
-                <a:solidFill>
-                  <a:schemeClr val="tx1"/>
-                </a:solidFill>
-              </a:rPr>
-              <a:t>Carlos </a:t>
-            </a:r>
-            <a:r>
-              <a:rPr lang="pt-BR" dirty="0">
-                <a:solidFill>
-                  <a:schemeClr val="tx1"/>
-                </a:solidFill>
-              </a:rPr>
-              <a:t>Pedrinaci, Jorge Cardoso, and Torsten Leidig. Linked USDL: A </a:t>
-            </a:r>
-            <a:r>
-              <a:rPr lang="pt-BR" dirty="0" smtClean="0">
-                <a:solidFill>
-                  <a:schemeClr val="tx1"/>
-                </a:solidFill>
-              </a:rPr>
-              <a:t>vocabulary </a:t>
-            </a:r>
-            <a:r>
-              <a:rPr lang="en-US" dirty="0" smtClean="0">
-                <a:solidFill>
-                  <a:schemeClr val="tx1"/>
-                </a:solidFill>
-              </a:rPr>
-              <a:t>for </a:t>
-            </a:r>
-            <a:r>
-              <a:rPr lang="en-US" dirty="0">
-                <a:solidFill>
-                  <a:schemeClr val="tx1"/>
-                </a:solidFill>
-              </a:rPr>
-              <a:t>web-scale service trading. In The Semantic Web: Trends and Challenges - </a:t>
-            </a:r>
-            <a:r>
-              <a:rPr lang="en-US" dirty="0" smtClean="0">
-                <a:solidFill>
-                  <a:schemeClr val="tx1"/>
-                </a:solidFill>
-              </a:rPr>
-              <a:t>11</a:t>
-            </a:r>
-            <a:r>
-              <a:rPr lang="en-US" baseline="30000" dirty="0" smtClean="0">
-                <a:solidFill>
-                  <a:schemeClr val="tx1"/>
-                </a:solidFill>
-              </a:rPr>
-              <a:t>th</a:t>
-            </a:r>
-            <a:r>
-              <a:rPr lang="en-US" dirty="0" smtClean="0">
-                <a:solidFill>
-                  <a:schemeClr val="tx1"/>
-                </a:solidFill>
-              </a:rPr>
-              <a:t> International </a:t>
-            </a:r>
-            <a:r>
-              <a:rPr lang="en-US" dirty="0">
-                <a:solidFill>
-                  <a:schemeClr val="tx1"/>
-                </a:solidFill>
-              </a:rPr>
-              <a:t>Conference, ESWC 2014, </a:t>
-            </a:r>
-            <a:r>
-              <a:rPr lang="en-US" dirty="0" err="1">
-                <a:solidFill>
-                  <a:schemeClr val="tx1"/>
-                </a:solidFill>
-              </a:rPr>
-              <a:t>Anissaras</a:t>
-            </a:r>
-            <a:r>
-              <a:rPr lang="en-US" dirty="0">
-                <a:solidFill>
-                  <a:schemeClr val="tx1"/>
-                </a:solidFill>
-              </a:rPr>
-              <a:t>, Crete, Greece, May 25-29, </a:t>
-            </a:r>
-            <a:r>
-              <a:rPr lang="en-US" dirty="0" smtClean="0">
-                <a:solidFill>
-                  <a:schemeClr val="tx1"/>
-                </a:solidFill>
-              </a:rPr>
-              <a:t>2014. Proceedings</a:t>
-            </a:r>
-            <a:r>
-              <a:rPr lang="en-US" dirty="0">
-                <a:solidFill>
-                  <a:schemeClr val="tx1"/>
-                </a:solidFill>
-              </a:rPr>
-              <a:t>, pages 68{82, 2014</a:t>
-            </a:r>
-            <a:r>
-              <a:rPr lang="en-US" dirty="0" smtClean="0">
-                <a:solidFill>
-                  <a:schemeClr val="tx1"/>
-                </a:solidFill>
-              </a:rPr>
-              <a:t>.</a:t>
-            </a:r>
-          </a:p>
-          <a:p>
-            <a:pPr marL="457200" indent="-457200" algn="just">
-              <a:buFont typeface="+mj-lt"/>
-              <a:buAutoNum type="arabicPeriod"/>
-            </a:pPr>
-            <a:endParaRPr lang="en-US" dirty="0">
-              <a:solidFill>
-                <a:schemeClr val="tx1"/>
-              </a:solidFill>
-            </a:endParaRPr>
-          </a:p>
-          <a:p>
-            <a:pPr marL="457200" indent="-457200" algn="just">
-              <a:buFont typeface="+mj-lt"/>
-              <a:buAutoNum type="arabicPeriod"/>
-            </a:pPr>
-            <a:r>
-              <a:rPr lang="en-US" dirty="0" smtClean="0">
-                <a:solidFill>
-                  <a:schemeClr val="tx1"/>
-                </a:solidFill>
-              </a:rPr>
-              <a:t>Kai </a:t>
-            </a:r>
-            <a:r>
-              <a:rPr lang="en-US" dirty="0">
-                <a:solidFill>
-                  <a:schemeClr val="tx1"/>
-                </a:solidFill>
-              </a:rPr>
-              <a:t>Petersen, Robert </a:t>
-            </a:r>
-            <a:r>
-              <a:rPr lang="en-US" dirty="0" err="1">
-                <a:solidFill>
-                  <a:schemeClr val="tx1"/>
-                </a:solidFill>
-              </a:rPr>
-              <a:t>Feldt</a:t>
-            </a:r>
-            <a:r>
-              <a:rPr lang="en-US" dirty="0">
-                <a:solidFill>
-                  <a:schemeClr val="tx1"/>
-                </a:solidFill>
-              </a:rPr>
-              <a:t>, </a:t>
-            </a:r>
-            <a:r>
-              <a:rPr lang="en-US" dirty="0" err="1">
-                <a:solidFill>
-                  <a:schemeClr val="tx1"/>
-                </a:solidFill>
-              </a:rPr>
-              <a:t>Shahid</a:t>
-            </a:r>
-            <a:r>
-              <a:rPr lang="en-US" dirty="0">
-                <a:solidFill>
-                  <a:schemeClr val="tx1"/>
-                </a:solidFill>
-              </a:rPr>
-              <a:t> </a:t>
-            </a:r>
-            <a:r>
-              <a:rPr lang="en-US" dirty="0" err="1">
-                <a:solidFill>
-                  <a:schemeClr val="tx1"/>
-                </a:solidFill>
-              </a:rPr>
-              <a:t>Mujtaba</a:t>
-            </a:r>
-            <a:r>
-              <a:rPr lang="en-US" dirty="0">
-                <a:solidFill>
-                  <a:schemeClr val="tx1"/>
-                </a:solidFill>
-              </a:rPr>
-              <a:t>, and Michael </a:t>
-            </a:r>
-            <a:r>
-              <a:rPr lang="en-US" dirty="0" err="1">
-                <a:solidFill>
-                  <a:schemeClr val="tx1"/>
-                </a:solidFill>
-              </a:rPr>
-              <a:t>Mattsson</a:t>
-            </a:r>
-            <a:r>
-              <a:rPr lang="en-US" dirty="0">
-                <a:solidFill>
-                  <a:schemeClr val="tx1"/>
-                </a:solidFill>
-              </a:rPr>
-              <a:t>. </a:t>
-            </a:r>
-            <a:r>
-              <a:rPr lang="en-US" dirty="0" smtClean="0">
-                <a:solidFill>
-                  <a:schemeClr val="tx1"/>
-                </a:solidFill>
-              </a:rPr>
-              <a:t>Systematic mapping </a:t>
-            </a:r>
-            <a:r>
-              <a:rPr lang="en-US" dirty="0">
-                <a:solidFill>
-                  <a:schemeClr val="tx1"/>
-                </a:solidFill>
-              </a:rPr>
-              <a:t>studies in software engineering. In Proceedings of the 12th </a:t>
-            </a:r>
-            <a:r>
-              <a:rPr lang="en-US" dirty="0" smtClean="0">
-                <a:solidFill>
-                  <a:schemeClr val="tx1"/>
-                </a:solidFill>
-              </a:rPr>
-              <a:t>International Conference </a:t>
-            </a:r>
-            <a:r>
-              <a:rPr lang="en-US" dirty="0">
-                <a:solidFill>
-                  <a:schemeClr val="tx1"/>
-                </a:solidFill>
-              </a:rPr>
-              <a:t>on Evaluation and Assessment in Software Engineering, EASE'08, </a:t>
-            </a:r>
-            <a:r>
-              <a:rPr lang="en-US" dirty="0" smtClean="0">
-                <a:solidFill>
-                  <a:schemeClr val="tx1"/>
-                </a:solidFill>
-              </a:rPr>
-              <a:t>pages 68-77, </a:t>
-            </a:r>
-            <a:r>
-              <a:rPr lang="en-US" dirty="0">
-                <a:solidFill>
-                  <a:schemeClr val="tx1"/>
-                </a:solidFill>
-              </a:rPr>
-              <a:t>Swinton, UK, UK, 2008. British Computer Society</a:t>
-            </a:r>
-            <a:r>
-              <a:rPr lang="en-US" dirty="0" smtClean="0">
-                <a:solidFill>
-                  <a:schemeClr val="tx1"/>
-                </a:solidFill>
-              </a:rPr>
-              <a:t>.</a:t>
-            </a:r>
-          </a:p>
-          <a:p>
-            <a:pPr marL="457200" indent="-457200" algn="just">
-              <a:buFont typeface="+mj-lt"/>
-              <a:buAutoNum type="arabicPeriod"/>
-            </a:pPr>
-            <a:endParaRPr lang="en-US" dirty="0">
-              <a:solidFill>
-                <a:schemeClr val="tx1"/>
-              </a:solidFill>
-            </a:endParaRPr>
-          </a:p>
-          <a:p>
-            <a:pPr marL="457200" indent="-457200" algn="just">
-              <a:buFont typeface="+mj-lt"/>
-              <a:buAutoNum type="arabicPeriod"/>
-            </a:pPr>
-            <a:r>
-              <a:rPr lang="en-US" dirty="0" err="1" smtClean="0">
-                <a:solidFill>
-                  <a:schemeClr val="tx1"/>
-                </a:solidFill>
-              </a:rPr>
-              <a:t>Pramod</a:t>
-            </a:r>
-            <a:r>
-              <a:rPr lang="en-US" dirty="0" smtClean="0">
-                <a:solidFill>
-                  <a:schemeClr val="tx1"/>
-                </a:solidFill>
-              </a:rPr>
-              <a:t> </a:t>
-            </a:r>
-            <a:r>
-              <a:rPr lang="en-US" dirty="0">
-                <a:solidFill>
-                  <a:schemeClr val="tx1"/>
-                </a:solidFill>
-              </a:rPr>
-              <a:t>J </a:t>
-            </a:r>
-            <a:r>
-              <a:rPr lang="en-US" dirty="0" err="1">
-                <a:solidFill>
-                  <a:schemeClr val="tx1"/>
-                </a:solidFill>
-              </a:rPr>
-              <a:t>Sadalage</a:t>
-            </a:r>
-            <a:r>
-              <a:rPr lang="en-US" dirty="0">
-                <a:solidFill>
-                  <a:schemeClr val="tx1"/>
-                </a:solidFill>
-              </a:rPr>
-              <a:t> and Martin Fowler. NoSQL distilled: a brief guide to the </a:t>
-            </a:r>
-            <a:r>
-              <a:rPr lang="en-US" dirty="0" smtClean="0">
-                <a:solidFill>
-                  <a:schemeClr val="tx1"/>
-                </a:solidFill>
-              </a:rPr>
-              <a:t>emerging </a:t>
-            </a:r>
-            <a:r>
-              <a:rPr lang="en-US" dirty="0">
-                <a:solidFill>
-                  <a:schemeClr val="tx1"/>
-                </a:solidFill>
-              </a:rPr>
-              <a:t>world of polyglot persistence. Pearson Education, 2012</a:t>
-            </a:r>
-            <a:r>
-              <a:rPr lang="en-US" dirty="0" smtClean="0">
-                <a:solidFill>
-                  <a:schemeClr val="tx1"/>
-                </a:solidFill>
-              </a:rPr>
-              <a:t>.</a:t>
-            </a:r>
-          </a:p>
-          <a:p>
-            <a:pPr marL="457200" indent="-457200" algn="just">
-              <a:buFont typeface="+mj-lt"/>
-              <a:buAutoNum type="arabicPeriod"/>
-            </a:pPr>
-            <a:endParaRPr lang="en-US" dirty="0">
-              <a:solidFill>
-                <a:schemeClr val="tx1"/>
-              </a:solidFill>
-            </a:endParaRPr>
-          </a:p>
-          <a:p>
-            <a:pPr marL="457200" indent="-457200" algn="just">
-              <a:buFont typeface="+mj-lt"/>
-              <a:buAutoNum type="arabicPeriod"/>
-            </a:pPr>
-            <a:r>
-              <a:rPr lang="en-US" dirty="0" smtClean="0">
-                <a:solidFill>
-                  <a:schemeClr val="tx1"/>
-                </a:solidFill>
-              </a:rPr>
-              <a:t>Stephen </a:t>
-            </a:r>
-            <a:r>
-              <a:rPr lang="en-US" dirty="0">
-                <a:solidFill>
-                  <a:schemeClr val="tx1"/>
-                </a:solidFill>
-              </a:rPr>
-              <a:t>S. </a:t>
-            </a:r>
-            <a:r>
-              <a:rPr lang="en-US" dirty="0" err="1">
-                <a:solidFill>
-                  <a:schemeClr val="tx1"/>
-                </a:solidFill>
-              </a:rPr>
-              <a:t>Yau</a:t>
-            </a:r>
-            <a:r>
-              <a:rPr lang="en-US" dirty="0">
-                <a:solidFill>
-                  <a:schemeClr val="tx1"/>
-                </a:solidFill>
-              </a:rPr>
-              <a:t> and Yin </a:t>
-            </a:r>
-            <a:r>
-              <a:rPr lang="en-US" dirty="0" err="1">
-                <a:solidFill>
-                  <a:schemeClr val="tx1"/>
-                </a:solidFill>
-              </a:rPr>
-              <a:t>Yin</a:t>
-            </a:r>
-            <a:r>
-              <a:rPr lang="en-US" dirty="0">
-                <a:solidFill>
-                  <a:schemeClr val="tx1"/>
-                </a:solidFill>
-              </a:rPr>
-              <a:t>. A privacy preserving repository for data </a:t>
-            </a:r>
-            <a:r>
-              <a:rPr lang="en-US" dirty="0" smtClean="0">
-                <a:solidFill>
-                  <a:schemeClr val="tx1"/>
-                </a:solidFill>
-              </a:rPr>
-              <a:t>integration across </a:t>
-            </a:r>
-            <a:r>
-              <a:rPr lang="en-US" dirty="0">
-                <a:solidFill>
-                  <a:schemeClr val="tx1"/>
-                </a:solidFill>
-              </a:rPr>
-              <a:t>data sharing services. IEEE T. Services Computing, </a:t>
-            </a:r>
-            <a:r>
-              <a:rPr lang="en-US" dirty="0" smtClean="0">
-                <a:solidFill>
-                  <a:schemeClr val="tx1"/>
-                </a:solidFill>
-              </a:rPr>
-              <a:t>1(3):130-140</a:t>
-            </a:r>
-            <a:r>
-              <a:rPr lang="en-US" dirty="0">
-                <a:solidFill>
-                  <a:schemeClr val="tx1"/>
-                </a:solidFill>
-              </a:rPr>
-              <a:t>, 2008.</a:t>
-            </a:r>
-            <a:endParaRPr lang="en-US" dirty="0" smtClean="0">
-              <a:solidFill>
-                <a:schemeClr val="tx1"/>
-              </a:solidFill>
-            </a:endParaRPr>
-          </a:p>
-        </p:txBody>
-      </p:sp>
-    </p:spTree>
-    <p:extLst>
-      <p:ext uri="{BB962C8B-B14F-4D97-AF65-F5344CB8AC3E}">
-        <p14:creationId xmlns:p14="http://schemas.microsoft.com/office/powerpoint/2010/main" val="387860288"/>
-      </p:ext>
-    </p:extLst>
-  </p:cSld>
-  <p:clrMapOvr>
-    <a:masterClrMapping/>
-  </p:clrMapOvr>
-  <mc:AlternateContent xmlns:mc="http://schemas.openxmlformats.org/markup-compatibility/2006" xmlns:p14="http://schemas.microsoft.com/office/powerpoint/2010/main">
-    <mc:Choice Requires="p14">
-      <p:transition spd="slow" p14:dur="2000"/>
-    </mc:Choice>
-    <mc:Fallback xmlns="">
-      <p:transition xmlns:p14="http://schemas.microsoft.com/office/powerpoint/2010/main" spd="slow"/>
-    </mc:Fallback>
-  </mc:AlternateContent>
-  <p:timing>
-    <p:tnLst>
-      <p:par>
-        <p:cTn id="1" dur="indefinite" restart="never" nodeType="tmRoot"/>
-      </p:par>
-    </p:tnLst>
-  </p:timing>
-</p:sld>
-</file>
-
-<file path=ppt/slides/slide26.xml><?xml version="1.0" encoding="utf-8"?>
 <p:sld xmlns:a="http://schemas.openxmlformats.org/drawingml/2006/main" xmlns:r="http://schemas.openxmlformats.org/officeDocument/2006/relationships" xmlns:p="http://schemas.openxmlformats.org/presentationml/2006/main">
   <p:cSld>
     <p:spTree>
@@ -12156,15 +11526,7 @@
                   <a:schemeClr val="tx1"/>
                 </a:solidFill>
               </a:rPr>
-              <a:t>In cloud scenario, quality aspects defined and agreed between service providers and service customers through cont</a:t>
-            </a:r>
-            <a:r>
-              <a:rPr lang="en-US" dirty="0" smtClean="0">
-                <a:solidFill>
-                  <a:schemeClr val="tx1"/>
-                </a:solidFill>
-              </a:rPr>
-              <a:t>racts</a:t>
+              <a:t>In cloud scenario, quality aspects defined and agreed between service providers and service customers through contracts</a:t>
             </a:r>
           </a:p>
           <a:p>
@@ -17809,6 +17171,24 @@
 </file>
 
 <file path=customXml/item1.xml><?xml version="1.0" encoding="utf-8"?>
+<p:properties xmlns:p="http://schemas.microsoft.com/office/2006/metadata/properties" xmlns:xsi="http://www.w3.org/2001/XMLSchema-instance" xmlns:pc="http://schemas.microsoft.com/office/infopath/2007/PartnerControls">
+  <documentManagement>
+    <_Version xmlns="http://schemas.microsoft.com/sharepoint/v3/fields" xsi:nil="true"/>
+    <_Status xmlns="http://schemas.microsoft.com/sharepoint/v3/fields">Not Started</_Status>
+  </documentManagement>
+</p:properties>
+</file>
+
+<file path=customXml/item2.xml><?xml version="1.0" encoding="utf-8"?>
+<?mso-contentType ?>
+<FormTemplates xmlns="http://schemas.microsoft.com/sharepoint/v3/contenttype/forms">
+  <Display>DocumentLibraryForm</Display>
+  <Edit>DocumentLibraryForm</Edit>
+  <New>DocumentLibraryForm</New>
+</FormTemplates>
+</file>
+
+<file path=customXml/item3.xml><?xml version="1.0" encoding="utf-8"?>
 <ct:contentTypeSchema xmlns:ct="http://schemas.microsoft.com/office/2006/metadata/contentType" xmlns:ma="http://schemas.microsoft.com/office/2006/metadata/properties/metaAttributes" ct:_="" ma:_="" ma:contentTypeName="Document" ma:contentTypeID="0x0101000DE64AEEDD9B7A4D93545ACBE97D4615" ma:contentTypeVersion="2" ma:contentTypeDescription="Create a new document." ma:contentTypeScope="" ma:versionID="f49002b78e3a4a71b814eef46a983816">
   <xsd:schema xmlns:xsd="http://www.w3.org/2001/XMLSchema" xmlns:xs="http://www.w3.org/2001/XMLSchema" xmlns:p="http://schemas.microsoft.com/office/2006/metadata/properties" xmlns:ns2="http://schemas.microsoft.com/sharepoint/v3/fields" targetNamespace="http://schemas.microsoft.com/office/2006/metadata/properties" ma:root="true" ma:fieldsID="38f6db2dd0d9a0cf6a8dc37be32b365b" ns2:_="">
     <xsd:import namespace="http://schemas.microsoft.com/sharepoint/v3/fields"/>
@@ -17952,25 +17332,25 @@
 </ct:contentTypeSchema>
 </file>
 
-<file path=customXml/item2.xml><?xml version="1.0" encoding="utf-8"?>
-<?mso-contentType ?>
-<FormTemplates xmlns="http://schemas.microsoft.com/sharepoint/v3/contenttype/forms">
-  <Display>DocumentLibraryForm</Display>
-  <Edit>DocumentLibraryForm</Edit>
-  <New>DocumentLibraryForm</New>
-</FormTemplates>
+<file path=customXml/itemProps1.xml><?xml version="1.0" encoding="utf-8"?>
+<ds:datastoreItem xmlns:ds="http://schemas.openxmlformats.org/officeDocument/2006/customXml" ds:itemID="{7B6F2769-7194-4217-93D3-3AF3A4742282}">
+  <ds:schemaRefs>
+    <ds:schemaRef ds:uri="http://schemas.microsoft.com/office/2006/metadata/properties"/>
+    <ds:schemaRef ds:uri="http://schemas.microsoft.com/office/infopath/2007/PartnerControls"/>
+    <ds:schemaRef ds:uri="http://schemas.microsoft.com/sharepoint/v3/fields"/>
+  </ds:schemaRefs>
+</ds:datastoreItem>
 </file>
 
-<file path=customXml/item3.xml><?xml version="1.0" encoding="utf-8"?>
-<p:properties xmlns:p="http://schemas.microsoft.com/office/2006/metadata/properties" xmlns:xsi="http://www.w3.org/2001/XMLSchema-instance" xmlns:pc="http://schemas.microsoft.com/office/infopath/2007/PartnerControls">
-  <documentManagement>
-    <_Version xmlns="http://schemas.microsoft.com/sharepoint/v3/fields" xsi:nil="true"/>
-    <_Status xmlns="http://schemas.microsoft.com/sharepoint/v3/fields">Not Started</_Status>
-  </documentManagement>
-</p:properties>
+<file path=customXml/itemProps2.xml><?xml version="1.0" encoding="utf-8"?>
+<ds:datastoreItem xmlns:ds="http://schemas.openxmlformats.org/officeDocument/2006/customXml" ds:itemID="{87D2A1B0-FF3E-4009-940D-AED0EB70AA20}">
+  <ds:schemaRefs>
+    <ds:schemaRef ds:uri="http://schemas.microsoft.com/sharepoint/v3/contenttype/forms"/>
+  </ds:schemaRefs>
+</ds:datastoreItem>
 </file>
 
-<file path=customXml/itemProps1.xml><?xml version="1.0" encoding="utf-8"?>
+<file path=customXml/itemProps3.xml><?xml version="1.0" encoding="utf-8"?>
 <ds:datastoreItem xmlns:ds="http://schemas.openxmlformats.org/officeDocument/2006/customXml" ds:itemID="{E4214858-785C-42F7-BE66-6D0E79395FC8}">
   <ds:schemaRefs>
     <ds:schemaRef ds:uri="http://schemas.microsoft.com/office/2006/metadata/contentType"/>
@@ -17986,22 +17366,4 @@
     <ds:schemaRef ds:uri="http://schemas.microsoft.com/internal/obd"/>
   </ds:schemaRefs>
 </ds:datastoreItem>
-</file>
-
-<file path=customXml/itemProps2.xml><?xml version="1.0" encoding="utf-8"?>
-<ds:datastoreItem xmlns:ds="http://schemas.openxmlformats.org/officeDocument/2006/customXml" ds:itemID="{87D2A1B0-FF3E-4009-940D-AED0EB70AA20}">
-  <ds:schemaRefs>
-    <ds:schemaRef ds:uri="http://schemas.microsoft.com/sharepoint/v3/contenttype/forms"/>
-  </ds:schemaRefs>
-</ds:datastoreItem>
-</file>
-
-<file path=customXml/itemProps3.xml><?xml version="1.0" encoding="utf-8"?>
-<ds:datastoreItem xmlns:ds="http://schemas.openxmlformats.org/officeDocument/2006/customXml" ds:itemID="{7B6F2769-7194-4217-93D3-3AF3A4742282}">
-  <ds:schemaRefs>
-    <ds:schemaRef ds:uri="http://schemas.microsoft.com/office/2006/metadata/properties"/>
-    <ds:schemaRef ds:uri="http://schemas.microsoft.com/office/infopath/2007/PartnerControls"/>
-    <ds:schemaRef ds:uri="http://schemas.microsoft.com/sharepoint/v3/fields"/>
-  </ds:schemaRefs>
-</ds:datastoreItem>
 </file>